--- a/docs/Computers in the Libraries.pptx
+++ b/docs/Computers in the Libraries.pptx
@@ -218,7 +218,7 @@
           <a:p>
             <a:fld id="{762B48F5-BACC-47D6-A0F7-82FBF9C6BC85}" type="datetimeFigureOut">
               <a:rPr lang="en-US"/>
-              <a:t>9/19/2017</a:t>
+              <a:t>9/20/2017</a:t>
             </a:fld>
             <a:endParaRPr/>
           </a:p>
@@ -383,7 +383,7 @@
           <a:p>
             <a:fld id="{0CB1CD00-5424-4675-AB18-2C419B060449}" type="datetimeFigureOut">
               <a:rPr lang="en-US"/>
-              <a:t>9/19/2017</a:t>
+              <a:t>9/20/2017</a:t>
             </a:fld>
             <a:endParaRPr/>
           </a:p>
@@ -1033,7 +1033,7 @@
           <a:p>
             <a:fld id="{37CC0096-1860-4642-9CD2-0079EA5E7CD1}" type="datetimeFigureOut">
               <a:rPr lang="en-US" smtClean="0"/>
-              <a:t>9/19/2017</a:t>
+              <a:t>9/20/2017</a:t>
             </a:fld>
             <a:endParaRPr lang="en-US"/>
           </a:p>
@@ -1212,7 +1212,7 @@
           <a:p>
             <a:fld id="{37CC0096-1860-4642-9CD2-0079EA5E7CD1}" type="datetimeFigureOut">
               <a:rPr lang="en-US" smtClean="0"/>
-              <a:t>9/19/2017</a:t>
+              <a:t>9/20/2017</a:t>
             </a:fld>
             <a:endParaRPr lang="en-US"/>
           </a:p>
@@ -1385,7 +1385,7 @@
           <a:p>
             <a:fld id="{37CC0096-1860-4642-9CD2-0079EA5E7CD1}" type="datetimeFigureOut">
               <a:rPr lang="en-US" smtClean="0"/>
-              <a:t>9/19/2017</a:t>
+              <a:t>9/20/2017</a:t>
             </a:fld>
             <a:endParaRPr lang="en-US"/>
           </a:p>
@@ -1818,7 +1818,7 @@
           <a:p>
             <a:fld id="{37CC0096-1860-4642-9CD2-0079EA5E7CD1}" type="datetimeFigureOut">
               <a:rPr lang="en-US" smtClean="0"/>
-              <a:t>9/19/2017</a:t>
+              <a:t>9/20/2017</a:t>
             </a:fld>
             <a:endParaRPr lang="en-US"/>
           </a:p>
@@ -2257,7 +2257,7 @@
           <a:p>
             <a:fld id="{37CC0096-1860-4642-9CD2-0079EA5E7CD1}" type="datetimeFigureOut">
               <a:rPr lang="en-US" smtClean="0"/>
-              <a:t>9/19/2017</a:t>
+              <a:t>9/20/2017</a:t>
             </a:fld>
             <a:endParaRPr lang="en-US"/>
           </a:p>
@@ -2374,7 +2374,7 @@
           <a:p>
             <a:fld id="{37CC0096-1860-4642-9CD2-0079EA5E7CD1}" type="datetimeFigureOut">
               <a:rPr lang="en-US" smtClean="0"/>
-              <a:t>9/19/2017</a:t>
+              <a:t>9/20/2017</a:t>
             </a:fld>
             <a:endParaRPr lang="en-US"/>
           </a:p>
@@ -2469,7 +2469,7 @@
           <a:p>
             <a:fld id="{37CC0096-1860-4642-9CD2-0079EA5E7CD1}" type="datetimeFigureOut">
               <a:rPr lang="en-US" smtClean="0"/>
-              <a:t>9/19/2017</a:t>
+              <a:t>9/20/2017</a:t>
             </a:fld>
             <a:endParaRPr lang="en-US"/>
           </a:p>
@@ -2753,7 +2753,7 @@
           <a:p>
             <a:fld id="{37CC0096-1860-4642-9CD2-0079EA5E7CD1}" type="datetimeFigureOut">
               <a:rPr lang="en-US" smtClean="0"/>
-              <a:t>9/19/2017</a:t>
+              <a:t>9/20/2017</a:t>
             </a:fld>
             <a:endParaRPr lang="en-US"/>
           </a:p>
@@ -3064,7 +3064,7 @@
           <a:p>
             <a:fld id="{37CC0096-1860-4642-9CD2-0079EA5E7CD1}" type="datetimeFigureOut">
               <a:rPr lang="en-US" smtClean="0"/>
-              <a:t>9/19/2017</a:t>
+              <a:t>9/20/2017</a:t>
             </a:fld>
             <a:endParaRPr lang="en-US"/>
           </a:p>
@@ -3296,7 +3296,7 @@
             <a:fld id="{37CC0096-1860-4642-9CD2-0079EA5E7CD1}" type="datetimeFigureOut">
               <a:rPr lang="en-US" smtClean="0"/>
               <a:pPr/>
-              <a:t>9/19/2017</a:t>
+              <a:t>9/20/2017</a:t>
             </a:fld>
             <a:endParaRPr lang="en-US"/>
           </a:p>
@@ -4137,7 +4137,7 @@
           <a:p>
             <a:r>
               <a:rPr lang="en-US" dirty="0"/>
-              <a:t>Correlations and theses:</a:t>
+              <a:t>Correlations and hypotheses:</a:t>
             </a:r>
           </a:p>
         </p:txBody>
@@ -4187,7 +4187,7 @@
           <a:p>
             <a:r>
               <a:rPr lang="en-US" dirty="0"/>
-              <a:t>Location:</a:t>
+              <a:t>Location: machines on group study v. quiet floors.</a:t>
             </a:r>
           </a:p>
           <a:p>
@@ -4200,7 +4200,7 @@
           <a:p>
             <a:r>
               <a:rPr lang="en-US" dirty="0"/>
-              <a:t>Configuration:</a:t>
+              <a:t>Configuration: single or dual monitors.</a:t>
             </a:r>
           </a:p>
           <a:p>
@@ -5022,141 +5022,6 @@
 </file>
 
 <file path=customXml/item1.xml><?xml version="1.0" encoding="utf-8"?>
-<p:properties xmlns:p="http://schemas.microsoft.com/office/2006/metadata/properties" xmlns:xsi="http://www.w3.org/2001/XMLSchema-instance" xmlns:pc="http://schemas.microsoft.com/office/infopath/2007/PartnerControls">
-  <documentManagement>
-    <DirectSourceMarket xmlns="4873beb7-5857-4685-be1f-d57550cc96cc" xsi:nil="true"/>
-    <ApprovalStatus xmlns="4873beb7-5857-4685-be1f-d57550cc96cc">InProgress</ApprovalStatus>
-    <MarketSpecific xmlns="4873beb7-5857-4685-be1f-d57550cc96cc">false</MarketSpecific>
-    <LocComments xmlns="4873beb7-5857-4685-be1f-d57550cc96cc" xsi:nil="true"/>
-    <ThumbnailAssetId xmlns="4873beb7-5857-4685-be1f-d57550cc96cc" xsi:nil="true"/>
-    <PrimaryImageGen xmlns="4873beb7-5857-4685-be1f-d57550cc96cc">true</PrimaryImageGen>
-    <LegacyData xmlns="4873beb7-5857-4685-be1f-d57550cc96cc" xsi:nil="true"/>
-    <LocRecommendedHandoff xmlns="4873beb7-5857-4685-be1f-d57550cc96cc" xsi:nil="true"/>
-    <BusinessGroup xmlns="4873beb7-5857-4685-be1f-d57550cc96cc" xsi:nil="true"/>
-    <BlockPublish xmlns="4873beb7-5857-4685-be1f-d57550cc96cc">false</BlockPublish>
-    <TPFriendlyName xmlns="4873beb7-5857-4685-be1f-d57550cc96cc" xsi:nil="true"/>
-    <NumericId xmlns="4873beb7-5857-4685-be1f-d57550cc96cc" xsi:nil="true"/>
-    <APEditor xmlns="4873beb7-5857-4685-be1f-d57550cc96cc">
-      <UserInfo>
-        <DisplayName/>
-        <AccountId xsi:nil="true"/>
-        <AccountType/>
-      </UserInfo>
-    </APEditor>
-    <SourceTitle xmlns="4873beb7-5857-4685-be1f-d57550cc96cc" xsi:nil="true"/>
-    <OpenTemplate xmlns="4873beb7-5857-4685-be1f-d57550cc96cc">true</OpenTemplate>
-    <UALocComments xmlns="4873beb7-5857-4685-be1f-d57550cc96cc" xsi:nil="true"/>
-    <ParentAssetId xmlns="4873beb7-5857-4685-be1f-d57550cc96cc" xsi:nil="true"/>
-    <IntlLangReviewDate xmlns="4873beb7-5857-4685-be1f-d57550cc96cc" xsi:nil="true"/>
-    <FeatureTagsTaxHTField0 xmlns="4873beb7-5857-4685-be1f-d57550cc96cc">
-      <Terms xmlns="http://schemas.microsoft.com/office/infopath/2007/PartnerControls"/>
-    </FeatureTagsTaxHTField0>
-    <PublishStatusLookup xmlns="4873beb7-5857-4685-be1f-d57550cc96cc">
-      <Value>1566889</Value>
-    </PublishStatusLookup>
-    <Providers xmlns="4873beb7-5857-4685-be1f-d57550cc96cc" xsi:nil="true"/>
-    <MachineTranslated xmlns="4873beb7-5857-4685-be1f-d57550cc96cc">false</MachineTranslated>
-    <OriginalSourceMarket xmlns="4873beb7-5857-4685-be1f-d57550cc96cc" xsi:nil="true"/>
-    <APDescription xmlns="4873beb7-5857-4685-be1f-d57550cc96cc" xsi:nil="true"/>
-    <ClipArtFilename xmlns="4873beb7-5857-4685-be1f-d57550cc96cc" xsi:nil="true"/>
-    <ContentItem xmlns="4873beb7-5857-4685-be1f-d57550cc96cc" xsi:nil="true"/>
-    <TPInstallLocation xmlns="4873beb7-5857-4685-be1f-d57550cc96cc" xsi:nil="true"/>
-    <PublishTargets xmlns="4873beb7-5857-4685-be1f-d57550cc96cc">OfficeOnlineVNext</PublishTargets>
-    <TimesCloned xmlns="4873beb7-5857-4685-be1f-d57550cc96cc" xsi:nil="true"/>
-    <AssetStart xmlns="4873beb7-5857-4685-be1f-d57550cc96cc">2012-05-23T08:44:00+00:00</AssetStart>
-    <Provider xmlns="4873beb7-5857-4685-be1f-d57550cc96cc" xsi:nil="true"/>
-    <AcquiredFrom xmlns="4873beb7-5857-4685-be1f-d57550cc96cc">Internal MS</AcquiredFrom>
-    <FriendlyTitle xmlns="4873beb7-5857-4685-be1f-d57550cc96cc" xsi:nil="true"/>
-    <LastHandOff xmlns="4873beb7-5857-4685-be1f-d57550cc96cc" xsi:nil="true"/>
-    <TPClientViewer xmlns="4873beb7-5857-4685-be1f-d57550cc96cc" xsi:nil="true"/>
-    <UACurrentWords xmlns="4873beb7-5857-4685-be1f-d57550cc96cc" xsi:nil="true"/>
-    <ArtSampleDocs xmlns="4873beb7-5857-4685-be1f-d57550cc96cc" xsi:nil="true"/>
-    <UALocRecommendation xmlns="4873beb7-5857-4685-be1f-d57550cc96cc">Localize</UALocRecommendation>
-    <Manager xmlns="4873beb7-5857-4685-be1f-d57550cc96cc" xsi:nil="true"/>
-    <ShowIn xmlns="4873beb7-5857-4685-be1f-d57550cc96cc">Show everywhere</ShowIn>
-    <UANotes xmlns="4873beb7-5857-4685-be1f-d57550cc96cc" xsi:nil="true"/>
-    <TemplateStatus xmlns="4873beb7-5857-4685-be1f-d57550cc96cc">Complete</TemplateStatus>
-    <InternalTagsTaxHTField0 xmlns="4873beb7-5857-4685-be1f-d57550cc96cc">
-      <Terms xmlns="http://schemas.microsoft.com/office/infopath/2007/PartnerControls"/>
-    </InternalTagsTaxHTField0>
-    <CSXHash xmlns="4873beb7-5857-4685-be1f-d57550cc96cc" xsi:nil="true"/>
-    <Downloads xmlns="4873beb7-5857-4685-be1f-d57550cc96cc">0</Downloads>
-    <VoteCount xmlns="4873beb7-5857-4685-be1f-d57550cc96cc" xsi:nil="true"/>
-    <OOCacheId xmlns="4873beb7-5857-4685-be1f-d57550cc96cc" xsi:nil="true"/>
-    <IsDeleted xmlns="4873beb7-5857-4685-be1f-d57550cc96cc">false</IsDeleted>
-    <AssetExpire xmlns="4873beb7-5857-4685-be1f-d57550cc96cc">2029-01-01T08:00:00+00:00</AssetExpire>
-    <DSATActionTaken xmlns="4873beb7-5857-4685-be1f-d57550cc96cc" xsi:nil="true"/>
-    <CSXSubmissionMarket xmlns="4873beb7-5857-4685-be1f-d57550cc96cc" xsi:nil="true"/>
-    <TPExecutable xmlns="4873beb7-5857-4685-be1f-d57550cc96cc" xsi:nil="true"/>
-    <SubmitterId xmlns="4873beb7-5857-4685-be1f-d57550cc96cc" xsi:nil="true"/>
-    <EditorialTags xmlns="4873beb7-5857-4685-be1f-d57550cc96cc" xsi:nil="true"/>
-    <ApprovalLog xmlns="4873beb7-5857-4685-be1f-d57550cc96cc" xsi:nil="true"/>
-    <AssetType xmlns="4873beb7-5857-4685-be1f-d57550cc96cc">TP</AssetType>
-    <BugNumber xmlns="4873beb7-5857-4685-be1f-d57550cc96cc" xsi:nil="true"/>
-    <CSXSubmissionDate xmlns="4873beb7-5857-4685-be1f-d57550cc96cc" xsi:nil="true"/>
-    <CSXUpdate xmlns="4873beb7-5857-4685-be1f-d57550cc96cc">false</CSXUpdate>
-    <Milestone xmlns="4873beb7-5857-4685-be1f-d57550cc96cc" xsi:nil="true"/>
-    <RecommendationsModifier xmlns="4873beb7-5857-4685-be1f-d57550cc96cc" xsi:nil="true"/>
-    <OriginAsset xmlns="4873beb7-5857-4685-be1f-d57550cc96cc" xsi:nil="true"/>
-    <TPComponent xmlns="4873beb7-5857-4685-be1f-d57550cc96cc" xsi:nil="true"/>
-    <AssetId xmlns="4873beb7-5857-4685-be1f-d57550cc96cc">TP102901017</AssetId>
-    <IntlLocPriority xmlns="4873beb7-5857-4685-be1f-d57550cc96cc" xsi:nil="true"/>
-    <PolicheckWords xmlns="4873beb7-5857-4685-be1f-d57550cc96cc" xsi:nil="true"/>
-    <TPLaunchHelpLink xmlns="4873beb7-5857-4685-be1f-d57550cc96cc" xsi:nil="true"/>
-    <TPApplication xmlns="4873beb7-5857-4685-be1f-d57550cc96cc" xsi:nil="true"/>
-    <CrawlForDependencies xmlns="4873beb7-5857-4685-be1f-d57550cc96cc">false</CrawlForDependencies>
-    <HandoffToMSDN xmlns="4873beb7-5857-4685-be1f-d57550cc96cc" xsi:nil="true"/>
-    <PlannedPubDate xmlns="4873beb7-5857-4685-be1f-d57550cc96cc" xsi:nil="true"/>
-    <IntlLangReviewer xmlns="4873beb7-5857-4685-be1f-d57550cc96cc" xsi:nil="true"/>
-    <TrustLevel xmlns="4873beb7-5857-4685-be1f-d57550cc96cc">1 Microsoft Managed Content</TrustLevel>
-    <LocLastLocAttemptVersionLookup xmlns="4873beb7-5857-4685-be1f-d57550cc96cc">836753</LocLastLocAttemptVersionLookup>
-    <IsSearchable xmlns="4873beb7-5857-4685-be1f-d57550cc96cc">true</IsSearchable>
-    <TemplateTemplateType xmlns="4873beb7-5857-4685-be1f-d57550cc96cc">PowerPoint Design Template</TemplateTemplateType>
-    <CampaignTagsTaxHTField0 xmlns="4873beb7-5857-4685-be1f-d57550cc96cc">
-      <Terms xmlns="http://schemas.microsoft.com/office/infopath/2007/PartnerControls"/>
-    </CampaignTagsTaxHTField0>
-    <TPNamespace xmlns="4873beb7-5857-4685-be1f-d57550cc96cc" xsi:nil="true"/>
-    <TaxCatchAll xmlns="4873beb7-5857-4685-be1f-d57550cc96cc"/>
-    <Markets xmlns="4873beb7-5857-4685-be1f-d57550cc96cc"/>
-    <UAProjectedTotalWords xmlns="4873beb7-5857-4685-be1f-d57550cc96cc" xsi:nil="true"/>
-    <IntlLangReview xmlns="4873beb7-5857-4685-be1f-d57550cc96cc">false</IntlLangReview>
-    <OutputCachingOn xmlns="4873beb7-5857-4685-be1f-d57550cc96cc">false</OutputCachingOn>
-    <AverageRating xmlns="4873beb7-5857-4685-be1f-d57550cc96cc" xsi:nil="true"/>
-    <APAuthor xmlns="4873beb7-5857-4685-be1f-d57550cc96cc">
-      <UserInfo>
-        <DisplayName>REDMOND\v-anij</DisplayName>
-        <AccountId>2469</AccountId>
-        <AccountType/>
-      </UserInfo>
-    </APAuthor>
-    <LocManualTestRequired xmlns="4873beb7-5857-4685-be1f-d57550cc96cc">false</LocManualTestRequired>
-    <TPCommandLine xmlns="4873beb7-5857-4685-be1f-d57550cc96cc" xsi:nil="true"/>
-    <TPAppVersion xmlns="4873beb7-5857-4685-be1f-d57550cc96cc" xsi:nil="true"/>
-    <EditorialStatus xmlns="4873beb7-5857-4685-be1f-d57550cc96cc">Complete</EditorialStatus>
-    <LastModifiedDateTime xmlns="4873beb7-5857-4685-be1f-d57550cc96cc" xsi:nil="true"/>
-    <ScenarioTagsTaxHTField0 xmlns="4873beb7-5857-4685-be1f-d57550cc96cc">
-      <Terms xmlns="http://schemas.microsoft.com/office/infopath/2007/PartnerControls"/>
-    </ScenarioTagsTaxHTField0>
-    <OriginalRelease xmlns="4873beb7-5857-4685-be1f-d57550cc96cc">15</OriginalRelease>
-    <TPLaunchHelpLinkType xmlns="4873beb7-5857-4685-be1f-d57550cc96cc">Template</TPLaunchHelpLinkType>
-    <LocalizationTagsTaxHTField0 xmlns="4873beb7-5857-4685-be1f-d57550cc96cc">
-      <Terms xmlns="http://schemas.microsoft.com/office/infopath/2007/PartnerControls"/>
-    </LocalizationTagsTaxHTField0>
-    <LocMarketGroupTiers2 xmlns="4873beb7-5857-4685-be1f-d57550cc96cc" xsi:nil="true"/>
-  </documentManagement>
-</p:properties>
-</file>
-
-<file path=customXml/item2.xml><?xml version="1.0" encoding="utf-8"?>
-<?mso-contentType ?>
-<FormTemplates xmlns="http://schemas.microsoft.com/sharepoint/v3/contenttype/forms">
-  <Display>DocumentLibraryForm</Display>
-  <Edit>AssetEditForm</Edit>
-  <New>DocumentLibraryForm</New>
-</FormTemplates>
-</file>
-
-<file path=customXml/item3.xml><?xml version="1.0" encoding="utf-8"?>
 <ct:contentTypeSchema xmlns:ct="http://schemas.microsoft.com/office/2006/metadata/contentType" xmlns:ma="http://schemas.microsoft.com/office/2006/metadata/properties/metaAttributes" ct:_="" ma:_="" ma:contentTypeName="TemplateFile" ma:contentTypeID="0x0101006EDDDB5EE6D98C44930B742096920B300400F5B6D36B3EF94B4E9A635CDF2A18F5B8" ma:contentTypeVersion="72" ma:contentTypeDescription="Create a new document." ma:contentTypeScope="" ma:versionID="a23e56308344d904b51738559c3d67c9">
   <xsd:schema xmlns:xsd="http://www.w3.org/2001/XMLSchema" xmlns:xs="http://www.w3.org/2001/XMLSchema" xmlns:p="http://schemas.microsoft.com/office/2006/metadata/properties" xmlns:ns2="4873beb7-5857-4685-be1f-d57550cc96cc" targetNamespace="http://schemas.microsoft.com/office/2006/metadata/properties" ma:root="true" ma:fieldsID="cd0908cc4600e77bf5da051303e00c8d" ns2:_="">
     <xsd:import namespace="4873beb7-5857-4685-be1f-d57550cc96cc"/>
@@ -6196,31 +6061,142 @@
 </ct:contentTypeSchema>
 </file>
 
-<file path=customXml/itemProps1.xml><?xml version="1.0" encoding="utf-8"?>
-<ds:datastoreItem xmlns:ds="http://schemas.openxmlformats.org/officeDocument/2006/customXml" ds:itemID="{04098515-0C12-46CF-BC7C-69B4A13CD5FA}">
-  <ds:schemaRefs>
-    <ds:schemaRef ds:uri="http://purl.org/dc/elements/1.1/"/>
-    <ds:schemaRef ds:uri="http://schemas.microsoft.com/office/2006/metadata/properties"/>
-    <ds:schemaRef ds:uri="http://purl.org/dc/terms/"/>
-    <ds:schemaRef ds:uri="http://schemas.microsoft.com/office/2006/documentManagement/types"/>
-    <ds:schemaRef ds:uri="4873beb7-5857-4685-be1f-d57550cc96cc"/>
-    <ds:schemaRef ds:uri="http://schemas.openxmlformats.org/package/2006/metadata/core-properties"/>
-    <ds:schemaRef ds:uri="http://schemas.microsoft.com/office/infopath/2007/PartnerControls"/>
-    <ds:schemaRef ds:uri="http://www.w3.org/XML/1998/namespace"/>
-    <ds:schemaRef ds:uri="http://purl.org/dc/dcmitype/"/>
-  </ds:schemaRefs>
-</ds:datastoreItem>
+<file path=customXml/item2.xml><?xml version="1.0" encoding="utf-8"?>
+<?mso-contentType ?>
+<FormTemplates xmlns="http://schemas.microsoft.com/sharepoint/v3/contenttype/forms">
+  <Display>DocumentLibraryForm</Display>
+  <Edit>AssetEditForm</Edit>
+  <New>DocumentLibraryForm</New>
+</FormTemplates>
 </file>
 
-<file path=customXml/itemProps2.xml><?xml version="1.0" encoding="utf-8"?>
-<ds:datastoreItem xmlns:ds="http://schemas.openxmlformats.org/officeDocument/2006/customXml" ds:itemID="{746CFF6F-D9AA-4BC0-911A-0A1356771912}">
-  <ds:schemaRefs>
-    <ds:schemaRef ds:uri="http://schemas.microsoft.com/sharepoint/v3/contenttype/forms"/>
-  </ds:schemaRefs>
-</ds:datastoreItem>
+<file path=customXml/item3.xml><?xml version="1.0" encoding="utf-8"?>
+<p:properties xmlns:p="http://schemas.microsoft.com/office/2006/metadata/properties" xmlns:xsi="http://www.w3.org/2001/XMLSchema-instance" xmlns:pc="http://schemas.microsoft.com/office/infopath/2007/PartnerControls">
+  <documentManagement>
+    <DirectSourceMarket xmlns="4873beb7-5857-4685-be1f-d57550cc96cc" xsi:nil="true"/>
+    <ApprovalStatus xmlns="4873beb7-5857-4685-be1f-d57550cc96cc">InProgress</ApprovalStatus>
+    <MarketSpecific xmlns="4873beb7-5857-4685-be1f-d57550cc96cc">false</MarketSpecific>
+    <LocComments xmlns="4873beb7-5857-4685-be1f-d57550cc96cc" xsi:nil="true"/>
+    <ThumbnailAssetId xmlns="4873beb7-5857-4685-be1f-d57550cc96cc" xsi:nil="true"/>
+    <PrimaryImageGen xmlns="4873beb7-5857-4685-be1f-d57550cc96cc">true</PrimaryImageGen>
+    <LegacyData xmlns="4873beb7-5857-4685-be1f-d57550cc96cc" xsi:nil="true"/>
+    <LocRecommendedHandoff xmlns="4873beb7-5857-4685-be1f-d57550cc96cc" xsi:nil="true"/>
+    <BusinessGroup xmlns="4873beb7-5857-4685-be1f-d57550cc96cc" xsi:nil="true"/>
+    <BlockPublish xmlns="4873beb7-5857-4685-be1f-d57550cc96cc">false</BlockPublish>
+    <TPFriendlyName xmlns="4873beb7-5857-4685-be1f-d57550cc96cc" xsi:nil="true"/>
+    <NumericId xmlns="4873beb7-5857-4685-be1f-d57550cc96cc" xsi:nil="true"/>
+    <APEditor xmlns="4873beb7-5857-4685-be1f-d57550cc96cc">
+      <UserInfo>
+        <DisplayName/>
+        <AccountId xsi:nil="true"/>
+        <AccountType/>
+      </UserInfo>
+    </APEditor>
+    <SourceTitle xmlns="4873beb7-5857-4685-be1f-d57550cc96cc" xsi:nil="true"/>
+    <OpenTemplate xmlns="4873beb7-5857-4685-be1f-d57550cc96cc">true</OpenTemplate>
+    <UALocComments xmlns="4873beb7-5857-4685-be1f-d57550cc96cc" xsi:nil="true"/>
+    <ParentAssetId xmlns="4873beb7-5857-4685-be1f-d57550cc96cc" xsi:nil="true"/>
+    <IntlLangReviewDate xmlns="4873beb7-5857-4685-be1f-d57550cc96cc" xsi:nil="true"/>
+    <FeatureTagsTaxHTField0 xmlns="4873beb7-5857-4685-be1f-d57550cc96cc">
+      <Terms xmlns="http://schemas.microsoft.com/office/infopath/2007/PartnerControls"/>
+    </FeatureTagsTaxHTField0>
+    <PublishStatusLookup xmlns="4873beb7-5857-4685-be1f-d57550cc96cc">
+      <Value>1566889</Value>
+    </PublishStatusLookup>
+    <Providers xmlns="4873beb7-5857-4685-be1f-d57550cc96cc" xsi:nil="true"/>
+    <MachineTranslated xmlns="4873beb7-5857-4685-be1f-d57550cc96cc">false</MachineTranslated>
+    <OriginalSourceMarket xmlns="4873beb7-5857-4685-be1f-d57550cc96cc" xsi:nil="true"/>
+    <APDescription xmlns="4873beb7-5857-4685-be1f-d57550cc96cc" xsi:nil="true"/>
+    <ClipArtFilename xmlns="4873beb7-5857-4685-be1f-d57550cc96cc" xsi:nil="true"/>
+    <ContentItem xmlns="4873beb7-5857-4685-be1f-d57550cc96cc" xsi:nil="true"/>
+    <TPInstallLocation xmlns="4873beb7-5857-4685-be1f-d57550cc96cc" xsi:nil="true"/>
+    <PublishTargets xmlns="4873beb7-5857-4685-be1f-d57550cc96cc">OfficeOnlineVNext</PublishTargets>
+    <TimesCloned xmlns="4873beb7-5857-4685-be1f-d57550cc96cc" xsi:nil="true"/>
+    <AssetStart xmlns="4873beb7-5857-4685-be1f-d57550cc96cc">2012-05-23T08:44:00+00:00</AssetStart>
+    <Provider xmlns="4873beb7-5857-4685-be1f-d57550cc96cc" xsi:nil="true"/>
+    <AcquiredFrom xmlns="4873beb7-5857-4685-be1f-d57550cc96cc">Internal MS</AcquiredFrom>
+    <FriendlyTitle xmlns="4873beb7-5857-4685-be1f-d57550cc96cc" xsi:nil="true"/>
+    <LastHandOff xmlns="4873beb7-5857-4685-be1f-d57550cc96cc" xsi:nil="true"/>
+    <TPClientViewer xmlns="4873beb7-5857-4685-be1f-d57550cc96cc" xsi:nil="true"/>
+    <UACurrentWords xmlns="4873beb7-5857-4685-be1f-d57550cc96cc" xsi:nil="true"/>
+    <ArtSampleDocs xmlns="4873beb7-5857-4685-be1f-d57550cc96cc" xsi:nil="true"/>
+    <UALocRecommendation xmlns="4873beb7-5857-4685-be1f-d57550cc96cc">Localize</UALocRecommendation>
+    <Manager xmlns="4873beb7-5857-4685-be1f-d57550cc96cc" xsi:nil="true"/>
+    <ShowIn xmlns="4873beb7-5857-4685-be1f-d57550cc96cc">Show everywhere</ShowIn>
+    <UANotes xmlns="4873beb7-5857-4685-be1f-d57550cc96cc" xsi:nil="true"/>
+    <TemplateStatus xmlns="4873beb7-5857-4685-be1f-d57550cc96cc">Complete</TemplateStatus>
+    <InternalTagsTaxHTField0 xmlns="4873beb7-5857-4685-be1f-d57550cc96cc">
+      <Terms xmlns="http://schemas.microsoft.com/office/infopath/2007/PartnerControls"/>
+    </InternalTagsTaxHTField0>
+    <CSXHash xmlns="4873beb7-5857-4685-be1f-d57550cc96cc" xsi:nil="true"/>
+    <Downloads xmlns="4873beb7-5857-4685-be1f-d57550cc96cc">0</Downloads>
+    <VoteCount xmlns="4873beb7-5857-4685-be1f-d57550cc96cc" xsi:nil="true"/>
+    <OOCacheId xmlns="4873beb7-5857-4685-be1f-d57550cc96cc" xsi:nil="true"/>
+    <IsDeleted xmlns="4873beb7-5857-4685-be1f-d57550cc96cc">false</IsDeleted>
+    <AssetExpire xmlns="4873beb7-5857-4685-be1f-d57550cc96cc">2029-01-01T08:00:00+00:00</AssetExpire>
+    <DSATActionTaken xmlns="4873beb7-5857-4685-be1f-d57550cc96cc" xsi:nil="true"/>
+    <CSXSubmissionMarket xmlns="4873beb7-5857-4685-be1f-d57550cc96cc" xsi:nil="true"/>
+    <TPExecutable xmlns="4873beb7-5857-4685-be1f-d57550cc96cc" xsi:nil="true"/>
+    <SubmitterId xmlns="4873beb7-5857-4685-be1f-d57550cc96cc" xsi:nil="true"/>
+    <EditorialTags xmlns="4873beb7-5857-4685-be1f-d57550cc96cc" xsi:nil="true"/>
+    <ApprovalLog xmlns="4873beb7-5857-4685-be1f-d57550cc96cc" xsi:nil="true"/>
+    <AssetType xmlns="4873beb7-5857-4685-be1f-d57550cc96cc">TP</AssetType>
+    <BugNumber xmlns="4873beb7-5857-4685-be1f-d57550cc96cc" xsi:nil="true"/>
+    <CSXSubmissionDate xmlns="4873beb7-5857-4685-be1f-d57550cc96cc" xsi:nil="true"/>
+    <CSXUpdate xmlns="4873beb7-5857-4685-be1f-d57550cc96cc">false</CSXUpdate>
+    <Milestone xmlns="4873beb7-5857-4685-be1f-d57550cc96cc" xsi:nil="true"/>
+    <RecommendationsModifier xmlns="4873beb7-5857-4685-be1f-d57550cc96cc" xsi:nil="true"/>
+    <OriginAsset xmlns="4873beb7-5857-4685-be1f-d57550cc96cc" xsi:nil="true"/>
+    <TPComponent xmlns="4873beb7-5857-4685-be1f-d57550cc96cc" xsi:nil="true"/>
+    <AssetId xmlns="4873beb7-5857-4685-be1f-d57550cc96cc">TP102901017</AssetId>
+    <IntlLocPriority xmlns="4873beb7-5857-4685-be1f-d57550cc96cc" xsi:nil="true"/>
+    <PolicheckWords xmlns="4873beb7-5857-4685-be1f-d57550cc96cc" xsi:nil="true"/>
+    <TPLaunchHelpLink xmlns="4873beb7-5857-4685-be1f-d57550cc96cc" xsi:nil="true"/>
+    <TPApplication xmlns="4873beb7-5857-4685-be1f-d57550cc96cc" xsi:nil="true"/>
+    <CrawlForDependencies xmlns="4873beb7-5857-4685-be1f-d57550cc96cc">false</CrawlForDependencies>
+    <HandoffToMSDN xmlns="4873beb7-5857-4685-be1f-d57550cc96cc" xsi:nil="true"/>
+    <PlannedPubDate xmlns="4873beb7-5857-4685-be1f-d57550cc96cc" xsi:nil="true"/>
+    <IntlLangReviewer xmlns="4873beb7-5857-4685-be1f-d57550cc96cc" xsi:nil="true"/>
+    <TrustLevel xmlns="4873beb7-5857-4685-be1f-d57550cc96cc">1 Microsoft Managed Content</TrustLevel>
+    <LocLastLocAttemptVersionLookup xmlns="4873beb7-5857-4685-be1f-d57550cc96cc">836753</LocLastLocAttemptVersionLookup>
+    <IsSearchable xmlns="4873beb7-5857-4685-be1f-d57550cc96cc">true</IsSearchable>
+    <TemplateTemplateType xmlns="4873beb7-5857-4685-be1f-d57550cc96cc">PowerPoint Design Template</TemplateTemplateType>
+    <CampaignTagsTaxHTField0 xmlns="4873beb7-5857-4685-be1f-d57550cc96cc">
+      <Terms xmlns="http://schemas.microsoft.com/office/infopath/2007/PartnerControls"/>
+    </CampaignTagsTaxHTField0>
+    <TPNamespace xmlns="4873beb7-5857-4685-be1f-d57550cc96cc" xsi:nil="true"/>
+    <TaxCatchAll xmlns="4873beb7-5857-4685-be1f-d57550cc96cc"/>
+    <Markets xmlns="4873beb7-5857-4685-be1f-d57550cc96cc"/>
+    <UAProjectedTotalWords xmlns="4873beb7-5857-4685-be1f-d57550cc96cc" xsi:nil="true"/>
+    <IntlLangReview xmlns="4873beb7-5857-4685-be1f-d57550cc96cc">false</IntlLangReview>
+    <OutputCachingOn xmlns="4873beb7-5857-4685-be1f-d57550cc96cc">false</OutputCachingOn>
+    <AverageRating xmlns="4873beb7-5857-4685-be1f-d57550cc96cc" xsi:nil="true"/>
+    <APAuthor xmlns="4873beb7-5857-4685-be1f-d57550cc96cc">
+      <UserInfo>
+        <DisplayName>REDMOND\v-anij</DisplayName>
+        <AccountId>2469</AccountId>
+        <AccountType/>
+      </UserInfo>
+    </APAuthor>
+    <LocManualTestRequired xmlns="4873beb7-5857-4685-be1f-d57550cc96cc">false</LocManualTestRequired>
+    <TPCommandLine xmlns="4873beb7-5857-4685-be1f-d57550cc96cc" xsi:nil="true"/>
+    <TPAppVersion xmlns="4873beb7-5857-4685-be1f-d57550cc96cc" xsi:nil="true"/>
+    <EditorialStatus xmlns="4873beb7-5857-4685-be1f-d57550cc96cc">Complete</EditorialStatus>
+    <LastModifiedDateTime xmlns="4873beb7-5857-4685-be1f-d57550cc96cc" xsi:nil="true"/>
+    <ScenarioTagsTaxHTField0 xmlns="4873beb7-5857-4685-be1f-d57550cc96cc">
+      <Terms xmlns="http://schemas.microsoft.com/office/infopath/2007/PartnerControls"/>
+    </ScenarioTagsTaxHTField0>
+    <OriginalRelease xmlns="4873beb7-5857-4685-be1f-d57550cc96cc">15</OriginalRelease>
+    <TPLaunchHelpLinkType xmlns="4873beb7-5857-4685-be1f-d57550cc96cc">Template</TPLaunchHelpLinkType>
+    <LocalizationTagsTaxHTField0 xmlns="4873beb7-5857-4685-be1f-d57550cc96cc">
+      <Terms xmlns="http://schemas.microsoft.com/office/infopath/2007/PartnerControls"/>
+    </LocalizationTagsTaxHTField0>
+    <LocMarketGroupTiers2 xmlns="4873beb7-5857-4685-be1f-d57550cc96cc" xsi:nil="true"/>
+  </documentManagement>
+</p:properties>
 </file>
 
-<file path=customXml/itemProps3.xml><?xml version="1.0" encoding="utf-8"?>
+<file path=customXml/itemProps1.xml><?xml version="1.0" encoding="utf-8"?>
 <ds:datastoreItem xmlns:ds="http://schemas.openxmlformats.org/officeDocument/2006/customXml" ds:itemID="{0B5C6E15-39DC-470B-9445-F754B9458020}">
   <ds:schemaRefs>
     <ds:schemaRef ds:uri="http://schemas.microsoft.com/office/2006/metadata/contentType"/>
@@ -6236,4 +6212,28 @@
     <ds:schemaRef ds:uri="http://schemas.microsoft.com/internal/obd"/>
   </ds:schemaRefs>
 </ds:datastoreItem>
+</file>
+
+<file path=customXml/itemProps2.xml><?xml version="1.0" encoding="utf-8"?>
+<ds:datastoreItem xmlns:ds="http://schemas.openxmlformats.org/officeDocument/2006/customXml" ds:itemID="{746CFF6F-D9AA-4BC0-911A-0A1356771912}">
+  <ds:schemaRefs>
+    <ds:schemaRef ds:uri="http://schemas.microsoft.com/sharepoint/v3/contenttype/forms"/>
+  </ds:schemaRefs>
+</ds:datastoreItem>
+</file>
+
+<file path=customXml/itemProps3.xml><?xml version="1.0" encoding="utf-8"?>
+<ds:datastoreItem xmlns:ds="http://schemas.openxmlformats.org/officeDocument/2006/customXml" ds:itemID="{04098515-0C12-46CF-BC7C-69B4A13CD5FA}">
+  <ds:schemaRefs>
+    <ds:schemaRef ds:uri="http://purl.org/dc/elements/1.1/"/>
+    <ds:schemaRef ds:uri="http://schemas.microsoft.com/office/2006/metadata/properties"/>
+    <ds:schemaRef ds:uri="http://purl.org/dc/terms/"/>
+    <ds:schemaRef ds:uri="http://schemas.microsoft.com/office/2006/documentManagement/types"/>
+    <ds:schemaRef ds:uri="4873beb7-5857-4685-be1f-d57550cc96cc"/>
+    <ds:schemaRef ds:uri="http://schemas.openxmlformats.org/package/2006/metadata/core-properties"/>
+    <ds:schemaRef ds:uri="http://schemas.microsoft.com/office/infopath/2007/PartnerControls"/>
+    <ds:schemaRef ds:uri="http://www.w3.org/XML/1998/namespace"/>
+    <ds:schemaRef ds:uri="http://purl.org/dc/dcmitype/"/>
+  </ds:schemaRefs>
+</ds:datastoreItem>
 </file>
--- a/docs/Computers in the Libraries.pptx
+++ b/docs/Computers in the Libraries.pptx
@@ -5,17 +5,21 @@
     <p:sldMasterId id="2147483648" r:id="rId4"/>
   </p:sldMasterIdLst>
   <p:notesMasterIdLst>
-    <p:notesMasterId r:id="rId10"/>
+    <p:notesMasterId r:id="rId14"/>
   </p:notesMasterIdLst>
   <p:handoutMasterIdLst>
-    <p:handoutMasterId r:id="rId11"/>
+    <p:handoutMasterId r:id="rId15"/>
   </p:handoutMasterIdLst>
   <p:sldIdLst>
     <p:sldId id="256" r:id="rId5"/>
     <p:sldId id="257" r:id="rId6"/>
     <p:sldId id="258" r:id="rId7"/>
-    <p:sldId id="260" r:id="rId8"/>
-    <p:sldId id="259" r:id="rId9"/>
+    <p:sldId id="259" r:id="rId8"/>
+    <p:sldId id="261" r:id="rId9"/>
+    <p:sldId id="262" r:id="rId10"/>
+    <p:sldId id="263" r:id="rId11"/>
+    <p:sldId id="264" r:id="rId12"/>
+    <p:sldId id="260" r:id="rId13"/>
   </p:sldIdLst>
   <p:sldSz cx="9144000" cy="6858000" type="screen4x3"/>
   <p:notesSz cx="6858000" cy="9144000"/>
@@ -4033,7 +4037,7 @@
           <a:p>
             <a:r>
               <a:rPr lang="en-US" dirty="0"/>
-              <a:t>Data formats:</a:t>
+              <a:t>Correlations and hypotheses:</a:t>
             </a:r>
           </a:p>
         </p:txBody>
@@ -4050,42 +4054,73 @@
         </p:nvSpPr>
         <p:spPr/>
         <p:txBody>
-          <a:bodyPr/>
+          <a:bodyPr>
+            <a:normAutofit fontScale="92500" lnSpcReduction="10000"/>
+          </a:bodyPr>
           <a:lstStyle/>
           <a:p>
             <a:r>
               <a:rPr lang="en-US" dirty="0"/>
-              <a:t>Computer usage data:</a:t>
+              <a:t>Weather: positively or negatively correlated with usage.</a:t>
             </a:r>
           </a:p>
           <a:p>
             <a:pPr lvl="1"/>
             <a:r>
-              <a:rPr lang="en-US" dirty="0">
-                <a:latin typeface="+mj-lt"/>
-              </a:rPr>
-              <a:t>CRR019,2016-07-01 14:10:24.793,in-use</a:t>
-            </a:r>
-          </a:p>
-          <a:p>
-            <a:r>
               <a:rPr lang="en-US" dirty="0"/>
-              <a:t>Weather Data</a:t>
-            </a:r>
-            <a:r>
-              <a:rPr lang="en-US" dirty="0">
-                <a:latin typeface="+mj-lt"/>
-              </a:rPr>
-              <a:t>:</a:t>
+              <a:t>Students prefer to stay at home on days where it is cold/raining.</a:t>
+            </a:r>
+          </a:p>
+          <a:p>
+            <a:r>
+              <a:rPr lang="en-US" dirty="0"/>
+              <a:t>Hours:  some machines are available 24/5. Others are not.</a:t>
             </a:r>
           </a:p>
           <a:p>
             <a:pPr lvl="1"/>
             <a:r>
-              <a:rPr lang="en-US" dirty="0">
-                <a:latin typeface="+mj-lt"/>
-              </a:rPr>
-              <a:t>FM-15 FEW:02 50 BKN:07 75 OVC:08 90 10 </a:t>
+              <a:rPr lang="en-US" dirty="0"/>
+              <a:t>An increase in availability necessarily indicates a commensurate increase in usage.</a:t>
+            </a:r>
+          </a:p>
+          <a:p>
+            <a:r>
+              <a:rPr lang="en-US" dirty="0"/>
+              <a:t>Location: machines on group study v. quiet floors.</a:t>
+            </a:r>
+          </a:p>
+          <a:p>
+            <a:pPr lvl="1"/>
+            <a:r>
+              <a:rPr lang="en-US" dirty="0"/>
+              <a:t>Machines on group study floors are used less frequently.</a:t>
+            </a:r>
+          </a:p>
+          <a:p>
+            <a:r>
+              <a:rPr lang="en-US" dirty="0"/>
+              <a:t>Configuration: single or dual monitors.</a:t>
+            </a:r>
+          </a:p>
+          <a:p>
+            <a:pPr lvl="1"/>
+            <a:r>
+              <a:rPr lang="en-US" dirty="0"/>
+              <a:t>Machines with dual monitors are preferred.</a:t>
+            </a:r>
+          </a:p>
+          <a:p>
+            <a:r>
+              <a:rPr lang="en-US" dirty="0"/>
+              <a:t>Schedules: exam times &amp; breaks can change the data</a:t>
+            </a:r>
+          </a:p>
+          <a:p>
+            <a:pPr lvl="1"/>
+            <a:r>
+              <a:rPr lang="en-US" dirty="0"/>
+              <a:t>Usage peaks during exam times, and drops off during breaks.</a:t>
             </a:r>
           </a:p>
         </p:txBody>
@@ -4093,7 +4128,7 @@
     </p:spTree>
     <p:extLst>
       <p:ext uri="{BB962C8B-B14F-4D97-AF65-F5344CB8AC3E}">
-        <p14:creationId xmlns:p14="http://schemas.microsoft.com/office/powerpoint/2010/main" val="229676773"/>
+        <p14:creationId xmlns:p14="http://schemas.microsoft.com/office/powerpoint/2010/main" val="3194114272"/>
       </p:ext>
     </p:extLst>
   </p:cSld>
@@ -4137,7 +4172,7 @@
           <a:p>
             <a:r>
               <a:rPr lang="en-US" dirty="0"/>
-              <a:t>Correlations and hypotheses:</a:t>
+              <a:t>Basic Tasks</a:t>
             </a:r>
           </a:p>
         </p:txBody>
@@ -4155,80 +4190,454 @@
         <p:spPr/>
         <p:txBody>
           <a:bodyPr>
-            <a:normAutofit fontScale="92500" lnSpcReduction="10000"/>
+            <a:normAutofit/>
           </a:bodyPr>
           <a:lstStyle/>
           <a:p>
             <a:r>
               <a:rPr lang="en-US" dirty="0"/>
-              <a:t>Weather: positively or negatively correlated with usage.</a:t>
-            </a:r>
-          </a:p>
-          <a:p>
-            <a:pPr lvl="1"/>
+              <a:t>1.a) Calculate total time computer in use per hour,      </a:t>
+            </a:r>
+          </a:p>
+          <a:p>
             <a:r>
               <a:rPr lang="en-US" dirty="0"/>
-              <a:t>Students prefer to stay at home on days where it is cold/raining.</a:t>
+              <a:t>1.b) "" per day,    </a:t>
             </a:r>
           </a:p>
           <a:p>
             <a:r>
               <a:rPr lang="en-US" dirty="0"/>
-              <a:t>Hours:  some machines are available 24/5. Others are not.</a:t>
-            </a:r>
-          </a:p>
-          <a:p>
-            <a:pPr lvl="1"/>
+              <a:t>1.c "" per week,    </a:t>
+            </a:r>
+          </a:p>
+          <a:p>
             <a:r>
               <a:rPr lang="en-US" dirty="0"/>
-              <a:t>An increase in availability necessarily indicates a commensurate increase in usage.</a:t>
+              <a:t>1.d "" per semester    </a:t>
             </a:r>
           </a:p>
           <a:p>
             <a:r>
               <a:rPr lang="en-US" dirty="0"/>
-              <a:t>Location: machines on group study v. quiet floors.</a:t>
-            </a:r>
-          </a:p>
-          <a:p>
-            <a:pPr lvl="1"/>
+              <a:t>2. Compare 1) against frequency of inclement rainfall   </a:t>
+            </a:r>
+          </a:p>
+          <a:p>
             <a:r>
               <a:rPr lang="en-US" dirty="0"/>
-              <a:t>Machines on group study floors are used less frequently.</a:t>
+              <a:t>3. Compare 1) against times/days/weeks of exams    </a:t>
             </a:r>
           </a:p>
           <a:p>
             <a:r>
               <a:rPr lang="en-US" dirty="0"/>
-              <a:t>Configuration: single or dual monitors.</a:t>
-            </a:r>
-          </a:p>
-          <a:p>
-            <a:pPr lvl="1"/>
+              <a:t>4. Compare 1) against </a:t>
+            </a:r>
+            <a:r>
+              <a:rPr lang="en-US" dirty="0" err="1"/>
+              <a:t>libary</a:t>
+            </a:r>
             <a:r>
               <a:rPr lang="en-US" dirty="0"/>
-              <a:t>Machines with dual monitors are preferred.</a:t>
-            </a:r>
-          </a:p>
-          <a:p>
-            <a:r>
-              <a:rPr lang="en-US" dirty="0"/>
-              <a:t>Schedules: exam times &amp; breaks can change the data</a:t>
-            </a:r>
-          </a:p>
-          <a:p>
-            <a:pPr lvl="1"/>
-            <a:r>
-              <a:rPr lang="en-US" dirty="0"/>
-              <a:t>Usage peaks during exam times, and drops off during breaks.</a:t>
-            </a:r>
+              <a:t> </a:t>
+            </a:r>
+            <a:r>
+              <a:rPr lang="en-US" dirty="0" err="1"/>
+              <a:t>populaton</a:t>
+            </a:r>
+            <a:endParaRPr lang="en-US" dirty="0"/>
           </a:p>
         </p:txBody>
       </p:sp>
     </p:spTree>
     <p:extLst>
       <p:ext uri="{BB962C8B-B14F-4D97-AF65-F5344CB8AC3E}">
-        <p14:creationId xmlns:p14="http://schemas.microsoft.com/office/powerpoint/2010/main" val="3194114272"/>
+        <p14:creationId xmlns:p14="http://schemas.microsoft.com/office/powerpoint/2010/main" val="3234339838"/>
+      </p:ext>
+    </p:extLst>
+  </p:cSld>
+  <p:clrMapOvr>
+    <a:masterClrMapping/>
+  </p:clrMapOvr>
+</p:sld>
+</file>
+
+<file path=ppt/slides/slide6.xml><?xml version="1.0" encoding="utf-8"?>
+<p:sld xmlns:a="http://schemas.openxmlformats.org/drawingml/2006/main" xmlns:r="http://schemas.openxmlformats.org/officeDocument/2006/relationships" xmlns:p="http://schemas.openxmlformats.org/presentationml/2006/main">
+  <p:cSld>
+    <p:spTree>
+      <p:nvGrpSpPr>
+        <p:cNvPr id="1" name=""/>
+        <p:cNvGrpSpPr/>
+        <p:nvPr/>
+      </p:nvGrpSpPr>
+      <p:grpSpPr>
+        <a:xfrm>
+          <a:off x="0" y="0"/>
+          <a:ext cx="0" cy="0"/>
+          <a:chOff x="0" y="0"/>
+          <a:chExt cx="0" cy="0"/>
+        </a:xfrm>
+      </p:grpSpPr>
+      <p:sp>
+        <p:nvSpPr>
+          <p:cNvPr id="2" name="Title 1"/>
+          <p:cNvSpPr>
+            <a:spLocks noGrp="1"/>
+          </p:cNvSpPr>
+          <p:nvPr>
+            <p:ph type="title"/>
+          </p:nvPr>
+        </p:nvSpPr>
+        <p:spPr/>
+        <p:txBody>
+          <a:bodyPr/>
+          <a:lstStyle/>
+          <a:p>
+            <a:r>
+              <a:rPr lang="en-US" dirty="0"/>
+              <a:t>Further Tasks</a:t>
+            </a:r>
+          </a:p>
+        </p:txBody>
+      </p:sp>
+      <p:sp>
+        <p:nvSpPr>
+          <p:cNvPr id="3" name="Content Placeholder 2"/>
+          <p:cNvSpPr>
+            <a:spLocks noGrp="1"/>
+          </p:cNvSpPr>
+          <p:nvPr>
+            <p:ph idx="1"/>
+          </p:nvPr>
+        </p:nvSpPr>
+        <p:spPr/>
+        <p:txBody>
+          <a:bodyPr>
+            <a:normAutofit/>
+          </a:bodyPr>
+          <a:lstStyle/>
+          <a:p>
+            <a:r>
+              <a:rPr lang="en-US" dirty="0"/>
+              <a:t>1. Label each computer with terms 'window', 'dual monitor', 'quiet floor', or any combination of the three.    </a:t>
+            </a:r>
+          </a:p>
+          <a:p>
+            <a:r>
+              <a:rPr lang="en-US" dirty="0"/>
+              <a:t>2. Run all the basic tasks on each </a:t>
+            </a:r>
+            <a:r>
+              <a:rPr lang="en-US" dirty="0" err="1"/>
+              <a:t>seperate</a:t>
+            </a:r>
+            <a:r>
+              <a:rPr lang="en-US" dirty="0"/>
+              <a:t> category of computer.    </a:t>
+            </a:r>
+          </a:p>
+          <a:p>
+            <a:r>
+              <a:rPr lang="en-US" dirty="0"/>
+              <a:t>3. Graph all the above data together? Draw conclusions: Which computers are used most often and when? Does weather affect how often/how much computers are used?    </a:t>
+            </a:r>
+            <a:endParaRPr lang="en-US" dirty="0"/>
+          </a:p>
+        </p:txBody>
+      </p:sp>
+    </p:spTree>
+    <p:extLst>
+      <p:ext uri="{BB962C8B-B14F-4D97-AF65-F5344CB8AC3E}">
+        <p14:creationId xmlns:p14="http://schemas.microsoft.com/office/powerpoint/2010/main" val="2691266719"/>
+      </p:ext>
+    </p:extLst>
+  </p:cSld>
+  <p:clrMapOvr>
+    <a:masterClrMapping/>
+  </p:clrMapOvr>
+</p:sld>
+</file>
+
+<file path=ppt/slides/slide7.xml><?xml version="1.0" encoding="utf-8"?>
+<p:sld xmlns:a="http://schemas.openxmlformats.org/drawingml/2006/main" xmlns:r="http://schemas.openxmlformats.org/officeDocument/2006/relationships" xmlns:p="http://schemas.openxmlformats.org/presentationml/2006/main">
+  <p:cSld>
+    <p:spTree>
+      <p:nvGrpSpPr>
+        <p:cNvPr id="1" name=""/>
+        <p:cNvGrpSpPr/>
+        <p:nvPr/>
+      </p:nvGrpSpPr>
+      <p:grpSpPr>
+        <a:xfrm>
+          <a:off x="0" y="0"/>
+          <a:ext cx="0" cy="0"/>
+          <a:chOff x="0" y="0"/>
+          <a:chExt cx="0" cy="0"/>
+        </a:xfrm>
+      </p:grpSpPr>
+      <p:sp>
+        <p:nvSpPr>
+          <p:cNvPr id="2" name="Title 1"/>
+          <p:cNvSpPr>
+            <a:spLocks noGrp="1"/>
+          </p:cNvSpPr>
+          <p:nvPr>
+            <p:ph type="title"/>
+          </p:nvPr>
+        </p:nvSpPr>
+        <p:spPr/>
+        <p:txBody>
+          <a:bodyPr/>
+          <a:lstStyle/>
+          <a:p>
+            <a:r>
+              <a:rPr lang="en-US" dirty="0"/>
+              <a:t>Final tasks</a:t>
+            </a:r>
+          </a:p>
+        </p:txBody>
+      </p:sp>
+      <p:sp>
+        <p:nvSpPr>
+          <p:cNvPr id="3" name="Content Placeholder 2"/>
+          <p:cNvSpPr>
+            <a:spLocks noGrp="1"/>
+          </p:cNvSpPr>
+          <p:nvPr>
+            <p:ph idx="1"/>
+          </p:nvPr>
+        </p:nvSpPr>
+        <p:spPr/>
+        <p:txBody>
+          <a:bodyPr/>
+          <a:lstStyle/>
+          <a:p>
+            <a:r>
+              <a:rPr lang="en-US" dirty="0"/>
+              <a:t>1. Make a heat map of 'best' computers    </a:t>
+            </a:r>
+          </a:p>
+          <a:p>
+            <a:r>
+              <a:rPr lang="en-US" dirty="0"/>
+              <a:t>2. Machine Learning - predict which computers will be used when and how often</a:t>
+            </a:r>
+            <a:endParaRPr lang="en-US" dirty="0"/>
+          </a:p>
+        </p:txBody>
+      </p:sp>
+    </p:spTree>
+    <p:extLst>
+      <p:ext uri="{BB962C8B-B14F-4D97-AF65-F5344CB8AC3E}">
+        <p14:creationId xmlns:p14="http://schemas.microsoft.com/office/powerpoint/2010/main" val="1482670227"/>
+      </p:ext>
+    </p:extLst>
+  </p:cSld>
+  <p:clrMapOvr>
+    <a:masterClrMapping/>
+  </p:clrMapOvr>
+</p:sld>
+</file>
+
+<file path=ppt/slides/slide8.xml><?xml version="1.0" encoding="utf-8"?>
+<p:sld xmlns:a="http://schemas.openxmlformats.org/drawingml/2006/main" xmlns:r="http://schemas.openxmlformats.org/officeDocument/2006/relationships" xmlns:p="http://schemas.openxmlformats.org/presentationml/2006/main">
+  <p:cSld>
+    <p:spTree>
+      <p:nvGrpSpPr>
+        <p:cNvPr id="1" name=""/>
+        <p:cNvGrpSpPr/>
+        <p:nvPr/>
+      </p:nvGrpSpPr>
+      <p:grpSpPr>
+        <a:xfrm>
+          <a:off x="0" y="0"/>
+          <a:ext cx="0" cy="0"/>
+          <a:chOff x="0" y="0"/>
+          <a:chExt cx="0" cy="0"/>
+        </a:xfrm>
+      </p:grpSpPr>
+      <p:sp>
+        <p:nvSpPr>
+          <p:cNvPr id="2" name="Title 1"/>
+          <p:cNvSpPr>
+            <a:spLocks noGrp="1"/>
+          </p:cNvSpPr>
+          <p:nvPr>
+            <p:ph type="title"/>
+          </p:nvPr>
+        </p:nvSpPr>
+        <p:spPr/>
+        <p:txBody>
+          <a:bodyPr/>
+          <a:lstStyle/>
+          <a:p>
+            <a:r>
+              <a:rPr lang="en-US" dirty="0"/>
+              <a:t>Assignments</a:t>
+            </a:r>
+          </a:p>
+        </p:txBody>
+      </p:sp>
+      <p:sp>
+        <p:nvSpPr>
+          <p:cNvPr id="3" name="Content Placeholder 2"/>
+          <p:cNvSpPr>
+            <a:spLocks noGrp="1"/>
+          </p:cNvSpPr>
+          <p:nvPr>
+            <p:ph idx="1"/>
+          </p:nvPr>
+        </p:nvSpPr>
+        <p:spPr/>
+        <p:txBody>
+          <a:bodyPr/>
+          <a:lstStyle/>
+          <a:p>
+            <a:r>
+              <a:rPr lang="en-US" dirty="0"/>
+              <a:t>Brown   -label computers. </a:t>
+            </a:r>
+          </a:p>
+          <a:p>
+            <a:r>
+              <a:rPr lang="en-US" dirty="0"/>
+              <a:t>Michael    -look into Machine Learning - what would be needed?</a:t>
+            </a:r>
+          </a:p>
+          <a:p>
+            <a:r>
+              <a:rPr lang="en-US" dirty="0"/>
+              <a:t>Nick    -find feasibility of SQL tables vs. Pandas </a:t>
+            </a:r>
+            <a:r>
+              <a:rPr lang="en-US" dirty="0" err="1"/>
+              <a:t>dataframe</a:t>
+            </a:r>
+            <a:endParaRPr lang="en-US"/>
+          </a:p>
+          <a:p>
+            <a:r>
+              <a:rPr lang="en-US"/>
+              <a:t>Patti   </a:t>
+            </a:r>
+            <a:r>
+              <a:rPr lang="en-US" dirty="0"/>
+              <a:t>-code editing/ documentation/ testing</a:t>
+            </a:r>
+            <a:endParaRPr lang="en-US" dirty="0"/>
+          </a:p>
+        </p:txBody>
+      </p:sp>
+    </p:spTree>
+    <p:extLst>
+      <p:ext uri="{BB962C8B-B14F-4D97-AF65-F5344CB8AC3E}">
+        <p14:creationId xmlns:p14="http://schemas.microsoft.com/office/powerpoint/2010/main" val="2853307716"/>
+      </p:ext>
+    </p:extLst>
+  </p:cSld>
+  <p:clrMapOvr>
+    <a:masterClrMapping/>
+  </p:clrMapOvr>
+</p:sld>
+</file>
+
+<file path=ppt/slides/slide9.xml><?xml version="1.0" encoding="utf-8"?>
+<p:sld xmlns:a="http://schemas.openxmlformats.org/drawingml/2006/main" xmlns:r="http://schemas.openxmlformats.org/officeDocument/2006/relationships" xmlns:p="http://schemas.openxmlformats.org/presentationml/2006/main">
+  <p:cSld>
+    <p:spTree>
+      <p:nvGrpSpPr>
+        <p:cNvPr id="1" name=""/>
+        <p:cNvGrpSpPr/>
+        <p:nvPr/>
+      </p:nvGrpSpPr>
+      <p:grpSpPr>
+        <a:xfrm>
+          <a:off x="0" y="0"/>
+          <a:ext cx="0" cy="0"/>
+          <a:chOff x="0" y="0"/>
+          <a:chExt cx="0" cy="0"/>
+        </a:xfrm>
+      </p:grpSpPr>
+      <p:sp>
+        <p:nvSpPr>
+          <p:cNvPr id="2" name="Title 1"/>
+          <p:cNvSpPr>
+            <a:spLocks noGrp="1"/>
+          </p:cNvSpPr>
+          <p:nvPr>
+            <p:ph type="title"/>
+          </p:nvPr>
+        </p:nvSpPr>
+        <p:spPr/>
+        <p:txBody>
+          <a:bodyPr/>
+          <a:lstStyle/>
+          <a:p>
+            <a:r>
+              <a:rPr lang="en-US" dirty="0"/>
+              <a:t>Data formats:</a:t>
+            </a:r>
+          </a:p>
+        </p:txBody>
+      </p:sp>
+      <p:sp>
+        <p:nvSpPr>
+          <p:cNvPr id="3" name="Content Placeholder 2"/>
+          <p:cNvSpPr>
+            <a:spLocks noGrp="1"/>
+          </p:cNvSpPr>
+          <p:nvPr>
+            <p:ph idx="1"/>
+          </p:nvPr>
+        </p:nvSpPr>
+        <p:spPr/>
+        <p:txBody>
+          <a:bodyPr/>
+          <a:lstStyle/>
+          <a:p>
+            <a:r>
+              <a:rPr lang="en-US" dirty="0"/>
+              <a:t>Computer usage data:</a:t>
+            </a:r>
+          </a:p>
+          <a:p>
+            <a:pPr lvl="1"/>
+            <a:r>
+              <a:rPr lang="en-US" dirty="0">
+                <a:latin typeface="+mj-lt"/>
+              </a:rPr>
+              <a:t>CRR019,2016-07-01 14:10:24.793,in-use</a:t>
+            </a:r>
+          </a:p>
+          <a:p>
+            <a:r>
+              <a:rPr lang="en-US" dirty="0"/>
+              <a:t>Weather Data</a:t>
+            </a:r>
+            <a:r>
+              <a:rPr lang="en-US" dirty="0">
+                <a:latin typeface="+mj-lt"/>
+              </a:rPr>
+              <a:t>:</a:t>
+            </a:r>
+          </a:p>
+          <a:p>
+            <a:pPr lvl="1"/>
+            <a:r>
+              <a:rPr lang="en-US" dirty="0">
+                <a:latin typeface="+mj-lt"/>
+              </a:rPr>
+              <a:t>FM-15 FEW:02 50 BKN:07 75 OVC:08 90 10 </a:t>
+            </a:r>
+          </a:p>
+        </p:txBody>
+      </p:sp>
+    </p:spTree>
+    <p:extLst>
+      <p:ext uri="{BB962C8B-B14F-4D97-AF65-F5344CB8AC3E}">
+        <p14:creationId xmlns:p14="http://schemas.microsoft.com/office/powerpoint/2010/main" val="229676773"/>
       </p:ext>
     </p:extLst>
   </p:cSld>
@@ -5022,6 +5431,141 @@
 </file>
 
 <file path=customXml/item1.xml><?xml version="1.0" encoding="utf-8"?>
+<p:properties xmlns:p="http://schemas.microsoft.com/office/2006/metadata/properties" xmlns:xsi="http://www.w3.org/2001/XMLSchema-instance" xmlns:pc="http://schemas.microsoft.com/office/infopath/2007/PartnerControls">
+  <documentManagement>
+    <DirectSourceMarket xmlns="4873beb7-5857-4685-be1f-d57550cc96cc" xsi:nil="true"/>
+    <ApprovalStatus xmlns="4873beb7-5857-4685-be1f-d57550cc96cc">InProgress</ApprovalStatus>
+    <MarketSpecific xmlns="4873beb7-5857-4685-be1f-d57550cc96cc">false</MarketSpecific>
+    <LocComments xmlns="4873beb7-5857-4685-be1f-d57550cc96cc" xsi:nil="true"/>
+    <ThumbnailAssetId xmlns="4873beb7-5857-4685-be1f-d57550cc96cc" xsi:nil="true"/>
+    <PrimaryImageGen xmlns="4873beb7-5857-4685-be1f-d57550cc96cc">true</PrimaryImageGen>
+    <LegacyData xmlns="4873beb7-5857-4685-be1f-d57550cc96cc" xsi:nil="true"/>
+    <LocRecommendedHandoff xmlns="4873beb7-5857-4685-be1f-d57550cc96cc" xsi:nil="true"/>
+    <BusinessGroup xmlns="4873beb7-5857-4685-be1f-d57550cc96cc" xsi:nil="true"/>
+    <BlockPublish xmlns="4873beb7-5857-4685-be1f-d57550cc96cc">false</BlockPublish>
+    <TPFriendlyName xmlns="4873beb7-5857-4685-be1f-d57550cc96cc" xsi:nil="true"/>
+    <NumericId xmlns="4873beb7-5857-4685-be1f-d57550cc96cc" xsi:nil="true"/>
+    <APEditor xmlns="4873beb7-5857-4685-be1f-d57550cc96cc">
+      <UserInfo>
+        <DisplayName/>
+        <AccountId xsi:nil="true"/>
+        <AccountType/>
+      </UserInfo>
+    </APEditor>
+    <SourceTitle xmlns="4873beb7-5857-4685-be1f-d57550cc96cc" xsi:nil="true"/>
+    <OpenTemplate xmlns="4873beb7-5857-4685-be1f-d57550cc96cc">true</OpenTemplate>
+    <UALocComments xmlns="4873beb7-5857-4685-be1f-d57550cc96cc" xsi:nil="true"/>
+    <ParentAssetId xmlns="4873beb7-5857-4685-be1f-d57550cc96cc" xsi:nil="true"/>
+    <IntlLangReviewDate xmlns="4873beb7-5857-4685-be1f-d57550cc96cc" xsi:nil="true"/>
+    <FeatureTagsTaxHTField0 xmlns="4873beb7-5857-4685-be1f-d57550cc96cc">
+      <Terms xmlns="http://schemas.microsoft.com/office/infopath/2007/PartnerControls"/>
+    </FeatureTagsTaxHTField0>
+    <PublishStatusLookup xmlns="4873beb7-5857-4685-be1f-d57550cc96cc">
+      <Value>1566889</Value>
+    </PublishStatusLookup>
+    <Providers xmlns="4873beb7-5857-4685-be1f-d57550cc96cc" xsi:nil="true"/>
+    <MachineTranslated xmlns="4873beb7-5857-4685-be1f-d57550cc96cc">false</MachineTranslated>
+    <OriginalSourceMarket xmlns="4873beb7-5857-4685-be1f-d57550cc96cc" xsi:nil="true"/>
+    <APDescription xmlns="4873beb7-5857-4685-be1f-d57550cc96cc" xsi:nil="true"/>
+    <ClipArtFilename xmlns="4873beb7-5857-4685-be1f-d57550cc96cc" xsi:nil="true"/>
+    <ContentItem xmlns="4873beb7-5857-4685-be1f-d57550cc96cc" xsi:nil="true"/>
+    <TPInstallLocation xmlns="4873beb7-5857-4685-be1f-d57550cc96cc" xsi:nil="true"/>
+    <PublishTargets xmlns="4873beb7-5857-4685-be1f-d57550cc96cc">OfficeOnlineVNext</PublishTargets>
+    <TimesCloned xmlns="4873beb7-5857-4685-be1f-d57550cc96cc" xsi:nil="true"/>
+    <AssetStart xmlns="4873beb7-5857-4685-be1f-d57550cc96cc">2012-05-23T08:44:00+00:00</AssetStart>
+    <Provider xmlns="4873beb7-5857-4685-be1f-d57550cc96cc" xsi:nil="true"/>
+    <AcquiredFrom xmlns="4873beb7-5857-4685-be1f-d57550cc96cc">Internal MS</AcquiredFrom>
+    <FriendlyTitle xmlns="4873beb7-5857-4685-be1f-d57550cc96cc" xsi:nil="true"/>
+    <LastHandOff xmlns="4873beb7-5857-4685-be1f-d57550cc96cc" xsi:nil="true"/>
+    <TPClientViewer xmlns="4873beb7-5857-4685-be1f-d57550cc96cc" xsi:nil="true"/>
+    <UACurrentWords xmlns="4873beb7-5857-4685-be1f-d57550cc96cc" xsi:nil="true"/>
+    <ArtSampleDocs xmlns="4873beb7-5857-4685-be1f-d57550cc96cc" xsi:nil="true"/>
+    <UALocRecommendation xmlns="4873beb7-5857-4685-be1f-d57550cc96cc">Localize</UALocRecommendation>
+    <Manager xmlns="4873beb7-5857-4685-be1f-d57550cc96cc" xsi:nil="true"/>
+    <ShowIn xmlns="4873beb7-5857-4685-be1f-d57550cc96cc">Show everywhere</ShowIn>
+    <UANotes xmlns="4873beb7-5857-4685-be1f-d57550cc96cc" xsi:nil="true"/>
+    <TemplateStatus xmlns="4873beb7-5857-4685-be1f-d57550cc96cc">Complete</TemplateStatus>
+    <InternalTagsTaxHTField0 xmlns="4873beb7-5857-4685-be1f-d57550cc96cc">
+      <Terms xmlns="http://schemas.microsoft.com/office/infopath/2007/PartnerControls"/>
+    </InternalTagsTaxHTField0>
+    <CSXHash xmlns="4873beb7-5857-4685-be1f-d57550cc96cc" xsi:nil="true"/>
+    <Downloads xmlns="4873beb7-5857-4685-be1f-d57550cc96cc">0</Downloads>
+    <VoteCount xmlns="4873beb7-5857-4685-be1f-d57550cc96cc" xsi:nil="true"/>
+    <OOCacheId xmlns="4873beb7-5857-4685-be1f-d57550cc96cc" xsi:nil="true"/>
+    <IsDeleted xmlns="4873beb7-5857-4685-be1f-d57550cc96cc">false</IsDeleted>
+    <AssetExpire xmlns="4873beb7-5857-4685-be1f-d57550cc96cc">2029-01-01T08:00:00+00:00</AssetExpire>
+    <DSATActionTaken xmlns="4873beb7-5857-4685-be1f-d57550cc96cc" xsi:nil="true"/>
+    <CSXSubmissionMarket xmlns="4873beb7-5857-4685-be1f-d57550cc96cc" xsi:nil="true"/>
+    <TPExecutable xmlns="4873beb7-5857-4685-be1f-d57550cc96cc" xsi:nil="true"/>
+    <SubmitterId xmlns="4873beb7-5857-4685-be1f-d57550cc96cc" xsi:nil="true"/>
+    <EditorialTags xmlns="4873beb7-5857-4685-be1f-d57550cc96cc" xsi:nil="true"/>
+    <ApprovalLog xmlns="4873beb7-5857-4685-be1f-d57550cc96cc" xsi:nil="true"/>
+    <AssetType xmlns="4873beb7-5857-4685-be1f-d57550cc96cc">TP</AssetType>
+    <BugNumber xmlns="4873beb7-5857-4685-be1f-d57550cc96cc" xsi:nil="true"/>
+    <CSXSubmissionDate xmlns="4873beb7-5857-4685-be1f-d57550cc96cc" xsi:nil="true"/>
+    <CSXUpdate xmlns="4873beb7-5857-4685-be1f-d57550cc96cc">false</CSXUpdate>
+    <Milestone xmlns="4873beb7-5857-4685-be1f-d57550cc96cc" xsi:nil="true"/>
+    <RecommendationsModifier xmlns="4873beb7-5857-4685-be1f-d57550cc96cc" xsi:nil="true"/>
+    <OriginAsset xmlns="4873beb7-5857-4685-be1f-d57550cc96cc" xsi:nil="true"/>
+    <TPComponent xmlns="4873beb7-5857-4685-be1f-d57550cc96cc" xsi:nil="true"/>
+    <AssetId xmlns="4873beb7-5857-4685-be1f-d57550cc96cc">TP102901017</AssetId>
+    <IntlLocPriority xmlns="4873beb7-5857-4685-be1f-d57550cc96cc" xsi:nil="true"/>
+    <PolicheckWords xmlns="4873beb7-5857-4685-be1f-d57550cc96cc" xsi:nil="true"/>
+    <TPLaunchHelpLink xmlns="4873beb7-5857-4685-be1f-d57550cc96cc" xsi:nil="true"/>
+    <TPApplication xmlns="4873beb7-5857-4685-be1f-d57550cc96cc" xsi:nil="true"/>
+    <CrawlForDependencies xmlns="4873beb7-5857-4685-be1f-d57550cc96cc">false</CrawlForDependencies>
+    <HandoffToMSDN xmlns="4873beb7-5857-4685-be1f-d57550cc96cc" xsi:nil="true"/>
+    <PlannedPubDate xmlns="4873beb7-5857-4685-be1f-d57550cc96cc" xsi:nil="true"/>
+    <IntlLangReviewer xmlns="4873beb7-5857-4685-be1f-d57550cc96cc" xsi:nil="true"/>
+    <TrustLevel xmlns="4873beb7-5857-4685-be1f-d57550cc96cc">1 Microsoft Managed Content</TrustLevel>
+    <LocLastLocAttemptVersionLookup xmlns="4873beb7-5857-4685-be1f-d57550cc96cc">836753</LocLastLocAttemptVersionLookup>
+    <IsSearchable xmlns="4873beb7-5857-4685-be1f-d57550cc96cc">true</IsSearchable>
+    <TemplateTemplateType xmlns="4873beb7-5857-4685-be1f-d57550cc96cc">PowerPoint Design Template</TemplateTemplateType>
+    <CampaignTagsTaxHTField0 xmlns="4873beb7-5857-4685-be1f-d57550cc96cc">
+      <Terms xmlns="http://schemas.microsoft.com/office/infopath/2007/PartnerControls"/>
+    </CampaignTagsTaxHTField0>
+    <TPNamespace xmlns="4873beb7-5857-4685-be1f-d57550cc96cc" xsi:nil="true"/>
+    <TaxCatchAll xmlns="4873beb7-5857-4685-be1f-d57550cc96cc"/>
+    <Markets xmlns="4873beb7-5857-4685-be1f-d57550cc96cc"/>
+    <UAProjectedTotalWords xmlns="4873beb7-5857-4685-be1f-d57550cc96cc" xsi:nil="true"/>
+    <IntlLangReview xmlns="4873beb7-5857-4685-be1f-d57550cc96cc">false</IntlLangReview>
+    <OutputCachingOn xmlns="4873beb7-5857-4685-be1f-d57550cc96cc">false</OutputCachingOn>
+    <AverageRating xmlns="4873beb7-5857-4685-be1f-d57550cc96cc" xsi:nil="true"/>
+    <APAuthor xmlns="4873beb7-5857-4685-be1f-d57550cc96cc">
+      <UserInfo>
+        <DisplayName>REDMOND\v-anij</DisplayName>
+        <AccountId>2469</AccountId>
+        <AccountType/>
+      </UserInfo>
+    </APAuthor>
+    <LocManualTestRequired xmlns="4873beb7-5857-4685-be1f-d57550cc96cc">false</LocManualTestRequired>
+    <TPCommandLine xmlns="4873beb7-5857-4685-be1f-d57550cc96cc" xsi:nil="true"/>
+    <TPAppVersion xmlns="4873beb7-5857-4685-be1f-d57550cc96cc" xsi:nil="true"/>
+    <EditorialStatus xmlns="4873beb7-5857-4685-be1f-d57550cc96cc">Complete</EditorialStatus>
+    <LastModifiedDateTime xmlns="4873beb7-5857-4685-be1f-d57550cc96cc" xsi:nil="true"/>
+    <ScenarioTagsTaxHTField0 xmlns="4873beb7-5857-4685-be1f-d57550cc96cc">
+      <Terms xmlns="http://schemas.microsoft.com/office/infopath/2007/PartnerControls"/>
+    </ScenarioTagsTaxHTField0>
+    <OriginalRelease xmlns="4873beb7-5857-4685-be1f-d57550cc96cc">15</OriginalRelease>
+    <TPLaunchHelpLinkType xmlns="4873beb7-5857-4685-be1f-d57550cc96cc">Template</TPLaunchHelpLinkType>
+    <LocalizationTagsTaxHTField0 xmlns="4873beb7-5857-4685-be1f-d57550cc96cc">
+      <Terms xmlns="http://schemas.microsoft.com/office/infopath/2007/PartnerControls"/>
+    </LocalizationTagsTaxHTField0>
+    <LocMarketGroupTiers2 xmlns="4873beb7-5857-4685-be1f-d57550cc96cc" xsi:nil="true"/>
+  </documentManagement>
+</p:properties>
+</file>
+
+<file path=customXml/item2.xml><?xml version="1.0" encoding="utf-8"?>
+<?mso-contentType ?>
+<FormTemplates xmlns="http://schemas.microsoft.com/sharepoint/v3/contenttype/forms">
+  <Display>DocumentLibraryForm</Display>
+  <Edit>AssetEditForm</Edit>
+  <New>DocumentLibraryForm</New>
+</FormTemplates>
+</file>
+
+<file path=customXml/item3.xml><?xml version="1.0" encoding="utf-8"?>
 <ct:contentTypeSchema xmlns:ct="http://schemas.microsoft.com/office/2006/metadata/contentType" xmlns:ma="http://schemas.microsoft.com/office/2006/metadata/properties/metaAttributes" ct:_="" ma:_="" ma:contentTypeName="TemplateFile" ma:contentTypeID="0x0101006EDDDB5EE6D98C44930B742096920B300400F5B6D36B3EF94B4E9A635CDF2A18F5B8" ma:contentTypeVersion="72" ma:contentTypeDescription="Create a new document." ma:contentTypeScope="" ma:versionID="a23e56308344d904b51738559c3d67c9">
   <xsd:schema xmlns:xsd="http://www.w3.org/2001/XMLSchema" xmlns:xs="http://www.w3.org/2001/XMLSchema" xmlns:p="http://schemas.microsoft.com/office/2006/metadata/properties" xmlns:ns2="4873beb7-5857-4685-be1f-d57550cc96cc" targetNamespace="http://schemas.microsoft.com/office/2006/metadata/properties" ma:root="true" ma:fieldsID="cd0908cc4600e77bf5da051303e00c8d" ns2:_="">
     <xsd:import namespace="4873beb7-5857-4685-be1f-d57550cc96cc"/>
@@ -6061,142 +6605,31 @@
 </ct:contentTypeSchema>
 </file>
 
-<file path=customXml/item2.xml><?xml version="1.0" encoding="utf-8"?>
-<?mso-contentType ?>
-<FormTemplates xmlns="http://schemas.microsoft.com/sharepoint/v3/contenttype/forms">
-  <Display>DocumentLibraryForm</Display>
-  <Edit>AssetEditForm</Edit>
-  <New>DocumentLibraryForm</New>
-</FormTemplates>
+<file path=customXml/itemProps1.xml><?xml version="1.0" encoding="utf-8"?>
+<ds:datastoreItem xmlns:ds="http://schemas.openxmlformats.org/officeDocument/2006/customXml" ds:itemID="{04098515-0C12-46CF-BC7C-69B4A13CD5FA}">
+  <ds:schemaRefs>
+    <ds:schemaRef ds:uri="http://schemas.openxmlformats.org/package/2006/metadata/core-properties"/>
+    <ds:schemaRef ds:uri="http://schemas.microsoft.com/office/2006/documentManagement/types"/>
+    <ds:schemaRef ds:uri="http://schemas.microsoft.com/office/infopath/2007/PartnerControls"/>
+    <ds:schemaRef ds:uri="http://purl.org/dc/elements/1.1/"/>
+    <ds:schemaRef ds:uri="http://schemas.microsoft.com/office/2006/metadata/properties"/>
+    <ds:schemaRef ds:uri="http://purl.org/dc/terms/"/>
+    <ds:schemaRef ds:uri="4873beb7-5857-4685-be1f-d57550cc96cc"/>
+    <ds:schemaRef ds:uri="http://www.w3.org/XML/1998/namespace"/>
+    <ds:schemaRef ds:uri="http://purl.org/dc/dcmitype/"/>
+  </ds:schemaRefs>
+</ds:datastoreItem>
 </file>
 
-<file path=customXml/item3.xml><?xml version="1.0" encoding="utf-8"?>
-<p:properties xmlns:p="http://schemas.microsoft.com/office/2006/metadata/properties" xmlns:xsi="http://www.w3.org/2001/XMLSchema-instance" xmlns:pc="http://schemas.microsoft.com/office/infopath/2007/PartnerControls">
-  <documentManagement>
-    <DirectSourceMarket xmlns="4873beb7-5857-4685-be1f-d57550cc96cc" xsi:nil="true"/>
-    <ApprovalStatus xmlns="4873beb7-5857-4685-be1f-d57550cc96cc">InProgress</ApprovalStatus>
-    <MarketSpecific xmlns="4873beb7-5857-4685-be1f-d57550cc96cc">false</MarketSpecific>
-    <LocComments xmlns="4873beb7-5857-4685-be1f-d57550cc96cc" xsi:nil="true"/>
-    <ThumbnailAssetId xmlns="4873beb7-5857-4685-be1f-d57550cc96cc" xsi:nil="true"/>
-    <PrimaryImageGen xmlns="4873beb7-5857-4685-be1f-d57550cc96cc">true</PrimaryImageGen>
-    <LegacyData xmlns="4873beb7-5857-4685-be1f-d57550cc96cc" xsi:nil="true"/>
-    <LocRecommendedHandoff xmlns="4873beb7-5857-4685-be1f-d57550cc96cc" xsi:nil="true"/>
-    <BusinessGroup xmlns="4873beb7-5857-4685-be1f-d57550cc96cc" xsi:nil="true"/>
-    <BlockPublish xmlns="4873beb7-5857-4685-be1f-d57550cc96cc">false</BlockPublish>
-    <TPFriendlyName xmlns="4873beb7-5857-4685-be1f-d57550cc96cc" xsi:nil="true"/>
-    <NumericId xmlns="4873beb7-5857-4685-be1f-d57550cc96cc" xsi:nil="true"/>
-    <APEditor xmlns="4873beb7-5857-4685-be1f-d57550cc96cc">
-      <UserInfo>
-        <DisplayName/>
-        <AccountId xsi:nil="true"/>
-        <AccountType/>
-      </UserInfo>
-    </APEditor>
-    <SourceTitle xmlns="4873beb7-5857-4685-be1f-d57550cc96cc" xsi:nil="true"/>
-    <OpenTemplate xmlns="4873beb7-5857-4685-be1f-d57550cc96cc">true</OpenTemplate>
-    <UALocComments xmlns="4873beb7-5857-4685-be1f-d57550cc96cc" xsi:nil="true"/>
-    <ParentAssetId xmlns="4873beb7-5857-4685-be1f-d57550cc96cc" xsi:nil="true"/>
-    <IntlLangReviewDate xmlns="4873beb7-5857-4685-be1f-d57550cc96cc" xsi:nil="true"/>
-    <FeatureTagsTaxHTField0 xmlns="4873beb7-5857-4685-be1f-d57550cc96cc">
-      <Terms xmlns="http://schemas.microsoft.com/office/infopath/2007/PartnerControls"/>
-    </FeatureTagsTaxHTField0>
-    <PublishStatusLookup xmlns="4873beb7-5857-4685-be1f-d57550cc96cc">
-      <Value>1566889</Value>
-    </PublishStatusLookup>
-    <Providers xmlns="4873beb7-5857-4685-be1f-d57550cc96cc" xsi:nil="true"/>
-    <MachineTranslated xmlns="4873beb7-5857-4685-be1f-d57550cc96cc">false</MachineTranslated>
-    <OriginalSourceMarket xmlns="4873beb7-5857-4685-be1f-d57550cc96cc" xsi:nil="true"/>
-    <APDescription xmlns="4873beb7-5857-4685-be1f-d57550cc96cc" xsi:nil="true"/>
-    <ClipArtFilename xmlns="4873beb7-5857-4685-be1f-d57550cc96cc" xsi:nil="true"/>
-    <ContentItem xmlns="4873beb7-5857-4685-be1f-d57550cc96cc" xsi:nil="true"/>
-    <TPInstallLocation xmlns="4873beb7-5857-4685-be1f-d57550cc96cc" xsi:nil="true"/>
-    <PublishTargets xmlns="4873beb7-5857-4685-be1f-d57550cc96cc">OfficeOnlineVNext</PublishTargets>
-    <TimesCloned xmlns="4873beb7-5857-4685-be1f-d57550cc96cc" xsi:nil="true"/>
-    <AssetStart xmlns="4873beb7-5857-4685-be1f-d57550cc96cc">2012-05-23T08:44:00+00:00</AssetStart>
-    <Provider xmlns="4873beb7-5857-4685-be1f-d57550cc96cc" xsi:nil="true"/>
-    <AcquiredFrom xmlns="4873beb7-5857-4685-be1f-d57550cc96cc">Internal MS</AcquiredFrom>
-    <FriendlyTitle xmlns="4873beb7-5857-4685-be1f-d57550cc96cc" xsi:nil="true"/>
-    <LastHandOff xmlns="4873beb7-5857-4685-be1f-d57550cc96cc" xsi:nil="true"/>
-    <TPClientViewer xmlns="4873beb7-5857-4685-be1f-d57550cc96cc" xsi:nil="true"/>
-    <UACurrentWords xmlns="4873beb7-5857-4685-be1f-d57550cc96cc" xsi:nil="true"/>
-    <ArtSampleDocs xmlns="4873beb7-5857-4685-be1f-d57550cc96cc" xsi:nil="true"/>
-    <UALocRecommendation xmlns="4873beb7-5857-4685-be1f-d57550cc96cc">Localize</UALocRecommendation>
-    <Manager xmlns="4873beb7-5857-4685-be1f-d57550cc96cc" xsi:nil="true"/>
-    <ShowIn xmlns="4873beb7-5857-4685-be1f-d57550cc96cc">Show everywhere</ShowIn>
-    <UANotes xmlns="4873beb7-5857-4685-be1f-d57550cc96cc" xsi:nil="true"/>
-    <TemplateStatus xmlns="4873beb7-5857-4685-be1f-d57550cc96cc">Complete</TemplateStatus>
-    <InternalTagsTaxHTField0 xmlns="4873beb7-5857-4685-be1f-d57550cc96cc">
-      <Terms xmlns="http://schemas.microsoft.com/office/infopath/2007/PartnerControls"/>
-    </InternalTagsTaxHTField0>
-    <CSXHash xmlns="4873beb7-5857-4685-be1f-d57550cc96cc" xsi:nil="true"/>
-    <Downloads xmlns="4873beb7-5857-4685-be1f-d57550cc96cc">0</Downloads>
-    <VoteCount xmlns="4873beb7-5857-4685-be1f-d57550cc96cc" xsi:nil="true"/>
-    <OOCacheId xmlns="4873beb7-5857-4685-be1f-d57550cc96cc" xsi:nil="true"/>
-    <IsDeleted xmlns="4873beb7-5857-4685-be1f-d57550cc96cc">false</IsDeleted>
-    <AssetExpire xmlns="4873beb7-5857-4685-be1f-d57550cc96cc">2029-01-01T08:00:00+00:00</AssetExpire>
-    <DSATActionTaken xmlns="4873beb7-5857-4685-be1f-d57550cc96cc" xsi:nil="true"/>
-    <CSXSubmissionMarket xmlns="4873beb7-5857-4685-be1f-d57550cc96cc" xsi:nil="true"/>
-    <TPExecutable xmlns="4873beb7-5857-4685-be1f-d57550cc96cc" xsi:nil="true"/>
-    <SubmitterId xmlns="4873beb7-5857-4685-be1f-d57550cc96cc" xsi:nil="true"/>
-    <EditorialTags xmlns="4873beb7-5857-4685-be1f-d57550cc96cc" xsi:nil="true"/>
-    <ApprovalLog xmlns="4873beb7-5857-4685-be1f-d57550cc96cc" xsi:nil="true"/>
-    <AssetType xmlns="4873beb7-5857-4685-be1f-d57550cc96cc">TP</AssetType>
-    <BugNumber xmlns="4873beb7-5857-4685-be1f-d57550cc96cc" xsi:nil="true"/>
-    <CSXSubmissionDate xmlns="4873beb7-5857-4685-be1f-d57550cc96cc" xsi:nil="true"/>
-    <CSXUpdate xmlns="4873beb7-5857-4685-be1f-d57550cc96cc">false</CSXUpdate>
-    <Milestone xmlns="4873beb7-5857-4685-be1f-d57550cc96cc" xsi:nil="true"/>
-    <RecommendationsModifier xmlns="4873beb7-5857-4685-be1f-d57550cc96cc" xsi:nil="true"/>
-    <OriginAsset xmlns="4873beb7-5857-4685-be1f-d57550cc96cc" xsi:nil="true"/>
-    <TPComponent xmlns="4873beb7-5857-4685-be1f-d57550cc96cc" xsi:nil="true"/>
-    <AssetId xmlns="4873beb7-5857-4685-be1f-d57550cc96cc">TP102901017</AssetId>
-    <IntlLocPriority xmlns="4873beb7-5857-4685-be1f-d57550cc96cc" xsi:nil="true"/>
-    <PolicheckWords xmlns="4873beb7-5857-4685-be1f-d57550cc96cc" xsi:nil="true"/>
-    <TPLaunchHelpLink xmlns="4873beb7-5857-4685-be1f-d57550cc96cc" xsi:nil="true"/>
-    <TPApplication xmlns="4873beb7-5857-4685-be1f-d57550cc96cc" xsi:nil="true"/>
-    <CrawlForDependencies xmlns="4873beb7-5857-4685-be1f-d57550cc96cc">false</CrawlForDependencies>
-    <HandoffToMSDN xmlns="4873beb7-5857-4685-be1f-d57550cc96cc" xsi:nil="true"/>
-    <PlannedPubDate xmlns="4873beb7-5857-4685-be1f-d57550cc96cc" xsi:nil="true"/>
-    <IntlLangReviewer xmlns="4873beb7-5857-4685-be1f-d57550cc96cc" xsi:nil="true"/>
-    <TrustLevel xmlns="4873beb7-5857-4685-be1f-d57550cc96cc">1 Microsoft Managed Content</TrustLevel>
-    <LocLastLocAttemptVersionLookup xmlns="4873beb7-5857-4685-be1f-d57550cc96cc">836753</LocLastLocAttemptVersionLookup>
-    <IsSearchable xmlns="4873beb7-5857-4685-be1f-d57550cc96cc">true</IsSearchable>
-    <TemplateTemplateType xmlns="4873beb7-5857-4685-be1f-d57550cc96cc">PowerPoint Design Template</TemplateTemplateType>
-    <CampaignTagsTaxHTField0 xmlns="4873beb7-5857-4685-be1f-d57550cc96cc">
-      <Terms xmlns="http://schemas.microsoft.com/office/infopath/2007/PartnerControls"/>
-    </CampaignTagsTaxHTField0>
-    <TPNamespace xmlns="4873beb7-5857-4685-be1f-d57550cc96cc" xsi:nil="true"/>
-    <TaxCatchAll xmlns="4873beb7-5857-4685-be1f-d57550cc96cc"/>
-    <Markets xmlns="4873beb7-5857-4685-be1f-d57550cc96cc"/>
-    <UAProjectedTotalWords xmlns="4873beb7-5857-4685-be1f-d57550cc96cc" xsi:nil="true"/>
-    <IntlLangReview xmlns="4873beb7-5857-4685-be1f-d57550cc96cc">false</IntlLangReview>
-    <OutputCachingOn xmlns="4873beb7-5857-4685-be1f-d57550cc96cc">false</OutputCachingOn>
-    <AverageRating xmlns="4873beb7-5857-4685-be1f-d57550cc96cc" xsi:nil="true"/>
-    <APAuthor xmlns="4873beb7-5857-4685-be1f-d57550cc96cc">
-      <UserInfo>
-        <DisplayName>REDMOND\v-anij</DisplayName>
-        <AccountId>2469</AccountId>
-        <AccountType/>
-      </UserInfo>
-    </APAuthor>
-    <LocManualTestRequired xmlns="4873beb7-5857-4685-be1f-d57550cc96cc">false</LocManualTestRequired>
-    <TPCommandLine xmlns="4873beb7-5857-4685-be1f-d57550cc96cc" xsi:nil="true"/>
-    <TPAppVersion xmlns="4873beb7-5857-4685-be1f-d57550cc96cc" xsi:nil="true"/>
-    <EditorialStatus xmlns="4873beb7-5857-4685-be1f-d57550cc96cc">Complete</EditorialStatus>
-    <LastModifiedDateTime xmlns="4873beb7-5857-4685-be1f-d57550cc96cc" xsi:nil="true"/>
-    <ScenarioTagsTaxHTField0 xmlns="4873beb7-5857-4685-be1f-d57550cc96cc">
-      <Terms xmlns="http://schemas.microsoft.com/office/infopath/2007/PartnerControls"/>
-    </ScenarioTagsTaxHTField0>
-    <OriginalRelease xmlns="4873beb7-5857-4685-be1f-d57550cc96cc">15</OriginalRelease>
-    <TPLaunchHelpLinkType xmlns="4873beb7-5857-4685-be1f-d57550cc96cc">Template</TPLaunchHelpLinkType>
-    <LocalizationTagsTaxHTField0 xmlns="4873beb7-5857-4685-be1f-d57550cc96cc">
-      <Terms xmlns="http://schemas.microsoft.com/office/infopath/2007/PartnerControls"/>
-    </LocalizationTagsTaxHTField0>
-    <LocMarketGroupTiers2 xmlns="4873beb7-5857-4685-be1f-d57550cc96cc" xsi:nil="true"/>
-  </documentManagement>
-</p:properties>
+<file path=customXml/itemProps2.xml><?xml version="1.0" encoding="utf-8"?>
+<ds:datastoreItem xmlns:ds="http://schemas.openxmlformats.org/officeDocument/2006/customXml" ds:itemID="{746CFF6F-D9AA-4BC0-911A-0A1356771912}">
+  <ds:schemaRefs>
+    <ds:schemaRef ds:uri="http://schemas.microsoft.com/sharepoint/v3/contenttype/forms"/>
+  </ds:schemaRefs>
+</ds:datastoreItem>
 </file>
 
-<file path=customXml/itemProps1.xml><?xml version="1.0" encoding="utf-8"?>
+<file path=customXml/itemProps3.xml><?xml version="1.0" encoding="utf-8"?>
 <ds:datastoreItem xmlns:ds="http://schemas.openxmlformats.org/officeDocument/2006/customXml" ds:itemID="{0B5C6E15-39DC-470B-9445-F754B9458020}">
   <ds:schemaRefs>
     <ds:schemaRef ds:uri="http://schemas.microsoft.com/office/2006/metadata/contentType"/>
@@ -6212,28 +6645,4 @@
     <ds:schemaRef ds:uri="http://schemas.microsoft.com/internal/obd"/>
   </ds:schemaRefs>
 </ds:datastoreItem>
-</file>
-
-<file path=customXml/itemProps2.xml><?xml version="1.0" encoding="utf-8"?>
-<ds:datastoreItem xmlns:ds="http://schemas.openxmlformats.org/officeDocument/2006/customXml" ds:itemID="{746CFF6F-D9AA-4BC0-911A-0A1356771912}">
-  <ds:schemaRefs>
-    <ds:schemaRef ds:uri="http://schemas.microsoft.com/sharepoint/v3/contenttype/forms"/>
-  </ds:schemaRefs>
-</ds:datastoreItem>
-</file>
-
-<file path=customXml/itemProps3.xml><?xml version="1.0" encoding="utf-8"?>
-<ds:datastoreItem xmlns:ds="http://schemas.openxmlformats.org/officeDocument/2006/customXml" ds:itemID="{04098515-0C12-46CF-BC7C-69B4A13CD5FA}">
-  <ds:schemaRefs>
-    <ds:schemaRef ds:uri="http://purl.org/dc/elements/1.1/"/>
-    <ds:schemaRef ds:uri="http://schemas.microsoft.com/office/2006/metadata/properties"/>
-    <ds:schemaRef ds:uri="http://purl.org/dc/terms/"/>
-    <ds:schemaRef ds:uri="http://schemas.microsoft.com/office/2006/documentManagement/types"/>
-    <ds:schemaRef ds:uri="4873beb7-5857-4685-be1f-d57550cc96cc"/>
-    <ds:schemaRef ds:uri="http://schemas.openxmlformats.org/package/2006/metadata/core-properties"/>
-    <ds:schemaRef ds:uri="http://schemas.microsoft.com/office/infopath/2007/PartnerControls"/>
-    <ds:schemaRef ds:uri="http://www.w3.org/XML/1998/namespace"/>
-    <ds:schemaRef ds:uri="http://purl.org/dc/dcmitype/"/>
-  </ds:schemaRefs>
-</ds:datastoreItem>
 </file>
--- a/docs/Computers in the Libraries.pptx
+++ b/docs/Computers in the Libraries.pptx
@@ -4232,21 +4232,8 @@
           <a:p>
             <a:r>
               <a:rPr lang="en-US" dirty="0"/>
-              <a:t>4. Compare 1) against </a:t>
-            </a:r>
-            <a:r>
-              <a:rPr lang="en-US" dirty="0" err="1"/>
-              <a:t>libary</a:t>
-            </a:r>
-            <a:r>
-              <a:rPr lang="en-US" dirty="0"/>
-              <a:t> </a:t>
-            </a:r>
-            <a:r>
-              <a:rPr lang="en-US" dirty="0" err="1"/>
-              <a:t>populaton</a:t>
-            </a:r>
-            <a:endParaRPr lang="en-US" dirty="0"/>
+              <a:t>4. Compare 1) against library population</a:t>
+            </a:r>
           </a:p>
         </p:txBody>
       </p:sp>
@@ -4327,15 +4314,7 @@
           <a:p>
             <a:r>
               <a:rPr lang="en-US" dirty="0"/>
-              <a:t>2. Run all the basic tasks on each </a:t>
-            </a:r>
-            <a:r>
-              <a:rPr lang="en-US" dirty="0" err="1"/>
-              <a:t>seperate</a:t>
-            </a:r>
-            <a:r>
-              <a:rPr lang="en-US" dirty="0"/>
-              <a:t> category of computer.    </a:t>
+              <a:t>2. Run all the basic tasks on each separate category of computer.    </a:t>
             </a:r>
           </a:p>
           <a:p>
@@ -4343,7 +4322,6 @@
               <a:rPr lang="en-US" dirty="0"/>
               <a:t>3. Graph all the above data together? Draw conclusions: Which computers are used most often and when? Does weather affect how often/how much computers are used?    </a:t>
             </a:r>
-            <a:endParaRPr lang="en-US" dirty="0"/>
           </a:p>
         </p:txBody>
       </p:sp>
@@ -4424,7 +4402,6 @@
               <a:rPr lang="en-US" dirty="0"/>
               <a:t>2. Machine Learning - predict which computers will be used when and how often</a:t>
             </a:r>
-            <a:endParaRPr lang="en-US" dirty="0"/>
           </a:p>
         </p:txBody>
       </p:sp>
@@ -4526,7 +4503,6 @@
               <a:rPr lang="en-US" dirty="0"/>
               <a:t>-code editing/ documentation/ testing</a:t>
             </a:r>
-            <a:endParaRPr lang="en-US" dirty="0"/>
           </a:p>
         </p:txBody>
       </p:sp>
@@ -5557,15 +5533,6 @@
 </file>
 
 <file path=customXml/item2.xml><?xml version="1.0" encoding="utf-8"?>
-<?mso-contentType ?>
-<FormTemplates xmlns="http://schemas.microsoft.com/sharepoint/v3/contenttype/forms">
-  <Display>DocumentLibraryForm</Display>
-  <Edit>AssetEditForm</Edit>
-  <New>DocumentLibraryForm</New>
-</FormTemplates>
-</file>
-
-<file path=customXml/item3.xml><?xml version="1.0" encoding="utf-8"?>
 <ct:contentTypeSchema xmlns:ct="http://schemas.microsoft.com/office/2006/metadata/contentType" xmlns:ma="http://schemas.microsoft.com/office/2006/metadata/properties/metaAttributes" ct:_="" ma:_="" ma:contentTypeName="TemplateFile" ma:contentTypeID="0x0101006EDDDB5EE6D98C44930B742096920B300400F5B6D36B3EF94B4E9A635CDF2A18F5B8" ma:contentTypeVersion="72" ma:contentTypeDescription="Create a new document." ma:contentTypeScope="" ma:versionID="a23e56308344d904b51738559c3d67c9">
   <xsd:schema xmlns:xsd="http://www.w3.org/2001/XMLSchema" xmlns:xs="http://www.w3.org/2001/XMLSchema" xmlns:p="http://schemas.microsoft.com/office/2006/metadata/properties" xmlns:ns2="4873beb7-5857-4685-be1f-d57550cc96cc" targetNamespace="http://schemas.microsoft.com/office/2006/metadata/properties" ma:root="true" ma:fieldsID="cd0908cc4600e77bf5da051303e00c8d" ns2:_="">
     <xsd:import namespace="4873beb7-5857-4685-be1f-d57550cc96cc"/>
@@ -6605,6 +6572,15 @@
 </ct:contentTypeSchema>
 </file>
 
+<file path=customXml/item3.xml><?xml version="1.0" encoding="utf-8"?>
+<?mso-contentType ?>
+<FormTemplates xmlns="http://schemas.microsoft.com/sharepoint/v3/contenttype/forms">
+  <Display>DocumentLibraryForm</Display>
+  <Edit>AssetEditForm</Edit>
+  <New>DocumentLibraryForm</New>
+</FormTemplates>
+</file>
+
 <file path=customXml/itemProps1.xml><?xml version="1.0" encoding="utf-8"?>
 <ds:datastoreItem xmlns:ds="http://schemas.openxmlformats.org/officeDocument/2006/customXml" ds:itemID="{04098515-0C12-46CF-BC7C-69B4A13CD5FA}">
   <ds:schemaRefs>
@@ -6622,14 +6598,6 @@
 </file>
 
 <file path=customXml/itemProps2.xml><?xml version="1.0" encoding="utf-8"?>
-<ds:datastoreItem xmlns:ds="http://schemas.openxmlformats.org/officeDocument/2006/customXml" ds:itemID="{746CFF6F-D9AA-4BC0-911A-0A1356771912}">
-  <ds:schemaRefs>
-    <ds:schemaRef ds:uri="http://schemas.microsoft.com/sharepoint/v3/contenttype/forms"/>
-  </ds:schemaRefs>
-</ds:datastoreItem>
-</file>
-
-<file path=customXml/itemProps3.xml><?xml version="1.0" encoding="utf-8"?>
 <ds:datastoreItem xmlns:ds="http://schemas.openxmlformats.org/officeDocument/2006/customXml" ds:itemID="{0B5C6E15-39DC-470B-9445-F754B9458020}">
   <ds:schemaRefs>
     <ds:schemaRef ds:uri="http://schemas.microsoft.com/office/2006/metadata/contentType"/>
@@ -6645,4 +6613,12 @@
     <ds:schemaRef ds:uri="http://schemas.microsoft.com/internal/obd"/>
   </ds:schemaRefs>
 </ds:datastoreItem>
+</file>
+
+<file path=customXml/itemProps3.xml><?xml version="1.0" encoding="utf-8"?>
+<ds:datastoreItem xmlns:ds="http://schemas.openxmlformats.org/officeDocument/2006/customXml" ds:itemID="{746CFF6F-D9AA-4BC0-911A-0A1356771912}">
+  <ds:schemaRefs>
+    <ds:schemaRef ds:uri="http://schemas.microsoft.com/sharepoint/v3/contenttype/forms"/>
+  </ds:schemaRefs>
+</ds:datastoreItem>
 </file>
--- a/docs/Computers in the Libraries.pptx
+++ b/docs/Computers in the Libraries.pptx
@@ -5,21 +5,16 @@
     <p:sldMasterId id="2147483648" r:id="rId4"/>
   </p:sldMasterIdLst>
   <p:notesMasterIdLst>
-    <p:notesMasterId r:id="rId14"/>
+    <p:notesMasterId r:id="rId9"/>
   </p:notesMasterIdLst>
   <p:handoutMasterIdLst>
-    <p:handoutMasterId r:id="rId15"/>
+    <p:handoutMasterId r:id="rId10"/>
   </p:handoutMasterIdLst>
   <p:sldIdLst>
     <p:sldId id="256" r:id="rId5"/>
     <p:sldId id="257" r:id="rId6"/>
     <p:sldId id="258" r:id="rId7"/>
-    <p:sldId id="259" r:id="rId8"/>
-    <p:sldId id="261" r:id="rId9"/>
-    <p:sldId id="262" r:id="rId10"/>
-    <p:sldId id="263" r:id="rId11"/>
-    <p:sldId id="264" r:id="rId12"/>
-    <p:sldId id="260" r:id="rId13"/>
+    <p:sldId id="260" r:id="rId8"/>
   </p:sldIdLst>
   <p:sldSz cx="9144000" cy="6858000" type="screen4x3"/>
   <p:notesSz cx="6858000" cy="9144000"/>
@@ -140,6 +135,10 @@
 </p:presentation>
 </file>
 
+<file path=ppt/revisionInfo.xml><?xml version="1.0" encoding="utf-8"?>
+<p1510:revInfo xmlns:a="http://schemas.openxmlformats.org/drawingml/2006/main" xmlns:r="http://schemas.openxmlformats.org/officeDocument/2006/relationships" xmlns:p1510="http://schemas.microsoft.com/office/powerpoint/2015/10/main"/>
+</file>
+
 <file path=ppt/handoutMasters/handoutMaster1.xml><?xml version="1.0" encoding="utf-8"?>
 <p:handoutMaster xmlns:a="http://schemas.openxmlformats.org/drawingml/2006/main" xmlns:r="http://schemas.openxmlformats.org/officeDocument/2006/relationships" xmlns:p="http://schemas.openxmlformats.org/presentationml/2006/main">
   <p:cSld>
@@ -222,7 +221,7 @@
           <a:p>
             <a:fld id="{762B48F5-BACC-47D6-A0F7-82FBF9C6BC85}" type="datetimeFigureOut">
               <a:rPr lang="en-US"/>
-              <a:t>9/20/2017</a:t>
+              <a:t>10/25/2017</a:t>
             </a:fld>
             <a:endParaRPr/>
           </a:p>
@@ -387,7 +386,7 @@
           <a:p>
             <a:fld id="{0CB1CD00-5424-4675-AB18-2C419B060449}" type="datetimeFigureOut">
               <a:rPr lang="en-US"/>
-              <a:t>9/20/2017</a:t>
+              <a:t>10/25/2017</a:t>
             </a:fld>
             <a:endParaRPr/>
           </a:p>
@@ -451,35 +450,30 @@
           <a:p>
             <a:pPr lvl="0"/>
             <a:r>
-              <a:rPr/>
               <a:t>Click to edit Master text styles</a:t>
             </a:r>
           </a:p>
           <a:p>
             <a:pPr lvl="1"/>
             <a:r>
-              <a:rPr/>
               <a:t>Second level</a:t>
             </a:r>
           </a:p>
           <a:p>
             <a:pPr lvl="2"/>
             <a:r>
-              <a:rPr/>
               <a:t>Third level</a:t>
             </a:r>
           </a:p>
           <a:p>
             <a:pPr lvl="3"/>
             <a:r>
-              <a:rPr/>
               <a:t>Fourth level</a:t>
             </a:r>
           </a:p>
           <a:p>
             <a:pPr lvl="4"/>
             <a:r>
-              <a:rPr/>
               <a:t>Fifth level</a:t>
             </a:r>
           </a:p>
@@ -1037,7 +1031,7 @@
           <a:p>
             <a:fld id="{37CC0096-1860-4642-9CD2-0079EA5E7CD1}" type="datetimeFigureOut">
               <a:rPr lang="en-US" smtClean="0"/>
-              <a:t>9/20/2017</a:t>
+              <a:t>10/25/2017</a:t>
             </a:fld>
             <a:endParaRPr lang="en-US"/>
           </a:p>
@@ -1216,7 +1210,7 @@
           <a:p>
             <a:fld id="{37CC0096-1860-4642-9CD2-0079EA5E7CD1}" type="datetimeFigureOut">
               <a:rPr lang="en-US" smtClean="0"/>
-              <a:t>9/20/2017</a:t>
+              <a:t>10/25/2017</a:t>
             </a:fld>
             <a:endParaRPr lang="en-US"/>
           </a:p>
@@ -1389,7 +1383,7 @@
           <a:p>
             <a:fld id="{37CC0096-1860-4642-9CD2-0079EA5E7CD1}" type="datetimeFigureOut">
               <a:rPr lang="en-US" smtClean="0"/>
-              <a:t>9/20/2017</a:t>
+              <a:t>10/25/2017</a:t>
             </a:fld>
             <a:endParaRPr lang="en-US"/>
           </a:p>
@@ -1822,7 +1816,7 @@
           <a:p>
             <a:fld id="{37CC0096-1860-4642-9CD2-0079EA5E7CD1}" type="datetimeFigureOut">
               <a:rPr lang="en-US" smtClean="0"/>
-              <a:t>9/20/2017</a:t>
+              <a:t>10/25/2017</a:t>
             </a:fld>
             <a:endParaRPr lang="en-US"/>
           </a:p>
@@ -2261,7 +2255,7 @@
           <a:p>
             <a:fld id="{37CC0096-1860-4642-9CD2-0079EA5E7CD1}" type="datetimeFigureOut">
               <a:rPr lang="en-US" smtClean="0"/>
-              <a:t>9/20/2017</a:t>
+              <a:t>10/25/2017</a:t>
             </a:fld>
             <a:endParaRPr lang="en-US"/>
           </a:p>
@@ -2378,7 +2372,7 @@
           <a:p>
             <a:fld id="{37CC0096-1860-4642-9CD2-0079EA5E7CD1}" type="datetimeFigureOut">
               <a:rPr lang="en-US" smtClean="0"/>
-              <a:t>9/20/2017</a:t>
+              <a:t>10/25/2017</a:t>
             </a:fld>
             <a:endParaRPr lang="en-US"/>
           </a:p>
@@ -2473,7 +2467,7 @@
           <a:p>
             <a:fld id="{37CC0096-1860-4642-9CD2-0079EA5E7CD1}" type="datetimeFigureOut">
               <a:rPr lang="en-US" smtClean="0"/>
-              <a:t>9/20/2017</a:t>
+              <a:t>10/25/2017</a:t>
             </a:fld>
             <a:endParaRPr lang="en-US"/>
           </a:p>
@@ -2757,7 +2751,7 @@
           <a:p>
             <a:fld id="{37CC0096-1860-4642-9CD2-0079EA5E7CD1}" type="datetimeFigureOut">
               <a:rPr lang="en-US" smtClean="0"/>
-              <a:t>9/20/2017</a:t>
+              <a:t>10/25/2017</a:t>
             </a:fld>
             <a:endParaRPr lang="en-US"/>
           </a:p>
@@ -3068,7 +3062,7 @@
           <a:p>
             <a:fld id="{37CC0096-1860-4642-9CD2-0079EA5E7CD1}" type="datetimeFigureOut">
               <a:rPr lang="en-US" smtClean="0"/>
-              <a:t>9/20/2017</a:t>
+              <a:t>10/25/2017</a:t>
             </a:fld>
             <a:endParaRPr lang="en-US"/>
           </a:p>
@@ -3300,7 +3294,7 @@
             <a:fld id="{37CC0096-1860-4642-9CD2-0079EA5E7CD1}" type="datetimeFigureOut">
               <a:rPr lang="en-US" smtClean="0"/>
               <a:pPr/>
-              <a:t>9/20/2017</a:t>
+              <a:t>10/25/2017</a:t>
             </a:fld>
             <a:endParaRPr lang="en-US"/>
           </a:p>
@@ -3739,15 +3733,7 @@
           <a:p>
             <a:r>
               <a:rPr lang="en-US" dirty="0"/>
-              <a:t>Compu</a:t>
-            </a:r>
-            <a:r>
-              <a:rPr dirty="0"/>
-              <a:t>t</a:t>
-            </a:r>
-            <a:r>
-              <a:rPr lang="en-US" dirty="0"/>
-              <a:t>ers in the Libraries</a:t>
+              <a:t>Library-Computer-Usage-Analysis</a:t>
             </a:r>
             <a:endParaRPr dirty="0"/>
           </a:p>
@@ -3834,7 +3820,7 @@
           <a:p>
             <a:r>
               <a:rPr lang="en-US" dirty="0"/>
-              <a:t>Questions raised:</a:t>
+              <a:t>Overall goals:</a:t>
             </a:r>
           </a:p>
         </p:txBody>
@@ -3905,7 +3891,13 @@
       </p:grpSpPr>
       <p:sp>
         <p:nvSpPr>
-          <p:cNvPr id="2" name="Title 1"/>
+          <p:cNvPr id="2" name="Title 1">
+            <a:extLst>
+              <a:ext uri="{FF2B5EF4-FFF2-40B4-BE49-F238E27FC236}">
+                <a16:creationId xmlns:a16="http://schemas.microsoft.com/office/drawing/2014/main" id="{B0D8B9DD-9BDD-4BA3-80FA-A6C6609D6E61}"/>
+              </a:ext>
+            </a:extLst>
+          </p:cNvPr>
           <p:cNvSpPr>
             <a:spLocks noGrp="1"/>
           </p:cNvSpPr>
@@ -3920,80 +3912,124 @@
           <a:p>
             <a:r>
               <a:rPr lang="en-US" dirty="0"/>
-              <a:t>Data sets</a:t>
-            </a:r>
-          </a:p>
-        </p:txBody>
-      </p:sp>
-      <p:sp>
-        <p:nvSpPr>
-          <p:cNvPr id="3" name="Content Placeholder 2"/>
-          <p:cNvSpPr>
-            <a:spLocks noGrp="1"/>
-          </p:cNvSpPr>
-          <p:nvPr>
-            <p:ph idx="1"/>
-          </p:nvPr>
-        </p:nvSpPr>
-        <p:spPr/>
-        <p:txBody>
-          <a:bodyPr/>
+              <a:t>Gate Counts with Semester Schedule</a:t>
+            </a:r>
+          </a:p>
+        </p:txBody>
+      </p:sp>
+      <p:pic>
+        <p:nvPicPr>
+          <p:cNvPr id="11" name="Content Placeholder 10">
+            <a:extLst>
+              <a:ext uri="{FF2B5EF4-FFF2-40B4-BE49-F238E27FC236}">
+                <a16:creationId xmlns:a16="http://schemas.microsoft.com/office/drawing/2014/main" id="{4B804D55-6690-4FC0-B9F8-CA824AE09B37}"/>
+              </a:ext>
+            </a:extLst>
+          </p:cNvPr>
+          <p:cNvPicPr>
+            <a:picLocks noGrp="1" noChangeAspect="1"/>
+          </p:cNvPicPr>
+          <p:nvPr>
+            <p:ph sz="half" idx="1"/>
+          </p:nvPr>
+        </p:nvPicPr>
+        <p:blipFill>
+          <a:blip r:embed="rId2">
+            <a:extLst>
+              <a:ext uri="{28A0092B-C50C-407E-A947-70E740481C1C}">
+                <a14:useLocalDpi xmlns:a14="http://schemas.microsoft.com/office/drawing/2010/main" val="0"/>
+              </a:ext>
+            </a:extLst>
+          </a:blip>
+          <a:stretch>
+            <a:fillRect/>
+          </a:stretch>
+        </p:blipFill>
+        <p:spPr>
+          <a:xfrm>
+            <a:off x="1524000" y="1596170"/>
+            <a:ext cx="5715000" cy="3132260"/>
+          </a:xfrm>
+        </p:spPr>
+      </p:pic>
+      <p:sp>
+        <p:nvSpPr>
+          <p:cNvPr id="12" name="Content Placeholder 11">
+            <a:extLst>
+              <a:ext uri="{FF2B5EF4-FFF2-40B4-BE49-F238E27FC236}">
+                <a16:creationId xmlns:a16="http://schemas.microsoft.com/office/drawing/2014/main" id="{BDBBEBF9-E951-4D78-BB59-310037A9E0EA}"/>
+              </a:ext>
+            </a:extLst>
+          </p:cNvPr>
+          <p:cNvSpPr>
+            <a:spLocks noGrp="1"/>
+          </p:cNvSpPr>
+          <p:nvPr>
+            <p:ph sz="half" idx="2"/>
+          </p:nvPr>
+        </p:nvSpPr>
+        <p:spPr>
+          <a:xfrm>
+            <a:off x="990600" y="4724400"/>
+            <a:ext cx="7010400" cy="1371601"/>
+          </a:xfrm>
+        </p:spPr>
+        <p:txBody>
+          <a:bodyPr numCol="2">
+            <a:normAutofit fontScale="62500" lnSpcReduction="20000"/>
+          </a:bodyPr>
           <a:lstStyle/>
           <a:p>
             <a:r>
-              <a:rPr lang="en-US" dirty="0" err="1"/>
-              <a:t>Datetime</a:t>
-            </a:r>
-            <a:r>
               <a:rPr lang="en-US" dirty="0"/>
-              <a:t> of logon/logoff events per public machine.</a:t>
+              <a:t>01/17/17, Tues:  Classes begin</a:t>
             </a:r>
           </a:p>
           <a:p>
             <a:r>
               <a:rPr lang="en-US" dirty="0"/>
-              <a:t>Schedule differences</a:t>
-            </a:r>
-          </a:p>
-          <a:p>
-            <a:pPr lvl="1"/>
+              <a:t>03/11/17, Sat: Spring Break begins</a:t>
+            </a:r>
+          </a:p>
+          <a:p>
             <a:r>
               <a:rPr lang="en-US" dirty="0"/>
-              <a:t>Hours available</a:t>
-            </a:r>
-          </a:p>
-          <a:p>
-            <a:pPr lvl="1"/>
+              <a:t>03/20/17, Mon: Spring Break ends</a:t>
+            </a:r>
+          </a:p>
+          <a:p>
             <a:r>
               <a:rPr lang="en-US" dirty="0"/>
-              <a:t>Exam schedules</a:t>
-            </a:r>
-          </a:p>
-          <a:p>
-            <a:pPr lvl="1"/>
+              <a:t>04/14/2017, Fri: Holiday</a:t>
+            </a:r>
+          </a:p>
+          <a:p>
             <a:r>
               <a:rPr lang="en-US" dirty="0"/>
-              <a:t>Breaks and weekends</a:t>
+              <a:t>05/03/17, Wed: Reading Day</a:t>
             </a:r>
           </a:p>
           <a:p>
             <a:r>
               <a:rPr lang="en-US" dirty="0"/>
-              <a:t>Weather patterns</a:t>
+              <a:t>05/04/17, Thurs: Finals start</a:t>
             </a:r>
           </a:p>
           <a:p>
             <a:r>
               <a:rPr lang="en-US" dirty="0"/>
-              <a:t>Number of people passing through the gates per day.</a:t>
-            </a:r>
+              <a:t>05/12/17, Fri: Commencement</a:t>
+            </a:r>
+          </a:p>
+          <a:p>
+            <a:endParaRPr lang="en-US" dirty="0"/>
           </a:p>
         </p:txBody>
       </p:sp>
     </p:spTree>
     <p:extLst>
       <p:ext uri="{BB962C8B-B14F-4D97-AF65-F5344CB8AC3E}">
-        <p14:creationId xmlns:p14="http://schemas.microsoft.com/office/powerpoint/2010/main" val="2547379706"/>
+        <p14:creationId xmlns:p14="http://schemas.microsoft.com/office/powerpoint/2010/main" val="2313362102"/>
       </p:ext>
     </p:extLst>
   </p:cSld>
@@ -4022,7 +4058,13 @@
       </p:grpSpPr>
       <p:sp>
         <p:nvSpPr>
-          <p:cNvPr id="2" name="Title 1"/>
+          <p:cNvPr id="2" name="Title 1">
+            <a:extLst>
+              <a:ext uri="{FF2B5EF4-FFF2-40B4-BE49-F238E27FC236}">
+                <a16:creationId xmlns:a16="http://schemas.microsoft.com/office/drawing/2014/main" id="{2675F4D5-A7B6-4C52-90F0-091E61B7931E}"/>
+              </a:ext>
+            </a:extLst>
+          </p:cNvPr>
           <p:cNvSpPr>
             <a:spLocks noGrp="1"/>
           </p:cNvSpPr>
@@ -4037,14 +4079,20 @@
           <a:p>
             <a:r>
               <a:rPr lang="en-US" dirty="0"/>
-              <a:t>Correlations and hypotheses:</a:t>
-            </a:r>
-          </a:p>
-        </p:txBody>
-      </p:sp>
-      <p:sp>
-        <p:nvSpPr>
-          <p:cNvPr id="3" name="Content Placeholder 2"/>
+              <a:t>Future Goals</a:t>
+            </a:r>
+          </a:p>
+        </p:txBody>
+      </p:sp>
+      <p:sp>
+        <p:nvSpPr>
+          <p:cNvPr id="3" name="Content Placeholder 2">
+            <a:extLst>
+              <a:ext uri="{FF2B5EF4-FFF2-40B4-BE49-F238E27FC236}">
+                <a16:creationId xmlns:a16="http://schemas.microsoft.com/office/drawing/2014/main" id="{03115D1F-D0AA-407D-9885-096D89118167}"/>
+              </a:ext>
+            </a:extLst>
+          </p:cNvPr>
           <p:cNvSpPr>
             <a:spLocks noGrp="1"/>
           </p:cNvSpPr>
@@ -4054,73 +4102,51 @@
         </p:nvSpPr>
         <p:spPr/>
         <p:txBody>
-          <a:bodyPr>
-            <a:normAutofit fontScale="92500" lnSpcReduction="10000"/>
-          </a:bodyPr>
+          <a:bodyPr/>
           <a:lstStyle/>
           <a:p>
             <a:r>
               <a:rPr lang="en-US" dirty="0"/>
-              <a:t>Weather: positively or negatively correlated with usage.</a:t>
-            </a:r>
-          </a:p>
-          <a:p>
-            <a:pPr lvl="1"/>
+              <a:t>Nick: Hypothesis testing </a:t>
+            </a:r>
+          </a:p>
+          <a:p>
             <a:r>
               <a:rPr lang="en-US" dirty="0"/>
-              <a:t>Students prefer to stay at home on days where it is cold/raining.</a:t>
-            </a:r>
-          </a:p>
-          <a:p>
+              <a:t>Brown: </a:t>
+            </a:r>
+            <a:r>
+              <a:rPr lang="en-US" dirty="0" err="1"/>
+              <a:t>Bookeh</a:t>
+            </a:r>
             <a:r>
               <a:rPr lang="en-US" dirty="0"/>
-              <a:t>Hours:  some machines are available 24/5. Others are not.</a:t>
-            </a:r>
-          </a:p>
-          <a:p>
-            <a:pPr lvl="1"/>
+              <a:t> interactive graphs</a:t>
+            </a:r>
+          </a:p>
+          <a:p>
             <a:r>
               <a:rPr lang="en-US" dirty="0"/>
-              <a:t>An increase in availability necessarily indicates a commensurate increase in usage.</a:t>
-            </a:r>
-          </a:p>
-          <a:p>
+              <a:t>Patti: Finish Presentation </a:t>
+            </a:r>
+            <a:r>
+              <a:rPr lang="en-US" dirty="0" err="1"/>
+              <a:t>docx</a:t>
+            </a:r>
             <a:r>
               <a:rPr lang="en-US" dirty="0"/>
-              <a:t>Location: machines on group study v. quiet floors.</a:t>
-            </a:r>
-          </a:p>
-          <a:p>
-            <a:pPr lvl="1"/>
+              <a:t>, </a:t>
+            </a:r>
+            <a:r>
+              <a:rPr lang="en-US" dirty="0" err="1"/>
+              <a:t>powerpoint</a:t>
+            </a:r>
+            <a:endParaRPr lang="en-US" dirty="0"/>
+          </a:p>
+          <a:p>
             <a:r>
               <a:rPr lang="en-US" dirty="0"/>
-              <a:t>Machines on group study floors are used less frequently.</a:t>
-            </a:r>
-          </a:p>
-          <a:p>
-            <a:r>
-              <a:rPr lang="en-US" dirty="0"/>
-              <a:t>Configuration: single or dual monitors.</a:t>
-            </a:r>
-          </a:p>
-          <a:p>
-            <a:pPr lvl="1"/>
-            <a:r>
-              <a:rPr lang="en-US" dirty="0"/>
-              <a:t>Machines with dual monitors are preferred.</a:t>
-            </a:r>
-          </a:p>
-          <a:p>
-            <a:r>
-              <a:rPr lang="en-US" dirty="0"/>
-              <a:t>Schedules: exam times &amp; breaks can change the data</a:t>
-            </a:r>
-          </a:p>
-          <a:p>
-            <a:pPr lvl="1"/>
-            <a:r>
-              <a:rPr lang="en-US" dirty="0"/>
-              <a:t>Usage peaks during exam times, and drops off during breaks.</a:t>
+              <a:t>Michael: Visualization of Weather codes</a:t>
             </a:r>
           </a:p>
         </p:txBody>
@@ -4128,492 +4154,7 @@
     </p:spTree>
     <p:extLst>
       <p:ext uri="{BB962C8B-B14F-4D97-AF65-F5344CB8AC3E}">
-        <p14:creationId xmlns:p14="http://schemas.microsoft.com/office/powerpoint/2010/main" val="3194114272"/>
-      </p:ext>
-    </p:extLst>
-  </p:cSld>
-  <p:clrMapOvr>
-    <a:masterClrMapping/>
-  </p:clrMapOvr>
-</p:sld>
-</file>
-
-<file path=ppt/slides/slide5.xml><?xml version="1.0" encoding="utf-8"?>
-<p:sld xmlns:a="http://schemas.openxmlformats.org/drawingml/2006/main" xmlns:r="http://schemas.openxmlformats.org/officeDocument/2006/relationships" xmlns:p="http://schemas.openxmlformats.org/presentationml/2006/main">
-  <p:cSld>
-    <p:spTree>
-      <p:nvGrpSpPr>
-        <p:cNvPr id="1" name=""/>
-        <p:cNvGrpSpPr/>
-        <p:nvPr/>
-      </p:nvGrpSpPr>
-      <p:grpSpPr>
-        <a:xfrm>
-          <a:off x="0" y="0"/>
-          <a:ext cx="0" cy="0"/>
-          <a:chOff x="0" y="0"/>
-          <a:chExt cx="0" cy="0"/>
-        </a:xfrm>
-      </p:grpSpPr>
-      <p:sp>
-        <p:nvSpPr>
-          <p:cNvPr id="2" name="Title 1"/>
-          <p:cNvSpPr>
-            <a:spLocks noGrp="1"/>
-          </p:cNvSpPr>
-          <p:nvPr>
-            <p:ph type="title"/>
-          </p:nvPr>
-        </p:nvSpPr>
-        <p:spPr/>
-        <p:txBody>
-          <a:bodyPr/>
-          <a:lstStyle/>
-          <a:p>
-            <a:r>
-              <a:rPr lang="en-US" dirty="0"/>
-              <a:t>Basic Tasks</a:t>
-            </a:r>
-          </a:p>
-        </p:txBody>
-      </p:sp>
-      <p:sp>
-        <p:nvSpPr>
-          <p:cNvPr id="3" name="Content Placeholder 2"/>
-          <p:cNvSpPr>
-            <a:spLocks noGrp="1"/>
-          </p:cNvSpPr>
-          <p:nvPr>
-            <p:ph idx="1"/>
-          </p:nvPr>
-        </p:nvSpPr>
-        <p:spPr/>
-        <p:txBody>
-          <a:bodyPr>
-            <a:normAutofit/>
-          </a:bodyPr>
-          <a:lstStyle/>
-          <a:p>
-            <a:r>
-              <a:rPr lang="en-US" dirty="0"/>
-              <a:t>1.a) Calculate total time computer in use per hour,      </a:t>
-            </a:r>
-          </a:p>
-          <a:p>
-            <a:r>
-              <a:rPr lang="en-US" dirty="0"/>
-              <a:t>1.b) "" per day,    </a:t>
-            </a:r>
-          </a:p>
-          <a:p>
-            <a:r>
-              <a:rPr lang="en-US" dirty="0"/>
-              <a:t>1.c "" per week,    </a:t>
-            </a:r>
-          </a:p>
-          <a:p>
-            <a:r>
-              <a:rPr lang="en-US" dirty="0"/>
-              <a:t>1.d "" per semester    </a:t>
-            </a:r>
-          </a:p>
-          <a:p>
-            <a:r>
-              <a:rPr lang="en-US" dirty="0"/>
-              <a:t>2. Compare 1) against frequency of inclement rainfall   </a:t>
-            </a:r>
-          </a:p>
-          <a:p>
-            <a:r>
-              <a:rPr lang="en-US" dirty="0"/>
-              <a:t>3. Compare 1) against times/days/weeks of exams    </a:t>
-            </a:r>
-          </a:p>
-          <a:p>
-            <a:r>
-              <a:rPr lang="en-US" dirty="0"/>
-              <a:t>4. Compare 1) against library population</a:t>
-            </a:r>
-          </a:p>
-        </p:txBody>
-      </p:sp>
-    </p:spTree>
-    <p:extLst>
-      <p:ext uri="{BB962C8B-B14F-4D97-AF65-F5344CB8AC3E}">
-        <p14:creationId xmlns:p14="http://schemas.microsoft.com/office/powerpoint/2010/main" val="3234339838"/>
-      </p:ext>
-    </p:extLst>
-  </p:cSld>
-  <p:clrMapOvr>
-    <a:masterClrMapping/>
-  </p:clrMapOvr>
-</p:sld>
-</file>
-
-<file path=ppt/slides/slide6.xml><?xml version="1.0" encoding="utf-8"?>
-<p:sld xmlns:a="http://schemas.openxmlformats.org/drawingml/2006/main" xmlns:r="http://schemas.openxmlformats.org/officeDocument/2006/relationships" xmlns:p="http://schemas.openxmlformats.org/presentationml/2006/main">
-  <p:cSld>
-    <p:spTree>
-      <p:nvGrpSpPr>
-        <p:cNvPr id="1" name=""/>
-        <p:cNvGrpSpPr/>
-        <p:nvPr/>
-      </p:nvGrpSpPr>
-      <p:grpSpPr>
-        <a:xfrm>
-          <a:off x="0" y="0"/>
-          <a:ext cx="0" cy="0"/>
-          <a:chOff x="0" y="0"/>
-          <a:chExt cx="0" cy="0"/>
-        </a:xfrm>
-      </p:grpSpPr>
-      <p:sp>
-        <p:nvSpPr>
-          <p:cNvPr id="2" name="Title 1"/>
-          <p:cNvSpPr>
-            <a:spLocks noGrp="1"/>
-          </p:cNvSpPr>
-          <p:nvPr>
-            <p:ph type="title"/>
-          </p:nvPr>
-        </p:nvSpPr>
-        <p:spPr/>
-        <p:txBody>
-          <a:bodyPr/>
-          <a:lstStyle/>
-          <a:p>
-            <a:r>
-              <a:rPr lang="en-US" dirty="0"/>
-              <a:t>Further Tasks</a:t>
-            </a:r>
-          </a:p>
-        </p:txBody>
-      </p:sp>
-      <p:sp>
-        <p:nvSpPr>
-          <p:cNvPr id="3" name="Content Placeholder 2"/>
-          <p:cNvSpPr>
-            <a:spLocks noGrp="1"/>
-          </p:cNvSpPr>
-          <p:nvPr>
-            <p:ph idx="1"/>
-          </p:nvPr>
-        </p:nvSpPr>
-        <p:spPr/>
-        <p:txBody>
-          <a:bodyPr>
-            <a:normAutofit/>
-          </a:bodyPr>
-          <a:lstStyle/>
-          <a:p>
-            <a:r>
-              <a:rPr lang="en-US" dirty="0"/>
-              <a:t>1. Label each computer with terms 'window', 'dual monitor', 'quiet floor', or any combination of the three.    </a:t>
-            </a:r>
-          </a:p>
-          <a:p>
-            <a:r>
-              <a:rPr lang="en-US" dirty="0"/>
-              <a:t>2. Run all the basic tasks on each separate category of computer.    </a:t>
-            </a:r>
-          </a:p>
-          <a:p>
-            <a:r>
-              <a:rPr lang="en-US" dirty="0"/>
-              <a:t>3. Graph all the above data together? Draw conclusions: Which computers are used most often and when? Does weather affect how often/how much computers are used?    </a:t>
-            </a:r>
-          </a:p>
-        </p:txBody>
-      </p:sp>
-    </p:spTree>
-    <p:extLst>
-      <p:ext uri="{BB962C8B-B14F-4D97-AF65-F5344CB8AC3E}">
-        <p14:creationId xmlns:p14="http://schemas.microsoft.com/office/powerpoint/2010/main" val="2691266719"/>
-      </p:ext>
-    </p:extLst>
-  </p:cSld>
-  <p:clrMapOvr>
-    <a:masterClrMapping/>
-  </p:clrMapOvr>
-</p:sld>
-</file>
-
-<file path=ppt/slides/slide7.xml><?xml version="1.0" encoding="utf-8"?>
-<p:sld xmlns:a="http://schemas.openxmlformats.org/drawingml/2006/main" xmlns:r="http://schemas.openxmlformats.org/officeDocument/2006/relationships" xmlns:p="http://schemas.openxmlformats.org/presentationml/2006/main">
-  <p:cSld>
-    <p:spTree>
-      <p:nvGrpSpPr>
-        <p:cNvPr id="1" name=""/>
-        <p:cNvGrpSpPr/>
-        <p:nvPr/>
-      </p:nvGrpSpPr>
-      <p:grpSpPr>
-        <a:xfrm>
-          <a:off x="0" y="0"/>
-          <a:ext cx="0" cy="0"/>
-          <a:chOff x="0" y="0"/>
-          <a:chExt cx="0" cy="0"/>
-        </a:xfrm>
-      </p:grpSpPr>
-      <p:sp>
-        <p:nvSpPr>
-          <p:cNvPr id="2" name="Title 1"/>
-          <p:cNvSpPr>
-            <a:spLocks noGrp="1"/>
-          </p:cNvSpPr>
-          <p:nvPr>
-            <p:ph type="title"/>
-          </p:nvPr>
-        </p:nvSpPr>
-        <p:spPr/>
-        <p:txBody>
-          <a:bodyPr/>
-          <a:lstStyle/>
-          <a:p>
-            <a:r>
-              <a:rPr lang="en-US" dirty="0"/>
-              <a:t>Final tasks</a:t>
-            </a:r>
-          </a:p>
-        </p:txBody>
-      </p:sp>
-      <p:sp>
-        <p:nvSpPr>
-          <p:cNvPr id="3" name="Content Placeholder 2"/>
-          <p:cNvSpPr>
-            <a:spLocks noGrp="1"/>
-          </p:cNvSpPr>
-          <p:nvPr>
-            <p:ph idx="1"/>
-          </p:nvPr>
-        </p:nvSpPr>
-        <p:spPr/>
-        <p:txBody>
-          <a:bodyPr/>
-          <a:lstStyle/>
-          <a:p>
-            <a:r>
-              <a:rPr lang="en-US" dirty="0"/>
-              <a:t>1. Make a heat map of 'best' computers    </a:t>
-            </a:r>
-          </a:p>
-          <a:p>
-            <a:r>
-              <a:rPr lang="en-US" dirty="0"/>
-              <a:t>2. Machine Learning - predict which computers will be used when and how often</a:t>
-            </a:r>
-          </a:p>
-        </p:txBody>
-      </p:sp>
-    </p:spTree>
-    <p:extLst>
-      <p:ext uri="{BB962C8B-B14F-4D97-AF65-F5344CB8AC3E}">
-        <p14:creationId xmlns:p14="http://schemas.microsoft.com/office/powerpoint/2010/main" val="1482670227"/>
-      </p:ext>
-    </p:extLst>
-  </p:cSld>
-  <p:clrMapOvr>
-    <a:masterClrMapping/>
-  </p:clrMapOvr>
-</p:sld>
-</file>
-
-<file path=ppt/slides/slide8.xml><?xml version="1.0" encoding="utf-8"?>
-<p:sld xmlns:a="http://schemas.openxmlformats.org/drawingml/2006/main" xmlns:r="http://schemas.openxmlformats.org/officeDocument/2006/relationships" xmlns:p="http://schemas.openxmlformats.org/presentationml/2006/main">
-  <p:cSld>
-    <p:spTree>
-      <p:nvGrpSpPr>
-        <p:cNvPr id="1" name=""/>
-        <p:cNvGrpSpPr/>
-        <p:nvPr/>
-      </p:nvGrpSpPr>
-      <p:grpSpPr>
-        <a:xfrm>
-          <a:off x="0" y="0"/>
-          <a:ext cx="0" cy="0"/>
-          <a:chOff x="0" y="0"/>
-          <a:chExt cx="0" cy="0"/>
-        </a:xfrm>
-      </p:grpSpPr>
-      <p:sp>
-        <p:nvSpPr>
-          <p:cNvPr id="2" name="Title 1"/>
-          <p:cNvSpPr>
-            <a:spLocks noGrp="1"/>
-          </p:cNvSpPr>
-          <p:nvPr>
-            <p:ph type="title"/>
-          </p:nvPr>
-        </p:nvSpPr>
-        <p:spPr/>
-        <p:txBody>
-          <a:bodyPr/>
-          <a:lstStyle/>
-          <a:p>
-            <a:r>
-              <a:rPr lang="en-US" dirty="0"/>
-              <a:t>Assignments</a:t>
-            </a:r>
-          </a:p>
-        </p:txBody>
-      </p:sp>
-      <p:sp>
-        <p:nvSpPr>
-          <p:cNvPr id="3" name="Content Placeholder 2"/>
-          <p:cNvSpPr>
-            <a:spLocks noGrp="1"/>
-          </p:cNvSpPr>
-          <p:nvPr>
-            <p:ph idx="1"/>
-          </p:nvPr>
-        </p:nvSpPr>
-        <p:spPr/>
-        <p:txBody>
-          <a:bodyPr/>
-          <a:lstStyle/>
-          <a:p>
-            <a:r>
-              <a:rPr lang="en-US" dirty="0"/>
-              <a:t>Brown   -label computers. </a:t>
-            </a:r>
-          </a:p>
-          <a:p>
-            <a:r>
-              <a:rPr lang="en-US" dirty="0"/>
-              <a:t>Michael    -look into Machine Learning - what would be needed?</a:t>
-            </a:r>
-          </a:p>
-          <a:p>
-            <a:r>
-              <a:rPr lang="en-US" dirty="0"/>
-              <a:t>Nick    -find feasibility of SQL tables vs. Pandas </a:t>
-            </a:r>
-            <a:r>
-              <a:rPr lang="en-US" dirty="0" err="1"/>
-              <a:t>dataframe</a:t>
-            </a:r>
-            <a:endParaRPr lang="en-US"/>
-          </a:p>
-          <a:p>
-            <a:r>
-              <a:rPr lang="en-US"/>
-              <a:t>Patti   </a:t>
-            </a:r>
-            <a:r>
-              <a:rPr lang="en-US" dirty="0"/>
-              <a:t>-code editing/ documentation/ testing</a:t>
-            </a:r>
-          </a:p>
-        </p:txBody>
-      </p:sp>
-    </p:spTree>
-    <p:extLst>
-      <p:ext uri="{BB962C8B-B14F-4D97-AF65-F5344CB8AC3E}">
-        <p14:creationId xmlns:p14="http://schemas.microsoft.com/office/powerpoint/2010/main" val="2853307716"/>
-      </p:ext>
-    </p:extLst>
-  </p:cSld>
-  <p:clrMapOvr>
-    <a:masterClrMapping/>
-  </p:clrMapOvr>
-</p:sld>
-</file>
-
-<file path=ppt/slides/slide9.xml><?xml version="1.0" encoding="utf-8"?>
-<p:sld xmlns:a="http://schemas.openxmlformats.org/drawingml/2006/main" xmlns:r="http://schemas.openxmlformats.org/officeDocument/2006/relationships" xmlns:p="http://schemas.openxmlformats.org/presentationml/2006/main">
-  <p:cSld>
-    <p:spTree>
-      <p:nvGrpSpPr>
-        <p:cNvPr id="1" name=""/>
-        <p:cNvGrpSpPr/>
-        <p:nvPr/>
-      </p:nvGrpSpPr>
-      <p:grpSpPr>
-        <a:xfrm>
-          <a:off x="0" y="0"/>
-          <a:ext cx="0" cy="0"/>
-          <a:chOff x="0" y="0"/>
-          <a:chExt cx="0" cy="0"/>
-        </a:xfrm>
-      </p:grpSpPr>
-      <p:sp>
-        <p:nvSpPr>
-          <p:cNvPr id="2" name="Title 1"/>
-          <p:cNvSpPr>
-            <a:spLocks noGrp="1"/>
-          </p:cNvSpPr>
-          <p:nvPr>
-            <p:ph type="title"/>
-          </p:nvPr>
-        </p:nvSpPr>
-        <p:spPr/>
-        <p:txBody>
-          <a:bodyPr/>
-          <a:lstStyle/>
-          <a:p>
-            <a:r>
-              <a:rPr lang="en-US" dirty="0"/>
-              <a:t>Data formats:</a:t>
-            </a:r>
-          </a:p>
-        </p:txBody>
-      </p:sp>
-      <p:sp>
-        <p:nvSpPr>
-          <p:cNvPr id="3" name="Content Placeholder 2"/>
-          <p:cNvSpPr>
-            <a:spLocks noGrp="1"/>
-          </p:cNvSpPr>
-          <p:nvPr>
-            <p:ph idx="1"/>
-          </p:nvPr>
-        </p:nvSpPr>
-        <p:spPr/>
-        <p:txBody>
-          <a:bodyPr/>
-          <a:lstStyle/>
-          <a:p>
-            <a:r>
-              <a:rPr lang="en-US" dirty="0"/>
-              <a:t>Computer usage data:</a:t>
-            </a:r>
-          </a:p>
-          <a:p>
-            <a:pPr lvl="1"/>
-            <a:r>
-              <a:rPr lang="en-US" dirty="0">
-                <a:latin typeface="+mj-lt"/>
-              </a:rPr>
-              <a:t>CRR019,2016-07-01 14:10:24.793,in-use</a:t>
-            </a:r>
-          </a:p>
-          <a:p>
-            <a:r>
-              <a:rPr lang="en-US" dirty="0"/>
-              <a:t>Weather Data</a:t>
-            </a:r>
-            <a:r>
-              <a:rPr lang="en-US" dirty="0">
-                <a:latin typeface="+mj-lt"/>
-              </a:rPr>
-              <a:t>:</a:t>
-            </a:r>
-          </a:p>
-          <a:p>
-            <a:pPr lvl="1"/>
-            <a:r>
-              <a:rPr lang="en-US" dirty="0">
-                <a:latin typeface="+mj-lt"/>
-              </a:rPr>
-              <a:t>FM-15 FEW:02 50 BKN:07 75 OVC:08 90 10 </a:t>
-            </a:r>
-          </a:p>
-        </p:txBody>
-      </p:sp>
-    </p:spTree>
-    <p:extLst>
-      <p:ext uri="{BB962C8B-B14F-4D97-AF65-F5344CB8AC3E}">
-        <p14:creationId xmlns:p14="http://schemas.microsoft.com/office/powerpoint/2010/main" val="229676773"/>
+        <p14:creationId xmlns:p14="http://schemas.microsoft.com/office/powerpoint/2010/main" val="3342312170"/>
       </p:ext>
     </p:extLst>
   </p:cSld>
@@ -5533,6 +5074,15 @@
 </file>
 
 <file path=customXml/item2.xml><?xml version="1.0" encoding="utf-8"?>
+<?mso-contentType ?>
+<FormTemplates xmlns="http://schemas.microsoft.com/sharepoint/v3/contenttype/forms">
+  <Display>DocumentLibraryForm</Display>
+  <Edit>AssetEditForm</Edit>
+  <New>DocumentLibraryForm</New>
+</FormTemplates>
+</file>
+
+<file path=customXml/item3.xml><?xml version="1.0" encoding="utf-8"?>
 <ct:contentTypeSchema xmlns:ct="http://schemas.microsoft.com/office/2006/metadata/contentType" xmlns:ma="http://schemas.microsoft.com/office/2006/metadata/properties/metaAttributes" ct:_="" ma:_="" ma:contentTypeName="TemplateFile" ma:contentTypeID="0x0101006EDDDB5EE6D98C44930B742096920B300400F5B6D36B3EF94B4E9A635CDF2A18F5B8" ma:contentTypeVersion="72" ma:contentTypeDescription="Create a new document." ma:contentTypeScope="" ma:versionID="a23e56308344d904b51738559c3d67c9">
   <xsd:schema xmlns:xsd="http://www.w3.org/2001/XMLSchema" xmlns:xs="http://www.w3.org/2001/XMLSchema" xmlns:p="http://schemas.microsoft.com/office/2006/metadata/properties" xmlns:ns2="4873beb7-5857-4685-be1f-d57550cc96cc" targetNamespace="http://schemas.microsoft.com/office/2006/metadata/properties" ma:root="true" ma:fieldsID="cd0908cc4600e77bf5da051303e00c8d" ns2:_="">
     <xsd:import namespace="4873beb7-5857-4685-be1f-d57550cc96cc"/>
@@ -6572,15 +6122,6 @@
 </ct:contentTypeSchema>
 </file>
 
-<file path=customXml/item3.xml><?xml version="1.0" encoding="utf-8"?>
-<?mso-contentType ?>
-<FormTemplates xmlns="http://schemas.microsoft.com/sharepoint/v3/contenttype/forms">
-  <Display>DocumentLibraryForm</Display>
-  <Edit>AssetEditForm</Edit>
-  <New>DocumentLibraryForm</New>
-</FormTemplates>
-</file>
-
 <file path=customXml/itemProps1.xml><?xml version="1.0" encoding="utf-8"?>
 <ds:datastoreItem xmlns:ds="http://schemas.openxmlformats.org/officeDocument/2006/customXml" ds:itemID="{04098515-0C12-46CF-BC7C-69B4A13CD5FA}">
   <ds:schemaRefs>
@@ -6598,6 +6139,14 @@
 </file>
 
 <file path=customXml/itemProps2.xml><?xml version="1.0" encoding="utf-8"?>
+<ds:datastoreItem xmlns:ds="http://schemas.openxmlformats.org/officeDocument/2006/customXml" ds:itemID="{746CFF6F-D9AA-4BC0-911A-0A1356771912}">
+  <ds:schemaRefs>
+    <ds:schemaRef ds:uri="http://schemas.microsoft.com/sharepoint/v3/contenttype/forms"/>
+  </ds:schemaRefs>
+</ds:datastoreItem>
+</file>
+
+<file path=customXml/itemProps3.xml><?xml version="1.0" encoding="utf-8"?>
 <ds:datastoreItem xmlns:ds="http://schemas.openxmlformats.org/officeDocument/2006/customXml" ds:itemID="{0B5C6E15-39DC-470B-9445-F754B9458020}">
   <ds:schemaRefs>
     <ds:schemaRef ds:uri="http://schemas.microsoft.com/office/2006/metadata/contentType"/>
@@ -6613,12 +6162,4 @@
     <ds:schemaRef ds:uri="http://schemas.microsoft.com/internal/obd"/>
   </ds:schemaRefs>
 </ds:datastoreItem>
-</file>
-
-<file path=customXml/itemProps3.xml><?xml version="1.0" encoding="utf-8"?>
-<ds:datastoreItem xmlns:ds="http://schemas.openxmlformats.org/officeDocument/2006/customXml" ds:itemID="{746CFF6F-D9AA-4BC0-911A-0A1356771912}">
-  <ds:schemaRefs>
-    <ds:schemaRef ds:uri="http://schemas.microsoft.com/sharepoint/v3/contenttype/forms"/>
-  </ds:schemaRefs>
-</ds:datastoreItem>
 </file>
--- a/docs/Computers in the Libraries.pptx
+++ b/docs/Computers in the Libraries.pptx
@@ -5,16 +5,17 @@
     <p:sldMasterId id="2147483648" r:id="rId4"/>
   </p:sldMasterIdLst>
   <p:notesMasterIdLst>
-    <p:notesMasterId r:id="rId9"/>
+    <p:notesMasterId r:id="rId10"/>
   </p:notesMasterIdLst>
   <p:handoutMasterIdLst>
-    <p:handoutMasterId r:id="rId10"/>
+    <p:handoutMasterId r:id="rId11"/>
   </p:handoutMasterIdLst>
   <p:sldIdLst>
     <p:sldId id="256" r:id="rId5"/>
     <p:sldId id="257" r:id="rId6"/>
     <p:sldId id="258" r:id="rId7"/>
-    <p:sldId id="260" r:id="rId8"/>
+    <p:sldId id="261" r:id="rId8"/>
+    <p:sldId id="260" r:id="rId9"/>
   </p:sldIdLst>
   <p:sldSz cx="9144000" cy="6858000" type="screen4x3"/>
   <p:notesSz cx="6858000" cy="9144000"/>
@@ -4040,6 +4041,1022 @@
 </file>
 
 <file path=ppt/slides/slide4.xml><?xml version="1.0" encoding="utf-8"?>
+<p:sld xmlns:a="http://schemas.openxmlformats.org/drawingml/2006/main" xmlns:r="http://schemas.openxmlformats.org/officeDocument/2006/relationships" xmlns:p="http://schemas.openxmlformats.org/presentationml/2006/main">
+  <p:cSld>
+    <p:spTree>
+      <p:nvGrpSpPr>
+        <p:cNvPr id="1" name=""/>
+        <p:cNvGrpSpPr/>
+        <p:nvPr/>
+      </p:nvGrpSpPr>
+      <p:grpSpPr>
+        <a:xfrm>
+          <a:off x="0" y="0"/>
+          <a:ext cx="0" cy="0"/>
+          <a:chOff x="0" y="0"/>
+          <a:chExt cx="0" cy="0"/>
+        </a:xfrm>
+      </p:grpSpPr>
+      <p:sp>
+        <p:nvSpPr>
+          <p:cNvPr id="2" name="Title 1">
+            <a:extLst>
+              <a:ext uri="{FF2B5EF4-FFF2-40B4-BE49-F238E27FC236}">
+                <a16:creationId xmlns:a16="http://schemas.microsoft.com/office/drawing/2014/main" id="{E71BBD12-2957-4D8E-84AA-CA62507461E6}"/>
+              </a:ext>
+            </a:extLst>
+          </p:cNvPr>
+          <p:cNvSpPr>
+            <a:spLocks noGrp="1"/>
+          </p:cNvSpPr>
+          <p:nvPr>
+            <p:ph type="title"/>
+          </p:nvPr>
+        </p:nvSpPr>
+        <p:spPr>
+          <a:xfrm>
+            <a:off x="1143000" y="457200"/>
+            <a:ext cx="6858000" cy="685800"/>
+          </a:xfrm>
+        </p:spPr>
+        <p:txBody>
+          <a:bodyPr/>
+          <a:lstStyle/>
+          <a:p>
+            <a:r>
+              <a:rPr lang="en-US" dirty="0"/>
+              <a:t>Decoding the weather</a:t>
+            </a:r>
+          </a:p>
+        </p:txBody>
+      </p:sp>
+      <p:sp>
+        <p:nvSpPr>
+          <p:cNvPr id="6" name="Rectangle 2">
+            <a:extLst>
+              <a:ext uri="{FF2B5EF4-FFF2-40B4-BE49-F238E27FC236}">
+                <a16:creationId xmlns:a16="http://schemas.microsoft.com/office/drawing/2014/main" id="{83336B4F-C059-45B7-A673-A90AC5EE2156}"/>
+              </a:ext>
+            </a:extLst>
+          </p:cNvPr>
+          <p:cNvSpPr>
+            <a:spLocks noGrp="1" noChangeArrowheads="1"/>
+          </p:cNvSpPr>
+          <p:nvPr>
+            <p:ph sz="half" idx="1"/>
+          </p:nvPr>
+        </p:nvSpPr>
+        <p:spPr bwMode="auto">
+          <a:xfrm>
+            <a:off x="381001" y="1278055"/>
+            <a:ext cx="8153399" cy="5262979"/>
+          </a:xfrm>
+          <a:prstGeom prst="rect">
+            <a:avLst/>
+          </a:prstGeom>
+          <a:noFill/>
+          <a:ln>
+            <a:noFill/>
+          </a:ln>
+          <a:effectLst/>
+          <a:extLst>
+            <a:ext uri="{909E8E84-426E-40DD-AFC4-6F175D3DCCD1}">
+              <a14:hiddenFill xmlns:a14="http://schemas.microsoft.com/office/drawing/2010/main">
+                <a:solidFill>
+                  <a:schemeClr val="accent1"/>
+                </a:solidFill>
+              </a14:hiddenFill>
+            </a:ext>
+            <a:ext uri="{91240B29-F687-4F45-9708-019B960494DF}">
+              <a14:hiddenLine xmlns:a14="http://schemas.microsoft.com/office/drawing/2010/main" w="9525">
+                <a:solidFill>
+                  <a:schemeClr val="tx1"/>
+                </a:solidFill>
+                <a:miter lim="800000"/>
+                <a:headEnd/>
+                <a:tailEnd/>
+              </a14:hiddenLine>
+            </a:ext>
+            <a:ext uri="{AF507438-7753-43E0-B8FC-AC1667EBCBE1}">
+              <a14:hiddenEffects xmlns:a14="http://schemas.microsoft.com/office/drawing/2010/main">
+                <a:effectLst>
+                  <a:outerShdw dist="35921" dir="2700000" algn="ctr" rotWithShape="0">
+                    <a:schemeClr val="bg2"/>
+                  </a:outerShdw>
+                </a:effectLst>
+              </a14:hiddenEffects>
+            </a:ext>
+          </a:extLst>
+        </p:spPr>
+        <p:txBody>
+          <a:bodyPr vert="horz" wrap="square" lIns="91440" tIns="45720" rIns="91440" bIns="45720" numCol="1" anchor="ctr" anchorCtr="0" compatLnSpc="1">
+            <a:prstTxWarp prst="textNoShape">
+              <a:avLst/>
+            </a:prstTxWarp>
+            <a:spAutoFit/>
+          </a:bodyPr>
+          <a:lstStyle/>
+          <a:p>
+            <a:pPr marL="0" marR="0" lvl="0" indent="0" algn="l" defTabSz="914400" rtl="0" eaLnBrk="0" fontAlgn="base" latinLnBrk="0" hangingPunct="0">
+              <a:lnSpc>
+                <a:spcPct val="100000"/>
+              </a:lnSpc>
+              <a:spcBef>
+                <a:spcPct val="0"/>
+              </a:spcBef>
+              <a:spcAft>
+                <a:spcPct val="0"/>
+              </a:spcAft>
+              <a:buClrTx/>
+              <a:buSzTx/>
+              <a:buFontTx/>
+              <a:buNone/>
+              <a:tabLst/>
+            </a:pPr>
+            <a:r>
+              <a:rPr kumimoji="0" lang="en-US" altLang="en-US" sz="1400" b="0" i="0" u="none" strike="noStrike" cap="none" normalizeH="0" baseline="0" dirty="0">
+                <a:ln>
+                  <a:noFill/>
+                </a:ln>
+                <a:solidFill>
+                  <a:schemeClr val="tx1"/>
+                </a:solidFill>
+                <a:effectLst/>
+                <a:latin typeface="Arial Unicode MS"/>
+              </a:rPr>
+              <a:t>('METAR: ', 'METAR KEWR 111851Z VRB03G19KT 2SM R04R/3000VP6000FT TSRA BR </a:t>
+            </a:r>
+          </a:p>
+          <a:p>
+            <a:pPr marL="0" marR="0" lvl="0" indent="0" algn="l" defTabSz="914400" rtl="0" eaLnBrk="0" fontAlgn="base" latinLnBrk="0" hangingPunct="0">
+              <a:lnSpc>
+                <a:spcPct val="100000"/>
+              </a:lnSpc>
+              <a:spcBef>
+                <a:spcPct val="0"/>
+              </a:spcBef>
+              <a:spcAft>
+                <a:spcPct val="0"/>
+              </a:spcAft>
+              <a:buClrTx/>
+              <a:buSzTx/>
+              <a:buFontTx/>
+              <a:buNone/>
+              <a:tabLst/>
+            </a:pPr>
+            <a:r>
+              <a:rPr kumimoji="0" lang="en-US" altLang="en-US" sz="1400" b="0" i="0" u="none" strike="noStrike" cap="none" normalizeH="0" baseline="0" dirty="0">
+                <a:ln>
+                  <a:noFill/>
+                </a:ln>
+                <a:solidFill>
+                  <a:schemeClr val="tx1"/>
+                </a:solidFill>
+                <a:effectLst/>
+                <a:latin typeface="Arial Unicode MS"/>
+              </a:rPr>
+              <a:t>FEW015 BKN040CB BKN065 OVC200 22/22 A2987 RMK AO2 PK WND 29028/1817 WSHFT </a:t>
+            </a:r>
+          </a:p>
+          <a:p>
+            <a:pPr marL="0" marR="0" lvl="0" indent="0" algn="l" defTabSz="914400" rtl="0" eaLnBrk="0" fontAlgn="base" latinLnBrk="0" hangingPunct="0">
+              <a:lnSpc>
+                <a:spcPct val="100000"/>
+              </a:lnSpc>
+              <a:spcBef>
+                <a:spcPct val="0"/>
+              </a:spcBef>
+              <a:spcAft>
+                <a:spcPct val="0"/>
+              </a:spcAft>
+              <a:buClrTx/>
+              <a:buSzTx/>
+              <a:buFontTx/>
+              <a:buNone/>
+              <a:tabLst/>
+            </a:pPr>
+            <a:r>
+              <a:rPr kumimoji="0" lang="en-US" altLang="en-US" sz="1400" b="0" i="0" u="none" strike="noStrike" cap="none" normalizeH="0" baseline="0" dirty="0">
+                <a:ln>
+                  <a:noFill/>
+                </a:ln>
+                <a:solidFill>
+                  <a:schemeClr val="tx1"/>
+                </a:solidFill>
+                <a:effectLst/>
+                <a:latin typeface="Arial Unicode MS"/>
+              </a:rPr>
+              <a:t>1812 TSB05RAB22 SLP114 FRQ LTGICCCCG TS OHD AND NW-N-E MOV NE P0013 T02270215’) </a:t>
+            </a:r>
+          </a:p>
+          <a:p>
+            <a:pPr marL="0" marR="0" lvl="0" indent="0" algn="l" defTabSz="914400" rtl="0" eaLnBrk="0" fontAlgn="base" latinLnBrk="0" hangingPunct="0">
+              <a:lnSpc>
+                <a:spcPct val="100000"/>
+              </a:lnSpc>
+              <a:spcBef>
+                <a:spcPct val="0"/>
+              </a:spcBef>
+              <a:spcAft>
+                <a:spcPct val="0"/>
+              </a:spcAft>
+              <a:buClrTx/>
+              <a:buSzTx/>
+              <a:buFontTx/>
+              <a:buNone/>
+              <a:tabLst/>
+            </a:pPr>
+            <a:r>
+              <a:rPr kumimoji="0" lang="en-US" altLang="en-US" sz="1400" b="0" i="0" u="none" strike="noStrike" cap="none" normalizeH="0" baseline="0" dirty="0">
+                <a:ln>
+                  <a:noFill/>
+                </a:ln>
+                <a:solidFill>
+                  <a:schemeClr val="tx1"/>
+                </a:solidFill>
+                <a:effectLst/>
+                <a:latin typeface="Arial Unicode MS"/>
+              </a:rPr>
+              <a:t>-----------------------------------------------------------------------</a:t>
+            </a:r>
+          </a:p>
+          <a:p>
+            <a:pPr marL="0" marR="0" lvl="0" indent="0" algn="l" defTabSz="914400" rtl="0" eaLnBrk="0" fontAlgn="base" latinLnBrk="0" hangingPunct="0">
+              <a:lnSpc>
+                <a:spcPct val="100000"/>
+              </a:lnSpc>
+              <a:spcBef>
+                <a:spcPct val="0"/>
+              </a:spcBef>
+              <a:spcAft>
+                <a:spcPct val="0"/>
+              </a:spcAft>
+              <a:buClrTx/>
+              <a:buSzTx/>
+              <a:buFontTx/>
+              <a:buNone/>
+              <a:tabLst/>
+            </a:pPr>
+            <a:r>
+              <a:rPr kumimoji="0" lang="en-US" altLang="en-US" sz="1400" b="0" i="0" u="none" strike="noStrike" cap="none" normalizeH="0" baseline="0" dirty="0">
+                <a:ln>
+                  <a:noFill/>
+                </a:ln>
+                <a:solidFill>
+                  <a:schemeClr val="tx1"/>
+                </a:solidFill>
+                <a:effectLst/>
+                <a:latin typeface="Arial Unicode MS"/>
+              </a:rPr>
+              <a:t>station: KEWR </a:t>
+            </a:r>
+          </a:p>
+          <a:p>
+            <a:pPr marL="0" marR="0" lvl="0" indent="0" algn="l" defTabSz="914400" rtl="0" eaLnBrk="0" fontAlgn="base" latinLnBrk="0" hangingPunct="0">
+              <a:lnSpc>
+                <a:spcPct val="100000"/>
+              </a:lnSpc>
+              <a:spcBef>
+                <a:spcPct val="0"/>
+              </a:spcBef>
+              <a:spcAft>
+                <a:spcPct val="0"/>
+              </a:spcAft>
+              <a:buClrTx/>
+              <a:buSzTx/>
+              <a:buFontTx/>
+              <a:buNone/>
+              <a:tabLst/>
+            </a:pPr>
+            <a:r>
+              <a:rPr kumimoji="0" lang="en-US" altLang="en-US" sz="1400" b="0" i="0" u="none" strike="noStrike" cap="none" normalizeH="0" baseline="0" dirty="0">
+                <a:ln>
+                  <a:noFill/>
+                </a:ln>
+                <a:solidFill>
+                  <a:schemeClr val="tx1"/>
+                </a:solidFill>
+                <a:effectLst/>
+                <a:latin typeface="Arial Unicode MS"/>
+              </a:rPr>
+              <a:t>type: routine report, cycle 19 (automatic report)</a:t>
+            </a:r>
+          </a:p>
+          <a:p>
+            <a:pPr marL="0" marR="0" lvl="0" indent="0" algn="l" defTabSz="914400" rtl="0" eaLnBrk="0" fontAlgn="base" latinLnBrk="0" hangingPunct="0">
+              <a:lnSpc>
+                <a:spcPct val="100000"/>
+              </a:lnSpc>
+              <a:spcBef>
+                <a:spcPct val="0"/>
+              </a:spcBef>
+              <a:spcAft>
+                <a:spcPct val="0"/>
+              </a:spcAft>
+              <a:buClrTx/>
+              <a:buSzTx/>
+              <a:buFontTx/>
+              <a:buNone/>
+              <a:tabLst/>
+            </a:pPr>
+            <a:r>
+              <a:rPr kumimoji="0" lang="en-US" altLang="en-US" sz="1400" b="0" i="0" u="none" strike="noStrike" cap="none" normalizeH="0" baseline="0" dirty="0">
+                <a:ln>
+                  <a:noFill/>
+                </a:ln>
+                <a:solidFill>
+                  <a:schemeClr val="tx1"/>
+                </a:solidFill>
+                <a:effectLst/>
+                <a:latin typeface="Arial Unicode MS"/>
+              </a:rPr>
+              <a:t>time: Wed Oct 11 18:51:00 2017 </a:t>
+            </a:r>
+          </a:p>
+          <a:p>
+            <a:pPr marL="0" marR="0" lvl="0" indent="0" algn="l" defTabSz="914400" rtl="0" eaLnBrk="0" fontAlgn="base" latinLnBrk="0" hangingPunct="0">
+              <a:lnSpc>
+                <a:spcPct val="100000"/>
+              </a:lnSpc>
+              <a:spcBef>
+                <a:spcPct val="0"/>
+              </a:spcBef>
+              <a:spcAft>
+                <a:spcPct val="0"/>
+              </a:spcAft>
+              <a:buClrTx/>
+              <a:buSzTx/>
+              <a:buFontTx/>
+              <a:buNone/>
+              <a:tabLst/>
+            </a:pPr>
+            <a:r>
+              <a:rPr kumimoji="0" lang="en-US" altLang="en-US" sz="1400" b="0" i="0" u="none" strike="noStrike" cap="none" normalizeH="0" baseline="0" dirty="0">
+                <a:ln>
+                  <a:noFill/>
+                </a:ln>
+                <a:solidFill>
+                  <a:schemeClr val="tx1"/>
+                </a:solidFill>
+                <a:effectLst/>
+                <a:latin typeface="Arial Unicode MS"/>
+              </a:rPr>
+              <a:t>temperature: 22.7 C dew point: 21.5 C </a:t>
+            </a:r>
+          </a:p>
+          <a:p>
+            <a:pPr marL="0" marR="0" lvl="0" indent="0" algn="l" defTabSz="914400" rtl="0" eaLnBrk="0" fontAlgn="base" latinLnBrk="0" hangingPunct="0">
+              <a:lnSpc>
+                <a:spcPct val="100000"/>
+              </a:lnSpc>
+              <a:spcBef>
+                <a:spcPct val="0"/>
+              </a:spcBef>
+              <a:spcAft>
+                <a:spcPct val="0"/>
+              </a:spcAft>
+              <a:buClrTx/>
+              <a:buSzTx/>
+              <a:buFontTx/>
+              <a:buNone/>
+              <a:tabLst/>
+            </a:pPr>
+            <a:r>
+              <a:rPr kumimoji="0" lang="en-US" altLang="en-US" sz="1400" b="0" i="0" u="none" strike="noStrike" cap="none" normalizeH="0" baseline="0" dirty="0">
+                <a:ln>
+                  <a:noFill/>
+                </a:ln>
+                <a:solidFill>
+                  <a:schemeClr val="tx1"/>
+                </a:solidFill>
+                <a:effectLst/>
+                <a:latin typeface="Arial Unicode MS"/>
+              </a:rPr>
+              <a:t>wind: variable at 3 knots, gusting to 19 knots </a:t>
+            </a:r>
+          </a:p>
+          <a:p>
+            <a:pPr marL="0" marR="0" lvl="0" indent="0" algn="l" defTabSz="914400" rtl="0" eaLnBrk="0" fontAlgn="base" latinLnBrk="0" hangingPunct="0">
+              <a:lnSpc>
+                <a:spcPct val="100000"/>
+              </a:lnSpc>
+              <a:spcBef>
+                <a:spcPct val="0"/>
+              </a:spcBef>
+              <a:spcAft>
+                <a:spcPct val="0"/>
+              </a:spcAft>
+              <a:buClrTx/>
+              <a:buSzTx/>
+              <a:buFontTx/>
+              <a:buNone/>
+              <a:tabLst/>
+            </a:pPr>
+            <a:r>
+              <a:rPr kumimoji="0" lang="en-US" altLang="en-US" sz="1400" b="0" i="0" u="none" strike="noStrike" cap="none" normalizeH="0" baseline="0" dirty="0">
+                <a:ln>
+                  <a:noFill/>
+                </a:ln>
+                <a:solidFill>
+                  <a:schemeClr val="tx1"/>
+                </a:solidFill>
+                <a:effectLst/>
+                <a:latin typeface="Arial Unicode MS"/>
+              </a:rPr>
+              <a:t>wind: WNW at 28 knots at 18:17</a:t>
+            </a:r>
+          </a:p>
+          <a:p>
+            <a:pPr marL="0" marR="0" lvl="0" indent="0" algn="l" defTabSz="914400" rtl="0" eaLnBrk="0" fontAlgn="base" latinLnBrk="0" hangingPunct="0">
+              <a:lnSpc>
+                <a:spcPct val="100000"/>
+              </a:lnSpc>
+              <a:spcBef>
+                <a:spcPct val="0"/>
+              </a:spcBef>
+              <a:spcAft>
+                <a:spcPct val="0"/>
+              </a:spcAft>
+              <a:buClrTx/>
+              <a:buSzTx/>
+              <a:buFontTx/>
+              <a:buNone/>
+              <a:tabLst/>
+            </a:pPr>
+            <a:r>
+              <a:rPr kumimoji="0" lang="en-US" altLang="en-US" sz="1400" b="0" i="0" u="none" strike="noStrike" cap="none" normalizeH="0" baseline="0" dirty="0">
+                <a:ln>
+                  <a:noFill/>
+                </a:ln>
+                <a:solidFill>
+                  <a:schemeClr val="tx1"/>
+                </a:solidFill>
+                <a:effectLst/>
+                <a:latin typeface="Arial Unicode MS"/>
+              </a:rPr>
+              <a:t>visibility: 2 miles </a:t>
+            </a:r>
+          </a:p>
+          <a:p>
+            <a:pPr marL="0" marR="0" lvl="0" indent="0" algn="l" defTabSz="914400" rtl="0" eaLnBrk="0" fontAlgn="base" latinLnBrk="0" hangingPunct="0">
+              <a:lnSpc>
+                <a:spcPct val="100000"/>
+              </a:lnSpc>
+              <a:spcBef>
+                <a:spcPct val="0"/>
+              </a:spcBef>
+              <a:spcAft>
+                <a:spcPct val="0"/>
+              </a:spcAft>
+              <a:buClrTx/>
+              <a:buSzTx/>
+              <a:buFontTx/>
+              <a:buNone/>
+              <a:tabLst/>
+            </a:pPr>
+            <a:r>
+              <a:rPr kumimoji="0" lang="en-US" altLang="en-US" sz="1400" b="0" i="0" u="none" strike="noStrike" cap="none" normalizeH="0" baseline="0" dirty="0">
+                <a:ln>
+                  <a:noFill/>
+                </a:ln>
+                <a:solidFill>
+                  <a:schemeClr val="tx1"/>
+                </a:solidFill>
+                <a:effectLst/>
+                <a:latin typeface="Arial Unicode MS"/>
+              </a:rPr>
+              <a:t>visual range: on runway 04R, from 3000 to greater than 6000 meters </a:t>
+            </a:r>
+          </a:p>
+          <a:p>
+            <a:pPr marL="0" marR="0" lvl="0" indent="0" algn="l" defTabSz="914400" rtl="0" eaLnBrk="0" fontAlgn="base" latinLnBrk="0" hangingPunct="0">
+              <a:lnSpc>
+                <a:spcPct val="100000"/>
+              </a:lnSpc>
+              <a:spcBef>
+                <a:spcPct val="0"/>
+              </a:spcBef>
+              <a:spcAft>
+                <a:spcPct val="0"/>
+              </a:spcAft>
+              <a:buClrTx/>
+              <a:buSzTx/>
+              <a:buFontTx/>
+              <a:buNone/>
+              <a:tabLst/>
+            </a:pPr>
+            <a:r>
+              <a:rPr kumimoji="0" lang="en-US" altLang="en-US" sz="1400" b="0" i="0" u="none" strike="noStrike" cap="none" normalizeH="0" baseline="0" dirty="0">
+                <a:ln>
+                  <a:noFill/>
+                </a:ln>
+                <a:solidFill>
+                  <a:schemeClr val="tx1"/>
+                </a:solidFill>
+                <a:effectLst/>
+                <a:latin typeface="Arial Unicode MS"/>
+              </a:rPr>
+              <a:t>pressure: 1011.5 </a:t>
+            </a:r>
+            <a:r>
+              <a:rPr kumimoji="0" lang="en-US" altLang="en-US" sz="1400" b="0" i="0" u="none" strike="noStrike" cap="none" normalizeH="0" baseline="0" dirty="0" err="1">
+                <a:ln>
+                  <a:noFill/>
+                </a:ln>
+                <a:solidFill>
+                  <a:schemeClr val="tx1"/>
+                </a:solidFill>
+                <a:effectLst/>
+                <a:latin typeface="Arial Unicode MS"/>
+              </a:rPr>
+              <a:t>mb</a:t>
+            </a:r>
+            <a:r>
+              <a:rPr kumimoji="0" lang="en-US" altLang="en-US" sz="1400" b="0" i="0" u="none" strike="noStrike" cap="none" normalizeH="0" baseline="0" dirty="0">
+                <a:ln>
+                  <a:noFill/>
+                </a:ln>
+                <a:solidFill>
+                  <a:schemeClr val="tx1"/>
+                </a:solidFill>
+                <a:effectLst/>
+                <a:latin typeface="Arial Unicode MS"/>
+              </a:rPr>
+              <a:t> </a:t>
+            </a:r>
+          </a:p>
+          <a:p>
+            <a:pPr marL="0" marR="0" lvl="0" indent="0" algn="l" defTabSz="914400" rtl="0" eaLnBrk="0" fontAlgn="base" latinLnBrk="0" hangingPunct="0">
+              <a:lnSpc>
+                <a:spcPct val="100000"/>
+              </a:lnSpc>
+              <a:spcBef>
+                <a:spcPct val="0"/>
+              </a:spcBef>
+              <a:spcAft>
+                <a:spcPct val="0"/>
+              </a:spcAft>
+              <a:buClrTx/>
+              <a:buSzTx/>
+              <a:buFontTx/>
+              <a:buNone/>
+              <a:tabLst/>
+            </a:pPr>
+            <a:r>
+              <a:rPr kumimoji="0" lang="en-US" altLang="en-US" sz="1400" b="0" i="0" u="none" strike="noStrike" cap="none" normalizeH="0" baseline="0" dirty="0">
+                <a:ln>
+                  <a:noFill/>
+                </a:ln>
+                <a:solidFill>
+                  <a:schemeClr val="tx1"/>
+                </a:solidFill>
+                <a:effectLst/>
+                <a:latin typeface="Arial Unicode MS"/>
+              </a:rPr>
+              <a:t>precipitation: 0.13in </a:t>
+            </a:r>
+          </a:p>
+          <a:p>
+            <a:pPr marL="0" marR="0" lvl="0" indent="0" algn="l" defTabSz="914400" rtl="0" eaLnBrk="0" fontAlgn="base" latinLnBrk="0" hangingPunct="0">
+              <a:lnSpc>
+                <a:spcPct val="100000"/>
+              </a:lnSpc>
+              <a:spcBef>
+                <a:spcPct val="0"/>
+              </a:spcBef>
+              <a:spcAft>
+                <a:spcPct val="0"/>
+              </a:spcAft>
+              <a:buClrTx/>
+              <a:buSzTx/>
+              <a:buFontTx/>
+              <a:buNone/>
+              <a:tabLst/>
+            </a:pPr>
+            <a:r>
+              <a:rPr kumimoji="0" lang="en-US" altLang="en-US" sz="1400" b="0" i="0" u="none" strike="noStrike" cap="none" normalizeH="0" baseline="0" dirty="0">
+                <a:ln>
+                  <a:noFill/>
+                </a:ln>
+                <a:solidFill>
+                  <a:schemeClr val="tx1"/>
+                </a:solidFill>
+                <a:effectLst/>
+                <a:latin typeface="Arial Unicode MS"/>
+              </a:rPr>
+              <a:t>weather: thunderstorm with rain; mist </a:t>
+            </a:r>
+          </a:p>
+          <a:p>
+            <a:pPr marL="0" marR="0" lvl="0" indent="0" algn="l" defTabSz="914400" rtl="0" eaLnBrk="0" fontAlgn="base" latinLnBrk="0" hangingPunct="0">
+              <a:lnSpc>
+                <a:spcPct val="100000"/>
+              </a:lnSpc>
+              <a:spcBef>
+                <a:spcPct val="0"/>
+              </a:spcBef>
+              <a:spcAft>
+                <a:spcPct val="0"/>
+              </a:spcAft>
+              <a:buClrTx/>
+              <a:buSzTx/>
+              <a:buFontTx/>
+              <a:buNone/>
+              <a:tabLst/>
+            </a:pPr>
+            <a:r>
+              <a:rPr kumimoji="0" lang="en-US" altLang="en-US" sz="1400" b="0" i="0" u="none" strike="noStrike" cap="none" normalizeH="0" baseline="0" dirty="0">
+                <a:ln>
+                  <a:noFill/>
+                </a:ln>
+                <a:solidFill>
+                  <a:schemeClr val="tx1"/>
+                </a:solidFill>
+                <a:effectLst/>
+                <a:latin typeface="Arial Unicode MS"/>
+              </a:rPr>
+              <a:t>sky: 	-a few clouds at 1500 feet </a:t>
+            </a:r>
+          </a:p>
+          <a:p>
+            <a:pPr marL="0" marR="0" lvl="0" indent="0" algn="l" defTabSz="914400" rtl="0" eaLnBrk="0" fontAlgn="base" latinLnBrk="0" hangingPunct="0">
+              <a:lnSpc>
+                <a:spcPct val="100000"/>
+              </a:lnSpc>
+              <a:spcBef>
+                <a:spcPct val="0"/>
+              </a:spcBef>
+              <a:spcAft>
+                <a:spcPct val="0"/>
+              </a:spcAft>
+              <a:buClrTx/>
+              <a:buSzTx/>
+              <a:buFontTx/>
+              <a:buNone/>
+              <a:tabLst/>
+            </a:pPr>
+            <a:r>
+              <a:rPr lang="en-US" altLang="en-US" sz="1400" dirty="0">
+                <a:solidFill>
+                  <a:schemeClr val="tx1"/>
+                </a:solidFill>
+                <a:latin typeface="Arial Unicode MS"/>
+              </a:rPr>
+              <a:t>	-</a:t>
+            </a:r>
+            <a:r>
+              <a:rPr kumimoji="0" lang="en-US" altLang="en-US" sz="1400" b="0" i="0" u="none" strike="noStrike" cap="none" normalizeH="0" baseline="0" dirty="0">
+                <a:ln>
+                  <a:noFill/>
+                </a:ln>
+                <a:solidFill>
+                  <a:schemeClr val="tx1"/>
+                </a:solidFill>
+                <a:effectLst/>
+                <a:latin typeface="Arial Unicode MS"/>
+              </a:rPr>
+              <a:t>broken cumulonimbus at 4000 feet </a:t>
+            </a:r>
+          </a:p>
+          <a:p>
+            <a:pPr marL="0" marR="0" lvl="0" indent="0" algn="l" defTabSz="914400" rtl="0" eaLnBrk="0" fontAlgn="base" latinLnBrk="0" hangingPunct="0">
+              <a:lnSpc>
+                <a:spcPct val="100000"/>
+              </a:lnSpc>
+              <a:spcBef>
+                <a:spcPct val="0"/>
+              </a:spcBef>
+              <a:spcAft>
+                <a:spcPct val="0"/>
+              </a:spcAft>
+              <a:buClrTx/>
+              <a:buSzTx/>
+              <a:buFontTx/>
+              <a:buNone/>
+              <a:tabLst/>
+            </a:pPr>
+            <a:r>
+              <a:rPr lang="en-US" altLang="en-US" sz="1400" dirty="0">
+                <a:solidFill>
+                  <a:schemeClr val="tx1"/>
+                </a:solidFill>
+                <a:latin typeface="Arial Unicode MS"/>
+              </a:rPr>
+              <a:t>	-</a:t>
+            </a:r>
+            <a:r>
+              <a:rPr kumimoji="0" lang="en-US" altLang="en-US" sz="1400" b="0" i="0" u="none" strike="noStrike" cap="none" normalizeH="0" baseline="0" dirty="0">
+                <a:ln>
+                  <a:noFill/>
+                </a:ln>
+                <a:solidFill>
+                  <a:schemeClr val="tx1"/>
+                </a:solidFill>
+                <a:effectLst/>
+                <a:latin typeface="Arial Unicode MS"/>
+              </a:rPr>
+              <a:t>broken clouds at 6500 feet </a:t>
+            </a:r>
+          </a:p>
+          <a:p>
+            <a:pPr marL="0" marR="0" lvl="0" indent="0" algn="l" defTabSz="914400" rtl="0" eaLnBrk="0" fontAlgn="base" latinLnBrk="0" hangingPunct="0">
+              <a:lnSpc>
+                <a:spcPct val="100000"/>
+              </a:lnSpc>
+              <a:spcBef>
+                <a:spcPct val="0"/>
+              </a:spcBef>
+              <a:spcAft>
+                <a:spcPct val="0"/>
+              </a:spcAft>
+              <a:buClrTx/>
+              <a:buSzTx/>
+              <a:buFontTx/>
+              <a:buNone/>
+              <a:tabLst/>
+            </a:pPr>
+            <a:r>
+              <a:rPr lang="en-US" altLang="en-US" sz="1400" dirty="0">
+                <a:solidFill>
+                  <a:schemeClr val="tx1"/>
+                </a:solidFill>
+                <a:latin typeface="Arial Unicode MS"/>
+              </a:rPr>
+              <a:t>	-</a:t>
+            </a:r>
+            <a:r>
+              <a:rPr kumimoji="0" lang="en-US" altLang="en-US" sz="1400" b="0" i="0" u="none" strike="noStrike" cap="none" normalizeH="0" baseline="0" dirty="0">
+                <a:ln>
+                  <a:noFill/>
+                </a:ln>
+                <a:solidFill>
+                  <a:schemeClr val="tx1"/>
+                </a:solidFill>
+                <a:effectLst/>
+                <a:latin typeface="Arial Unicode MS"/>
+              </a:rPr>
+              <a:t>overcast at 20000 feet </a:t>
+            </a:r>
+          </a:p>
+          <a:p>
+            <a:pPr marL="0" marR="0" lvl="0" indent="0" algn="l" defTabSz="914400" rtl="0" eaLnBrk="0" fontAlgn="base" latinLnBrk="0" hangingPunct="0">
+              <a:lnSpc>
+                <a:spcPct val="100000"/>
+              </a:lnSpc>
+              <a:spcBef>
+                <a:spcPct val="0"/>
+              </a:spcBef>
+              <a:spcAft>
+                <a:spcPct val="0"/>
+              </a:spcAft>
+              <a:buClrTx/>
+              <a:buSzTx/>
+              <a:buFontTx/>
+              <a:buNone/>
+              <a:tabLst/>
+            </a:pPr>
+            <a:r>
+              <a:rPr kumimoji="0" lang="en-US" altLang="en-US" sz="1400" b="0" i="0" u="none" strike="noStrike" cap="none" normalizeH="0" baseline="0" dirty="0">
+                <a:ln>
+                  <a:noFill/>
+                </a:ln>
+                <a:solidFill>
+                  <a:schemeClr val="tx1"/>
+                </a:solidFill>
+                <a:effectLst/>
+                <a:latin typeface="Arial Unicode MS"/>
+              </a:rPr>
+              <a:t>remarks: 	- Automated station (type 2) </a:t>
+            </a:r>
+          </a:p>
+          <a:p>
+            <a:pPr marL="0" marR="0" lvl="0" indent="0" algn="l" defTabSz="914400" rtl="0" eaLnBrk="0" fontAlgn="base" latinLnBrk="0" hangingPunct="0">
+              <a:lnSpc>
+                <a:spcPct val="100000"/>
+              </a:lnSpc>
+              <a:spcBef>
+                <a:spcPct val="0"/>
+              </a:spcBef>
+              <a:spcAft>
+                <a:spcPct val="0"/>
+              </a:spcAft>
+              <a:buClrTx/>
+              <a:buSzTx/>
+              <a:buFontTx/>
+              <a:buNone/>
+              <a:tabLst/>
+            </a:pPr>
+            <a:r>
+              <a:rPr lang="en-US" altLang="en-US" sz="1400" dirty="0">
+                <a:solidFill>
+                  <a:schemeClr val="tx1"/>
+                </a:solidFill>
+                <a:latin typeface="Arial Unicode MS"/>
+              </a:rPr>
+              <a:t>	</a:t>
+            </a:r>
+            <a:r>
+              <a:rPr kumimoji="0" lang="en-US" altLang="en-US" sz="1400" b="0" i="0" u="none" strike="noStrike" cap="none" normalizeH="0" baseline="0" dirty="0">
+                <a:ln>
+                  <a:noFill/>
+                </a:ln>
+                <a:solidFill>
+                  <a:schemeClr val="tx1"/>
+                </a:solidFill>
+                <a:effectLst/>
+                <a:latin typeface="Arial Unicode MS"/>
+              </a:rPr>
+              <a:t>- peak wind 28kt from 290 degrees at 18:17</a:t>
+            </a:r>
+          </a:p>
+          <a:p>
+            <a:pPr marL="0" marR="0" lvl="0" indent="0" algn="l" defTabSz="914400" rtl="0" eaLnBrk="0" fontAlgn="base" latinLnBrk="0" hangingPunct="0">
+              <a:lnSpc>
+                <a:spcPct val="100000"/>
+              </a:lnSpc>
+              <a:spcBef>
+                <a:spcPct val="0"/>
+              </a:spcBef>
+              <a:spcAft>
+                <a:spcPct val="0"/>
+              </a:spcAft>
+              <a:buClrTx/>
+              <a:buSzTx/>
+              <a:buFontTx/>
+              <a:buNone/>
+              <a:tabLst/>
+            </a:pPr>
+            <a:r>
+              <a:rPr lang="en-US" altLang="en-US" sz="1400" dirty="0">
+                <a:solidFill>
+                  <a:schemeClr val="tx1"/>
+                </a:solidFill>
+                <a:latin typeface="Arial Unicode MS"/>
+              </a:rPr>
+              <a:t>	</a:t>
+            </a:r>
+            <a:r>
+              <a:rPr kumimoji="0" lang="en-US" altLang="en-US" sz="1400" b="0" i="0" u="none" strike="noStrike" cap="none" normalizeH="0" baseline="0" dirty="0">
+                <a:ln>
+                  <a:noFill/>
+                </a:ln>
+                <a:solidFill>
+                  <a:schemeClr val="tx1"/>
+                </a:solidFill>
+                <a:effectLst/>
+                <a:latin typeface="Arial Unicode MS"/>
+              </a:rPr>
+              <a:t>- wind shift at 18:12 </a:t>
+            </a:r>
+          </a:p>
+          <a:p>
+            <a:pPr marL="0" marR="0" lvl="0" indent="0" algn="l" defTabSz="914400" rtl="0" eaLnBrk="0" fontAlgn="base" latinLnBrk="0" hangingPunct="0">
+              <a:lnSpc>
+                <a:spcPct val="100000"/>
+              </a:lnSpc>
+              <a:spcBef>
+                <a:spcPct val="0"/>
+              </a:spcBef>
+              <a:spcAft>
+                <a:spcPct val="0"/>
+              </a:spcAft>
+              <a:buClrTx/>
+              <a:buSzTx/>
+              <a:buFontTx/>
+              <a:buNone/>
+              <a:tabLst/>
+            </a:pPr>
+            <a:r>
+              <a:rPr lang="en-US" altLang="en-US" sz="1400" dirty="0">
+                <a:solidFill>
+                  <a:schemeClr val="tx1"/>
+                </a:solidFill>
+                <a:latin typeface="Arial Unicode MS"/>
+              </a:rPr>
+              <a:t>	</a:t>
+            </a:r>
+            <a:r>
+              <a:rPr kumimoji="0" lang="en-US" altLang="en-US" sz="1400" b="0" i="0" u="none" strike="noStrike" cap="none" normalizeH="0" baseline="0" dirty="0">
+                <a:ln>
+                  <a:noFill/>
+                </a:ln>
+                <a:solidFill>
+                  <a:schemeClr val="tx1"/>
+                </a:solidFill>
+                <a:effectLst/>
+                <a:latin typeface="Arial Unicode MS"/>
+              </a:rPr>
+              <a:t>- frequent lightning (</a:t>
+            </a:r>
+            <a:r>
+              <a:rPr kumimoji="0" lang="en-US" altLang="en-US" sz="1400" b="0" i="0" u="none" strike="noStrike" cap="none" normalizeH="0" baseline="0" dirty="0" err="1">
+                <a:ln>
+                  <a:noFill/>
+                </a:ln>
+                <a:solidFill>
+                  <a:schemeClr val="tx1"/>
+                </a:solidFill>
+                <a:effectLst/>
+                <a:latin typeface="Arial Unicode MS"/>
+              </a:rPr>
+              <a:t>intracloud,cloud</a:t>
+            </a:r>
+            <a:r>
+              <a:rPr kumimoji="0" lang="en-US" altLang="en-US" sz="1400" b="0" i="0" u="none" strike="noStrike" cap="none" normalizeH="0" baseline="0" dirty="0">
+                <a:ln>
+                  <a:noFill/>
+                </a:ln>
+                <a:solidFill>
+                  <a:schemeClr val="tx1"/>
+                </a:solidFill>
+                <a:effectLst/>
+                <a:latin typeface="Arial Unicode MS"/>
+              </a:rPr>
+              <a:t>-to-</a:t>
+            </a:r>
+            <a:r>
+              <a:rPr kumimoji="0" lang="en-US" altLang="en-US" sz="1400" b="0" i="0" u="none" strike="noStrike" cap="none" normalizeH="0" baseline="0" dirty="0" err="1">
+                <a:ln>
+                  <a:noFill/>
+                </a:ln>
+                <a:solidFill>
+                  <a:schemeClr val="tx1"/>
+                </a:solidFill>
+                <a:effectLst/>
+                <a:latin typeface="Arial Unicode MS"/>
+              </a:rPr>
+              <a:t>cloud,cloud</a:t>
+            </a:r>
+            <a:r>
+              <a:rPr kumimoji="0" lang="en-US" altLang="en-US" sz="1400" b="0" i="0" u="none" strike="noStrike" cap="none" normalizeH="0" baseline="0" dirty="0">
+                <a:ln>
+                  <a:noFill/>
+                </a:ln>
+                <a:solidFill>
+                  <a:schemeClr val="tx1"/>
+                </a:solidFill>
+                <a:effectLst/>
+                <a:latin typeface="Arial Unicode MS"/>
+              </a:rPr>
+              <a:t>-to-ground) </a:t>
+            </a:r>
+          </a:p>
+          <a:p>
+            <a:pPr marL="0" marR="0" lvl="0" indent="0" algn="l" defTabSz="914400" rtl="0" eaLnBrk="0" fontAlgn="base" latinLnBrk="0" hangingPunct="0">
+              <a:lnSpc>
+                <a:spcPct val="100000"/>
+              </a:lnSpc>
+              <a:spcBef>
+                <a:spcPct val="0"/>
+              </a:spcBef>
+              <a:spcAft>
+                <a:spcPct val="0"/>
+              </a:spcAft>
+              <a:buClrTx/>
+              <a:buSzTx/>
+              <a:buFontTx/>
+              <a:buNone/>
+              <a:tabLst/>
+            </a:pPr>
+            <a:r>
+              <a:rPr lang="en-US" altLang="en-US" sz="1400" dirty="0">
+                <a:solidFill>
+                  <a:schemeClr val="tx1"/>
+                </a:solidFill>
+                <a:latin typeface="Arial Unicode MS"/>
+              </a:rPr>
+              <a:t>	</a:t>
+            </a:r>
+            <a:r>
+              <a:rPr kumimoji="0" lang="en-US" altLang="en-US" sz="1400" b="0" i="0" u="none" strike="noStrike" cap="none" normalizeH="0" baseline="0" dirty="0">
+                <a:ln>
+                  <a:noFill/>
+                </a:ln>
+                <a:solidFill>
+                  <a:schemeClr val="tx1"/>
+                </a:solidFill>
+                <a:effectLst/>
+                <a:latin typeface="Arial Unicode MS"/>
+              </a:rPr>
+              <a:t>- thunderstorm overhead and NW-N-E moving NE</a:t>
+            </a:r>
+          </a:p>
+        </p:txBody>
+      </p:sp>
+    </p:spTree>
+    <p:extLst>
+      <p:ext uri="{BB962C8B-B14F-4D97-AF65-F5344CB8AC3E}">
+        <p14:creationId xmlns:p14="http://schemas.microsoft.com/office/powerpoint/2010/main" val="4103020595"/>
+      </p:ext>
+    </p:extLst>
+  </p:cSld>
+  <p:clrMapOvr>
+    <a:masterClrMapping/>
+  </p:clrMapOvr>
+</p:sld>
+</file>
+
+<file path=ppt/slides/slide5.xml><?xml version="1.0" encoding="utf-8"?>
 <p:sld xmlns:a="http://schemas.openxmlformats.org/drawingml/2006/main" xmlns:r="http://schemas.openxmlformats.org/officeDocument/2006/relationships" xmlns:p="http://schemas.openxmlformats.org/presentationml/2006/main">
   <p:cSld>
     <p:spTree>
@@ -4948,141 +5965,6 @@
 </file>
 
 <file path=customXml/item1.xml><?xml version="1.0" encoding="utf-8"?>
-<p:properties xmlns:p="http://schemas.microsoft.com/office/2006/metadata/properties" xmlns:xsi="http://www.w3.org/2001/XMLSchema-instance" xmlns:pc="http://schemas.microsoft.com/office/infopath/2007/PartnerControls">
-  <documentManagement>
-    <DirectSourceMarket xmlns="4873beb7-5857-4685-be1f-d57550cc96cc" xsi:nil="true"/>
-    <ApprovalStatus xmlns="4873beb7-5857-4685-be1f-d57550cc96cc">InProgress</ApprovalStatus>
-    <MarketSpecific xmlns="4873beb7-5857-4685-be1f-d57550cc96cc">false</MarketSpecific>
-    <LocComments xmlns="4873beb7-5857-4685-be1f-d57550cc96cc" xsi:nil="true"/>
-    <ThumbnailAssetId xmlns="4873beb7-5857-4685-be1f-d57550cc96cc" xsi:nil="true"/>
-    <PrimaryImageGen xmlns="4873beb7-5857-4685-be1f-d57550cc96cc">true</PrimaryImageGen>
-    <LegacyData xmlns="4873beb7-5857-4685-be1f-d57550cc96cc" xsi:nil="true"/>
-    <LocRecommendedHandoff xmlns="4873beb7-5857-4685-be1f-d57550cc96cc" xsi:nil="true"/>
-    <BusinessGroup xmlns="4873beb7-5857-4685-be1f-d57550cc96cc" xsi:nil="true"/>
-    <BlockPublish xmlns="4873beb7-5857-4685-be1f-d57550cc96cc">false</BlockPublish>
-    <TPFriendlyName xmlns="4873beb7-5857-4685-be1f-d57550cc96cc" xsi:nil="true"/>
-    <NumericId xmlns="4873beb7-5857-4685-be1f-d57550cc96cc" xsi:nil="true"/>
-    <APEditor xmlns="4873beb7-5857-4685-be1f-d57550cc96cc">
-      <UserInfo>
-        <DisplayName/>
-        <AccountId xsi:nil="true"/>
-        <AccountType/>
-      </UserInfo>
-    </APEditor>
-    <SourceTitle xmlns="4873beb7-5857-4685-be1f-d57550cc96cc" xsi:nil="true"/>
-    <OpenTemplate xmlns="4873beb7-5857-4685-be1f-d57550cc96cc">true</OpenTemplate>
-    <UALocComments xmlns="4873beb7-5857-4685-be1f-d57550cc96cc" xsi:nil="true"/>
-    <ParentAssetId xmlns="4873beb7-5857-4685-be1f-d57550cc96cc" xsi:nil="true"/>
-    <IntlLangReviewDate xmlns="4873beb7-5857-4685-be1f-d57550cc96cc" xsi:nil="true"/>
-    <FeatureTagsTaxHTField0 xmlns="4873beb7-5857-4685-be1f-d57550cc96cc">
-      <Terms xmlns="http://schemas.microsoft.com/office/infopath/2007/PartnerControls"/>
-    </FeatureTagsTaxHTField0>
-    <PublishStatusLookup xmlns="4873beb7-5857-4685-be1f-d57550cc96cc">
-      <Value>1566889</Value>
-    </PublishStatusLookup>
-    <Providers xmlns="4873beb7-5857-4685-be1f-d57550cc96cc" xsi:nil="true"/>
-    <MachineTranslated xmlns="4873beb7-5857-4685-be1f-d57550cc96cc">false</MachineTranslated>
-    <OriginalSourceMarket xmlns="4873beb7-5857-4685-be1f-d57550cc96cc" xsi:nil="true"/>
-    <APDescription xmlns="4873beb7-5857-4685-be1f-d57550cc96cc" xsi:nil="true"/>
-    <ClipArtFilename xmlns="4873beb7-5857-4685-be1f-d57550cc96cc" xsi:nil="true"/>
-    <ContentItem xmlns="4873beb7-5857-4685-be1f-d57550cc96cc" xsi:nil="true"/>
-    <TPInstallLocation xmlns="4873beb7-5857-4685-be1f-d57550cc96cc" xsi:nil="true"/>
-    <PublishTargets xmlns="4873beb7-5857-4685-be1f-d57550cc96cc">OfficeOnlineVNext</PublishTargets>
-    <TimesCloned xmlns="4873beb7-5857-4685-be1f-d57550cc96cc" xsi:nil="true"/>
-    <AssetStart xmlns="4873beb7-5857-4685-be1f-d57550cc96cc">2012-05-23T08:44:00+00:00</AssetStart>
-    <Provider xmlns="4873beb7-5857-4685-be1f-d57550cc96cc" xsi:nil="true"/>
-    <AcquiredFrom xmlns="4873beb7-5857-4685-be1f-d57550cc96cc">Internal MS</AcquiredFrom>
-    <FriendlyTitle xmlns="4873beb7-5857-4685-be1f-d57550cc96cc" xsi:nil="true"/>
-    <LastHandOff xmlns="4873beb7-5857-4685-be1f-d57550cc96cc" xsi:nil="true"/>
-    <TPClientViewer xmlns="4873beb7-5857-4685-be1f-d57550cc96cc" xsi:nil="true"/>
-    <UACurrentWords xmlns="4873beb7-5857-4685-be1f-d57550cc96cc" xsi:nil="true"/>
-    <ArtSampleDocs xmlns="4873beb7-5857-4685-be1f-d57550cc96cc" xsi:nil="true"/>
-    <UALocRecommendation xmlns="4873beb7-5857-4685-be1f-d57550cc96cc">Localize</UALocRecommendation>
-    <Manager xmlns="4873beb7-5857-4685-be1f-d57550cc96cc" xsi:nil="true"/>
-    <ShowIn xmlns="4873beb7-5857-4685-be1f-d57550cc96cc">Show everywhere</ShowIn>
-    <UANotes xmlns="4873beb7-5857-4685-be1f-d57550cc96cc" xsi:nil="true"/>
-    <TemplateStatus xmlns="4873beb7-5857-4685-be1f-d57550cc96cc">Complete</TemplateStatus>
-    <InternalTagsTaxHTField0 xmlns="4873beb7-5857-4685-be1f-d57550cc96cc">
-      <Terms xmlns="http://schemas.microsoft.com/office/infopath/2007/PartnerControls"/>
-    </InternalTagsTaxHTField0>
-    <CSXHash xmlns="4873beb7-5857-4685-be1f-d57550cc96cc" xsi:nil="true"/>
-    <Downloads xmlns="4873beb7-5857-4685-be1f-d57550cc96cc">0</Downloads>
-    <VoteCount xmlns="4873beb7-5857-4685-be1f-d57550cc96cc" xsi:nil="true"/>
-    <OOCacheId xmlns="4873beb7-5857-4685-be1f-d57550cc96cc" xsi:nil="true"/>
-    <IsDeleted xmlns="4873beb7-5857-4685-be1f-d57550cc96cc">false</IsDeleted>
-    <AssetExpire xmlns="4873beb7-5857-4685-be1f-d57550cc96cc">2029-01-01T08:00:00+00:00</AssetExpire>
-    <DSATActionTaken xmlns="4873beb7-5857-4685-be1f-d57550cc96cc" xsi:nil="true"/>
-    <CSXSubmissionMarket xmlns="4873beb7-5857-4685-be1f-d57550cc96cc" xsi:nil="true"/>
-    <TPExecutable xmlns="4873beb7-5857-4685-be1f-d57550cc96cc" xsi:nil="true"/>
-    <SubmitterId xmlns="4873beb7-5857-4685-be1f-d57550cc96cc" xsi:nil="true"/>
-    <EditorialTags xmlns="4873beb7-5857-4685-be1f-d57550cc96cc" xsi:nil="true"/>
-    <ApprovalLog xmlns="4873beb7-5857-4685-be1f-d57550cc96cc" xsi:nil="true"/>
-    <AssetType xmlns="4873beb7-5857-4685-be1f-d57550cc96cc">TP</AssetType>
-    <BugNumber xmlns="4873beb7-5857-4685-be1f-d57550cc96cc" xsi:nil="true"/>
-    <CSXSubmissionDate xmlns="4873beb7-5857-4685-be1f-d57550cc96cc" xsi:nil="true"/>
-    <CSXUpdate xmlns="4873beb7-5857-4685-be1f-d57550cc96cc">false</CSXUpdate>
-    <Milestone xmlns="4873beb7-5857-4685-be1f-d57550cc96cc" xsi:nil="true"/>
-    <RecommendationsModifier xmlns="4873beb7-5857-4685-be1f-d57550cc96cc" xsi:nil="true"/>
-    <OriginAsset xmlns="4873beb7-5857-4685-be1f-d57550cc96cc" xsi:nil="true"/>
-    <TPComponent xmlns="4873beb7-5857-4685-be1f-d57550cc96cc" xsi:nil="true"/>
-    <AssetId xmlns="4873beb7-5857-4685-be1f-d57550cc96cc">TP102901017</AssetId>
-    <IntlLocPriority xmlns="4873beb7-5857-4685-be1f-d57550cc96cc" xsi:nil="true"/>
-    <PolicheckWords xmlns="4873beb7-5857-4685-be1f-d57550cc96cc" xsi:nil="true"/>
-    <TPLaunchHelpLink xmlns="4873beb7-5857-4685-be1f-d57550cc96cc" xsi:nil="true"/>
-    <TPApplication xmlns="4873beb7-5857-4685-be1f-d57550cc96cc" xsi:nil="true"/>
-    <CrawlForDependencies xmlns="4873beb7-5857-4685-be1f-d57550cc96cc">false</CrawlForDependencies>
-    <HandoffToMSDN xmlns="4873beb7-5857-4685-be1f-d57550cc96cc" xsi:nil="true"/>
-    <PlannedPubDate xmlns="4873beb7-5857-4685-be1f-d57550cc96cc" xsi:nil="true"/>
-    <IntlLangReviewer xmlns="4873beb7-5857-4685-be1f-d57550cc96cc" xsi:nil="true"/>
-    <TrustLevel xmlns="4873beb7-5857-4685-be1f-d57550cc96cc">1 Microsoft Managed Content</TrustLevel>
-    <LocLastLocAttemptVersionLookup xmlns="4873beb7-5857-4685-be1f-d57550cc96cc">836753</LocLastLocAttemptVersionLookup>
-    <IsSearchable xmlns="4873beb7-5857-4685-be1f-d57550cc96cc">true</IsSearchable>
-    <TemplateTemplateType xmlns="4873beb7-5857-4685-be1f-d57550cc96cc">PowerPoint Design Template</TemplateTemplateType>
-    <CampaignTagsTaxHTField0 xmlns="4873beb7-5857-4685-be1f-d57550cc96cc">
-      <Terms xmlns="http://schemas.microsoft.com/office/infopath/2007/PartnerControls"/>
-    </CampaignTagsTaxHTField0>
-    <TPNamespace xmlns="4873beb7-5857-4685-be1f-d57550cc96cc" xsi:nil="true"/>
-    <TaxCatchAll xmlns="4873beb7-5857-4685-be1f-d57550cc96cc"/>
-    <Markets xmlns="4873beb7-5857-4685-be1f-d57550cc96cc"/>
-    <UAProjectedTotalWords xmlns="4873beb7-5857-4685-be1f-d57550cc96cc" xsi:nil="true"/>
-    <IntlLangReview xmlns="4873beb7-5857-4685-be1f-d57550cc96cc">false</IntlLangReview>
-    <OutputCachingOn xmlns="4873beb7-5857-4685-be1f-d57550cc96cc">false</OutputCachingOn>
-    <AverageRating xmlns="4873beb7-5857-4685-be1f-d57550cc96cc" xsi:nil="true"/>
-    <APAuthor xmlns="4873beb7-5857-4685-be1f-d57550cc96cc">
-      <UserInfo>
-        <DisplayName>REDMOND\v-anij</DisplayName>
-        <AccountId>2469</AccountId>
-        <AccountType/>
-      </UserInfo>
-    </APAuthor>
-    <LocManualTestRequired xmlns="4873beb7-5857-4685-be1f-d57550cc96cc">false</LocManualTestRequired>
-    <TPCommandLine xmlns="4873beb7-5857-4685-be1f-d57550cc96cc" xsi:nil="true"/>
-    <TPAppVersion xmlns="4873beb7-5857-4685-be1f-d57550cc96cc" xsi:nil="true"/>
-    <EditorialStatus xmlns="4873beb7-5857-4685-be1f-d57550cc96cc">Complete</EditorialStatus>
-    <LastModifiedDateTime xmlns="4873beb7-5857-4685-be1f-d57550cc96cc" xsi:nil="true"/>
-    <ScenarioTagsTaxHTField0 xmlns="4873beb7-5857-4685-be1f-d57550cc96cc">
-      <Terms xmlns="http://schemas.microsoft.com/office/infopath/2007/PartnerControls"/>
-    </ScenarioTagsTaxHTField0>
-    <OriginalRelease xmlns="4873beb7-5857-4685-be1f-d57550cc96cc">15</OriginalRelease>
-    <TPLaunchHelpLinkType xmlns="4873beb7-5857-4685-be1f-d57550cc96cc">Template</TPLaunchHelpLinkType>
-    <LocalizationTagsTaxHTField0 xmlns="4873beb7-5857-4685-be1f-d57550cc96cc">
-      <Terms xmlns="http://schemas.microsoft.com/office/infopath/2007/PartnerControls"/>
-    </LocalizationTagsTaxHTField0>
-    <LocMarketGroupTiers2 xmlns="4873beb7-5857-4685-be1f-d57550cc96cc" xsi:nil="true"/>
-  </documentManagement>
-</p:properties>
-</file>
-
-<file path=customXml/item2.xml><?xml version="1.0" encoding="utf-8"?>
-<?mso-contentType ?>
-<FormTemplates xmlns="http://schemas.microsoft.com/sharepoint/v3/contenttype/forms">
-  <Display>DocumentLibraryForm</Display>
-  <Edit>AssetEditForm</Edit>
-  <New>DocumentLibraryForm</New>
-</FormTemplates>
-</file>
-
-<file path=customXml/item3.xml><?xml version="1.0" encoding="utf-8"?>
 <ct:contentTypeSchema xmlns:ct="http://schemas.microsoft.com/office/2006/metadata/contentType" xmlns:ma="http://schemas.microsoft.com/office/2006/metadata/properties/metaAttributes" ct:_="" ma:_="" ma:contentTypeName="TemplateFile" ma:contentTypeID="0x0101006EDDDB5EE6D98C44930B742096920B300400F5B6D36B3EF94B4E9A635CDF2A18F5B8" ma:contentTypeVersion="72" ma:contentTypeDescription="Create a new document." ma:contentTypeScope="" ma:versionID="a23e56308344d904b51738559c3d67c9">
   <xsd:schema xmlns:xsd="http://www.w3.org/2001/XMLSchema" xmlns:xs="http://www.w3.org/2001/XMLSchema" xmlns:p="http://schemas.microsoft.com/office/2006/metadata/properties" xmlns:ns2="4873beb7-5857-4685-be1f-d57550cc96cc" targetNamespace="http://schemas.microsoft.com/office/2006/metadata/properties" ma:root="true" ma:fieldsID="cd0908cc4600e77bf5da051303e00c8d" ns2:_="">
     <xsd:import namespace="4873beb7-5857-4685-be1f-d57550cc96cc"/>
@@ -6122,31 +7004,142 @@
 </ct:contentTypeSchema>
 </file>
 
-<file path=customXml/itemProps1.xml><?xml version="1.0" encoding="utf-8"?>
-<ds:datastoreItem xmlns:ds="http://schemas.openxmlformats.org/officeDocument/2006/customXml" ds:itemID="{04098515-0C12-46CF-BC7C-69B4A13CD5FA}">
-  <ds:schemaRefs>
-    <ds:schemaRef ds:uri="http://schemas.openxmlformats.org/package/2006/metadata/core-properties"/>
-    <ds:schemaRef ds:uri="http://schemas.microsoft.com/office/2006/documentManagement/types"/>
-    <ds:schemaRef ds:uri="http://schemas.microsoft.com/office/infopath/2007/PartnerControls"/>
-    <ds:schemaRef ds:uri="http://purl.org/dc/elements/1.1/"/>
-    <ds:schemaRef ds:uri="http://schemas.microsoft.com/office/2006/metadata/properties"/>
-    <ds:schemaRef ds:uri="http://purl.org/dc/terms/"/>
-    <ds:schemaRef ds:uri="4873beb7-5857-4685-be1f-d57550cc96cc"/>
-    <ds:schemaRef ds:uri="http://www.w3.org/XML/1998/namespace"/>
-    <ds:schemaRef ds:uri="http://purl.org/dc/dcmitype/"/>
-  </ds:schemaRefs>
-</ds:datastoreItem>
+<file path=customXml/item2.xml><?xml version="1.0" encoding="utf-8"?>
+<?mso-contentType ?>
+<FormTemplates xmlns="http://schemas.microsoft.com/sharepoint/v3/contenttype/forms">
+  <Display>DocumentLibraryForm</Display>
+  <Edit>AssetEditForm</Edit>
+  <New>DocumentLibraryForm</New>
+</FormTemplates>
 </file>
 
-<file path=customXml/itemProps2.xml><?xml version="1.0" encoding="utf-8"?>
-<ds:datastoreItem xmlns:ds="http://schemas.openxmlformats.org/officeDocument/2006/customXml" ds:itemID="{746CFF6F-D9AA-4BC0-911A-0A1356771912}">
-  <ds:schemaRefs>
-    <ds:schemaRef ds:uri="http://schemas.microsoft.com/sharepoint/v3/contenttype/forms"/>
-  </ds:schemaRefs>
-</ds:datastoreItem>
+<file path=customXml/item3.xml><?xml version="1.0" encoding="utf-8"?>
+<p:properties xmlns:p="http://schemas.microsoft.com/office/2006/metadata/properties" xmlns:xsi="http://www.w3.org/2001/XMLSchema-instance" xmlns:pc="http://schemas.microsoft.com/office/infopath/2007/PartnerControls">
+  <documentManagement>
+    <DirectSourceMarket xmlns="4873beb7-5857-4685-be1f-d57550cc96cc" xsi:nil="true"/>
+    <ApprovalStatus xmlns="4873beb7-5857-4685-be1f-d57550cc96cc">InProgress</ApprovalStatus>
+    <MarketSpecific xmlns="4873beb7-5857-4685-be1f-d57550cc96cc">false</MarketSpecific>
+    <LocComments xmlns="4873beb7-5857-4685-be1f-d57550cc96cc" xsi:nil="true"/>
+    <ThumbnailAssetId xmlns="4873beb7-5857-4685-be1f-d57550cc96cc" xsi:nil="true"/>
+    <PrimaryImageGen xmlns="4873beb7-5857-4685-be1f-d57550cc96cc">true</PrimaryImageGen>
+    <LegacyData xmlns="4873beb7-5857-4685-be1f-d57550cc96cc" xsi:nil="true"/>
+    <LocRecommendedHandoff xmlns="4873beb7-5857-4685-be1f-d57550cc96cc" xsi:nil="true"/>
+    <BusinessGroup xmlns="4873beb7-5857-4685-be1f-d57550cc96cc" xsi:nil="true"/>
+    <BlockPublish xmlns="4873beb7-5857-4685-be1f-d57550cc96cc">false</BlockPublish>
+    <TPFriendlyName xmlns="4873beb7-5857-4685-be1f-d57550cc96cc" xsi:nil="true"/>
+    <NumericId xmlns="4873beb7-5857-4685-be1f-d57550cc96cc" xsi:nil="true"/>
+    <APEditor xmlns="4873beb7-5857-4685-be1f-d57550cc96cc">
+      <UserInfo>
+        <DisplayName/>
+        <AccountId xsi:nil="true"/>
+        <AccountType/>
+      </UserInfo>
+    </APEditor>
+    <SourceTitle xmlns="4873beb7-5857-4685-be1f-d57550cc96cc" xsi:nil="true"/>
+    <OpenTemplate xmlns="4873beb7-5857-4685-be1f-d57550cc96cc">true</OpenTemplate>
+    <UALocComments xmlns="4873beb7-5857-4685-be1f-d57550cc96cc" xsi:nil="true"/>
+    <ParentAssetId xmlns="4873beb7-5857-4685-be1f-d57550cc96cc" xsi:nil="true"/>
+    <IntlLangReviewDate xmlns="4873beb7-5857-4685-be1f-d57550cc96cc" xsi:nil="true"/>
+    <FeatureTagsTaxHTField0 xmlns="4873beb7-5857-4685-be1f-d57550cc96cc">
+      <Terms xmlns="http://schemas.microsoft.com/office/infopath/2007/PartnerControls"/>
+    </FeatureTagsTaxHTField0>
+    <PublishStatusLookup xmlns="4873beb7-5857-4685-be1f-d57550cc96cc">
+      <Value>1566889</Value>
+    </PublishStatusLookup>
+    <Providers xmlns="4873beb7-5857-4685-be1f-d57550cc96cc" xsi:nil="true"/>
+    <MachineTranslated xmlns="4873beb7-5857-4685-be1f-d57550cc96cc">false</MachineTranslated>
+    <OriginalSourceMarket xmlns="4873beb7-5857-4685-be1f-d57550cc96cc" xsi:nil="true"/>
+    <APDescription xmlns="4873beb7-5857-4685-be1f-d57550cc96cc" xsi:nil="true"/>
+    <ClipArtFilename xmlns="4873beb7-5857-4685-be1f-d57550cc96cc" xsi:nil="true"/>
+    <ContentItem xmlns="4873beb7-5857-4685-be1f-d57550cc96cc" xsi:nil="true"/>
+    <TPInstallLocation xmlns="4873beb7-5857-4685-be1f-d57550cc96cc" xsi:nil="true"/>
+    <PublishTargets xmlns="4873beb7-5857-4685-be1f-d57550cc96cc">OfficeOnlineVNext</PublishTargets>
+    <TimesCloned xmlns="4873beb7-5857-4685-be1f-d57550cc96cc" xsi:nil="true"/>
+    <AssetStart xmlns="4873beb7-5857-4685-be1f-d57550cc96cc">2012-05-23T08:44:00+00:00</AssetStart>
+    <Provider xmlns="4873beb7-5857-4685-be1f-d57550cc96cc" xsi:nil="true"/>
+    <AcquiredFrom xmlns="4873beb7-5857-4685-be1f-d57550cc96cc">Internal MS</AcquiredFrom>
+    <FriendlyTitle xmlns="4873beb7-5857-4685-be1f-d57550cc96cc" xsi:nil="true"/>
+    <LastHandOff xmlns="4873beb7-5857-4685-be1f-d57550cc96cc" xsi:nil="true"/>
+    <TPClientViewer xmlns="4873beb7-5857-4685-be1f-d57550cc96cc" xsi:nil="true"/>
+    <UACurrentWords xmlns="4873beb7-5857-4685-be1f-d57550cc96cc" xsi:nil="true"/>
+    <ArtSampleDocs xmlns="4873beb7-5857-4685-be1f-d57550cc96cc" xsi:nil="true"/>
+    <UALocRecommendation xmlns="4873beb7-5857-4685-be1f-d57550cc96cc">Localize</UALocRecommendation>
+    <Manager xmlns="4873beb7-5857-4685-be1f-d57550cc96cc" xsi:nil="true"/>
+    <ShowIn xmlns="4873beb7-5857-4685-be1f-d57550cc96cc">Show everywhere</ShowIn>
+    <UANotes xmlns="4873beb7-5857-4685-be1f-d57550cc96cc" xsi:nil="true"/>
+    <TemplateStatus xmlns="4873beb7-5857-4685-be1f-d57550cc96cc">Complete</TemplateStatus>
+    <InternalTagsTaxHTField0 xmlns="4873beb7-5857-4685-be1f-d57550cc96cc">
+      <Terms xmlns="http://schemas.microsoft.com/office/infopath/2007/PartnerControls"/>
+    </InternalTagsTaxHTField0>
+    <CSXHash xmlns="4873beb7-5857-4685-be1f-d57550cc96cc" xsi:nil="true"/>
+    <Downloads xmlns="4873beb7-5857-4685-be1f-d57550cc96cc">0</Downloads>
+    <VoteCount xmlns="4873beb7-5857-4685-be1f-d57550cc96cc" xsi:nil="true"/>
+    <OOCacheId xmlns="4873beb7-5857-4685-be1f-d57550cc96cc" xsi:nil="true"/>
+    <IsDeleted xmlns="4873beb7-5857-4685-be1f-d57550cc96cc">false</IsDeleted>
+    <AssetExpire xmlns="4873beb7-5857-4685-be1f-d57550cc96cc">2029-01-01T08:00:00+00:00</AssetExpire>
+    <DSATActionTaken xmlns="4873beb7-5857-4685-be1f-d57550cc96cc" xsi:nil="true"/>
+    <CSXSubmissionMarket xmlns="4873beb7-5857-4685-be1f-d57550cc96cc" xsi:nil="true"/>
+    <TPExecutable xmlns="4873beb7-5857-4685-be1f-d57550cc96cc" xsi:nil="true"/>
+    <SubmitterId xmlns="4873beb7-5857-4685-be1f-d57550cc96cc" xsi:nil="true"/>
+    <EditorialTags xmlns="4873beb7-5857-4685-be1f-d57550cc96cc" xsi:nil="true"/>
+    <ApprovalLog xmlns="4873beb7-5857-4685-be1f-d57550cc96cc" xsi:nil="true"/>
+    <AssetType xmlns="4873beb7-5857-4685-be1f-d57550cc96cc">TP</AssetType>
+    <BugNumber xmlns="4873beb7-5857-4685-be1f-d57550cc96cc" xsi:nil="true"/>
+    <CSXSubmissionDate xmlns="4873beb7-5857-4685-be1f-d57550cc96cc" xsi:nil="true"/>
+    <CSXUpdate xmlns="4873beb7-5857-4685-be1f-d57550cc96cc">false</CSXUpdate>
+    <Milestone xmlns="4873beb7-5857-4685-be1f-d57550cc96cc" xsi:nil="true"/>
+    <RecommendationsModifier xmlns="4873beb7-5857-4685-be1f-d57550cc96cc" xsi:nil="true"/>
+    <OriginAsset xmlns="4873beb7-5857-4685-be1f-d57550cc96cc" xsi:nil="true"/>
+    <TPComponent xmlns="4873beb7-5857-4685-be1f-d57550cc96cc" xsi:nil="true"/>
+    <AssetId xmlns="4873beb7-5857-4685-be1f-d57550cc96cc">TP102901017</AssetId>
+    <IntlLocPriority xmlns="4873beb7-5857-4685-be1f-d57550cc96cc" xsi:nil="true"/>
+    <PolicheckWords xmlns="4873beb7-5857-4685-be1f-d57550cc96cc" xsi:nil="true"/>
+    <TPLaunchHelpLink xmlns="4873beb7-5857-4685-be1f-d57550cc96cc" xsi:nil="true"/>
+    <TPApplication xmlns="4873beb7-5857-4685-be1f-d57550cc96cc" xsi:nil="true"/>
+    <CrawlForDependencies xmlns="4873beb7-5857-4685-be1f-d57550cc96cc">false</CrawlForDependencies>
+    <HandoffToMSDN xmlns="4873beb7-5857-4685-be1f-d57550cc96cc" xsi:nil="true"/>
+    <PlannedPubDate xmlns="4873beb7-5857-4685-be1f-d57550cc96cc" xsi:nil="true"/>
+    <IntlLangReviewer xmlns="4873beb7-5857-4685-be1f-d57550cc96cc" xsi:nil="true"/>
+    <TrustLevel xmlns="4873beb7-5857-4685-be1f-d57550cc96cc">1 Microsoft Managed Content</TrustLevel>
+    <LocLastLocAttemptVersionLookup xmlns="4873beb7-5857-4685-be1f-d57550cc96cc">836753</LocLastLocAttemptVersionLookup>
+    <IsSearchable xmlns="4873beb7-5857-4685-be1f-d57550cc96cc">true</IsSearchable>
+    <TemplateTemplateType xmlns="4873beb7-5857-4685-be1f-d57550cc96cc">PowerPoint Design Template</TemplateTemplateType>
+    <CampaignTagsTaxHTField0 xmlns="4873beb7-5857-4685-be1f-d57550cc96cc">
+      <Terms xmlns="http://schemas.microsoft.com/office/infopath/2007/PartnerControls"/>
+    </CampaignTagsTaxHTField0>
+    <TPNamespace xmlns="4873beb7-5857-4685-be1f-d57550cc96cc" xsi:nil="true"/>
+    <TaxCatchAll xmlns="4873beb7-5857-4685-be1f-d57550cc96cc"/>
+    <Markets xmlns="4873beb7-5857-4685-be1f-d57550cc96cc"/>
+    <UAProjectedTotalWords xmlns="4873beb7-5857-4685-be1f-d57550cc96cc" xsi:nil="true"/>
+    <IntlLangReview xmlns="4873beb7-5857-4685-be1f-d57550cc96cc">false</IntlLangReview>
+    <OutputCachingOn xmlns="4873beb7-5857-4685-be1f-d57550cc96cc">false</OutputCachingOn>
+    <AverageRating xmlns="4873beb7-5857-4685-be1f-d57550cc96cc" xsi:nil="true"/>
+    <APAuthor xmlns="4873beb7-5857-4685-be1f-d57550cc96cc">
+      <UserInfo>
+        <DisplayName>REDMOND\v-anij</DisplayName>
+        <AccountId>2469</AccountId>
+        <AccountType/>
+      </UserInfo>
+    </APAuthor>
+    <LocManualTestRequired xmlns="4873beb7-5857-4685-be1f-d57550cc96cc">false</LocManualTestRequired>
+    <TPCommandLine xmlns="4873beb7-5857-4685-be1f-d57550cc96cc" xsi:nil="true"/>
+    <TPAppVersion xmlns="4873beb7-5857-4685-be1f-d57550cc96cc" xsi:nil="true"/>
+    <EditorialStatus xmlns="4873beb7-5857-4685-be1f-d57550cc96cc">Complete</EditorialStatus>
+    <LastModifiedDateTime xmlns="4873beb7-5857-4685-be1f-d57550cc96cc" xsi:nil="true"/>
+    <ScenarioTagsTaxHTField0 xmlns="4873beb7-5857-4685-be1f-d57550cc96cc">
+      <Terms xmlns="http://schemas.microsoft.com/office/infopath/2007/PartnerControls"/>
+    </ScenarioTagsTaxHTField0>
+    <OriginalRelease xmlns="4873beb7-5857-4685-be1f-d57550cc96cc">15</OriginalRelease>
+    <TPLaunchHelpLinkType xmlns="4873beb7-5857-4685-be1f-d57550cc96cc">Template</TPLaunchHelpLinkType>
+    <LocalizationTagsTaxHTField0 xmlns="4873beb7-5857-4685-be1f-d57550cc96cc">
+      <Terms xmlns="http://schemas.microsoft.com/office/infopath/2007/PartnerControls"/>
+    </LocalizationTagsTaxHTField0>
+    <LocMarketGroupTiers2 xmlns="4873beb7-5857-4685-be1f-d57550cc96cc" xsi:nil="true"/>
+  </documentManagement>
+</p:properties>
 </file>
 
-<file path=customXml/itemProps3.xml><?xml version="1.0" encoding="utf-8"?>
+<file path=customXml/itemProps1.xml><?xml version="1.0" encoding="utf-8"?>
 <ds:datastoreItem xmlns:ds="http://schemas.openxmlformats.org/officeDocument/2006/customXml" ds:itemID="{0B5C6E15-39DC-470B-9445-F754B9458020}">
   <ds:schemaRefs>
     <ds:schemaRef ds:uri="http://schemas.microsoft.com/office/2006/metadata/contentType"/>
@@ -6162,4 +7155,28 @@
     <ds:schemaRef ds:uri="http://schemas.microsoft.com/internal/obd"/>
   </ds:schemaRefs>
 </ds:datastoreItem>
+</file>
+
+<file path=customXml/itemProps2.xml><?xml version="1.0" encoding="utf-8"?>
+<ds:datastoreItem xmlns:ds="http://schemas.openxmlformats.org/officeDocument/2006/customXml" ds:itemID="{746CFF6F-D9AA-4BC0-911A-0A1356771912}">
+  <ds:schemaRefs>
+    <ds:schemaRef ds:uri="http://schemas.microsoft.com/sharepoint/v3/contenttype/forms"/>
+  </ds:schemaRefs>
+</ds:datastoreItem>
+</file>
+
+<file path=customXml/itemProps3.xml><?xml version="1.0" encoding="utf-8"?>
+<ds:datastoreItem xmlns:ds="http://schemas.openxmlformats.org/officeDocument/2006/customXml" ds:itemID="{04098515-0C12-46CF-BC7C-69B4A13CD5FA}">
+  <ds:schemaRefs>
+    <ds:schemaRef ds:uri="http://schemas.openxmlformats.org/package/2006/metadata/core-properties"/>
+    <ds:schemaRef ds:uri="http://schemas.microsoft.com/office/2006/documentManagement/types"/>
+    <ds:schemaRef ds:uri="http://schemas.microsoft.com/office/infopath/2007/PartnerControls"/>
+    <ds:schemaRef ds:uri="http://purl.org/dc/elements/1.1/"/>
+    <ds:schemaRef ds:uri="http://schemas.microsoft.com/office/2006/metadata/properties"/>
+    <ds:schemaRef ds:uri="http://purl.org/dc/terms/"/>
+    <ds:schemaRef ds:uri="4873beb7-5857-4685-be1f-d57550cc96cc"/>
+    <ds:schemaRef ds:uri="http://www.w3.org/XML/1998/namespace"/>
+    <ds:schemaRef ds:uri="http://purl.org/dc/dcmitype/"/>
+  </ds:schemaRefs>
+</ds:datastoreItem>
 </file>
--- a/docs/Computers in the Libraries.pptx
+++ b/docs/Computers in the Libraries.pptx
@@ -5,17 +5,20 @@
     <p:sldMasterId id="2147483648" r:id="rId4"/>
   </p:sldMasterIdLst>
   <p:notesMasterIdLst>
-    <p:notesMasterId r:id="rId10"/>
+    <p:notesMasterId r:id="rId13"/>
   </p:notesMasterIdLst>
   <p:handoutMasterIdLst>
-    <p:handoutMasterId r:id="rId11"/>
+    <p:handoutMasterId r:id="rId14"/>
   </p:handoutMasterIdLst>
   <p:sldIdLst>
     <p:sldId id="256" r:id="rId5"/>
     <p:sldId id="257" r:id="rId6"/>
     <p:sldId id="258" r:id="rId7"/>
     <p:sldId id="261" r:id="rId8"/>
-    <p:sldId id="260" r:id="rId9"/>
+    <p:sldId id="262" r:id="rId9"/>
+    <p:sldId id="264" r:id="rId10"/>
+    <p:sldId id="263" r:id="rId11"/>
+    <p:sldId id="260" r:id="rId12"/>
   </p:sldIdLst>
   <p:sldSz cx="9144000" cy="6858000" type="screen4x3"/>
   <p:notesSz cx="6858000" cy="9144000"/>
@@ -222,7 +225,7 @@
           <a:p>
             <a:fld id="{762B48F5-BACC-47D6-A0F7-82FBF9C6BC85}" type="datetimeFigureOut">
               <a:rPr lang="en-US"/>
-              <a:t>10/25/2017</a:t>
+              <a:t>10/29/2017</a:t>
             </a:fld>
             <a:endParaRPr/>
           </a:p>
@@ -387,7 +390,7 @@
           <a:p>
             <a:fld id="{0CB1CD00-5424-4675-AB18-2C419B060449}" type="datetimeFigureOut">
               <a:rPr lang="en-US"/>
-              <a:t>10/25/2017</a:t>
+              <a:t>10/29/2017</a:t>
             </a:fld>
             <a:endParaRPr/>
           </a:p>
@@ -1032,7 +1035,7 @@
           <a:p>
             <a:fld id="{37CC0096-1860-4642-9CD2-0079EA5E7CD1}" type="datetimeFigureOut">
               <a:rPr lang="en-US" smtClean="0"/>
-              <a:t>10/25/2017</a:t>
+              <a:t>10/29/2017</a:t>
             </a:fld>
             <a:endParaRPr lang="en-US"/>
           </a:p>
@@ -1211,7 +1214,7 @@
           <a:p>
             <a:fld id="{37CC0096-1860-4642-9CD2-0079EA5E7CD1}" type="datetimeFigureOut">
               <a:rPr lang="en-US" smtClean="0"/>
-              <a:t>10/25/2017</a:t>
+              <a:t>10/29/2017</a:t>
             </a:fld>
             <a:endParaRPr lang="en-US"/>
           </a:p>
@@ -1384,7 +1387,7 @@
           <a:p>
             <a:fld id="{37CC0096-1860-4642-9CD2-0079EA5E7CD1}" type="datetimeFigureOut">
               <a:rPr lang="en-US" smtClean="0"/>
-              <a:t>10/25/2017</a:t>
+              <a:t>10/29/2017</a:t>
             </a:fld>
             <a:endParaRPr lang="en-US"/>
           </a:p>
@@ -1817,7 +1820,7 @@
           <a:p>
             <a:fld id="{37CC0096-1860-4642-9CD2-0079EA5E7CD1}" type="datetimeFigureOut">
               <a:rPr lang="en-US" smtClean="0"/>
-              <a:t>10/25/2017</a:t>
+              <a:t>10/29/2017</a:t>
             </a:fld>
             <a:endParaRPr lang="en-US"/>
           </a:p>
@@ -2256,7 +2259,7 @@
           <a:p>
             <a:fld id="{37CC0096-1860-4642-9CD2-0079EA5E7CD1}" type="datetimeFigureOut">
               <a:rPr lang="en-US" smtClean="0"/>
-              <a:t>10/25/2017</a:t>
+              <a:t>10/29/2017</a:t>
             </a:fld>
             <a:endParaRPr lang="en-US"/>
           </a:p>
@@ -2373,7 +2376,7 @@
           <a:p>
             <a:fld id="{37CC0096-1860-4642-9CD2-0079EA5E7CD1}" type="datetimeFigureOut">
               <a:rPr lang="en-US" smtClean="0"/>
-              <a:t>10/25/2017</a:t>
+              <a:t>10/29/2017</a:t>
             </a:fld>
             <a:endParaRPr lang="en-US"/>
           </a:p>
@@ -2468,7 +2471,7 @@
           <a:p>
             <a:fld id="{37CC0096-1860-4642-9CD2-0079EA5E7CD1}" type="datetimeFigureOut">
               <a:rPr lang="en-US" smtClean="0"/>
-              <a:t>10/25/2017</a:t>
+              <a:t>10/29/2017</a:t>
             </a:fld>
             <a:endParaRPr lang="en-US"/>
           </a:p>
@@ -2752,7 +2755,7 @@
           <a:p>
             <a:fld id="{37CC0096-1860-4642-9CD2-0079EA5E7CD1}" type="datetimeFigureOut">
               <a:rPr lang="en-US" smtClean="0"/>
-              <a:t>10/25/2017</a:t>
+              <a:t>10/29/2017</a:t>
             </a:fld>
             <a:endParaRPr lang="en-US"/>
           </a:p>
@@ -3063,7 +3066,7 @@
           <a:p>
             <a:fld id="{37CC0096-1860-4642-9CD2-0079EA5E7CD1}" type="datetimeFigureOut">
               <a:rPr lang="en-US" smtClean="0"/>
-              <a:t>10/25/2017</a:t>
+              <a:t>10/29/2017</a:t>
             </a:fld>
             <a:endParaRPr lang="en-US"/>
           </a:p>
@@ -3295,7 +3298,7 @@
             <a:fld id="{37CC0096-1860-4642-9CD2-0079EA5E7CD1}" type="datetimeFigureOut">
               <a:rPr lang="en-US" smtClean="0"/>
               <a:pPr/>
-              <a:t>10/25/2017</a:t>
+              <a:t>10/29/2017</a:t>
             </a:fld>
             <a:endParaRPr lang="en-US"/>
           </a:p>
@@ -5057,6 +5060,289 @@
 </file>
 
 <file path=ppt/slides/slide5.xml><?xml version="1.0" encoding="utf-8"?>
+<p:sld xmlns:a="http://schemas.openxmlformats.org/drawingml/2006/main" xmlns:r="http://schemas.openxmlformats.org/officeDocument/2006/relationships" xmlns:p="http://schemas.openxmlformats.org/presentationml/2006/main">
+  <p:cSld>
+    <p:spTree>
+      <p:nvGrpSpPr>
+        <p:cNvPr id="1" name=""/>
+        <p:cNvGrpSpPr/>
+        <p:nvPr/>
+      </p:nvGrpSpPr>
+      <p:grpSpPr>
+        <a:xfrm>
+          <a:off x="0" y="0"/>
+          <a:ext cx="0" cy="0"/>
+          <a:chOff x="0" y="0"/>
+          <a:chExt cx="0" cy="0"/>
+        </a:xfrm>
+      </p:grpSpPr>
+      <p:sp>
+        <p:nvSpPr>
+          <p:cNvPr id="5" name="Title 4">
+            <a:extLst>
+              <a:ext uri="{FF2B5EF4-FFF2-40B4-BE49-F238E27FC236}">
+                <a16:creationId xmlns:a16="http://schemas.microsoft.com/office/drawing/2014/main" id="{75466788-941B-4609-A8A1-1FED67EE1D70}"/>
+              </a:ext>
+            </a:extLst>
+          </p:cNvPr>
+          <p:cNvSpPr>
+            <a:spLocks noGrp="1"/>
+          </p:cNvSpPr>
+          <p:nvPr>
+            <p:ph type="title"/>
+          </p:nvPr>
+        </p:nvSpPr>
+        <p:spPr/>
+        <p:txBody>
+          <a:bodyPr/>
+          <a:lstStyle/>
+          <a:p>
+            <a:r>
+              <a:rPr lang="en-US" dirty="0" err="1"/>
+              <a:t>Avg</a:t>
+            </a:r>
+            <a:r>
+              <a:rPr lang="en-US" dirty="0"/>
+              <a:t> Computer Utilization vs Temperature</a:t>
+            </a:r>
+          </a:p>
+        </p:txBody>
+      </p:sp>
+      <p:pic>
+        <p:nvPicPr>
+          <p:cNvPr id="8" name="Content Placeholder 7">
+            <a:extLst>
+              <a:ext uri="{FF2B5EF4-FFF2-40B4-BE49-F238E27FC236}">
+                <a16:creationId xmlns:a16="http://schemas.microsoft.com/office/drawing/2014/main" id="{8726A4B9-A88B-425F-9EDD-1FEA15F489AD}"/>
+              </a:ext>
+            </a:extLst>
+          </p:cNvPr>
+          <p:cNvPicPr>
+            <a:picLocks noGrp="1" noChangeAspect="1"/>
+          </p:cNvPicPr>
+          <p:nvPr>
+            <p:ph idx="1"/>
+          </p:nvPr>
+        </p:nvPicPr>
+        <p:blipFill>
+          <a:blip r:embed="rId2">
+            <a:extLst>
+              <a:ext uri="{28A0092B-C50C-407E-A947-70E740481C1C}">
+                <a14:useLocalDpi xmlns:a14="http://schemas.microsoft.com/office/drawing/2010/main" val="0"/>
+              </a:ext>
+            </a:extLst>
+          </a:blip>
+          <a:stretch>
+            <a:fillRect/>
+          </a:stretch>
+        </p:blipFill>
+        <p:spPr>
+          <a:xfrm>
+            <a:off x="1981200" y="1661857"/>
+            <a:ext cx="4886645" cy="4339178"/>
+          </a:xfrm>
+        </p:spPr>
+      </p:pic>
+    </p:spTree>
+    <p:extLst>
+      <p:ext uri="{BB962C8B-B14F-4D97-AF65-F5344CB8AC3E}">
+        <p14:creationId xmlns:p14="http://schemas.microsoft.com/office/powerpoint/2010/main" val="3702549410"/>
+      </p:ext>
+    </p:extLst>
+  </p:cSld>
+  <p:clrMapOvr>
+    <a:masterClrMapping/>
+  </p:clrMapOvr>
+</p:sld>
+</file>
+
+<file path=ppt/slides/slide6.xml><?xml version="1.0" encoding="utf-8"?>
+<p:sld xmlns:a="http://schemas.openxmlformats.org/drawingml/2006/main" xmlns:r="http://schemas.openxmlformats.org/officeDocument/2006/relationships" xmlns:p="http://schemas.openxmlformats.org/presentationml/2006/main">
+  <p:cSld>
+    <p:spTree>
+      <p:nvGrpSpPr>
+        <p:cNvPr id="1" name=""/>
+        <p:cNvGrpSpPr/>
+        <p:nvPr/>
+      </p:nvGrpSpPr>
+      <p:grpSpPr>
+        <a:xfrm>
+          <a:off x="0" y="0"/>
+          <a:ext cx="0" cy="0"/>
+          <a:chOff x="0" y="0"/>
+          <a:chExt cx="0" cy="0"/>
+        </a:xfrm>
+      </p:grpSpPr>
+      <p:sp>
+        <p:nvSpPr>
+          <p:cNvPr id="2" name="Title 1">
+            <a:extLst>
+              <a:ext uri="{FF2B5EF4-FFF2-40B4-BE49-F238E27FC236}">
+                <a16:creationId xmlns:a16="http://schemas.microsoft.com/office/drawing/2014/main" id="{F1092C15-8D2A-4760-9EA6-885114733885}"/>
+              </a:ext>
+            </a:extLst>
+          </p:cNvPr>
+          <p:cNvSpPr>
+            <a:spLocks noGrp="1"/>
+          </p:cNvSpPr>
+          <p:nvPr>
+            <p:ph type="title"/>
+          </p:nvPr>
+        </p:nvSpPr>
+        <p:spPr/>
+        <p:txBody>
+          <a:bodyPr/>
+          <a:lstStyle/>
+          <a:p>
+            <a:r>
+              <a:rPr lang="en-US" dirty="0"/>
+              <a:t>More on Utilization vs Temp</a:t>
+            </a:r>
+          </a:p>
+        </p:txBody>
+      </p:sp>
+      <p:pic>
+        <p:nvPicPr>
+          <p:cNvPr id="5" name="Content Placeholder 4">
+            <a:extLst>
+              <a:ext uri="{FF2B5EF4-FFF2-40B4-BE49-F238E27FC236}">
+                <a16:creationId xmlns:a16="http://schemas.microsoft.com/office/drawing/2014/main" id="{574919E6-DFE0-45D2-BBBB-B9725600A724}"/>
+              </a:ext>
+            </a:extLst>
+          </p:cNvPr>
+          <p:cNvPicPr>
+            <a:picLocks noGrp="1" noChangeAspect="1"/>
+          </p:cNvPicPr>
+          <p:nvPr>
+            <p:ph idx="1"/>
+          </p:nvPr>
+        </p:nvPicPr>
+        <p:blipFill>
+          <a:blip r:embed="rId2">
+            <a:extLst>
+              <a:ext uri="{28A0092B-C50C-407E-A947-70E740481C1C}">
+                <a14:useLocalDpi xmlns:a14="http://schemas.microsoft.com/office/drawing/2010/main" val="0"/>
+              </a:ext>
+            </a:extLst>
+          </a:blip>
+          <a:stretch>
+            <a:fillRect/>
+          </a:stretch>
+        </p:blipFill>
+        <p:spPr>
+          <a:xfrm>
+            <a:off x="2303695" y="1596887"/>
+            <a:ext cx="4536610" cy="4786975"/>
+          </a:xfrm>
+        </p:spPr>
+      </p:pic>
+    </p:spTree>
+    <p:extLst>
+      <p:ext uri="{BB962C8B-B14F-4D97-AF65-F5344CB8AC3E}">
+        <p14:creationId xmlns:p14="http://schemas.microsoft.com/office/powerpoint/2010/main" val="2948852867"/>
+      </p:ext>
+    </p:extLst>
+  </p:cSld>
+  <p:clrMapOvr>
+    <a:masterClrMapping/>
+  </p:clrMapOvr>
+</p:sld>
+</file>
+
+<file path=ppt/slides/slide7.xml><?xml version="1.0" encoding="utf-8"?>
+<p:sld xmlns:a="http://schemas.openxmlformats.org/drawingml/2006/main" xmlns:r="http://schemas.openxmlformats.org/officeDocument/2006/relationships" xmlns:p="http://schemas.openxmlformats.org/presentationml/2006/main">
+  <p:cSld>
+    <p:spTree>
+      <p:nvGrpSpPr>
+        <p:cNvPr id="1" name=""/>
+        <p:cNvGrpSpPr/>
+        <p:nvPr/>
+      </p:nvGrpSpPr>
+      <p:grpSpPr>
+        <a:xfrm>
+          <a:off x="0" y="0"/>
+          <a:ext cx="0" cy="0"/>
+          <a:chOff x="0" y="0"/>
+          <a:chExt cx="0" cy="0"/>
+        </a:xfrm>
+      </p:grpSpPr>
+      <p:sp>
+        <p:nvSpPr>
+          <p:cNvPr id="2" name="Title 1">
+            <a:extLst>
+              <a:ext uri="{FF2B5EF4-FFF2-40B4-BE49-F238E27FC236}">
+                <a16:creationId xmlns:a16="http://schemas.microsoft.com/office/drawing/2014/main" id="{FD1A8EE0-3760-41DB-BA86-89E2B6A17465}"/>
+              </a:ext>
+            </a:extLst>
+          </p:cNvPr>
+          <p:cNvSpPr>
+            <a:spLocks noGrp="1"/>
+          </p:cNvSpPr>
+          <p:nvPr>
+            <p:ph type="title"/>
+          </p:nvPr>
+        </p:nvSpPr>
+        <p:spPr/>
+        <p:txBody>
+          <a:bodyPr/>
+          <a:lstStyle/>
+          <a:p>
+            <a:r>
+              <a:rPr lang="en-US" dirty="0"/>
+              <a:t>More on Utilization vs Temp</a:t>
+            </a:r>
+          </a:p>
+        </p:txBody>
+      </p:sp>
+      <p:pic>
+        <p:nvPicPr>
+          <p:cNvPr id="5" name="Content Placeholder 4">
+            <a:extLst>
+              <a:ext uri="{FF2B5EF4-FFF2-40B4-BE49-F238E27FC236}">
+                <a16:creationId xmlns:a16="http://schemas.microsoft.com/office/drawing/2014/main" id="{A38E0508-1517-4ACE-B7F5-6F7B551D5DC2}"/>
+              </a:ext>
+            </a:extLst>
+          </p:cNvPr>
+          <p:cNvPicPr>
+            <a:picLocks noGrp="1" noChangeAspect="1"/>
+          </p:cNvPicPr>
+          <p:nvPr>
+            <p:ph idx="1"/>
+          </p:nvPr>
+        </p:nvPicPr>
+        <p:blipFill>
+          <a:blip r:embed="rId2">
+            <a:extLst>
+              <a:ext uri="{28A0092B-C50C-407E-A947-70E740481C1C}">
+                <a14:useLocalDpi xmlns:a14="http://schemas.microsoft.com/office/drawing/2010/main" val="0"/>
+              </a:ext>
+            </a:extLst>
+          </a:blip>
+          <a:stretch>
+            <a:fillRect/>
+          </a:stretch>
+        </p:blipFill>
+        <p:spPr>
+          <a:xfrm>
+            <a:off x="744192" y="2057400"/>
+            <a:ext cx="7655616" cy="2898422"/>
+          </a:xfrm>
+        </p:spPr>
+      </p:pic>
+    </p:spTree>
+    <p:extLst>
+      <p:ext uri="{BB962C8B-B14F-4D97-AF65-F5344CB8AC3E}">
+        <p14:creationId xmlns:p14="http://schemas.microsoft.com/office/powerpoint/2010/main" val="4077197504"/>
+      </p:ext>
+    </p:extLst>
+  </p:cSld>
+  <p:clrMapOvr>
+    <a:masterClrMapping/>
+  </p:clrMapOvr>
+</p:sld>
+</file>
+
+<file path=ppt/slides/slide8.xml><?xml version="1.0" encoding="utf-8"?>
 <p:sld xmlns:a="http://schemas.openxmlformats.org/drawingml/2006/main" xmlns:r="http://schemas.openxmlformats.org/officeDocument/2006/relationships" xmlns:p="http://schemas.openxmlformats.org/presentationml/2006/main">
   <p:cSld>
     <p:spTree>
@@ -5965,6 +6251,141 @@
 </file>
 
 <file path=customXml/item1.xml><?xml version="1.0" encoding="utf-8"?>
+<p:properties xmlns:p="http://schemas.microsoft.com/office/2006/metadata/properties" xmlns:xsi="http://www.w3.org/2001/XMLSchema-instance" xmlns:pc="http://schemas.microsoft.com/office/infopath/2007/PartnerControls">
+  <documentManagement>
+    <DirectSourceMarket xmlns="4873beb7-5857-4685-be1f-d57550cc96cc" xsi:nil="true"/>
+    <ApprovalStatus xmlns="4873beb7-5857-4685-be1f-d57550cc96cc">InProgress</ApprovalStatus>
+    <MarketSpecific xmlns="4873beb7-5857-4685-be1f-d57550cc96cc">false</MarketSpecific>
+    <LocComments xmlns="4873beb7-5857-4685-be1f-d57550cc96cc" xsi:nil="true"/>
+    <ThumbnailAssetId xmlns="4873beb7-5857-4685-be1f-d57550cc96cc" xsi:nil="true"/>
+    <PrimaryImageGen xmlns="4873beb7-5857-4685-be1f-d57550cc96cc">true</PrimaryImageGen>
+    <LegacyData xmlns="4873beb7-5857-4685-be1f-d57550cc96cc" xsi:nil="true"/>
+    <LocRecommendedHandoff xmlns="4873beb7-5857-4685-be1f-d57550cc96cc" xsi:nil="true"/>
+    <BusinessGroup xmlns="4873beb7-5857-4685-be1f-d57550cc96cc" xsi:nil="true"/>
+    <BlockPublish xmlns="4873beb7-5857-4685-be1f-d57550cc96cc">false</BlockPublish>
+    <TPFriendlyName xmlns="4873beb7-5857-4685-be1f-d57550cc96cc" xsi:nil="true"/>
+    <NumericId xmlns="4873beb7-5857-4685-be1f-d57550cc96cc" xsi:nil="true"/>
+    <APEditor xmlns="4873beb7-5857-4685-be1f-d57550cc96cc">
+      <UserInfo>
+        <DisplayName/>
+        <AccountId xsi:nil="true"/>
+        <AccountType/>
+      </UserInfo>
+    </APEditor>
+    <SourceTitle xmlns="4873beb7-5857-4685-be1f-d57550cc96cc" xsi:nil="true"/>
+    <OpenTemplate xmlns="4873beb7-5857-4685-be1f-d57550cc96cc">true</OpenTemplate>
+    <UALocComments xmlns="4873beb7-5857-4685-be1f-d57550cc96cc" xsi:nil="true"/>
+    <ParentAssetId xmlns="4873beb7-5857-4685-be1f-d57550cc96cc" xsi:nil="true"/>
+    <IntlLangReviewDate xmlns="4873beb7-5857-4685-be1f-d57550cc96cc" xsi:nil="true"/>
+    <FeatureTagsTaxHTField0 xmlns="4873beb7-5857-4685-be1f-d57550cc96cc">
+      <Terms xmlns="http://schemas.microsoft.com/office/infopath/2007/PartnerControls"/>
+    </FeatureTagsTaxHTField0>
+    <PublishStatusLookup xmlns="4873beb7-5857-4685-be1f-d57550cc96cc">
+      <Value>1566889</Value>
+    </PublishStatusLookup>
+    <Providers xmlns="4873beb7-5857-4685-be1f-d57550cc96cc" xsi:nil="true"/>
+    <MachineTranslated xmlns="4873beb7-5857-4685-be1f-d57550cc96cc">false</MachineTranslated>
+    <OriginalSourceMarket xmlns="4873beb7-5857-4685-be1f-d57550cc96cc" xsi:nil="true"/>
+    <APDescription xmlns="4873beb7-5857-4685-be1f-d57550cc96cc" xsi:nil="true"/>
+    <ClipArtFilename xmlns="4873beb7-5857-4685-be1f-d57550cc96cc" xsi:nil="true"/>
+    <ContentItem xmlns="4873beb7-5857-4685-be1f-d57550cc96cc" xsi:nil="true"/>
+    <TPInstallLocation xmlns="4873beb7-5857-4685-be1f-d57550cc96cc" xsi:nil="true"/>
+    <PublishTargets xmlns="4873beb7-5857-4685-be1f-d57550cc96cc">OfficeOnlineVNext</PublishTargets>
+    <TimesCloned xmlns="4873beb7-5857-4685-be1f-d57550cc96cc" xsi:nil="true"/>
+    <AssetStart xmlns="4873beb7-5857-4685-be1f-d57550cc96cc">2012-05-23T08:44:00+00:00</AssetStart>
+    <Provider xmlns="4873beb7-5857-4685-be1f-d57550cc96cc" xsi:nil="true"/>
+    <AcquiredFrom xmlns="4873beb7-5857-4685-be1f-d57550cc96cc">Internal MS</AcquiredFrom>
+    <FriendlyTitle xmlns="4873beb7-5857-4685-be1f-d57550cc96cc" xsi:nil="true"/>
+    <LastHandOff xmlns="4873beb7-5857-4685-be1f-d57550cc96cc" xsi:nil="true"/>
+    <TPClientViewer xmlns="4873beb7-5857-4685-be1f-d57550cc96cc" xsi:nil="true"/>
+    <UACurrentWords xmlns="4873beb7-5857-4685-be1f-d57550cc96cc" xsi:nil="true"/>
+    <ArtSampleDocs xmlns="4873beb7-5857-4685-be1f-d57550cc96cc" xsi:nil="true"/>
+    <UALocRecommendation xmlns="4873beb7-5857-4685-be1f-d57550cc96cc">Localize</UALocRecommendation>
+    <Manager xmlns="4873beb7-5857-4685-be1f-d57550cc96cc" xsi:nil="true"/>
+    <ShowIn xmlns="4873beb7-5857-4685-be1f-d57550cc96cc">Show everywhere</ShowIn>
+    <UANotes xmlns="4873beb7-5857-4685-be1f-d57550cc96cc" xsi:nil="true"/>
+    <TemplateStatus xmlns="4873beb7-5857-4685-be1f-d57550cc96cc">Complete</TemplateStatus>
+    <InternalTagsTaxHTField0 xmlns="4873beb7-5857-4685-be1f-d57550cc96cc">
+      <Terms xmlns="http://schemas.microsoft.com/office/infopath/2007/PartnerControls"/>
+    </InternalTagsTaxHTField0>
+    <CSXHash xmlns="4873beb7-5857-4685-be1f-d57550cc96cc" xsi:nil="true"/>
+    <Downloads xmlns="4873beb7-5857-4685-be1f-d57550cc96cc">0</Downloads>
+    <VoteCount xmlns="4873beb7-5857-4685-be1f-d57550cc96cc" xsi:nil="true"/>
+    <OOCacheId xmlns="4873beb7-5857-4685-be1f-d57550cc96cc" xsi:nil="true"/>
+    <IsDeleted xmlns="4873beb7-5857-4685-be1f-d57550cc96cc">false</IsDeleted>
+    <AssetExpire xmlns="4873beb7-5857-4685-be1f-d57550cc96cc">2029-01-01T08:00:00+00:00</AssetExpire>
+    <DSATActionTaken xmlns="4873beb7-5857-4685-be1f-d57550cc96cc" xsi:nil="true"/>
+    <CSXSubmissionMarket xmlns="4873beb7-5857-4685-be1f-d57550cc96cc" xsi:nil="true"/>
+    <TPExecutable xmlns="4873beb7-5857-4685-be1f-d57550cc96cc" xsi:nil="true"/>
+    <SubmitterId xmlns="4873beb7-5857-4685-be1f-d57550cc96cc" xsi:nil="true"/>
+    <EditorialTags xmlns="4873beb7-5857-4685-be1f-d57550cc96cc" xsi:nil="true"/>
+    <ApprovalLog xmlns="4873beb7-5857-4685-be1f-d57550cc96cc" xsi:nil="true"/>
+    <AssetType xmlns="4873beb7-5857-4685-be1f-d57550cc96cc">TP</AssetType>
+    <BugNumber xmlns="4873beb7-5857-4685-be1f-d57550cc96cc" xsi:nil="true"/>
+    <CSXSubmissionDate xmlns="4873beb7-5857-4685-be1f-d57550cc96cc" xsi:nil="true"/>
+    <CSXUpdate xmlns="4873beb7-5857-4685-be1f-d57550cc96cc">false</CSXUpdate>
+    <Milestone xmlns="4873beb7-5857-4685-be1f-d57550cc96cc" xsi:nil="true"/>
+    <RecommendationsModifier xmlns="4873beb7-5857-4685-be1f-d57550cc96cc" xsi:nil="true"/>
+    <OriginAsset xmlns="4873beb7-5857-4685-be1f-d57550cc96cc" xsi:nil="true"/>
+    <TPComponent xmlns="4873beb7-5857-4685-be1f-d57550cc96cc" xsi:nil="true"/>
+    <AssetId xmlns="4873beb7-5857-4685-be1f-d57550cc96cc">TP102901017</AssetId>
+    <IntlLocPriority xmlns="4873beb7-5857-4685-be1f-d57550cc96cc" xsi:nil="true"/>
+    <PolicheckWords xmlns="4873beb7-5857-4685-be1f-d57550cc96cc" xsi:nil="true"/>
+    <TPLaunchHelpLink xmlns="4873beb7-5857-4685-be1f-d57550cc96cc" xsi:nil="true"/>
+    <TPApplication xmlns="4873beb7-5857-4685-be1f-d57550cc96cc" xsi:nil="true"/>
+    <CrawlForDependencies xmlns="4873beb7-5857-4685-be1f-d57550cc96cc">false</CrawlForDependencies>
+    <HandoffToMSDN xmlns="4873beb7-5857-4685-be1f-d57550cc96cc" xsi:nil="true"/>
+    <PlannedPubDate xmlns="4873beb7-5857-4685-be1f-d57550cc96cc" xsi:nil="true"/>
+    <IntlLangReviewer xmlns="4873beb7-5857-4685-be1f-d57550cc96cc" xsi:nil="true"/>
+    <TrustLevel xmlns="4873beb7-5857-4685-be1f-d57550cc96cc">1 Microsoft Managed Content</TrustLevel>
+    <LocLastLocAttemptVersionLookup xmlns="4873beb7-5857-4685-be1f-d57550cc96cc">836753</LocLastLocAttemptVersionLookup>
+    <IsSearchable xmlns="4873beb7-5857-4685-be1f-d57550cc96cc">true</IsSearchable>
+    <TemplateTemplateType xmlns="4873beb7-5857-4685-be1f-d57550cc96cc">PowerPoint Design Template</TemplateTemplateType>
+    <CampaignTagsTaxHTField0 xmlns="4873beb7-5857-4685-be1f-d57550cc96cc">
+      <Terms xmlns="http://schemas.microsoft.com/office/infopath/2007/PartnerControls"/>
+    </CampaignTagsTaxHTField0>
+    <TPNamespace xmlns="4873beb7-5857-4685-be1f-d57550cc96cc" xsi:nil="true"/>
+    <TaxCatchAll xmlns="4873beb7-5857-4685-be1f-d57550cc96cc"/>
+    <Markets xmlns="4873beb7-5857-4685-be1f-d57550cc96cc"/>
+    <UAProjectedTotalWords xmlns="4873beb7-5857-4685-be1f-d57550cc96cc" xsi:nil="true"/>
+    <IntlLangReview xmlns="4873beb7-5857-4685-be1f-d57550cc96cc">false</IntlLangReview>
+    <OutputCachingOn xmlns="4873beb7-5857-4685-be1f-d57550cc96cc">false</OutputCachingOn>
+    <AverageRating xmlns="4873beb7-5857-4685-be1f-d57550cc96cc" xsi:nil="true"/>
+    <APAuthor xmlns="4873beb7-5857-4685-be1f-d57550cc96cc">
+      <UserInfo>
+        <DisplayName>REDMOND\v-anij</DisplayName>
+        <AccountId>2469</AccountId>
+        <AccountType/>
+      </UserInfo>
+    </APAuthor>
+    <LocManualTestRequired xmlns="4873beb7-5857-4685-be1f-d57550cc96cc">false</LocManualTestRequired>
+    <TPCommandLine xmlns="4873beb7-5857-4685-be1f-d57550cc96cc" xsi:nil="true"/>
+    <TPAppVersion xmlns="4873beb7-5857-4685-be1f-d57550cc96cc" xsi:nil="true"/>
+    <EditorialStatus xmlns="4873beb7-5857-4685-be1f-d57550cc96cc">Complete</EditorialStatus>
+    <LastModifiedDateTime xmlns="4873beb7-5857-4685-be1f-d57550cc96cc" xsi:nil="true"/>
+    <ScenarioTagsTaxHTField0 xmlns="4873beb7-5857-4685-be1f-d57550cc96cc">
+      <Terms xmlns="http://schemas.microsoft.com/office/infopath/2007/PartnerControls"/>
+    </ScenarioTagsTaxHTField0>
+    <OriginalRelease xmlns="4873beb7-5857-4685-be1f-d57550cc96cc">15</OriginalRelease>
+    <TPLaunchHelpLinkType xmlns="4873beb7-5857-4685-be1f-d57550cc96cc">Template</TPLaunchHelpLinkType>
+    <LocalizationTagsTaxHTField0 xmlns="4873beb7-5857-4685-be1f-d57550cc96cc">
+      <Terms xmlns="http://schemas.microsoft.com/office/infopath/2007/PartnerControls"/>
+    </LocalizationTagsTaxHTField0>
+    <LocMarketGroupTiers2 xmlns="4873beb7-5857-4685-be1f-d57550cc96cc" xsi:nil="true"/>
+  </documentManagement>
+</p:properties>
+</file>
+
+<file path=customXml/item2.xml><?xml version="1.0" encoding="utf-8"?>
+<?mso-contentType ?>
+<FormTemplates xmlns="http://schemas.microsoft.com/sharepoint/v3/contenttype/forms">
+  <Display>DocumentLibraryForm</Display>
+  <Edit>AssetEditForm</Edit>
+  <New>DocumentLibraryForm</New>
+</FormTemplates>
+</file>
+
+<file path=customXml/item3.xml><?xml version="1.0" encoding="utf-8"?>
 <ct:contentTypeSchema xmlns:ct="http://schemas.microsoft.com/office/2006/metadata/contentType" xmlns:ma="http://schemas.microsoft.com/office/2006/metadata/properties/metaAttributes" ct:_="" ma:_="" ma:contentTypeName="TemplateFile" ma:contentTypeID="0x0101006EDDDB5EE6D98C44930B742096920B300400F5B6D36B3EF94B4E9A635CDF2A18F5B8" ma:contentTypeVersion="72" ma:contentTypeDescription="Create a new document." ma:contentTypeScope="" ma:versionID="a23e56308344d904b51738559c3d67c9">
   <xsd:schema xmlns:xsd="http://www.w3.org/2001/XMLSchema" xmlns:xs="http://www.w3.org/2001/XMLSchema" xmlns:p="http://schemas.microsoft.com/office/2006/metadata/properties" xmlns:ns2="4873beb7-5857-4685-be1f-d57550cc96cc" targetNamespace="http://schemas.microsoft.com/office/2006/metadata/properties" ma:root="true" ma:fieldsID="cd0908cc4600e77bf5da051303e00c8d" ns2:_="">
     <xsd:import namespace="4873beb7-5857-4685-be1f-d57550cc96cc"/>
@@ -7004,142 +7425,31 @@
 </ct:contentTypeSchema>
 </file>
 
-<file path=customXml/item2.xml><?xml version="1.0" encoding="utf-8"?>
-<?mso-contentType ?>
-<FormTemplates xmlns="http://schemas.microsoft.com/sharepoint/v3/contenttype/forms">
-  <Display>DocumentLibraryForm</Display>
-  <Edit>AssetEditForm</Edit>
-  <New>DocumentLibraryForm</New>
-</FormTemplates>
+<file path=customXml/itemProps1.xml><?xml version="1.0" encoding="utf-8"?>
+<ds:datastoreItem xmlns:ds="http://schemas.openxmlformats.org/officeDocument/2006/customXml" ds:itemID="{04098515-0C12-46CF-BC7C-69B4A13CD5FA}">
+  <ds:schemaRefs>
+    <ds:schemaRef ds:uri="http://schemas.openxmlformats.org/package/2006/metadata/core-properties"/>
+    <ds:schemaRef ds:uri="http://schemas.microsoft.com/office/2006/documentManagement/types"/>
+    <ds:schemaRef ds:uri="http://schemas.microsoft.com/office/infopath/2007/PartnerControls"/>
+    <ds:schemaRef ds:uri="http://purl.org/dc/elements/1.1/"/>
+    <ds:schemaRef ds:uri="http://schemas.microsoft.com/office/2006/metadata/properties"/>
+    <ds:schemaRef ds:uri="http://purl.org/dc/terms/"/>
+    <ds:schemaRef ds:uri="4873beb7-5857-4685-be1f-d57550cc96cc"/>
+    <ds:schemaRef ds:uri="http://www.w3.org/XML/1998/namespace"/>
+    <ds:schemaRef ds:uri="http://purl.org/dc/dcmitype/"/>
+  </ds:schemaRefs>
+</ds:datastoreItem>
 </file>
 
-<file path=customXml/item3.xml><?xml version="1.0" encoding="utf-8"?>
-<p:properties xmlns:p="http://schemas.microsoft.com/office/2006/metadata/properties" xmlns:xsi="http://www.w3.org/2001/XMLSchema-instance" xmlns:pc="http://schemas.microsoft.com/office/infopath/2007/PartnerControls">
-  <documentManagement>
-    <DirectSourceMarket xmlns="4873beb7-5857-4685-be1f-d57550cc96cc" xsi:nil="true"/>
-    <ApprovalStatus xmlns="4873beb7-5857-4685-be1f-d57550cc96cc">InProgress</ApprovalStatus>
-    <MarketSpecific xmlns="4873beb7-5857-4685-be1f-d57550cc96cc">false</MarketSpecific>
-    <LocComments xmlns="4873beb7-5857-4685-be1f-d57550cc96cc" xsi:nil="true"/>
-    <ThumbnailAssetId xmlns="4873beb7-5857-4685-be1f-d57550cc96cc" xsi:nil="true"/>
-    <PrimaryImageGen xmlns="4873beb7-5857-4685-be1f-d57550cc96cc">true</PrimaryImageGen>
-    <LegacyData xmlns="4873beb7-5857-4685-be1f-d57550cc96cc" xsi:nil="true"/>
-    <LocRecommendedHandoff xmlns="4873beb7-5857-4685-be1f-d57550cc96cc" xsi:nil="true"/>
-    <BusinessGroup xmlns="4873beb7-5857-4685-be1f-d57550cc96cc" xsi:nil="true"/>
-    <BlockPublish xmlns="4873beb7-5857-4685-be1f-d57550cc96cc">false</BlockPublish>
-    <TPFriendlyName xmlns="4873beb7-5857-4685-be1f-d57550cc96cc" xsi:nil="true"/>
-    <NumericId xmlns="4873beb7-5857-4685-be1f-d57550cc96cc" xsi:nil="true"/>
-    <APEditor xmlns="4873beb7-5857-4685-be1f-d57550cc96cc">
-      <UserInfo>
-        <DisplayName/>
-        <AccountId xsi:nil="true"/>
-        <AccountType/>
-      </UserInfo>
-    </APEditor>
-    <SourceTitle xmlns="4873beb7-5857-4685-be1f-d57550cc96cc" xsi:nil="true"/>
-    <OpenTemplate xmlns="4873beb7-5857-4685-be1f-d57550cc96cc">true</OpenTemplate>
-    <UALocComments xmlns="4873beb7-5857-4685-be1f-d57550cc96cc" xsi:nil="true"/>
-    <ParentAssetId xmlns="4873beb7-5857-4685-be1f-d57550cc96cc" xsi:nil="true"/>
-    <IntlLangReviewDate xmlns="4873beb7-5857-4685-be1f-d57550cc96cc" xsi:nil="true"/>
-    <FeatureTagsTaxHTField0 xmlns="4873beb7-5857-4685-be1f-d57550cc96cc">
-      <Terms xmlns="http://schemas.microsoft.com/office/infopath/2007/PartnerControls"/>
-    </FeatureTagsTaxHTField0>
-    <PublishStatusLookup xmlns="4873beb7-5857-4685-be1f-d57550cc96cc">
-      <Value>1566889</Value>
-    </PublishStatusLookup>
-    <Providers xmlns="4873beb7-5857-4685-be1f-d57550cc96cc" xsi:nil="true"/>
-    <MachineTranslated xmlns="4873beb7-5857-4685-be1f-d57550cc96cc">false</MachineTranslated>
-    <OriginalSourceMarket xmlns="4873beb7-5857-4685-be1f-d57550cc96cc" xsi:nil="true"/>
-    <APDescription xmlns="4873beb7-5857-4685-be1f-d57550cc96cc" xsi:nil="true"/>
-    <ClipArtFilename xmlns="4873beb7-5857-4685-be1f-d57550cc96cc" xsi:nil="true"/>
-    <ContentItem xmlns="4873beb7-5857-4685-be1f-d57550cc96cc" xsi:nil="true"/>
-    <TPInstallLocation xmlns="4873beb7-5857-4685-be1f-d57550cc96cc" xsi:nil="true"/>
-    <PublishTargets xmlns="4873beb7-5857-4685-be1f-d57550cc96cc">OfficeOnlineVNext</PublishTargets>
-    <TimesCloned xmlns="4873beb7-5857-4685-be1f-d57550cc96cc" xsi:nil="true"/>
-    <AssetStart xmlns="4873beb7-5857-4685-be1f-d57550cc96cc">2012-05-23T08:44:00+00:00</AssetStart>
-    <Provider xmlns="4873beb7-5857-4685-be1f-d57550cc96cc" xsi:nil="true"/>
-    <AcquiredFrom xmlns="4873beb7-5857-4685-be1f-d57550cc96cc">Internal MS</AcquiredFrom>
-    <FriendlyTitle xmlns="4873beb7-5857-4685-be1f-d57550cc96cc" xsi:nil="true"/>
-    <LastHandOff xmlns="4873beb7-5857-4685-be1f-d57550cc96cc" xsi:nil="true"/>
-    <TPClientViewer xmlns="4873beb7-5857-4685-be1f-d57550cc96cc" xsi:nil="true"/>
-    <UACurrentWords xmlns="4873beb7-5857-4685-be1f-d57550cc96cc" xsi:nil="true"/>
-    <ArtSampleDocs xmlns="4873beb7-5857-4685-be1f-d57550cc96cc" xsi:nil="true"/>
-    <UALocRecommendation xmlns="4873beb7-5857-4685-be1f-d57550cc96cc">Localize</UALocRecommendation>
-    <Manager xmlns="4873beb7-5857-4685-be1f-d57550cc96cc" xsi:nil="true"/>
-    <ShowIn xmlns="4873beb7-5857-4685-be1f-d57550cc96cc">Show everywhere</ShowIn>
-    <UANotes xmlns="4873beb7-5857-4685-be1f-d57550cc96cc" xsi:nil="true"/>
-    <TemplateStatus xmlns="4873beb7-5857-4685-be1f-d57550cc96cc">Complete</TemplateStatus>
-    <InternalTagsTaxHTField0 xmlns="4873beb7-5857-4685-be1f-d57550cc96cc">
-      <Terms xmlns="http://schemas.microsoft.com/office/infopath/2007/PartnerControls"/>
-    </InternalTagsTaxHTField0>
-    <CSXHash xmlns="4873beb7-5857-4685-be1f-d57550cc96cc" xsi:nil="true"/>
-    <Downloads xmlns="4873beb7-5857-4685-be1f-d57550cc96cc">0</Downloads>
-    <VoteCount xmlns="4873beb7-5857-4685-be1f-d57550cc96cc" xsi:nil="true"/>
-    <OOCacheId xmlns="4873beb7-5857-4685-be1f-d57550cc96cc" xsi:nil="true"/>
-    <IsDeleted xmlns="4873beb7-5857-4685-be1f-d57550cc96cc">false</IsDeleted>
-    <AssetExpire xmlns="4873beb7-5857-4685-be1f-d57550cc96cc">2029-01-01T08:00:00+00:00</AssetExpire>
-    <DSATActionTaken xmlns="4873beb7-5857-4685-be1f-d57550cc96cc" xsi:nil="true"/>
-    <CSXSubmissionMarket xmlns="4873beb7-5857-4685-be1f-d57550cc96cc" xsi:nil="true"/>
-    <TPExecutable xmlns="4873beb7-5857-4685-be1f-d57550cc96cc" xsi:nil="true"/>
-    <SubmitterId xmlns="4873beb7-5857-4685-be1f-d57550cc96cc" xsi:nil="true"/>
-    <EditorialTags xmlns="4873beb7-5857-4685-be1f-d57550cc96cc" xsi:nil="true"/>
-    <ApprovalLog xmlns="4873beb7-5857-4685-be1f-d57550cc96cc" xsi:nil="true"/>
-    <AssetType xmlns="4873beb7-5857-4685-be1f-d57550cc96cc">TP</AssetType>
-    <BugNumber xmlns="4873beb7-5857-4685-be1f-d57550cc96cc" xsi:nil="true"/>
-    <CSXSubmissionDate xmlns="4873beb7-5857-4685-be1f-d57550cc96cc" xsi:nil="true"/>
-    <CSXUpdate xmlns="4873beb7-5857-4685-be1f-d57550cc96cc">false</CSXUpdate>
-    <Milestone xmlns="4873beb7-5857-4685-be1f-d57550cc96cc" xsi:nil="true"/>
-    <RecommendationsModifier xmlns="4873beb7-5857-4685-be1f-d57550cc96cc" xsi:nil="true"/>
-    <OriginAsset xmlns="4873beb7-5857-4685-be1f-d57550cc96cc" xsi:nil="true"/>
-    <TPComponent xmlns="4873beb7-5857-4685-be1f-d57550cc96cc" xsi:nil="true"/>
-    <AssetId xmlns="4873beb7-5857-4685-be1f-d57550cc96cc">TP102901017</AssetId>
-    <IntlLocPriority xmlns="4873beb7-5857-4685-be1f-d57550cc96cc" xsi:nil="true"/>
-    <PolicheckWords xmlns="4873beb7-5857-4685-be1f-d57550cc96cc" xsi:nil="true"/>
-    <TPLaunchHelpLink xmlns="4873beb7-5857-4685-be1f-d57550cc96cc" xsi:nil="true"/>
-    <TPApplication xmlns="4873beb7-5857-4685-be1f-d57550cc96cc" xsi:nil="true"/>
-    <CrawlForDependencies xmlns="4873beb7-5857-4685-be1f-d57550cc96cc">false</CrawlForDependencies>
-    <HandoffToMSDN xmlns="4873beb7-5857-4685-be1f-d57550cc96cc" xsi:nil="true"/>
-    <PlannedPubDate xmlns="4873beb7-5857-4685-be1f-d57550cc96cc" xsi:nil="true"/>
-    <IntlLangReviewer xmlns="4873beb7-5857-4685-be1f-d57550cc96cc" xsi:nil="true"/>
-    <TrustLevel xmlns="4873beb7-5857-4685-be1f-d57550cc96cc">1 Microsoft Managed Content</TrustLevel>
-    <LocLastLocAttemptVersionLookup xmlns="4873beb7-5857-4685-be1f-d57550cc96cc">836753</LocLastLocAttemptVersionLookup>
-    <IsSearchable xmlns="4873beb7-5857-4685-be1f-d57550cc96cc">true</IsSearchable>
-    <TemplateTemplateType xmlns="4873beb7-5857-4685-be1f-d57550cc96cc">PowerPoint Design Template</TemplateTemplateType>
-    <CampaignTagsTaxHTField0 xmlns="4873beb7-5857-4685-be1f-d57550cc96cc">
-      <Terms xmlns="http://schemas.microsoft.com/office/infopath/2007/PartnerControls"/>
-    </CampaignTagsTaxHTField0>
-    <TPNamespace xmlns="4873beb7-5857-4685-be1f-d57550cc96cc" xsi:nil="true"/>
-    <TaxCatchAll xmlns="4873beb7-5857-4685-be1f-d57550cc96cc"/>
-    <Markets xmlns="4873beb7-5857-4685-be1f-d57550cc96cc"/>
-    <UAProjectedTotalWords xmlns="4873beb7-5857-4685-be1f-d57550cc96cc" xsi:nil="true"/>
-    <IntlLangReview xmlns="4873beb7-5857-4685-be1f-d57550cc96cc">false</IntlLangReview>
-    <OutputCachingOn xmlns="4873beb7-5857-4685-be1f-d57550cc96cc">false</OutputCachingOn>
-    <AverageRating xmlns="4873beb7-5857-4685-be1f-d57550cc96cc" xsi:nil="true"/>
-    <APAuthor xmlns="4873beb7-5857-4685-be1f-d57550cc96cc">
-      <UserInfo>
-        <DisplayName>REDMOND\v-anij</DisplayName>
-        <AccountId>2469</AccountId>
-        <AccountType/>
-      </UserInfo>
-    </APAuthor>
-    <LocManualTestRequired xmlns="4873beb7-5857-4685-be1f-d57550cc96cc">false</LocManualTestRequired>
-    <TPCommandLine xmlns="4873beb7-5857-4685-be1f-d57550cc96cc" xsi:nil="true"/>
-    <TPAppVersion xmlns="4873beb7-5857-4685-be1f-d57550cc96cc" xsi:nil="true"/>
-    <EditorialStatus xmlns="4873beb7-5857-4685-be1f-d57550cc96cc">Complete</EditorialStatus>
-    <LastModifiedDateTime xmlns="4873beb7-5857-4685-be1f-d57550cc96cc" xsi:nil="true"/>
-    <ScenarioTagsTaxHTField0 xmlns="4873beb7-5857-4685-be1f-d57550cc96cc">
-      <Terms xmlns="http://schemas.microsoft.com/office/infopath/2007/PartnerControls"/>
-    </ScenarioTagsTaxHTField0>
-    <OriginalRelease xmlns="4873beb7-5857-4685-be1f-d57550cc96cc">15</OriginalRelease>
-    <TPLaunchHelpLinkType xmlns="4873beb7-5857-4685-be1f-d57550cc96cc">Template</TPLaunchHelpLinkType>
-    <LocalizationTagsTaxHTField0 xmlns="4873beb7-5857-4685-be1f-d57550cc96cc">
-      <Terms xmlns="http://schemas.microsoft.com/office/infopath/2007/PartnerControls"/>
-    </LocalizationTagsTaxHTField0>
-    <LocMarketGroupTiers2 xmlns="4873beb7-5857-4685-be1f-d57550cc96cc" xsi:nil="true"/>
-  </documentManagement>
-</p:properties>
+<file path=customXml/itemProps2.xml><?xml version="1.0" encoding="utf-8"?>
+<ds:datastoreItem xmlns:ds="http://schemas.openxmlformats.org/officeDocument/2006/customXml" ds:itemID="{746CFF6F-D9AA-4BC0-911A-0A1356771912}">
+  <ds:schemaRefs>
+    <ds:schemaRef ds:uri="http://schemas.microsoft.com/sharepoint/v3/contenttype/forms"/>
+  </ds:schemaRefs>
+</ds:datastoreItem>
 </file>
 
-<file path=customXml/itemProps1.xml><?xml version="1.0" encoding="utf-8"?>
+<file path=customXml/itemProps3.xml><?xml version="1.0" encoding="utf-8"?>
 <ds:datastoreItem xmlns:ds="http://schemas.openxmlformats.org/officeDocument/2006/customXml" ds:itemID="{0B5C6E15-39DC-470B-9445-F754B9458020}">
   <ds:schemaRefs>
     <ds:schemaRef ds:uri="http://schemas.microsoft.com/office/2006/metadata/contentType"/>
@@ -7155,28 +7465,4 @@
     <ds:schemaRef ds:uri="http://schemas.microsoft.com/internal/obd"/>
   </ds:schemaRefs>
 </ds:datastoreItem>
-</file>
-
-<file path=customXml/itemProps2.xml><?xml version="1.0" encoding="utf-8"?>
-<ds:datastoreItem xmlns:ds="http://schemas.openxmlformats.org/officeDocument/2006/customXml" ds:itemID="{746CFF6F-D9AA-4BC0-911A-0A1356771912}">
-  <ds:schemaRefs>
-    <ds:schemaRef ds:uri="http://schemas.microsoft.com/sharepoint/v3/contenttype/forms"/>
-  </ds:schemaRefs>
-</ds:datastoreItem>
-</file>
-
-<file path=customXml/itemProps3.xml><?xml version="1.0" encoding="utf-8"?>
-<ds:datastoreItem xmlns:ds="http://schemas.openxmlformats.org/officeDocument/2006/customXml" ds:itemID="{04098515-0C12-46CF-BC7C-69B4A13CD5FA}">
-  <ds:schemaRefs>
-    <ds:schemaRef ds:uri="http://schemas.openxmlformats.org/package/2006/metadata/core-properties"/>
-    <ds:schemaRef ds:uri="http://schemas.microsoft.com/office/2006/documentManagement/types"/>
-    <ds:schemaRef ds:uri="http://schemas.microsoft.com/office/infopath/2007/PartnerControls"/>
-    <ds:schemaRef ds:uri="http://purl.org/dc/elements/1.1/"/>
-    <ds:schemaRef ds:uri="http://schemas.microsoft.com/office/2006/metadata/properties"/>
-    <ds:schemaRef ds:uri="http://purl.org/dc/terms/"/>
-    <ds:schemaRef ds:uri="4873beb7-5857-4685-be1f-d57550cc96cc"/>
-    <ds:schemaRef ds:uri="http://www.w3.org/XML/1998/namespace"/>
-    <ds:schemaRef ds:uri="http://purl.org/dc/dcmitype/"/>
-  </ds:schemaRefs>
-</ds:datastoreItem>
 </file>
--- a/docs/Computers in the Libraries.pptx
+++ b/docs/Computers in the Libraries.pptx
@@ -1,30 +1,135 @@
 
 <file path=ppt/presentation.xml><?xml version="1.0" encoding="utf-8"?>
-<p:presentation xmlns:a="http://schemas.openxmlformats.org/drawingml/2006/main" xmlns:p="http://schemas.openxmlformats.org/presentationml/2006/main" xmlns:r="http://schemas.openxmlformats.org/officeDocument/2006/relationships" xmlns:p14="http://schemas.microsoft.com/office/powerpoint/2010/main" xmlns:p15="http://schemas.microsoft.com/office/powerpoint/2012/main" xmlns:mc="http://schemas.openxmlformats.org/markup-compatibility/2006">
+<p:presentation xmlns:a="http://schemas.openxmlformats.org/drawingml/2006/main" xmlns:r="http://schemas.openxmlformats.org/officeDocument/2006/relationships" xmlns:p="http://schemas.openxmlformats.org/presentationml/2006/main" saveSubsetFonts="1">
   <p:sldMasterIdLst>
-    <p:sldMasterId id="2147483648" r:id="rId2"/>
-    <p:sldMasterId id="2147483661" r:id="rId3"/>
-    <p:sldMasterId id="2147483674" r:id="rId4"/>
+    <p:sldMasterId id="2147483648" r:id="rId1"/>
+    <p:sldMasterId id="2147483661" r:id="rId2"/>
+    <p:sldMasterId id="2147483674" r:id="rId3"/>
   </p:sldMasterIdLst>
   <p:sldIdLst>
-    <p:sldId id="256" r:id="rId5"/>
-    <p:sldId id="257" r:id="rId6"/>
-    <p:sldId id="258" r:id="rId7"/>
-    <p:sldId id="259" r:id="rId8"/>
-    <p:sldId id="260" r:id="rId9"/>
-    <p:sldId id="261" r:id="rId10"/>
-    <p:sldId id="262" r:id="rId11"/>
-    <p:sldId id="263" r:id="rId12"/>
-    <p:sldId id="264" r:id="rId13"/>
+    <p:sldId id="256" r:id="rId4"/>
+    <p:sldId id="257" r:id="rId5"/>
+    <p:sldId id="258" r:id="rId6"/>
+    <p:sldId id="259" r:id="rId7"/>
+    <p:sldId id="260" r:id="rId8"/>
+    <p:sldId id="261" r:id="rId9"/>
+    <p:sldId id="262" r:id="rId10"/>
+    <p:sldId id="263" r:id="rId11"/>
+    <p:sldId id="264" r:id="rId12"/>
+    <p:sldId id="266" r:id="rId13"/>
     <p:sldId id="265" r:id="rId14"/>
   </p:sldIdLst>
-  <p:sldSz cx="9144000" cy="6858000"/>
+  <p:sldSz cx="9144000" cy="6858000" type="screen4x3"/>
   <p:notesSz cx="7772400" cy="10058400"/>
+  <p:defaultTextStyle>
+    <a:defPPr>
+      <a:defRPr lang="en-US"/>
+    </a:defPPr>
+    <a:lvl1pPr marL="0" algn="l" defTabSz="914400" rtl="0" eaLnBrk="1" latinLnBrk="0" hangingPunct="1">
+      <a:defRPr sz="1800" kern="1200">
+        <a:solidFill>
+          <a:schemeClr val="tx1"/>
+        </a:solidFill>
+        <a:latin typeface="+mn-lt"/>
+        <a:ea typeface="+mn-ea"/>
+        <a:cs typeface="+mn-cs"/>
+      </a:defRPr>
+    </a:lvl1pPr>
+    <a:lvl2pPr marL="457200" algn="l" defTabSz="914400" rtl="0" eaLnBrk="1" latinLnBrk="0" hangingPunct="1">
+      <a:defRPr sz="1800" kern="1200">
+        <a:solidFill>
+          <a:schemeClr val="tx1"/>
+        </a:solidFill>
+        <a:latin typeface="+mn-lt"/>
+        <a:ea typeface="+mn-ea"/>
+        <a:cs typeface="+mn-cs"/>
+      </a:defRPr>
+    </a:lvl2pPr>
+    <a:lvl3pPr marL="914400" algn="l" defTabSz="914400" rtl="0" eaLnBrk="1" latinLnBrk="0" hangingPunct="1">
+      <a:defRPr sz="1800" kern="1200">
+        <a:solidFill>
+          <a:schemeClr val="tx1"/>
+        </a:solidFill>
+        <a:latin typeface="+mn-lt"/>
+        <a:ea typeface="+mn-ea"/>
+        <a:cs typeface="+mn-cs"/>
+      </a:defRPr>
+    </a:lvl3pPr>
+    <a:lvl4pPr marL="1371600" algn="l" defTabSz="914400" rtl="0" eaLnBrk="1" latinLnBrk="0" hangingPunct="1">
+      <a:defRPr sz="1800" kern="1200">
+        <a:solidFill>
+          <a:schemeClr val="tx1"/>
+        </a:solidFill>
+        <a:latin typeface="+mn-lt"/>
+        <a:ea typeface="+mn-ea"/>
+        <a:cs typeface="+mn-cs"/>
+      </a:defRPr>
+    </a:lvl4pPr>
+    <a:lvl5pPr marL="1828800" algn="l" defTabSz="914400" rtl="0" eaLnBrk="1" latinLnBrk="0" hangingPunct="1">
+      <a:defRPr sz="1800" kern="1200">
+        <a:solidFill>
+          <a:schemeClr val="tx1"/>
+        </a:solidFill>
+        <a:latin typeface="+mn-lt"/>
+        <a:ea typeface="+mn-ea"/>
+        <a:cs typeface="+mn-cs"/>
+      </a:defRPr>
+    </a:lvl5pPr>
+    <a:lvl6pPr marL="2286000" algn="l" defTabSz="914400" rtl="0" eaLnBrk="1" latinLnBrk="0" hangingPunct="1">
+      <a:defRPr sz="1800" kern="1200">
+        <a:solidFill>
+          <a:schemeClr val="tx1"/>
+        </a:solidFill>
+        <a:latin typeface="+mn-lt"/>
+        <a:ea typeface="+mn-ea"/>
+        <a:cs typeface="+mn-cs"/>
+      </a:defRPr>
+    </a:lvl6pPr>
+    <a:lvl7pPr marL="2743200" algn="l" defTabSz="914400" rtl="0" eaLnBrk="1" latinLnBrk="0" hangingPunct="1">
+      <a:defRPr sz="1800" kern="1200">
+        <a:solidFill>
+          <a:schemeClr val="tx1"/>
+        </a:solidFill>
+        <a:latin typeface="+mn-lt"/>
+        <a:ea typeface="+mn-ea"/>
+        <a:cs typeface="+mn-cs"/>
+      </a:defRPr>
+    </a:lvl7pPr>
+    <a:lvl8pPr marL="3200400" algn="l" defTabSz="914400" rtl="0" eaLnBrk="1" latinLnBrk="0" hangingPunct="1">
+      <a:defRPr sz="1800" kern="1200">
+        <a:solidFill>
+          <a:schemeClr val="tx1"/>
+        </a:solidFill>
+        <a:latin typeface="+mn-lt"/>
+        <a:ea typeface="+mn-ea"/>
+        <a:cs typeface="+mn-cs"/>
+      </a:defRPr>
+    </a:lvl8pPr>
+    <a:lvl9pPr marL="3657600" algn="l" defTabSz="914400" rtl="0" eaLnBrk="1" latinLnBrk="0" hangingPunct="1">
+      <a:defRPr sz="1800" kern="1200">
+        <a:solidFill>
+          <a:schemeClr val="tx1"/>
+        </a:solidFill>
+        <a:latin typeface="+mn-lt"/>
+        <a:ea typeface="+mn-ea"/>
+        <a:cs typeface="+mn-cs"/>
+      </a:defRPr>
+    </a:lvl9pPr>
+  </p:defaultTextStyle>
+  <p:extLst>
+    <p:ext uri="{EFAFB233-063F-42B5-8137-9DF3F51BA10A}">
+      <p15:sldGuideLst xmlns:p15="http://schemas.microsoft.com/office/powerpoint/2012/main"/>
+    </p:ext>
+  </p:extLst>
 </p:presentation>
 </file>
 
+<file path=ppt/revisionInfo.xml><?xml version="1.0" encoding="utf-8"?>
+<p1510:revInfo xmlns:a="http://schemas.openxmlformats.org/drawingml/2006/main" xmlns:r="http://schemas.openxmlformats.org/officeDocument/2006/relationships" xmlns:p1510="http://schemas.microsoft.com/office/powerpoint/2015/10/main"/>
+</file>
+
 <file path=ppt/slideLayouts/slideLayout1.xml><?xml version="1.0" encoding="utf-8"?>
-<p:sldLayout xmlns:a="http://schemas.openxmlformats.org/drawingml/2006/main" xmlns:p="http://schemas.openxmlformats.org/presentationml/2006/main" xmlns:r="http://schemas.openxmlformats.org/officeDocument/2006/relationships" xmlns:p14="http://schemas.microsoft.com/office/powerpoint/2010/main" xmlns:p15="http://schemas.microsoft.com/office/powerpoint/2012/main" xmlns:mc="http://schemas.openxmlformats.org/markup-compatibility/2006" type="blank" preserve="1">
+<p:sldLayout xmlns:a="http://schemas.openxmlformats.org/drawingml/2006/main" xmlns:r="http://schemas.openxmlformats.org/officeDocument/2006/relationships" xmlns:p="http://schemas.openxmlformats.org/presentationml/2006/main" type="blank" preserve="1">
   <p:cSld name="Blank Slide">
     <p:spTree>
       <p:nvGrpSpPr>
@@ -42,11 +147,14 @@
       </p:grpSpPr>
     </p:spTree>
   </p:cSld>
+  <p:clrMapOvr>
+    <a:masterClrMapping/>
+  </p:clrMapOvr>
 </p:sldLayout>
 </file>
 
 <file path=ppt/slideLayouts/slideLayout10.xml><?xml version="1.0" encoding="utf-8"?>
-<p:sldLayout xmlns:a="http://schemas.openxmlformats.org/drawingml/2006/main" xmlns:p="http://schemas.openxmlformats.org/presentationml/2006/main" xmlns:r="http://schemas.openxmlformats.org/officeDocument/2006/relationships" xmlns:p14="http://schemas.microsoft.com/office/powerpoint/2010/main" xmlns:p15="http://schemas.microsoft.com/office/powerpoint/2012/main" xmlns:mc="http://schemas.openxmlformats.org/markup-compatibility/2006" type="objOverTx" preserve="1">
+<p:sldLayout xmlns:a="http://schemas.openxmlformats.org/drawingml/2006/main" xmlns:r="http://schemas.openxmlformats.org/officeDocument/2006/relationships" xmlns:p="http://schemas.openxmlformats.org/presentationml/2006/main" type="objOverTx" preserve="1">
   <p:cSld name="Title, Content over Content">
     <p:spTree>
       <p:nvGrpSpPr>
@@ -82,15 +190,16 @@
           </a:prstGeom>
         </p:spPr>
         <p:txBody>
-          <a:bodyPr lIns="0" rIns="0" tIns="0" bIns="0" anchor="ctr"/>
-          <a:p>
-            <a:endParaRPr b="0" lang="en-US" sz="1800" spc="-1" strike="noStrike">
-              <a:solidFill>
-                <a:srgbClr val="ffffff"/>
-              </a:solidFill>
-              <a:uFill>
-                <a:solidFill>
-                  <a:srgbClr val="ffffff"/>
+          <a:bodyPr lIns="0" tIns="0" rIns="0" bIns="0" anchor="ctr"/>
+          <a:lstStyle/>
+          <a:p>
+            <a:endParaRPr lang="en-US" sz="1800" b="0" strike="noStrike" spc="-1">
+              <a:solidFill>
+                <a:srgbClr val="FFFFFF"/>
+              </a:solidFill>
+              <a:uFill>
+                <a:solidFill>
+                  <a:srgbClr val="FFFFFF"/>
                 </a:solidFill>
               </a:uFill>
               <a:latin typeface="Candara"/>
@@ -118,17 +227,18 @@
           </a:prstGeom>
         </p:spPr>
         <p:txBody>
-          <a:bodyPr lIns="0" rIns="0" tIns="0" bIns="0">
+          <a:bodyPr lIns="0" tIns="0" rIns="0" bIns="0">
             <a:normAutofit/>
           </a:bodyPr>
-          <a:p>
-            <a:endParaRPr b="0" lang="en-US" sz="2000" spc="-1" strike="noStrike">
-              <a:solidFill>
-                <a:srgbClr val="d9d9d9"/>
-              </a:solidFill>
-              <a:uFill>
-                <a:solidFill>
-                  <a:srgbClr val="ffffff"/>
+          <a:lstStyle/>
+          <a:p>
+            <a:endParaRPr lang="en-US" sz="2000" b="0" strike="noStrike" spc="-1">
+              <a:solidFill>
+                <a:srgbClr val="D9D9D9"/>
+              </a:solidFill>
+              <a:uFill>
+                <a:solidFill>
+                  <a:srgbClr val="FFFFFF"/>
                 </a:solidFill>
               </a:uFill>
               <a:latin typeface="Candara"/>
@@ -156,17 +266,18 @@
           </a:prstGeom>
         </p:spPr>
         <p:txBody>
-          <a:bodyPr lIns="0" rIns="0" tIns="0" bIns="0">
+          <a:bodyPr lIns="0" tIns="0" rIns="0" bIns="0">
             <a:normAutofit/>
           </a:bodyPr>
-          <a:p>
-            <a:endParaRPr b="0" lang="en-US" sz="2000" spc="-1" strike="noStrike">
-              <a:solidFill>
-                <a:srgbClr val="d9d9d9"/>
-              </a:solidFill>
-              <a:uFill>
-                <a:solidFill>
-                  <a:srgbClr val="ffffff"/>
+          <a:lstStyle/>
+          <a:p>
+            <a:endParaRPr lang="en-US" sz="2000" b="0" strike="noStrike" spc="-1">
+              <a:solidFill>
+                <a:srgbClr val="D9D9D9"/>
+              </a:solidFill>
+              <a:uFill>
+                <a:solidFill>
+                  <a:srgbClr val="FFFFFF"/>
                 </a:solidFill>
               </a:uFill>
               <a:latin typeface="Candara"/>
@@ -176,11 +287,14 @@
       </p:sp>
     </p:spTree>
   </p:cSld>
+  <p:clrMapOvr>
+    <a:masterClrMapping/>
+  </p:clrMapOvr>
 </p:sldLayout>
 </file>
 
 <file path=ppt/slideLayouts/slideLayout11.xml><?xml version="1.0" encoding="utf-8"?>
-<p:sldLayout xmlns:a="http://schemas.openxmlformats.org/drawingml/2006/main" xmlns:p="http://schemas.openxmlformats.org/presentationml/2006/main" xmlns:r="http://schemas.openxmlformats.org/officeDocument/2006/relationships" xmlns:p14="http://schemas.microsoft.com/office/powerpoint/2010/main" xmlns:p15="http://schemas.microsoft.com/office/powerpoint/2012/main" xmlns:mc="http://schemas.openxmlformats.org/markup-compatibility/2006" type="fourObj" preserve="1">
+<p:sldLayout xmlns:a="http://schemas.openxmlformats.org/drawingml/2006/main" xmlns:r="http://schemas.openxmlformats.org/officeDocument/2006/relationships" xmlns:p="http://schemas.openxmlformats.org/presentationml/2006/main" type="fourObj" preserve="1">
   <p:cSld name="Title, 4 Content">
     <p:spTree>
       <p:nvGrpSpPr>
@@ -216,15 +330,16 @@
           </a:prstGeom>
         </p:spPr>
         <p:txBody>
-          <a:bodyPr lIns="0" rIns="0" tIns="0" bIns="0" anchor="ctr"/>
-          <a:p>
-            <a:endParaRPr b="0" lang="en-US" sz="1800" spc="-1" strike="noStrike">
-              <a:solidFill>
-                <a:srgbClr val="ffffff"/>
-              </a:solidFill>
-              <a:uFill>
-                <a:solidFill>
-                  <a:srgbClr val="ffffff"/>
+          <a:bodyPr lIns="0" tIns="0" rIns="0" bIns="0" anchor="ctr"/>
+          <a:lstStyle/>
+          <a:p>
+            <a:endParaRPr lang="en-US" sz="1800" b="0" strike="noStrike" spc="-1">
+              <a:solidFill>
+                <a:srgbClr val="FFFFFF"/>
+              </a:solidFill>
+              <a:uFill>
+                <a:solidFill>
+                  <a:srgbClr val="FFFFFF"/>
                 </a:solidFill>
               </a:uFill>
               <a:latin typeface="Candara"/>
@@ -252,17 +367,18 @@
           </a:prstGeom>
         </p:spPr>
         <p:txBody>
-          <a:bodyPr lIns="0" rIns="0" tIns="0" bIns="0">
+          <a:bodyPr lIns="0" tIns="0" rIns="0" bIns="0">
             <a:normAutofit/>
           </a:bodyPr>
-          <a:p>
-            <a:endParaRPr b="0" lang="en-US" sz="2000" spc="-1" strike="noStrike">
-              <a:solidFill>
-                <a:srgbClr val="d9d9d9"/>
-              </a:solidFill>
-              <a:uFill>
-                <a:solidFill>
-                  <a:srgbClr val="ffffff"/>
+          <a:lstStyle/>
+          <a:p>
+            <a:endParaRPr lang="en-US" sz="2000" b="0" strike="noStrike" spc="-1">
+              <a:solidFill>
+                <a:srgbClr val="D9D9D9"/>
+              </a:solidFill>
+              <a:uFill>
+                <a:solidFill>
+                  <a:srgbClr val="FFFFFF"/>
                 </a:solidFill>
               </a:uFill>
               <a:latin typeface="Candara"/>
@@ -290,17 +406,18 @@
           </a:prstGeom>
         </p:spPr>
         <p:txBody>
-          <a:bodyPr lIns="0" rIns="0" tIns="0" bIns="0">
+          <a:bodyPr lIns="0" tIns="0" rIns="0" bIns="0">
             <a:normAutofit/>
           </a:bodyPr>
-          <a:p>
-            <a:endParaRPr b="0" lang="en-US" sz="2000" spc="-1" strike="noStrike">
-              <a:solidFill>
-                <a:srgbClr val="d9d9d9"/>
-              </a:solidFill>
-              <a:uFill>
-                <a:solidFill>
-                  <a:srgbClr val="ffffff"/>
+          <a:lstStyle/>
+          <a:p>
+            <a:endParaRPr lang="en-US" sz="2000" b="0" strike="noStrike" spc="-1">
+              <a:solidFill>
+                <a:srgbClr val="D9D9D9"/>
+              </a:solidFill>
+              <a:uFill>
+                <a:solidFill>
+                  <a:srgbClr val="FFFFFF"/>
                 </a:solidFill>
               </a:uFill>
               <a:latin typeface="Candara"/>
@@ -328,17 +445,18 @@
           </a:prstGeom>
         </p:spPr>
         <p:txBody>
-          <a:bodyPr lIns="0" rIns="0" tIns="0" bIns="0">
+          <a:bodyPr lIns="0" tIns="0" rIns="0" bIns="0">
             <a:normAutofit/>
           </a:bodyPr>
-          <a:p>
-            <a:endParaRPr b="0" lang="en-US" sz="2000" spc="-1" strike="noStrike">
-              <a:solidFill>
-                <a:srgbClr val="d9d9d9"/>
-              </a:solidFill>
-              <a:uFill>
-                <a:solidFill>
-                  <a:srgbClr val="ffffff"/>
+          <a:lstStyle/>
+          <a:p>
+            <a:endParaRPr lang="en-US" sz="2000" b="0" strike="noStrike" spc="-1">
+              <a:solidFill>
+                <a:srgbClr val="D9D9D9"/>
+              </a:solidFill>
+              <a:uFill>
+                <a:solidFill>
+                  <a:srgbClr val="FFFFFF"/>
                 </a:solidFill>
               </a:uFill>
               <a:latin typeface="Candara"/>
@@ -366,17 +484,18 @@
           </a:prstGeom>
         </p:spPr>
         <p:txBody>
-          <a:bodyPr lIns="0" rIns="0" tIns="0" bIns="0">
+          <a:bodyPr lIns="0" tIns="0" rIns="0" bIns="0">
             <a:normAutofit/>
           </a:bodyPr>
-          <a:p>
-            <a:endParaRPr b="0" lang="en-US" sz="2000" spc="-1" strike="noStrike">
-              <a:solidFill>
-                <a:srgbClr val="d9d9d9"/>
-              </a:solidFill>
-              <a:uFill>
-                <a:solidFill>
-                  <a:srgbClr val="ffffff"/>
+          <a:lstStyle/>
+          <a:p>
+            <a:endParaRPr lang="en-US" sz="2000" b="0" strike="noStrike" spc="-1">
+              <a:solidFill>
+                <a:srgbClr val="D9D9D9"/>
+              </a:solidFill>
+              <a:uFill>
+                <a:solidFill>
+                  <a:srgbClr val="FFFFFF"/>
                 </a:solidFill>
               </a:uFill>
               <a:latin typeface="Candara"/>
@@ -386,11 +505,14 @@
       </p:sp>
     </p:spTree>
   </p:cSld>
+  <p:clrMapOvr>
+    <a:masterClrMapping/>
+  </p:clrMapOvr>
 </p:sldLayout>
 </file>
 
 <file path=ppt/slideLayouts/slideLayout12.xml><?xml version="1.0" encoding="utf-8"?>
-<p:sldLayout xmlns:a="http://schemas.openxmlformats.org/drawingml/2006/main" xmlns:p="http://schemas.openxmlformats.org/presentationml/2006/main" xmlns:r="http://schemas.openxmlformats.org/officeDocument/2006/relationships" xmlns:p14="http://schemas.microsoft.com/office/powerpoint/2010/main" xmlns:p15="http://schemas.microsoft.com/office/powerpoint/2012/main" xmlns:mc="http://schemas.openxmlformats.org/markup-compatibility/2006" type="blank" preserve="1">
+<p:sldLayout xmlns:a="http://schemas.openxmlformats.org/drawingml/2006/main" xmlns:r="http://schemas.openxmlformats.org/officeDocument/2006/relationships" xmlns:p="http://schemas.openxmlformats.org/presentationml/2006/main" type="blank" preserve="1">
   <p:cSld name="Title, 6 Content">
     <p:spTree>
       <p:nvGrpSpPr>
@@ -426,15 +548,16 @@
           </a:prstGeom>
         </p:spPr>
         <p:txBody>
-          <a:bodyPr lIns="0" rIns="0" tIns="0" bIns="0" anchor="ctr"/>
-          <a:p>
-            <a:endParaRPr b="0" lang="en-US" sz="1800" spc="-1" strike="noStrike">
-              <a:solidFill>
-                <a:srgbClr val="ffffff"/>
-              </a:solidFill>
-              <a:uFill>
-                <a:solidFill>
-                  <a:srgbClr val="ffffff"/>
+          <a:bodyPr lIns="0" tIns="0" rIns="0" bIns="0" anchor="ctr"/>
+          <a:lstStyle/>
+          <a:p>
+            <a:endParaRPr lang="en-US" sz="1800" b="0" strike="noStrike" spc="-1">
+              <a:solidFill>
+                <a:srgbClr val="FFFFFF"/>
+              </a:solidFill>
+              <a:uFill>
+                <a:solidFill>
+                  <a:srgbClr val="FFFFFF"/>
                 </a:solidFill>
               </a:uFill>
               <a:latin typeface="Candara"/>
@@ -462,17 +585,18 @@
           </a:prstGeom>
         </p:spPr>
         <p:txBody>
-          <a:bodyPr lIns="0" rIns="0" tIns="0" bIns="0">
+          <a:bodyPr lIns="0" tIns="0" rIns="0" bIns="0">
             <a:normAutofit/>
           </a:bodyPr>
-          <a:p>
-            <a:endParaRPr b="0" lang="en-US" sz="2000" spc="-1" strike="noStrike">
-              <a:solidFill>
-                <a:srgbClr val="d9d9d9"/>
-              </a:solidFill>
-              <a:uFill>
-                <a:solidFill>
-                  <a:srgbClr val="ffffff"/>
+          <a:lstStyle/>
+          <a:p>
+            <a:endParaRPr lang="en-US" sz="2000" b="0" strike="noStrike" spc="-1">
+              <a:solidFill>
+                <a:srgbClr val="D9D9D9"/>
+              </a:solidFill>
+              <a:uFill>
+                <a:solidFill>
+                  <a:srgbClr val="FFFFFF"/>
                 </a:solidFill>
               </a:uFill>
               <a:latin typeface="Candara"/>
@@ -500,17 +624,18 @@
           </a:prstGeom>
         </p:spPr>
         <p:txBody>
-          <a:bodyPr lIns="0" rIns="0" tIns="0" bIns="0">
+          <a:bodyPr lIns="0" tIns="0" rIns="0" bIns="0">
             <a:normAutofit/>
           </a:bodyPr>
-          <a:p>
-            <a:endParaRPr b="0" lang="en-US" sz="2000" spc="-1" strike="noStrike">
-              <a:solidFill>
-                <a:srgbClr val="d9d9d9"/>
-              </a:solidFill>
-              <a:uFill>
-                <a:solidFill>
-                  <a:srgbClr val="ffffff"/>
+          <a:lstStyle/>
+          <a:p>
+            <a:endParaRPr lang="en-US" sz="2000" b="0" strike="noStrike" spc="-1">
+              <a:solidFill>
+                <a:srgbClr val="D9D9D9"/>
+              </a:solidFill>
+              <a:uFill>
+                <a:solidFill>
+                  <a:srgbClr val="FFFFFF"/>
                 </a:solidFill>
               </a:uFill>
               <a:latin typeface="Candara"/>
@@ -520,7 +645,7 @@
       </p:sp>
       <p:pic>
         <p:nvPicPr>
-          <p:cNvPr id="36" name="" descr=""/>
+          <p:cNvPr id="36" name="Picture 35"/>
           <p:cNvPicPr/>
           <p:nvPr/>
         </p:nvPicPr>
@@ -543,12 +668,12 @@
       </p:pic>
       <p:pic>
         <p:nvPicPr>
-          <p:cNvPr id="37" name="" descr=""/>
+          <p:cNvPr id="37" name="Picture 36"/>
           <p:cNvPicPr/>
           <p:nvPr/>
         </p:nvPicPr>
         <p:blipFill>
-          <a:blip r:embed="rId3"/>
+          <a:blip r:embed="rId2"/>
           <a:stretch/>
         </p:blipFill>
         <p:spPr>
@@ -566,11 +691,14 @@
       </p:pic>
     </p:spTree>
   </p:cSld>
+  <p:clrMapOvr>
+    <a:masterClrMapping/>
+  </p:clrMapOvr>
 </p:sldLayout>
 </file>
 
 <file path=ppt/slideLayouts/slideLayout13.xml><?xml version="1.0" encoding="utf-8"?>
-<p:sldLayout xmlns:a="http://schemas.openxmlformats.org/drawingml/2006/main" xmlns:p="http://schemas.openxmlformats.org/presentationml/2006/main" xmlns:r="http://schemas.openxmlformats.org/officeDocument/2006/relationships" xmlns:p14="http://schemas.microsoft.com/office/powerpoint/2010/main" xmlns:p15="http://schemas.microsoft.com/office/powerpoint/2012/main" xmlns:mc="http://schemas.openxmlformats.org/markup-compatibility/2006" type="blank" preserve="1">
+<p:sldLayout xmlns:a="http://schemas.openxmlformats.org/drawingml/2006/main" xmlns:r="http://schemas.openxmlformats.org/officeDocument/2006/relationships" xmlns:p="http://schemas.openxmlformats.org/presentationml/2006/main" type="blank" preserve="1">
   <p:cSld name="Blank Slide">
     <p:spTree>
       <p:nvGrpSpPr>
@@ -588,11 +716,14 @@
       </p:grpSpPr>
     </p:spTree>
   </p:cSld>
+  <p:clrMapOvr>
+    <a:masterClrMapping/>
+  </p:clrMapOvr>
 </p:sldLayout>
 </file>
 
 <file path=ppt/slideLayouts/slideLayout14.xml><?xml version="1.0" encoding="utf-8"?>
-<p:sldLayout xmlns:a="http://schemas.openxmlformats.org/drawingml/2006/main" xmlns:p="http://schemas.openxmlformats.org/presentationml/2006/main" xmlns:r="http://schemas.openxmlformats.org/officeDocument/2006/relationships" xmlns:p14="http://schemas.microsoft.com/office/powerpoint/2010/main" xmlns:p15="http://schemas.microsoft.com/office/powerpoint/2012/main" xmlns:mc="http://schemas.openxmlformats.org/markup-compatibility/2006" type="tx" preserve="1">
+<p:sldLayout xmlns:a="http://schemas.openxmlformats.org/drawingml/2006/main" xmlns:r="http://schemas.openxmlformats.org/officeDocument/2006/relationships" xmlns:p="http://schemas.openxmlformats.org/presentationml/2006/main" type="tx" preserve="1">
   <p:cSld name="Title Slide">
     <p:spTree>
       <p:nvGrpSpPr>
@@ -628,15 +759,16 @@
           </a:prstGeom>
         </p:spPr>
         <p:txBody>
-          <a:bodyPr lIns="0" rIns="0" tIns="0" bIns="0" anchor="ctr"/>
-          <a:p>
-            <a:endParaRPr b="0" lang="en-US" sz="1800" spc="-1" strike="noStrike">
-              <a:solidFill>
-                <a:srgbClr val="ffffff"/>
-              </a:solidFill>
-              <a:uFill>
-                <a:solidFill>
-                  <a:srgbClr val="ffffff"/>
+          <a:bodyPr lIns="0" tIns="0" rIns="0" bIns="0" anchor="ctr"/>
+          <a:lstStyle/>
+          <a:p>
+            <a:endParaRPr lang="en-US" sz="1800" b="0" strike="noStrike" spc="-1">
+              <a:solidFill>
+                <a:srgbClr val="FFFFFF"/>
+              </a:solidFill>
+              <a:uFill>
+                <a:solidFill>
+                  <a:srgbClr val="FFFFFF"/>
                 </a:solidFill>
               </a:uFill>
               <a:latin typeface="Candara"/>
@@ -664,16 +796,17 @@
           </a:prstGeom>
         </p:spPr>
         <p:txBody>
-          <a:bodyPr lIns="0" rIns="0" tIns="0" bIns="0" anchor="ctr"/>
+          <a:bodyPr lIns="0" tIns="0" rIns="0" bIns="0" anchor="ctr"/>
+          <a:lstStyle/>
           <a:p>
             <a:pPr algn="ctr"/>
-            <a:endParaRPr b="0" lang="en-US" sz="3200" spc="-1" strike="noStrike">
-              <a:solidFill>
-                <a:srgbClr val="ffffff"/>
-              </a:solidFill>
-              <a:uFill>
-                <a:solidFill>
-                  <a:srgbClr val="ffffff"/>
+            <a:endParaRPr lang="en-US" sz="3200" b="0" strike="noStrike" spc="-1">
+              <a:solidFill>
+                <a:srgbClr val="FFFFFF"/>
+              </a:solidFill>
+              <a:uFill>
+                <a:solidFill>
+                  <a:srgbClr val="FFFFFF"/>
                 </a:solidFill>
               </a:uFill>
               <a:latin typeface="Arial"/>
@@ -683,11 +816,14 @@
       </p:sp>
     </p:spTree>
   </p:cSld>
+  <p:clrMapOvr>
+    <a:masterClrMapping/>
+  </p:clrMapOvr>
 </p:sldLayout>
 </file>
 
 <file path=ppt/slideLayouts/slideLayout15.xml><?xml version="1.0" encoding="utf-8"?>
-<p:sldLayout xmlns:a="http://schemas.openxmlformats.org/drawingml/2006/main" xmlns:p="http://schemas.openxmlformats.org/presentationml/2006/main" xmlns:r="http://schemas.openxmlformats.org/officeDocument/2006/relationships" xmlns:p14="http://schemas.microsoft.com/office/powerpoint/2010/main" xmlns:p15="http://schemas.microsoft.com/office/powerpoint/2012/main" xmlns:mc="http://schemas.openxmlformats.org/markup-compatibility/2006" type="obj" preserve="1">
+<p:sldLayout xmlns:a="http://schemas.openxmlformats.org/drawingml/2006/main" xmlns:r="http://schemas.openxmlformats.org/officeDocument/2006/relationships" xmlns:p="http://schemas.openxmlformats.org/presentationml/2006/main" type="obj" preserve="1">
   <p:cSld name="Title, Content">
     <p:spTree>
       <p:nvGrpSpPr>
@@ -723,15 +859,16 @@
           </a:prstGeom>
         </p:spPr>
         <p:txBody>
-          <a:bodyPr lIns="0" rIns="0" tIns="0" bIns="0" anchor="ctr"/>
-          <a:p>
-            <a:endParaRPr b="0" lang="en-US" sz="1800" spc="-1" strike="noStrike">
-              <a:solidFill>
-                <a:srgbClr val="ffffff"/>
-              </a:solidFill>
-              <a:uFill>
-                <a:solidFill>
-                  <a:srgbClr val="ffffff"/>
+          <a:bodyPr lIns="0" tIns="0" rIns="0" bIns="0" anchor="ctr"/>
+          <a:lstStyle/>
+          <a:p>
+            <a:endParaRPr lang="en-US" sz="1800" b="0" strike="noStrike" spc="-1">
+              <a:solidFill>
+                <a:srgbClr val="FFFFFF"/>
+              </a:solidFill>
+              <a:uFill>
+                <a:solidFill>
+                  <a:srgbClr val="FFFFFF"/>
                 </a:solidFill>
               </a:uFill>
               <a:latin typeface="Candara"/>
@@ -759,17 +896,18 @@
           </a:prstGeom>
         </p:spPr>
         <p:txBody>
-          <a:bodyPr lIns="0" rIns="0" tIns="0" bIns="0">
+          <a:bodyPr lIns="0" tIns="0" rIns="0" bIns="0">
             <a:normAutofit/>
           </a:bodyPr>
-          <a:p>
-            <a:endParaRPr b="0" lang="en-US" sz="2000" spc="-1" strike="noStrike">
-              <a:solidFill>
-                <a:srgbClr val="d9d9d9"/>
-              </a:solidFill>
-              <a:uFill>
-                <a:solidFill>
-                  <a:srgbClr val="ffffff"/>
+          <a:lstStyle/>
+          <a:p>
+            <a:endParaRPr lang="en-US" sz="2000" b="0" strike="noStrike" spc="-1">
+              <a:solidFill>
+                <a:srgbClr val="D9D9D9"/>
+              </a:solidFill>
+              <a:uFill>
+                <a:solidFill>
+                  <a:srgbClr val="FFFFFF"/>
                 </a:solidFill>
               </a:uFill>
               <a:latin typeface="Candara"/>
@@ -779,11 +917,14 @@
       </p:sp>
     </p:spTree>
   </p:cSld>
+  <p:clrMapOvr>
+    <a:masterClrMapping/>
+  </p:clrMapOvr>
 </p:sldLayout>
 </file>
 
 <file path=ppt/slideLayouts/slideLayout16.xml><?xml version="1.0" encoding="utf-8"?>
-<p:sldLayout xmlns:a="http://schemas.openxmlformats.org/drawingml/2006/main" xmlns:p="http://schemas.openxmlformats.org/presentationml/2006/main" xmlns:r="http://schemas.openxmlformats.org/officeDocument/2006/relationships" xmlns:p14="http://schemas.microsoft.com/office/powerpoint/2010/main" xmlns:p15="http://schemas.microsoft.com/office/powerpoint/2012/main" xmlns:mc="http://schemas.openxmlformats.org/markup-compatibility/2006" type="twoObj" preserve="1">
+<p:sldLayout xmlns:a="http://schemas.openxmlformats.org/drawingml/2006/main" xmlns:r="http://schemas.openxmlformats.org/officeDocument/2006/relationships" xmlns:p="http://schemas.openxmlformats.org/presentationml/2006/main" type="twoObj" preserve="1">
   <p:cSld name="Title, 2 Content">
     <p:spTree>
       <p:nvGrpSpPr>
@@ -819,15 +960,16 @@
           </a:prstGeom>
         </p:spPr>
         <p:txBody>
-          <a:bodyPr lIns="0" rIns="0" tIns="0" bIns="0" anchor="ctr"/>
-          <a:p>
-            <a:endParaRPr b="0" lang="en-US" sz="1800" spc="-1" strike="noStrike">
-              <a:solidFill>
-                <a:srgbClr val="ffffff"/>
-              </a:solidFill>
-              <a:uFill>
-                <a:solidFill>
-                  <a:srgbClr val="ffffff"/>
+          <a:bodyPr lIns="0" tIns="0" rIns="0" bIns="0" anchor="ctr"/>
+          <a:lstStyle/>
+          <a:p>
+            <a:endParaRPr lang="en-US" sz="1800" b="0" strike="noStrike" spc="-1">
+              <a:solidFill>
+                <a:srgbClr val="FFFFFF"/>
+              </a:solidFill>
+              <a:uFill>
+                <a:solidFill>
+                  <a:srgbClr val="FFFFFF"/>
                 </a:solidFill>
               </a:uFill>
               <a:latin typeface="Candara"/>
@@ -855,17 +997,18 @@
           </a:prstGeom>
         </p:spPr>
         <p:txBody>
-          <a:bodyPr lIns="0" rIns="0" tIns="0" bIns="0">
+          <a:bodyPr lIns="0" tIns="0" rIns="0" bIns="0">
             <a:normAutofit/>
           </a:bodyPr>
-          <a:p>
-            <a:endParaRPr b="0" lang="en-US" sz="2000" spc="-1" strike="noStrike">
-              <a:solidFill>
-                <a:srgbClr val="d9d9d9"/>
-              </a:solidFill>
-              <a:uFill>
-                <a:solidFill>
-                  <a:srgbClr val="ffffff"/>
+          <a:lstStyle/>
+          <a:p>
+            <a:endParaRPr lang="en-US" sz="2000" b="0" strike="noStrike" spc="-1">
+              <a:solidFill>
+                <a:srgbClr val="D9D9D9"/>
+              </a:solidFill>
+              <a:uFill>
+                <a:solidFill>
+                  <a:srgbClr val="FFFFFF"/>
                 </a:solidFill>
               </a:uFill>
               <a:latin typeface="Candara"/>
@@ -893,17 +1036,18 @@
           </a:prstGeom>
         </p:spPr>
         <p:txBody>
-          <a:bodyPr lIns="0" rIns="0" tIns="0" bIns="0">
+          <a:bodyPr lIns="0" tIns="0" rIns="0" bIns="0">
             <a:normAutofit/>
           </a:bodyPr>
-          <a:p>
-            <a:endParaRPr b="0" lang="en-US" sz="2000" spc="-1" strike="noStrike">
-              <a:solidFill>
-                <a:srgbClr val="d9d9d9"/>
-              </a:solidFill>
-              <a:uFill>
-                <a:solidFill>
-                  <a:srgbClr val="ffffff"/>
+          <a:lstStyle/>
+          <a:p>
+            <a:endParaRPr lang="en-US" sz="2000" b="0" strike="noStrike" spc="-1">
+              <a:solidFill>
+                <a:srgbClr val="D9D9D9"/>
+              </a:solidFill>
+              <a:uFill>
+                <a:solidFill>
+                  <a:srgbClr val="FFFFFF"/>
                 </a:solidFill>
               </a:uFill>
               <a:latin typeface="Candara"/>
@@ -913,11 +1057,14 @@
       </p:sp>
     </p:spTree>
   </p:cSld>
+  <p:clrMapOvr>
+    <a:masterClrMapping/>
+  </p:clrMapOvr>
 </p:sldLayout>
 </file>
 
 <file path=ppt/slideLayouts/slideLayout17.xml><?xml version="1.0" encoding="utf-8"?>
-<p:sldLayout xmlns:a="http://schemas.openxmlformats.org/drawingml/2006/main" xmlns:p="http://schemas.openxmlformats.org/presentationml/2006/main" xmlns:r="http://schemas.openxmlformats.org/officeDocument/2006/relationships" xmlns:p14="http://schemas.microsoft.com/office/powerpoint/2010/main" xmlns:p15="http://schemas.microsoft.com/office/powerpoint/2012/main" xmlns:mc="http://schemas.openxmlformats.org/markup-compatibility/2006" type="titleOnly" preserve="1">
+<p:sldLayout xmlns:a="http://schemas.openxmlformats.org/drawingml/2006/main" xmlns:r="http://schemas.openxmlformats.org/officeDocument/2006/relationships" xmlns:p="http://schemas.openxmlformats.org/presentationml/2006/main" type="titleOnly" preserve="1">
   <p:cSld name="Title Only">
     <p:spTree>
       <p:nvGrpSpPr>
@@ -953,15 +1100,16 @@
           </a:prstGeom>
         </p:spPr>
         <p:txBody>
-          <a:bodyPr lIns="0" rIns="0" tIns="0" bIns="0" anchor="ctr"/>
-          <a:p>
-            <a:endParaRPr b="0" lang="en-US" sz="1800" spc="-1" strike="noStrike">
-              <a:solidFill>
-                <a:srgbClr val="ffffff"/>
-              </a:solidFill>
-              <a:uFill>
-                <a:solidFill>
-                  <a:srgbClr val="ffffff"/>
+          <a:bodyPr lIns="0" tIns="0" rIns="0" bIns="0" anchor="ctr"/>
+          <a:lstStyle/>
+          <a:p>
+            <a:endParaRPr lang="en-US" sz="1800" b="0" strike="noStrike" spc="-1">
+              <a:solidFill>
+                <a:srgbClr val="FFFFFF"/>
+              </a:solidFill>
+              <a:uFill>
+                <a:solidFill>
+                  <a:srgbClr val="FFFFFF"/>
                 </a:solidFill>
               </a:uFill>
               <a:latin typeface="Candara"/>
@@ -971,11 +1119,14 @@
       </p:sp>
     </p:spTree>
   </p:cSld>
+  <p:clrMapOvr>
+    <a:masterClrMapping/>
+  </p:clrMapOvr>
 </p:sldLayout>
 </file>
 
 <file path=ppt/slideLayouts/slideLayout18.xml><?xml version="1.0" encoding="utf-8"?>
-<p:sldLayout xmlns:a="http://schemas.openxmlformats.org/drawingml/2006/main" xmlns:p="http://schemas.openxmlformats.org/presentationml/2006/main" xmlns:r="http://schemas.openxmlformats.org/officeDocument/2006/relationships" xmlns:p14="http://schemas.microsoft.com/office/powerpoint/2010/main" xmlns:p15="http://schemas.microsoft.com/office/powerpoint/2012/main" xmlns:mc="http://schemas.openxmlformats.org/markup-compatibility/2006" type="objOnly" preserve="1">
+<p:sldLayout xmlns:a="http://schemas.openxmlformats.org/drawingml/2006/main" xmlns:r="http://schemas.openxmlformats.org/officeDocument/2006/relationships" xmlns:p="http://schemas.openxmlformats.org/presentationml/2006/main" type="objOnly" preserve="1">
   <p:cSld name="Centered Text">
     <p:spTree>
       <p:nvGrpSpPr>
@@ -1011,16 +1162,17 @@
           </a:prstGeom>
         </p:spPr>
         <p:txBody>
-          <a:bodyPr lIns="0" rIns="0" tIns="0" bIns="0" anchor="ctr"/>
+          <a:bodyPr lIns="0" tIns="0" rIns="0" bIns="0" anchor="ctr"/>
+          <a:lstStyle/>
           <a:p>
             <a:pPr algn="ctr"/>
-            <a:endParaRPr b="0" lang="en-US" sz="3200" spc="-1" strike="noStrike">
-              <a:solidFill>
-                <a:srgbClr val="ffffff"/>
-              </a:solidFill>
-              <a:uFill>
-                <a:solidFill>
-                  <a:srgbClr val="ffffff"/>
+            <a:endParaRPr lang="en-US" sz="3200" b="0" strike="noStrike" spc="-1">
+              <a:solidFill>
+                <a:srgbClr val="FFFFFF"/>
+              </a:solidFill>
+              <a:uFill>
+                <a:solidFill>
+                  <a:srgbClr val="FFFFFF"/>
                 </a:solidFill>
               </a:uFill>
               <a:latin typeface="Arial"/>
@@ -1030,11 +1182,14 @@
       </p:sp>
     </p:spTree>
   </p:cSld>
+  <p:clrMapOvr>
+    <a:masterClrMapping/>
+  </p:clrMapOvr>
 </p:sldLayout>
 </file>
 
 <file path=ppt/slideLayouts/slideLayout19.xml><?xml version="1.0" encoding="utf-8"?>
-<p:sldLayout xmlns:a="http://schemas.openxmlformats.org/drawingml/2006/main" xmlns:p="http://schemas.openxmlformats.org/presentationml/2006/main" xmlns:r="http://schemas.openxmlformats.org/officeDocument/2006/relationships" xmlns:p14="http://schemas.microsoft.com/office/powerpoint/2010/main" xmlns:p15="http://schemas.microsoft.com/office/powerpoint/2012/main" xmlns:mc="http://schemas.openxmlformats.org/markup-compatibility/2006" type="twoObjAndObj" preserve="1">
+<p:sldLayout xmlns:a="http://schemas.openxmlformats.org/drawingml/2006/main" xmlns:r="http://schemas.openxmlformats.org/officeDocument/2006/relationships" xmlns:p="http://schemas.openxmlformats.org/presentationml/2006/main" type="twoObjAndObj" preserve="1">
   <p:cSld name="Title, 2 Content and Content">
     <p:spTree>
       <p:nvGrpSpPr>
@@ -1070,15 +1225,16 @@
           </a:prstGeom>
         </p:spPr>
         <p:txBody>
-          <a:bodyPr lIns="0" rIns="0" tIns="0" bIns="0" anchor="ctr"/>
-          <a:p>
-            <a:endParaRPr b="0" lang="en-US" sz="1800" spc="-1" strike="noStrike">
-              <a:solidFill>
-                <a:srgbClr val="ffffff"/>
-              </a:solidFill>
-              <a:uFill>
-                <a:solidFill>
-                  <a:srgbClr val="ffffff"/>
+          <a:bodyPr lIns="0" tIns="0" rIns="0" bIns="0" anchor="ctr"/>
+          <a:lstStyle/>
+          <a:p>
+            <a:endParaRPr lang="en-US" sz="1800" b="0" strike="noStrike" spc="-1">
+              <a:solidFill>
+                <a:srgbClr val="FFFFFF"/>
+              </a:solidFill>
+              <a:uFill>
+                <a:solidFill>
+                  <a:srgbClr val="FFFFFF"/>
                 </a:solidFill>
               </a:uFill>
               <a:latin typeface="Candara"/>
@@ -1106,17 +1262,18 @@
           </a:prstGeom>
         </p:spPr>
         <p:txBody>
-          <a:bodyPr lIns="0" rIns="0" tIns="0" bIns="0">
+          <a:bodyPr lIns="0" tIns="0" rIns="0" bIns="0">
             <a:normAutofit/>
           </a:bodyPr>
-          <a:p>
-            <a:endParaRPr b="0" lang="en-US" sz="2000" spc="-1" strike="noStrike">
-              <a:solidFill>
-                <a:srgbClr val="d9d9d9"/>
-              </a:solidFill>
-              <a:uFill>
-                <a:solidFill>
-                  <a:srgbClr val="ffffff"/>
+          <a:lstStyle/>
+          <a:p>
+            <a:endParaRPr lang="en-US" sz="2000" b="0" strike="noStrike" spc="-1">
+              <a:solidFill>
+                <a:srgbClr val="D9D9D9"/>
+              </a:solidFill>
+              <a:uFill>
+                <a:solidFill>
+                  <a:srgbClr val="FFFFFF"/>
                 </a:solidFill>
               </a:uFill>
               <a:latin typeface="Candara"/>
@@ -1144,17 +1301,18 @@
           </a:prstGeom>
         </p:spPr>
         <p:txBody>
-          <a:bodyPr lIns="0" rIns="0" tIns="0" bIns="0">
+          <a:bodyPr lIns="0" tIns="0" rIns="0" bIns="0">
             <a:normAutofit/>
           </a:bodyPr>
-          <a:p>
-            <a:endParaRPr b="0" lang="en-US" sz="2000" spc="-1" strike="noStrike">
-              <a:solidFill>
-                <a:srgbClr val="d9d9d9"/>
-              </a:solidFill>
-              <a:uFill>
-                <a:solidFill>
-                  <a:srgbClr val="ffffff"/>
+          <a:lstStyle/>
+          <a:p>
+            <a:endParaRPr lang="en-US" sz="2000" b="0" strike="noStrike" spc="-1">
+              <a:solidFill>
+                <a:srgbClr val="D9D9D9"/>
+              </a:solidFill>
+              <a:uFill>
+                <a:solidFill>
+                  <a:srgbClr val="FFFFFF"/>
                 </a:solidFill>
               </a:uFill>
               <a:latin typeface="Candara"/>
@@ -1182,17 +1340,18 @@
           </a:prstGeom>
         </p:spPr>
         <p:txBody>
-          <a:bodyPr lIns="0" rIns="0" tIns="0" bIns="0">
+          <a:bodyPr lIns="0" tIns="0" rIns="0" bIns="0">
             <a:normAutofit/>
           </a:bodyPr>
-          <a:p>
-            <a:endParaRPr b="0" lang="en-US" sz="2000" spc="-1" strike="noStrike">
-              <a:solidFill>
-                <a:srgbClr val="d9d9d9"/>
-              </a:solidFill>
-              <a:uFill>
-                <a:solidFill>
-                  <a:srgbClr val="ffffff"/>
+          <a:lstStyle/>
+          <a:p>
+            <a:endParaRPr lang="en-US" sz="2000" b="0" strike="noStrike" spc="-1">
+              <a:solidFill>
+                <a:srgbClr val="D9D9D9"/>
+              </a:solidFill>
+              <a:uFill>
+                <a:solidFill>
+                  <a:srgbClr val="FFFFFF"/>
                 </a:solidFill>
               </a:uFill>
               <a:latin typeface="Candara"/>
@@ -1202,11 +1361,14 @@
       </p:sp>
     </p:spTree>
   </p:cSld>
+  <p:clrMapOvr>
+    <a:masterClrMapping/>
+  </p:clrMapOvr>
 </p:sldLayout>
 </file>
 
 <file path=ppt/slideLayouts/slideLayout2.xml><?xml version="1.0" encoding="utf-8"?>
-<p:sldLayout xmlns:a="http://schemas.openxmlformats.org/drawingml/2006/main" xmlns:p="http://schemas.openxmlformats.org/presentationml/2006/main" xmlns:r="http://schemas.openxmlformats.org/officeDocument/2006/relationships" xmlns:p14="http://schemas.microsoft.com/office/powerpoint/2010/main" xmlns:p15="http://schemas.microsoft.com/office/powerpoint/2012/main" xmlns:mc="http://schemas.openxmlformats.org/markup-compatibility/2006" type="tx" preserve="1">
+<p:sldLayout xmlns:a="http://schemas.openxmlformats.org/drawingml/2006/main" xmlns:r="http://schemas.openxmlformats.org/officeDocument/2006/relationships" xmlns:p="http://schemas.openxmlformats.org/presentationml/2006/main" type="tx" preserve="1">
   <p:cSld name="Title Slide">
     <p:spTree>
       <p:nvGrpSpPr>
@@ -1242,15 +1404,16 @@
           </a:prstGeom>
         </p:spPr>
         <p:txBody>
-          <a:bodyPr lIns="0" rIns="0" tIns="0" bIns="0" anchor="ctr"/>
-          <a:p>
-            <a:endParaRPr b="0" lang="en-US" sz="1800" spc="-1" strike="noStrike">
-              <a:solidFill>
-                <a:srgbClr val="ffffff"/>
-              </a:solidFill>
-              <a:uFill>
-                <a:solidFill>
-                  <a:srgbClr val="ffffff"/>
+          <a:bodyPr lIns="0" tIns="0" rIns="0" bIns="0" anchor="ctr"/>
+          <a:lstStyle/>
+          <a:p>
+            <a:endParaRPr lang="en-US" sz="1800" b="0" strike="noStrike" spc="-1">
+              <a:solidFill>
+                <a:srgbClr val="FFFFFF"/>
+              </a:solidFill>
+              <a:uFill>
+                <a:solidFill>
+                  <a:srgbClr val="FFFFFF"/>
                 </a:solidFill>
               </a:uFill>
               <a:latin typeface="Candara"/>
@@ -1278,16 +1441,17 @@
           </a:prstGeom>
         </p:spPr>
         <p:txBody>
-          <a:bodyPr lIns="0" rIns="0" tIns="0" bIns="0" anchor="ctr"/>
+          <a:bodyPr lIns="0" tIns="0" rIns="0" bIns="0" anchor="ctr"/>
+          <a:lstStyle/>
           <a:p>
             <a:pPr algn="ctr"/>
-            <a:endParaRPr b="0" lang="en-US" sz="3200" spc="-1" strike="noStrike">
+            <a:endParaRPr lang="en-US" sz="3200" b="0" strike="noStrike" spc="-1">
               <a:solidFill>
                 <a:srgbClr val="000000"/>
               </a:solidFill>
               <a:uFill>
                 <a:solidFill>
-                  <a:srgbClr val="ffffff"/>
+                  <a:srgbClr val="FFFFFF"/>
                 </a:solidFill>
               </a:uFill>
               <a:latin typeface="Arial"/>
@@ -1297,11 +1461,14 @@
       </p:sp>
     </p:spTree>
   </p:cSld>
+  <p:clrMapOvr>
+    <a:masterClrMapping/>
+  </p:clrMapOvr>
 </p:sldLayout>
 </file>
 
 <file path=ppt/slideLayouts/slideLayout20.xml><?xml version="1.0" encoding="utf-8"?>
-<p:sldLayout xmlns:a="http://schemas.openxmlformats.org/drawingml/2006/main" xmlns:p="http://schemas.openxmlformats.org/presentationml/2006/main" xmlns:r="http://schemas.openxmlformats.org/officeDocument/2006/relationships" xmlns:p14="http://schemas.microsoft.com/office/powerpoint/2010/main" xmlns:p15="http://schemas.microsoft.com/office/powerpoint/2012/main" xmlns:mc="http://schemas.openxmlformats.org/markup-compatibility/2006" type="objAndTwoObj" preserve="1">
+<p:sldLayout xmlns:a="http://schemas.openxmlformats.org/drawingml/2006/main" xmlns:r="http://schemas.openxmlformats.org/officeDocument/2006/relationships" xmlns:p="http://schemas.openxmlformats.org/presentationml/2006/main" type="objAndTwoObj" preserve="1">
   <p:cSld name="Title Content and 2 Content">
     <p:spTree>
       <p:nvGrpSpPr>
@@ -1337,15 +1504,16 @@
           </a:prstGeom>
         </p:spPr>
         <p:txBody>
-          <a:bodyPr lIns="0" rIns="0" tIns="0" bIns="0" anchor="ctr"/>
-          <a:p>
-            <a:endParaRPr b="0" lang="en-US" sz="1800" spc="-1" strike="noStrike">
-              <a:solidFill>
-                <a:srgbClr val="ffffff"/>
-              </a:solidFill>
-              <a:uFill>
-                <a:solidFill>
-                  <a:srgbClr val="ffffff"/>
+          <a:bodyPr lIns="0" tIns="0" rIns="0" bIns="0" anchor="ctr"/>
+          <a:lstStyle/>
+          <a:p>
+            <a:endParaRPr lang="en-US" sz="1800" b="0" strike="noStrike" spc="-1">
+              <a:solidFill>
+                <a:srgbClr val="FFFFFF"/>
+              </a:solidFill>
+              <a:uFill>
+                <a:solidFill>
+                  <a:srgbClr val="FFFFFF"/>
                 </a:solidFill>
               </a:uFill>
               <a:latin typeface="Candara"/>
@@ -1373,17 +1541,18 @@
           </a:prstGeom>
         </p:spPr>
         <p:txBody>
-          <a:bodyPr lIns="0" rIns="0" tIns="0" bIns="0">
+          <a:bodyPr lIns="0" tIns="0" rIns="0" bIns="0">
             <a:normAutofit/>
           </a:bodyPr>
-          <a:p>
-            <a:endParaRPr b="0" lang="en-US" sz="2000" spc="-1" strike="noStrike">
-              <a:solidFill>
-                <a:srgbClr val="d9d9d9"/>
-              </a:solidFill>
-              <a:uFill>
-                <a:solidFill>
-                  <a:srgbClr val="ffffff"/>
+          <a:lstStyle/>
+          <a:p>
+            <a:endParaRPr lang="en-US" sz="2000" b="0" strike="noStrike" spc="-1">
+              <a:solidFill>
+                <a:srgbClr val="D9D9D9"/>
+              </a:solidFill>
+              <a:uFill>
+                <a:solidFill>
+                  <a:srgbClr val="FFFFFF"/>
                 </a:solidFill>
               </a:uFill>
               <a:latin typeface="Candara"/>
@@ -1411,17 +1580,18 @@
           </a:prstGeom>
         </p:spPr>
         <p:txBody>
-          <a:bodyPr lIns="0" rIns="0" tIns="0" bIns="0">
+          <a:bodyPr lIns="0" tIns="0" rIns="0" bIns="0">
             <a:normAutofit/>
           </a:bodyPr>
-          <a:p>
-            <a:endParaRPr b="0" lang="en-US" sz="2000" spc="-1" strike="noStrike">
-              <a:solidFill>
-                <a:srgbClr val="d9d9d9"/>
-              </a:solidFill>
-              <a:uFill>
-                <a:solidFill>
-                  <a:srgbClr val="ffffff"/>
+          <a:lstStyle/>
+          <a:p>
+            <a:endParaRPr lang="en-US" sz="2000" b="0" strike="noStrike" spc="-1">
+              <a:solidFill>
+                <a:srgbClr val="D9D9D9"/>
+              </a:solidFill>
+              <a:uFill>
+                <a:solidFill>
+                  <a:srgbClr val="FFFFFF"/>
                 </a:solidFill>
               </a:uFill>
               <a:latin typeface="Candara"/>
@@ -1449,17 +1619,18 @@
           </a:prstGeom>
         </p:spPr>
         <p:txBody>
-          <a:bodyPr lIns="0" rIns="0" tIns="0" bIns="0">
+          <a:bodyPr lIns="0" tIns="0" rIns="0" bIns="0">
             <a:normAutofit/>
           </a:bodyPr>
-          <a:p>
-            <a:endParaRPr b="0" lang="en-US" sz="2000" spc="-1" strike="noStrike">
-              <a:solidFill>
-                <a:srgbClr val="d9d9d9"/>
-              </a:solidFill>
-              <a:uFill>
-                <a:solidFill>
-                  <a:srgbClr val="ffffff"/>
+          <a:lstStyle/>
+          <a:p>
+            <a:endParaRPr lang="en-US" sz="2000" b="0" strike="noStrike" spc="-1">
+              <a:solidFill>
+                <a:srgbClr val="D9D9D9"/>
+              </a:solidFill>
+              <a:uFill>
+                <a:solidFill>
+                  <a:srgbClr val="FFFFFF"/>
                 </a:solidFill>
               </a:uFill>
               <a:latin typeface="Candara"/>
@@ -1469,11 +1640,14 @@
       </p:sp>
     </p:spTree>
   </p:cSld>
+  <p:clrMapOvr>
+    <a:masterClrMapping/>
+  </p:clrMapOvr>
 </p:sldLayout>
 </file>
 
 <file path=ppt/slideLayouts/slideLayout21.xml><?xml version="1.0" encoding="utf-8"?>
-<p:sldLayout xmlns:a="http://schemas.openxmlformats.org/drawingml/2006/main" xmlns:p="http://schemas.openxmlformats.org/presentationml/2006/main" xmlns:r="http://schemas.openxmlformats.org/officeDocument/2006/relationships" xmlns:p14="http://schemas.microsoft.com/office/powerpoint/2010/main" xmlns:p15="http://schemas.microsoft.com/office/powerpoint/2012/main" xmlns:mc="http://schemas.openxmlformats.org/markup-compatibility/2006" type="twoObjOverTx" preserve="1">
+<p:sldLayout xmlns:a="http://schemas.openxmlformats.org/drawingml/2006/main" xmlns:r="http://schemas.openxmlformats.org/officeDocument/2006/relationships" xmlns:p="http://schemas.openxmlformats.org/presentationml/2006/main" type="twoObjOverTx" preserve="1">
   <p:cSld name="Title, 2 Content over Content">
     <p:spTree>
       <p:nvGrpSpPr>
@@ -1509,15 +1683,16 @@
           </a:prstGeom>
         </p:spPr>
         <p:txBody>
-          <a:bodyPr lIns="0" rIns="0" tIns="0" bIns="0" anchor="ctr"/>
-          <a:p>
-            <a:endParaRPr b="0" lang="en-US" sz="1800" spc="-1" strike="noStrike">
-              <a:solidFill>
-                <a:srgbClr val="ffffff"/>
-              </a:solidFill>
-              <a:uFill>
-                <a:solidFill>
-                  <a:srgbClr val="ffffff"/>
+          <a:bodyPr lIns="0" tIns="0" rIns="0" bIns="0" anchor="ctr"/>
+          <a:lstStyle/>
+          <a:p>
+            <a:endParaRPr lang="en-US" sz="1800" b="0" strike="noStrike" spc="-1">
+              <a:solidFill>
+                <a:srgbClr val="FFFFFF"/>
+              </a:solidFill>
+              <a:uFill>
+                <a:solidFill>
+                  <a:srgbClr val="FFFFFF"/>
                 </a:solidFill>
               </a:uFill>
               <a:latin typeface="Candara"/>
@@ -1545,17 +1720,18 @@
           </a:prstGeom>
         </p:spPr>
         <p:txBody>
-          <a:bodyPr lIns="0" rIns="0" tIns="0" bIns="0">
+          <a:bodyPr lIns="0" tIns="0" rIns="0" bIns="0">
             <a:normAutofit/>
           </a:bodyPr>
-          <a:p>
-            <a:endParaRPr b="0" lang="en-US" sz="2000" spc="-1" strike="noStrike">
-              <a:solidFill>
-                <a:srgbClr val="d9d9d9"/>
-              </a:solidFill>
-              <a:uFill>
-                <a:solidFill>
-                  <a:srgbClr val="ffffff"/>
+          <a:lstStyle/>
+          <a:p>
+            <a:endParaRPr lang="en-US" sz="2000" b="0" strike="noStrike" spc="-1">
+              <a:solidFill>
+                <a:srgbClr val="D9D9D9"/>
+              </a:solidFill>
+              <a:uFill>
+                <a:solidFill>
+                  <a:srgbClr val="FFFFFF"/>
                 </a:solidFill>
               </a:uFill>
               <a:latin typeface="Candara"/>
@@ -1583,17 +1759,18 @@
           </a:prstGeom>
         </p:spPr>
         <p:txBody>
-          <a:bodyPr lIns="0" rIns="0" tIns="0" bIns="0">
+          <a:bodyPr lIns="0" tIns="0" rIns="0" bIns="0">
             <a:normAutofit/>
           </a:bodyPr>
-          <a:p>
-            <a:endParaRPr b="0" lang="en-US" sz="2000" spc="-1" strike="noStrike">
-              <a:solidFill>
-                <a:srgbClr val="d9d9d9"/>
-              </a:solidFill>
-              <a:uFill>
-                <a:solidFill>
-                  <a:srgbClr val="ffffff"/>
+          <a:lstStyle/>
+          <a:p>
+            <a:endParaRPr lang="en-US" sz="2000" b="0" strike="noStrike" spc="-1">
+              <a:solidFill>
+                <a:srgbClr val="D9D9D9"/>
+              </a:solidFill>
+              <a:uFill>
+                <a:solidFill>
+                  <a:srgbClr val="FFFFFF"/>
                 </a:solidFill>
               </a:uFill>
               <a:latin typeface="Candara"/>
@@ -1621,17 +1798,18 @@
           </a:prstGeom>
         </p:spPr>
         <p:txBody>
-          <a:bodyPr lIns="0" rIns="0" tIns="0" bIns="0">
+          <a:bodyPr lIns="0" tIns="0" rIns="0" bIns="0">
             <a:normAutofit/>
           </a:bodyPr>
-          <a:p>
-            <a:endParaRPr b="0" lang="en-US" sz="2000" spc="-1" strike="noStrike">
-              <a:solidFill>
-                <a:srgbClr val="d9d9d9"/>
-              </a:solidFill>
-              <a:uFill>
-                <a:solidFill>
-                  <a:srgbClr val="ffffff"/>
+          <a:lstStyle/>
+          <a:p>
+            <a:endParaRPr lang="en-US" sz="2000" b="0" strike="noStrike" spc="-1">
+              <a:solidFill>
+                <a:srgbClr val="D9D9D9"/>
+              </a:solidFill>
+              <a:uFill>
+                <a:solidFill>
+                  <a:srgbClr val="FFFFFF"/>
                 </a:solidFill>
               </a:uFill>
               <a:latin typeface="Candara"/>
@@ -1641,11 +1819,14 @@
       </p:sp>
     </p:spTree>
   </p:cSld>
+  <p:clrMapOvr>
+    <a:masterClrMapping/>
+  </p:clrMapOvr>
 </p:sldLayout>
 </file>
 
 <file path=ppt/slideLayouts/slideLayout22.xml><?xml version="1.0" encoding="utf-8"?>
-<p:sldLayout xmlns:a="http://schemas.openxmlformats.org/drawingml/2006/main" xmlns:p="http://schemas.openxmlformats.org/presentationml/2006/main" xmlns:r="http://schemas.openxmlformats.org/officeDocument/2006/relationships" xmlns:p14="http://schemas.microsoft.com/office/powerpoint/2010/main" xmlns:p15="http://schemas.microsoft.com/office/powerpoint/2012/main" xmlns:mc="http://schemas.openxmlformats.org/markup-compatibility/2006" type="objOverTx" preserve="1">
+<p:sldLayout xmlns:a="http://schemas.openxmlformats.org/drawingml/2006/main" xmlns:r="http://schemas.openxmlformats.org/officeDocument/2006/relationships" xmlns:p="http://schemas.openxmlformats.org/presentationml/2006/main" type="objOverTx" preserve="1">
   <p:cSld name="Title, Content over Content">
     <p:spTree>
       <p:nvGrpSpPr>
@@ -1681,15 +1862,16 @@
           </a:prstGeom>
         </p:spPr>
         <p:txBody>
-          <a:bodyPr lIns="0" rIns="0" tIns="0" bIns="0" anchor="ctr"/>
-          <a:p>
-            <a:endParaRPr b="0" lang="en-US" sz="1800" spc="-1" strike="noStrike">
-              <a:solidFill>
-                <a:srgbClr val="ffffff"/>
-              </a:solidFill>
-              <a:uFill>
-                <a:solidFill>
-                  <a:srgbClr val="ffffff"/>
+          <a:bodyPr lIns="0" tIns="0" rIns="0" bIns="0" anchor="ctr"/>
+          <a:lstStyle/>
+          <a:p>
+            <a:endParaRPr lang="en-US" sz="1800" b="0" strike="noStrike" spc="-1">
+              <a:solidFill>
+                <a:srgbClr val="FFFFFF"/>
+              </a:solidFill>
+              <a:uFill>
+                <a:solidFill>
+                  <a:srgbClr val="FFFFFF"/>
                 </a:solidFill>
               </a:uFill>
               <a:latin typeface="Candara"/>
@@ -1717,17 +1899,18 @@
           </a:prstGeom>
         </p:spPr>
         <p:txBody>
-          <a:bodyPr lIns="0" rIns="0" tIns="0" bIns="0">
+          <a:bodyPr lIns="0" tIns="0" rIns="0" bIns="0">
             <a:normAutofit/>
           </a:bodyPr>
-          <a:p>
-            <a:endParaRPr b="0" lang="en-US" sz="2000" spc="-1" strike="noStrike">
-              <a:solidFill>
-                <a:srgbClr val="d9d9d9"/>
-              </a:solidFill>
-              <a:uFill>
-                <a:solidFill>
-                  <a:srgbClr val="ffffff"/>
+          <a:lstStyle/>
+          <a:p>
+            <a:endParaRPr lang="en-US" sz="2000" b="0" strike="noStrike" spc="-1">
+              <a:solidFill>
+                <a:srgbClr val="D9D9D9"/>
+              </a:solidFill>
+              <a:uFill>
+                <a:solidFill>
+                  <a:srgbClr val="FFFFFF"/>
                 </a:solidFill>
               </a:uFill>
               <a:latin typeface="Candara"/>
@@ -1755,17 +1938,18 @@
           </a:prstGeom>
         </p:spPr>
         <p:txBody>
-          <a:bodyPr lIns="0" rIns="0" tIns="0" bIns="0">
+          <a:bodyPr lIns="0" tIns="0" rIns="0" bIns="0">
             <a:normAutofit/>
           </a:bodyPr>
-          <a:p>
-            <a:endParaRPr b="0" lang="en-US" sz="2000" spc="-1" strike="noStrike">
-              <a:solidFill>
-                <a:srgbClr val="d9d9d9"/>
-              </a:solidFill>
-              <a:uFill>
-                <a:solidFill>
-                  <a:srgbClr val="ffffff"/>
+          <a:lstStyle/>
+          <a:p>
+            <a:endParaRPr lang="en-US" sz="2000" b="0" strike="noStrike" spc="-1">
+              <a:solidFill>
+                <a:srgbClr val="D9D9D9"/>
+              </a:solidFill>
+              <a:uFill>
+                <a:solidFill>
+                  <a:srgbClr val="FFFFFF"/>
                 </a:solidFill>
               </a:uFill>
               <a:latin typeface="Candara"/>
@@ -1775,11 +1959,14 @@
       </p:sp>
     </p:spTree>
   </p:cSld>
+  <p:clrMapOvr>
+    <a:masterClrMapping/>
+  </p:clrMapOvr>
 </p:sldLayout>
 </file>
 
 <file path=ppt/slideLayouts/slideLayout23.xml><?xml version="1.0" encoding="utf-8"?>
-<p:sldLayout xmlns:a="http://schemas.openxmlformats.org/drawingml/2006/main" xmlns:p="http://schemas.openxmlformats.org/presentationml/2006/main" xmlns:r="http://schemas.openxmlformats.org/officeDocument/2006/relationships" xmlns:p14="http://schemas.microsoft.com/office/powerpoint/2010/main" xmlns:p15="http://schemas.microsoft.com/office/powerpoint/2012/main" xmlns:mc="http://schemas.openxmlformats.org/markup-compatibility/2006" type="fourObj" preserve="1">
+<p:sldLayout xmlns:a="http://schemas.openxmlformats.org/drawingml/2006/main" xmlns:r="http://schemas.openxmlformats.org/officeDocument/2006/relationships" xmlns:p="http://schemas.openxmlformats.org/presentationml/2006/main" type="fourObj" preserve="1">
   <p:cSld name="Title, 4 Content">
     <p:spTree>
       <p:nvGrpSpPr>
@@ -1815,15 +2002,16 @@
           </a:prstGeom>
         </p:spPr>
         <p:txBody>
-          <a:bodyPr lIns="0" rIns="0" tIns="0" bIns="0" anchor="ctr"/>
-          <a:p>
-            <a:endParaRPr b="0" lang="en-US" sz="1800" spc="-1" strike="noStrike">
-              <a:solidFill>
-                <a:srgbClr val="ffffff"/>
-              </a:solidFill>
-              <a:uFill>
-                <a:solidFill>
-                  <a:srgbClr val="ffffff"/>
+          <a:bodyPr lIns="0" tIns="0" rIns="0" bIns="0" anchor="ctr"/>
+          <a:lstStyle/>
+          <a:p>
+            <a:endParaRPr lang="en-US" sz="1800" b="0" strike="noStrike" spc="-1">
+              <a:solidFill>
+                <a:srgbClr val="FFFFFF"/>
+              </a:solidFill>
+              <a:uFill>
+                <a:solidFill>
+                  <a:srgbClr val="FFFFFF"/>
                 </a:solidFill>
               </a:uFill>
               <a:latin typeface="Candara"/>
@@ -1851,17 +2039,18 @@
           </a:prstGeom>
         </p:spPr>
         <p:txBody>
-          <a:bodyPr lIns="0" rIns="0" tIns="0" bIns="0">
+          <a:bodyPr lIns="0" tIns="0" rIns="0" bIns="0">
             <a:normAutofit/>
           </a:bodyPr>
-          <a:p>
-            <a:endParaRPr b="0" lang="en-US" sz="2000" spc="-1" strike="noStrike">
-              <a:solidFill>
-                <a:srgbClr val="d9d9d9"/>
-              </a:solidFill>
-              <a:uFill>
-                <a:solidFill>
-                  <a:srgbClr val="ffffff"/>
+          <a:lstStyle/>
+          <a:p>
+            <a:endParaRPr lang="en-US" sz="2000" b="0" strike="noStrike" spc="-1">
+              <a:solidFill>
+                <a:srgbClr val="D9D9D9"/>
+              </a:solidFill>
+              <a:uFill>
+                <a:solidFill>
+                  <a:srgbClr val="FFFFFF"/>
                 </a:solidFill>
               </a:uFill>
               <a:latin typeface="Candara"/>
@@ -1889,17 +2078,18 @@
           </a:prstGeom>
         </p:spPr>
         <p:txBody>
-          <a:bodyPr lIns="0" rIns="0" tIns="0" bIns="0">
+          <a:bodyPr lIns="0" tIns="0" rIns="0" bIns="0">
             <a:normAutofit/>
           </a:bodyPr>
-          <a:p>
-            <a:endParaRPr b="0" lang="en-US" sz="2000" spc="-1" strike="noStrike">
-              <a:solidFill>
-                <a:srgbClr val="d9d9d9"/>
-              </a:solidFill>
-              <a:uFill>
-                <a:solidFill>
-                  <a:srgbClr val="ffffff"/>
+          <a:lstStyle/>
+          <a:p>
+            <a:endParaRPr lang="en-US" sz="2000" b="0" strike="noStrike" spc="-1">
+              <a:solidFill>
+                <a:srgbClr val="D9D9D9"/>
+              </a:solidFill>
+              <a:uFill>
+                <a:solidFill>
+                  <a:srgbClr val="FFFFFF"/>
                 </a:solidFill>
               </a:uFill>
               <a:latin typeface="Candara"/>
@@ -1927,17 +2117,18 @@
           </a:prstGeom>
         </p:spPr>
         <p:txBody>
-          <a:bodyPr lIns="0" rIns="0" tIns="0" bIns="0">
+          <a:bodyPr lIns="0" tIns="0" rIns="0" bIns="0">
             <a:normAutofit/>
           </a:bodyPr>
-          <a:p>
-            <a:endParaRPr b="0" lang="en-US" sz="2000" spc="-1" strike="noStrike">
-              <a:solidFill>
-                <a:srgbClr val="d9d9d9"/>
-              </a:solidFill>
-              <a:uFill>
-                <a:solidFill>
-                  <a:srgbClr val="ffffff"/>
+          <a:lstStyle/>
+          <a:p>
+            <a:endParaRPr lang="en-US" sz="2000" b="0" strike="noStrike" spc="-1">
+              <a:solidFill>
+                <a:srgbClr val="D9D9D9"/>
+              </a:solidFill>
+              <a:uFill>
+                <a:solidFill>
+                  <a:srgbClr val="FFFFFF"/>
                 </a:solidFill>
               </a:uFill>
               <a:latin typeface="Candara"/>
@@ -1965,17 +2156,18 @@
           </a:prstGeom>
         </p:spPr>
         <p:txBody>
-          <a:bodyPr lIns="0" rIns="0" tIns="0" bIns="0">
+          <a:bodyPr lIns="0" tIns="0" rIns="0" bIns="0">
             <a:normAutofit/>
           </a:bodyPr>
-          <a:p>
-            <a:endParaRPr b="0" lang="en-US" sz="2000" spc="-1" strike="noStrike">
-              <a:solidFill>
-                <a:srgbClr val="d9d9d9"/>
-              </a:solidFill>
-              <a:uFill>
-                <a:solidFill>
-                  <a:srgbClr val="ffffff"/>
+          <a:lstStyle/>
+          <a:p>
+            <a:endParaRPr lang="en-US" sz="2000" b="0" strike="noStrike" spc="-1">
+              <a:solidFill>
+                <a:srgbClr val="D9D9D9"/>
+              </a:solidFill>
+              <a:uFill>
+                <a:solidFill>
+                  <a:srgbClr val="FFFFFF"/>
                 </a:solidFill>
               </a:uFill>
               <a:latin typeface="Candara"/>
@@ -1985,11 +2177,14 @@
       </p:sp>
     </p:spTree>
   </p:cSld>
+  <p:clrMapOvr>
+    <a:masterClrMapping/>
+  </p:clrMapOvr>
 </p:sldLayout>
 </file>
 
 <file path=ppt/slideLayouts/slideLayout24.xml><?xml version="1.0" encoding="utf-8"?>
-<p:sldLayout xmlns:a="http://schemas.openxmlformats.org/drawingml/2006/main" xmlns:p="http://schemas.openxmlformats.org/presentationml/2006/main" xmlns:r="http://schemas.openxmlformats.org/officeDocument/2006/relationships" xmlns:p14="http://schemas.microsoft.com/office/powerpoint/2010/main" xmlns:p15="http://schemas.microsoft.com/office/powerpoint/2012/main" xmlns:mc="http://schemas.openxmlformats.org/markup-compatibility/2006" type="blank" preserve="1">
+<p:sldLayout xmlns:a="http://schemas.openxmlformats.org/drawingml/2006/main" xmlns:r="http://schemas.openxmlformats.org/officeDocument/2006/relationships" xmlns:p="http://schemas.openxmlformats.org/presentationml/2006/main" type="blank" preserve="1">
   <p:cSld name="Title, 6 Content">
     <p:spTree>
       <p:nvGrpSpPr>
@@ -2025,15 +2220,16 @@
           </a:prstGeom>
         </p:spPr>
         <p:txBody>
-          <a:bodyPr lIns="0" rIns="0" tIns="0" bIns="0" anchor="ctr"/>
-          <a:p>
-            <a:endParaRPr b="0" lang="en-US" sz="1800" spc="-1" strike="noStrike">
-              <a:solidFill>
-                <a:srgbClr val="ffffff"/>
-              </a:solidFill>
-              <a:uFill>
-                <a:solidFill>
-                  <a:srgbClr val="ffffff"/>
+          <a:bodyPr lIns="0" tIns="0" rIns="0" bIns="0" anchor="ctr"/>
+          <a:lstStyle/>
+          <a:p>
+            <a:endParaRPr lang="en-US" sz="1800" b="0" strike="noStrike" spc="-1">
+              <a:solidFill>
+                <a:srgbClr val="FFFFFF"/>
+              </a:solidFill>
+              <a:uFill>
+                <a:solidFill>
+                  <a:srgbClr val="FFFFFF"/>
                 </a:solidFill>
               </a:uFill>
               <a:latin typeface="Candara"/>
@@ -2061,17 +2257,18 @@
           </a:prstGeom>
         </p:spPr>
         <p:txBody>
-          <a:bodyPr lIns="0" rIns="0" tIns="0" bIns="0">
+          <a:bodyPr lIns="0" tIns="0" rIns="0" bIns="0">
             <a:normAutofit/>
           </a:bodyPr>
-          <a:p>
-            <a:endParaRPr b="0" lang="en-US" sz="2000" spc="-1" strike="noStrike">
-              <a:solidFill>
-                <a:srgbClr val="d9d9d9"/>
-              </a:solidFill>
-              <a:uFill>
-                <a:solidFill>
-                  <a:srgbClr val="ffffff"/>
+          <a:lstStyle/>
+          <a:p>
+            <a:endParaRPr lang="en-US" sz="2000" b="0" strike="noStrike" spc="-1">
+              <a:solidFill>
+                <a:srgbClr val="D9D9D9"/>
+              </a:solidFill>
+              <a:uFill>
+                <a:solidFill>
+                  <a:srgbClr val="FFFFFF"/>
                 </a:solidFill>
               </a:uFill>
               <a:latin typeface="Candara"/>
@@ -2099,17 +2296,18 @@
           </a:prstGeom>
         </p:spPr>
         <p:txBody>
-          <a:bodyPr lIns="0" rIns="0" tIns="0" bIns="0">
+          <a:bodyPr lIns="0" tIns="0" rIns="0" bIns="0">
             <a:normAutofit/>
           </a:bodyPr>
-          <a:p>
-            <a:endParaRPr b="0" lang="en-US" sz="2000" spc="-1" strike="noStrike">
-              <a:solidFill>
-                <a:srgbClr val="d9d9d9"/>
-              </a:solidFill>
-              <a:uFill>
-                <a:solidFill>
-                  <a:srgbClr val="ffffff"/>
+          <a:lstStyle/>
+          <a:p>
+            <a:endParaRPr lang="en-US" sz="2000" b="0" strike="noStrike" spc="-1">
+              <a:solidFill>
+                <a:srgbClr val="D9D9D9"/>
+              </a:solidFill>
+              <a:uFill>
+                <a:solidFill>
+                  <a:srgbClr val="FFFFFF"/>
                 </a:solidFill>
               </a:uFill>
               <a:latin typeface="Candara"/>
@@ -2119,7 +2317,7 @@
       </p:sp>
       <p:pic>
         <p:nvPicPr>
-          <p:cNvPr id="75" name="" descr=""/>
+          <p:cNvPr id="75" name="Picture 74"/>
           <p:cNvPicPr/>
           <p:nvPr/>
         </p:nvPicPr>
@@ -2142,12 +2340,12 @@
       </p:pic>
       <p:pic>
         <p:nvPicPr>
-          <p:cNvPr id="76" name="" descr=""/>
+          <p:cNvPr id="76" name="Picture 75"/>
           <p:cNvPicPr/>
           <p:nvPr/>
         </p:nvPicPr>
         <p:blipFill>
-          <a:blip r:embed="rId3"/>
+          <a:blip r:embed="rId2"/>
           <a:stretch/>
         </p:blipFill>
         <p:spPr>
@@ -2165,11 +2363,14 @@
       </p:pic>
     </p:spTree>
   </p:cSld>
+  <p:clrMapOvr>
+    <a:masterClrMapping/>
+  </p:clrMapOvr>
 </p:sldLayout>
 </file>
 
 <file path=ppt/slideLayouts/slideLayout25.xml><?xml version="1.0" encoding="utf-8"?>
-<p:sldLayout xmlns:a="http://schemas.openxmlformats.org/drawingml/2006/main" xmlns:p="http://schemas.openxmlformats.org/presentationml/2006/main" xmlns:r="http://schemas.openxmlformats.org/officeDocument/2006/relationships" xmlns:p14="http://schemas.microsoft.com/office/powerpoint/2010/main" xmlns:p15="http://schemas.microsoft.com/office/powerpoint/2012/main" xmlns:mc="http://schemas.openxmlformats.org/markup-compatibility/2006" type="blank" preserve="1">
+<p:sldLayout xmlns:a="http://schemas.openxmlformats.org/drawingml/2006/main" xmlns:r="http://schemas.openxmlformats.org/officeDocument/2006/relationships" xmlns:p="http://schemas.openxmlformats.org/presentationml/2006/main" type="blank" preserve="1">
   <p:cSld name="Blank Slide">
     <p:spTree>
       <p:nvGrpSpPr>
@@ -2187,11 +2388,14 @@
       </p:grpSpPr>
     </p:spTree>
   </p:cSld>
+  <p:clrMapOvr>
+    <a:masterClrMapping/>
+  </p:clrMapOvr>
 </p:sldLayout>
 </file>
 
 <file path=ppt/slideLayouts/slideLayout26.xml><?xml version="1.0" encoding="utf-8"?>
-<p:sldLayout xmlns:a="http://schemas.openxmlformats.org/drawingml/2006/main" xmlns:p="http://schemas.openxmlformats.org/presentationml/2006/main" xmlns:r="http://schemas.openxmlformats.org/officeDocument/2006/relationships" xmlns:p14="http://schemas.microsoft.com/office/powerpoint/2010/main" xmlns:p15="http://schemas.microsoft.com/office/powerpoint/2012/main" xmlns:mc="http://schemas.openxmlformats.org/markup-compatibility/2006" type="tx" preserve="1">
+<p:sldLayout xmlns:a="http://schemas.openxmlformats.org/drawingml/2006/main" xmlns:r="http://schemas.openxmlformats.org/officeDocument/2006/relationships" xmlns:p="http://schemas.openxmlformats.org/presentationml/2006/main" type="tx" preserve="1">
   <p:cSld name="Title Slide">
     <p:spTree>
       <p:nvGrpSpPr>
@@ -2227,15 +2431,16 @@
           </a:prstGeom>
         </p:spPr>
         <p:txBody>
-          <a:bodyPr lIns="0" rIns="0" tIns="0" bIns="0" anchor="ctr"/>
-          <a:p>
-            <a:endParaRPr b="0" lang="en-US" sz="1800" spc="-1" strike="noStrike">
-              <a:solidFill>
-                <a:srgbClr val="ffffff"/>
-              </a:solidFill>
-              <a:uFill>
-                <a:solidFill>
-                  <a:srgbClr val="ffffff"/>
+          <a:bodyPr lIns="0" tIns="0" rIns="0" bIns="0" anchor="ctr"/>
+          <a:lstStyle/>
+          <a:p>
+            <a:endParaRPr lang="en-US" sz="1800" b="0" strike="noStrike" spc="-1">
+              <a:solidFill>
+                <a:srgbClr val="FFFFFF"/>
+              </a:solidFill>
+              <a:uFill>
+                <a:solidFill>
+                  <a:srgbClr val="FFFFFF"/>
                 </a:solidFill>
               </a:uFill>
               <a:latin typeface="Candara"/>
@@ -2263,16 +2468,17 @@
           </a:prstGeom>
         </p:spPr>
         <p:txBody>
-          <a:bodyPr lIns="0" rIns="0" tIns="0" bIns="0" anchor="ctr"/>
+          <a:bodyPr lIns="0" tIns="0" rIns="0" bIns="0" anchor="ctr"/>
+          <a:lstStyle/>
           <a:p>
             <a:pPr algn="ctr"/>
-            <a:endParaRPr b="0" lang="en-US" sz="3200" spc="-1" strike="noStrike">
-              <a:solidFill>
-                <a:srgbClr val="ffffff"/>
-              </a:solidFill>
-              <a:uFill>
-                <a:solidFill>
-                  <a:srgbClr val="ffffff"/>
+            <a:endParaRPr lang="en-US" sz="3200" b="0" strike="noStrike" spc="-1">
+              <a:solidFill>
+                <a:srgbClr val="FFFFFF"/>
+              </a:solidFill>
+              <a:uFill>
+                <a:solidFill>
+                  <a:srgbClr val="FFFFFF"/>
                 </a:solidFill>
               </a:uFill>
               <a:latin typeface="Arial"/>
@@ -2282,11 +2488,14 @@
       </p:sp>
     </p:spTree>
   </p:cSld>
+  <p:clrMapOvr>
+    <a:masterClrMapping/>
+  </p:clrMapOvr>
 </p:sldLayout>
 </file>
 
 <file path=ppt/slideLayouts/slideLayout27.xml><?xml version="1.0" encoding="utf-8"?>
-<p:sldLayout xmlns:a="http://schemas.openxmlformats.org/drawingml/2006/main" xmlns:p="http://schemas.openxmlformats.org/presentationml/2006/main" xmlns:r="http://schemas.openxmlformats.org/officeDocument/2006/relationships" xmlns:p14="http://schemas.microsoft.com/office/powerpoint/2010/main" xmlns:p15="http://schemas.microsoft.com/office/powerpoint/2012/main" xmlns:mc="http://schemas.openxmlformats.org/markup-compatibility/2006" type="obj" preserve="1">
+<p:sldLayout xmlns:a="http://schemas.openxmlformats.org/drawingml/2006/main" xmlns:r="http://schemas.openxmlformats.org/officeDocument/2006/relationships" xmlns:p="http://schemas.openxmlformats.org/presentationml/2006/main" type="obj" preserve="1">
   <p:cSld name="Title, Content">
     <p:spTree>
       <p:nvGrpSpPr>
@@ -2322,15 +2531,16 @@
           </a:prstGeom>
         </p:spPr>
         <p:txBody>
-          <a:bodyPr lIns="0" rIns="0" tIns="0" bIns="0" anchor="ctr"/>
-          <a:p>
-            <a:endParaRPr b="0" lang="en-US" sz="1800" spc="-1" strike="noStrike">
-              <a:solidFill>
-                <a:srgbClr val="ffffff"/>
-              </a:solidFill>
-              <a:uFill>
-                <a:solidFill>
-                  <a:srgbClr val="ffffff"/>
+          <a:bodyPr lIns="0" tIns="0" rIns="0" bIns="0" anchor="ctr"/>
+          <a:lstStyle/>
+          <a:p>
+            <a:endParaRPr lang="en-US" sz="1800" b="0" strike="noStrike" spc="-1">
+              <a:solidFill>
+                <a:srgbClr val="FFFFFF"/>
+              </a:solidFill>
+              <a:uFill>
+                <a:solidFill>
+                  <a:srgbClr val="FFFFFF"/>
                 </a:solidFill>
               </a:uFill>
               <a:latin typeface="Candara"/>
@@ -2358,17 +2568,18 @@
           </a:prstGeom>
         </p:spPr>
         <p:txBody>
-          <a:bodyPr lIns="0" rIns="0" tIns="0" bIns="0">
+          <a:bodyPr lIns="0" tIns="0" rIns="0" bIns="0">
             <a:normAutofit/>
           </a:bodyPr>
-          <a:p>
-            <a:endParaRPr b="0" lang="en-US" sz="2000" spc="-1" strike="noStrike">
-              <a:solidFill>
-                <a:srgbClr val="d9d9d9"/>
-              </a:solidFill>
-              <a:uFill>
-                <a:solidFill>
-                  <a:srgbClr val="ffffff"/>
+          <a:lstStyle/>
+          <a:p>
+            <a:endParaRPr lang="en-US" sz="2000" b="0" strike="noStrike" spc="-1">
+              <a:solidFill>
+                <a:srgbClr val="D9D9D9"/>
+              </a:solidFill>
+              <a:uFill>
+                <a:solidFill>
+                  <a:srgbClr val="FFFFFF"/>
                 </a:solidFill>
               </a:uFill>
               <a:latin typeface="Candara"/>
@@ -2378,11 +2589,14 @@
       </p:sp>
     </p:spTree>
   </p:cSld>
+  <p:clrMapOvr>
+    <a:masterClrMapping/>
+  </p:clrMapOvr>
 </p:sldLayout>
 </file>
 
 <file path=ppt/slideLayouts/slideLayout28.xml><?xml version="1.0" encoding="utf-8"?>
-<p:sldLayout xmlns:a="http://schemas.openxmlformats.org/drawingml/2006/main" xmlns:p="http://schemas.openxmlformats.org/presentationml/2006/main" xmlns:r="http://schemas.openxmlformats.org/officeDocument/2006/relationships" xmlns:p14="http://schemas.microsoft.com/office/powerpoint/2010/main" xmlns:p15="http://schemas.microsoft.com/office/powerpoint/2012/main" xmlns:mc="http://schemas.openxmlformats.org/markup-compatibility/2006" type="twoObj" preserve="1">
+<p:sldLayout xmlns:a="http://schemas.openxmlformats.org/drawingml/2006/main" xmlns:r="http://schemas.openxmlformats.org/officeDocument/2006/relationships" xmlns:p="http://schemas.openxmlformats.org/presentationml/2006/main" type="twoObj" preserve="1">
   <p:cSld name="Title, 2 Content">
     <p:spTree>
       <p:nvGrpSpPr>
@@ -2418,15 +2632,16 @@
           </a:prstGeom>
         </p:spPr>
         <p:txBody>
-          <a:bodyPr lIns="0" rIns="0" tIns="0" bIns="0" anchor="ctr"/>
-          <a:p>
-            <a:endParaRPr b="0" lang="en-US" sz="1800" spc="-1" strike="noStrike">
-              <a:solidFill>
-                <a:srgbClr val="ffffff"/>
-              </a:solidFill>
-              <a:uFill>
-                <a:solidFill>
-                  <a:srgbClr val="ffffff"/>
+          <a:bodyPr lIns="0" tIns="0" rIns="0" bIns="0" anchor="ctr"/>
+          <a:lstStyle/>
+          <a:p>
+            <a:endParaRPr lang="en-US" sz="1800" b="0" strike="noStrike" spc="-1">
+              <a:solidFill>
+                <a:srgbClr val="FFFFFF"/>
+              </a:solidFill>
+              <a:uFill>
+                <a:solidFill>
+                  <a:srgbClr val="FFFFFF"/>
                 </a:solidFill>
               </a:uFill>
               <a:latin typeface="Candara"/>
@@ -2454,17 +2669,18 @@
           </a:prstGeom>
         </p:spPr>
         <p:txBody>
-          <a:bodyPr lIns="0" rIns="0" tIns="0" bIns="0">
+          <a:bodyPr lIns="0" tIns="0" rIns="0" bIns="0">
             <a:normAutofit/>
           </a:bodyPr>
-          <a:p>
-            <a:endParaRPr b="0" lang="en-US" sz="2000" spc="-1" strike="noStrike">
-              <a:solidFill>
-                <a:srgbClr val="d9d9d9"/>
-              </a:solidFill>
-              <a:uFill>
-                <a:solidFill>
-                  <a:srgbClr val="ffffff"/>
+          <a:lstStyle/>
+          <a:p>
+            <a:endParaRPr lang="en-US" sz="2000" b="0" strike="noStrike" spc="-1">
+              <a:solidFill>
+                <a:srgbClr val="D9D9D9"/>
+              </a:solidFill>
+              <a:uFill>
+                <a:solidFill>
+                  <a:srgbClr val="FFFFFF"/>
                 </a:solidFill>
               </a:uFill>
               <a:latin typeface="Candara"/>
@@ -2492,17 +2708,18 @@
           </a:prstGeom>
         </p:spPr>
         <p:txBody>
-          <a:bodyPr lIns="0" rIns="0" tIns="0" bIns="0">
+          <a:bodyPr lIns="0" tIns="0" rIns="0" bIns="0">
             <a:normAutofit/>
           </a:bodyPr>
-          <a:p>
-            <a:endParaRPr b="0" lang="en-US" sz="2000" spc="-1" strike="noStrike">
-              <a:solidFill>
-                <a:srgbClr val="d9d9d9"/>
-              </a:solidFill>
-              <a:uFill>
-                <a:solidFill>
-                  <a:srgbClr val="ffffff"/>
+          <a:lstStyle/>
+          <a:p>
+            <a:endParaRPr lang="en-US" sz="2000" b="0" strike="noStrike" spc="-1">
+              <a:solidFill>
+                <a:srgbClr val="D9D9D9"/>
+              </a:solidFill>
+              <a:uFill>
+                <a:solidFill>
+                  <a:srgbClr val="FFFFFF"/>
                 </a:solidFill>
               </a:uFill>
               <a:latin typeface="Candara"/>
@@ -2512,11 +2729,14 @@
       </p:sp>
     </p:spTree>
   </p:cSld>
+  <p:clrMapOvr>
+    <a:masterClrMapping/>
+  </p:clrMapOvr>
 </p:sldLayout>
 </file>
 
 <file path=ppt/slideLayouts/slideLayout29.xml><?xml version="1.0" encoding="utf-8"?>
-<p:sldLayout xmlns:a="http://schemas.openxmlformats.org/drawingml/2006/main" xmlns:p="http://schemas.openxmlformats.org/presentationml/2006/main" xmlns:r="http://schemas.openxmlformats.org/officeDocument/2006/relationships" xmlns:p14="http://schemas.microsoft.com/office/powerpoint/2010/main" xmlns:p15="http://schemas.microsoft.com/office/powerpoint/2012/main" xmlns:mc="http://schemas.openxmlformats.org/markup-compatibility/2006" type="titleOnly" preserve="1">
+<p:sldLayout xmlns:a="http://schemas.openxmlformats.org/drawingml/2006/main" xmlns:r="http://schemas.openxmlformats.org/officeDocument/2006/relationships" xmlns:p="http://schemas.openxmlformats.org/presentationml/2006/main" type="titleOnly" preserve="1">
   <p:cSld name="Title Only">
     <p:spTree>
       <p:nvGrpSpPr>
@@ -2552,15 +2772,16 @@
           </a:prstGeom>
         </p:spPr>
         <p:txBody>
-          <a:bodyPr lIns="0" rIns="0" tIns="0" bIns="0" anchor="ctr"/>
-          <a:p>
-            <a:endParaRPr b="0" lang="en-US" sz="1800" spc="-1" strike="noStrike">
-              <a:solidFill>
-                <a:srgbClr val="ffffff"/>
-              </a:solidFill>
-              <a:uFill>
-                <a:solidFill>
-                  <a:srgbClr val="ffffff"/>
+          <a:bodyPr lIns="0" tIns="0" rIns="0" bIns="0" anchor="ctr"/>
+          <a:lstStyle/>
+          <a:p>
+            <a:endParaRPr lang="en-US" sz="1800" b="0" strike="noStrike" spc="-1">
+              <a:solidFill>
+                <a:srgbClr val="FFFFFF"/>
+              </a:solidFill>
+              <a:uFill>
+                <a:solidFill>
+                  <a:srgbClr val="FFFFFF"/>
                 </a:solidFill>
               </a:uFill>
               <a:latin typeface="Candara"/>
@@ -2570,11 +2791,14 @@
       </p:sp>
     </p:spTree>
   </p:cSld>
+  <p:clrMapOvr>
+    <a:masterClrMapping/>
+  </p:clrMapOvr>
 </p:sldLayout>
 </file>
 
 <file path=ppt/slideLayouts/slideLayout3.xml><?xml version="1.0" encoding="utf-8"?>
-<p:sldLayout xmlns:a="http://schemas.openxmlformats.org/drawingml/2006/main" xmlns:p="http://schemas.openxmlformats.org/presentationml/2006/main" xmlns:r="http://schemas.openxmlformats.org/officeDocument/2006/relationships" xmlns:p14="http://schemas.microsoft.com/office/powerpoint/2010/main" xmlns:p15="http://schemas.microsoft.com/office/powerpoint/2012/main" xmlns:mc="http://schemas.openxmlformats.org/markup-compatibility/2006" type="obj" preserve="1">
+<p:sldLayout xmlns:a="http://schemas.openxmlformats.org/drawingml/2006/main" xmlns:r="http://schemas.openxmlformats.org/officeDocument/2006/relationships" xmlns:p="http://schemas.openxmlformats.org/presentationml/2006/main" type="obj" preserve="1">
   <p:cSld name="Title, Content">
     <p:spTree>
       <p:nvGrpSpPr>
@@ -2610,15 +2834,16 @@
           </a:prstGeom>
         </p:spPr>
         <p:txBody>
-          <a:bodyPr lIns="0" rIns="0" tIns="0" bIns="0" anchor="ctr"/>
-          <a:p>
-            <a:endParaRPr b="0" lang="en-US" sz="1800" spc="-1" strike="noStrike">
-              <a:solidFill>
-                <a:srgbClr val="ffffff"/>
-              </a:solidFill>
-              <a:uFill>
-                <a:solidFill>
-                  <a:srgbClr val="ffffff"/>
+          <a:bodyPr lIns="0" tIns="0" rIns="0" bIns="0" anchor="ctr"/>
+          <a:lstStyle/>
+          <a:p>
+            <a:endParaRPr lang="en-US" sz="1800" b="0" strike="noStrike" spc="-1">
+              <a:solidFill>
+                <a:srgbClr val="FFFFFF"/>
+              </a:solidFill>
+              <a:uFill>
+                <a:solidFill>
+                  <a:srgbClr val="FFFFFF"/>
                 </a:solidFill>
               </a:uFill>
               <a:latin typeface="Candara"/>
@@ -2646,17 +2871,18 @@
           </a:prstGeom>
         </p:spPr>
         <p:txBody>
-          <a:bodyPr lIns="0" rIns="0" tIns="0" bIns="0">
+          <a:bodyPr lIns="0" tIns="0" rIns="0" bIns="0">
             <a:normAutofit/>
           </a:bodyPr>
-          <a:p>
-            <a:endParaRPr b="0" lang="en-US" sz="2000" spc="-1" strike="noStrike">
-              <a:solidFill>
-                <a:srgbClr val="d9d9d9"/>
-              </a:solidFill>
-              <a:uFill>
-                <a:solidFill>
-                  <a:srgbClr val="ffffff"/>
+          <a:lstStyle/>
+          <a:p>
+            <a:endParaRPr lang="en-US" sz="2000" b="0" strike="noStrike" spc="-1">
+              <a:solidFill>
+                <a:srgbClr val="D9D9D9"/>
+              </a:solidFill>
+              <a:uFill>
+                <a:solidFill>
+                  <a:srgbClr val="FFFFFF"/>
                 </a:solidFill>
               </a:uFill>
               <a:latin typeface="Candara"/>
@@ -2666,11 +2892,14 @@
       </p:sp>
     </p:spTree>
   </p:cSld>
+  <p:clrMapOvr>
+    <a:masterClrMapping/>
+  </p:clrMapOvr>
 </p:sldLayout>
 </file>
 
 <file path=ppt/slideLayouts/slideLayout30.xml><?xml version="1.0" encoding="utf-8"?>
-<p:sldLayout xmlns:a="http://schemas.openxmlformats.org/drawingml/2006/main" xmlns:p="http://schemas.openxmlformats.org/presentationml/2006/main" xmlns:r="http://schemas.openxmlformats.org/officeDocument/2006/relationships" xmlns:p14="http://schemas.microsoft.com/office/powerpoint/2010/main" xmlns:p15="http://schemas.microsoft.com/office/powerpoint/2012/main" xmlns:mc="http://schemas.openxmlformats.org/markup-compatibility/2006" type="objOnly" preserve="1">
+<p:sldLayout xmlns:a="http://schemas.openxmlformats.org/drawingml/2006/main" xmlns:r="http://schemas.openxmlformats.org/officeDocument/2006/relationships" xmlns:p="http://schemas.openxmlformats.org/presentationml/2006/main" type="objOnly" preserve="1">
   <p:cSld name="Centered Text">
     <p:spTree>
       <p:nvGrpSpPr>
@@ -2706,16 +2935,17 @@
           </a:prstGeom>
         </p:spPr>
         <p:txBody>
-          <a:bodyPr lIns="0" rIns="0" tIns="0" bIns="0" anchor="ctr"/>
+          <a:bodyPr lIns="0" tIns="0" rIns="0" bIns="0" anchor="ctr"/>
+          <a:lstStyle/>
           <a:p>
             <a:pPr algn="ctr"/>
-            <a:endParaRPr b="0" lang="en-US" sz="3200" spc="-1" strike="noStrike">
-              <a:solidFill>
-                <a:srgbClr val="ffffff"/>
-              </a:solidFill>
-              <a:uFill>
-                <a:solidFill>
-                  <a:srgbClr val="ffffff"/>
+            <a:endParaRPr lang="en-US" sz="3200" b="0" strike="noStrike" spc="-1">
+              <a:solidFill>
+                <a:srgbClr val="FFFFFF"/>
+              </a:solidFill>
+              <a:uFill>
+                <a:solidFill>
+                  <a:srgbClr val="FFFFFF"/>
                 </a:solidFill>
               </a:uFill>
               <a:latin typeface="Arial"/>
@@ -2725,11 +2955,14 @@
       </p:sp>
     </p:spTree>
   </p:cSld>
+  <p:clrMapOvr>
+    <a:masterClrMapping/>
+  </p:clrMapOvr>
 </p:sldLayout>
 </file>
 
 <file path=ppt/slideLayouts/slideLayout31.xml><?xml version="1.0" encoding="utf-8"?>
-<p:sldLayout xmlns:a="http://schemas.openxmlformats.org/drawingml/2006/main" xmlns:p="http://schemas.openxmlformats.org/presentationml/2006/main" xmlns:r="http://schemas.openxmlformats.org/officeDocument/2006/relationships" xmlns:p14="http://schemas.microsoft.com/office/powerpoint/2010/main" xmlns:p15="http://schemas.microsoft.com/office/powerpoint/2012/main" xmlns:mc="http://schemas.openxmlformats.org/markup-compatibility/2006" type="twoObjAndObj" preserve="1">
+<p:sldLayout xmlns:a="http://schemas.openxmlformats.org/drawingml/2006/main" xmlns:r="http://schemas.openxmlformats.org/officeDocument/2006/relationships" xmlns:p="http://schemas.openxmlformats.org/presentationml/2006/main" type="twoObjAndObj" preserve="1">
   <p:cSld name="Title, 2 Content and Content">
     <p:spTree>
       <p:nvGrpSpPr>
@@ -2765,15 +2998,16 @@
           </a:prstGeom>
         </p:spPr>
         <p:txBody>
-          <a:bodyPr lIns="0" rIns="0" tIns="0" bIns="0" anchor="ctr"/>
-          <a:p>
-            <a:endParaRPr b="0" lang="en-US" sz="1800" spc="-1" strike="noStrike">
-              <a:solidFill>
-                <a:srgbClr val="ffffff"/>
-              </a:solidFill>
-              <a:uFill>
-                <a:solidFill>
-                  <a:srgbClr val="ffffff"/>
+          <a:bodyPr lIns="0" tIns="0" rIns="0" bIns="0" anchor="ctr"/>
+          <a:lstStyle/>
+          <a:p>
+            <a:endParaRPr lang="en-US" sz="1800" b="0" strike="noStrike" spc="-1">
+              <a:solidFill>
+                <a:srgbClr val="FFFFFF"/>
+              </a:solidFill>
+              <a:uFill>
+                <a:solidFill>
+                  <a:srgbClr val="FFFFFF"/>
                 </a:solidFill>
               </a:uFill>
               <a:latin typeface="Candara"/>
@@ -2801,17 +3035,18 @@
           </a:prstGeom>
         </p:spPr>
         <p:txBody>
-          <a:bodyPr lIns="0" rIns="0" tIns="0" bIns="0">
+          <a:bodyPr lIns="0" tIns="0" rIns="0" bIns="0">
             <a:normAutofit/>
           </a:bodyPr>
-          <a:p>
-            <a:endParaRPr b="0" lang="en-US" sz="2000" spc="-1" strike="noStrike">
-              <a:solidFill>
-                <a:srgbClr val="d9d9d9"/>
-              </a:solidFill>
-              <a:uFill>
-                <a:solidFill>
-                  <a:srgbClr val="ffffff"/>
+          <a:lstStyle/>
+          <a:p>
+            <a:endParaRPr lang="en-US" sz="2000" b="0" strike="noStrike" spc="-1">
+              <a:solidFill>
+                <a:srgbClr val="D9D9D9"/>
+              </a:solidFill>
+              <a:uFill>
+                <a:solidFill>
+                  <a:srgbClr val="FFFFFF"/>
                 </a:solidFill>
               </a:uFill>
               <a:latin typeface="Candara"/>
@@ -2839,17 +3074,18 @@
           </a:prstGeom>
         </p:spPr>
         <p:txBody>
-          <a:bodyPr lIns="0" rIns="0" tIns="0" bIns="0">
+          <a:bodyPr lIns="0" tIns="0" rIns="0" bIns="0">
             <a:normAutofit/>
           </a:bodyPr>
-          <a:p>
-            <a:endParaRPr b="0" lang="en-US" sz="2000" spc="-1" strike="noStrike">
-              <a:solidFill>
-                <a:srgbClr val="d9d9d9"/>
-              </a:solidFill>
-              <a:uFill>
-                <a:solidFill>
-                  <a:srgbClr val="ffffff"/>
+          <a:lstStyle/>
+          <a:p>
+            <a:endParaRPr lang="en-US" sz="2000" b="0" strike="noStrike" spc="-1">
+              <a:solidFill>
+                <a:srgbClr val="D9D9D9"/>
+              </a:solidFill>
+              <a:uFill>
+                <a:solidFill>
+                  <a:srgbClr val="FFFFFF"/>
                 </a:solidFill>
               </a:uFill>
               <a:latin typeface="Candara"/>
@@ -2877,17 +3113,18 @@
           </a:prstGeom>
         </p:spPr>
         <p:txBody>
-          <a:bodyPr lIns="0" rIns="0" tIns="0" bIns="0">
+          <a:bodyPr lIns="0" tIns="0" rIns="0" bIns="0">
             <a:normAutofit/>
           </a:bodyPr>
-          <a:p>
-            <a:endParaRPr b="0" lang="en-US" sz="2000" spc="-1" strike="noStrike">
-              <a:solidFill>
-                <a:srgbClr val="d9d9d9"/>
-              </a:solidFill>
-              <a:uFill>
-                <a:solidFill>
-                  <a:srgbClr val="ffffff"/>
+          <a:lstStyle/>
+          <a:p>
+            <a:endParaRPr lang="en-US" sz="2000" b="0" strike="noStrike" spc="-1">
+              <a:solidFill>
+                <a:srgbClr val="D9D9D9"/>
+              </a:solidFill>
+              <a:uFill>
+                <a:solidFill>
+                  <a:srgbClr val="FFFFFF"/>
                 </a:solidFill>
               </a:uFill>
               <a:latin typeface="Candara"/>
@@ -2897,11 +3134,14 @@
       </p:sp>
     </p:spTree>
   </p:cSld>
+  <p:clrMapOvr>
+    <a:masterClrMapping/>
+  </p:clrMapOvr>
 </p:sldLayout>
 </file>
 
 <file path=ppt/slideLayouts/slideLayout32.xml><?xml version="1.0" encoding="utf-8"?>
-<p:sldLayout xmlns:a="http://schemas.openxmlformats.org/drawingml/2006/main" xmlns:p="http://schemas.openxmlformats.org/presentationml/2006/main" xmlns:r="http://schemas.openxmlformats.org/officeDocument/2006/relationships" xmlns:p14="http://schemas.microsoft.com/office/powerpoint/2010/main" xmlns:p15="http://schemas.microsoft.com/office/powerpoint/2012/main" xmlns:mc="http://schemas.openxmlformats.org/markup-compatibility/2006" type="objAndTwoObj" preserve="1">
+<p:sldLayout xmlns:a="http://schemas.openxmlformats.org/drawingml/2006/main" xmlns:r="http://schemas.openxmlformats.org/officeDocument/2006/relationships" xmlns:p="http://schemas.openxmlformats.org/presentationml/2006/main" type="objAndTwoObj" preserve="1">
   <p:cSld name="Title Content and 2 Content">
     <p:spTree>
       <p:nvGrpSpPr>
@@ -2937,15 +3177,16 @@
           </a:prstGeom>
         </p:spPr>
         <p:txBody>
-          <a:bodyPr lIns="0" rIns="0" tIns="0" bIns="0" anchor="ctr"/>
-          <a:p>
-            <a:endParaRPr b="0" lang="en-US" sz="1800" spc="-1" strike="noStrike">
-              <a:solidFill>
-                <a:srgbClr val="ffffff"/>
-              </a:solidFill>
-              <a:uFill>
-                <a:solidFill>
-                  <a:srgbClr val="ffffff"/>
+          <a:bodyPr lIns="0" tIns="0" rIns="0" bIns="0" anchor="ctr"/>
+          <a:lstStyle/>
+          <a:p>
+            <a:endParaRPr lang="en-US" sz="1800" b="0" strike="noStrike" spc="-1">
+              <a:solidFill>
+                <a:srgbClr val="FFFFFF"/>
+              </a:solidFill>
+              <a:uFill>
+                <a:solidFill>
+                  <a:srgbClr val="FFFFFF"/>
                 </a:solidFill>
               </a:uFill>
               <a:latin typeface="Candara"/>
@@ -2973,17 +3214,18 @@
           </a:prstGeom>
         </p:spPr>
         <p:txBody>
-          <a:bodyPr lIns="0" rIns="0" tIns="0" bIns="0">
+          <a:bodyPr lIns="0" tIns="0" rIns="0" bIns="0">
             <a:normAutofit/>
           </a:bodyPr>
-          <a:p>
-            <a:endParaRPr b="0" lang="en-US" sz="2000" spc="-1" strike="noStrike">
-              <a:solidFill>
-                <a:srgbClr val="d9d9d9"/>
-              </a:solidFill>
-              <a:uFill>
-                <a:solidFill>
-                  <a:srgbClr val="ffffff"/>
+          <a:lstStyle/>
+          <a:p>
+            <a:endParaRPr lang="en-US" sz="2000" b="0" strike="noStrike" spc="-1">
+              <a:solidFill>
+                <a:srgbClr val="D9D9D9"/>
+              </a:solidFill>
+              <a:uFill>
+                <a:solidFill>
+                  <a:srgbClr val="FFFFFF"/>
                 </a:solidFill>
               </a:uFill>
               <a:latin typeface="Candara"/>
@@ -3011,17 +3253,18 @@
           </a:prstGeom>
         </p:spPr>
         <p:txBody>
-          <a:bodyPr lIns="0" rIns="0" tIns="0" bIns="0">
+          <a:bodyPr lIns="0" tIns="0" rIns="0" bIns="0">
             <a:normAutofit/>
           </a:bodyPr>
-          <a:p>
-            <a:endParaRPr b="0" lang="en-US" sz="2000" spc="-1" strike="noStrike">
-              <a:solidFill>
-                <a:srgbClr val="d9d9d9"/>
-              </a:solidFill>
-              <a:uFill>
-                <a:solidFill>
-                  <a:srgbClr val="ffffff"/>
+          <a:lstStyle/>
+          <a:p>
+            <a:endParaRPr lang="en-US" sz="2000" b="0" strike="noStrike" spc="-1">
+              <a:solidFill>
+                <a:srgbClr val="D9D9D9"/>
+              </a:solidFill>
+              <a:uFill>
+                <a:solidFill>
+                  <a:srgbClr val="FFFFFF"/>
                 </a:solidFill>
               </a:uFill>
               <a:latin typeface="Candara"/>
@@ -3049,17 +3292,18 @@
           </a:prstGeom>
         </p:spPr>
         <p:txBody>
-          <a:bodyPr lIns="0" rIns="0" tIns="0" bIns="0">
+          <a:bodyPr lIns="0" tIns="0" rIns="0" bIns="0">
             <a:normAutofit/>
           </a:bodyPr>
-          <a:p>
-            <a:endParaRPr b="0" lang="en-US" sz="2000" spc="-1" strike="noStrike">
-              <a:solidFill>
-                <a:srgbClr val="d9d9d9"/>
-              </a:solidFill>
-              <a:uFill>
-                <a:solidFill>
-                  <a:srgbClr val="ffffff"/>
+          <a:lstStyle/>
+          <a:p>
+            <a:endParaRPr lang="en-US" sz="2000" b="0" strike="noStrike" spc="-1">
+              <a:solidFill>
+                <a:srgbClr val="D9D9D9"/>
+              </a:solidFill>
+              <a:uFill>
+                <a:solidFill>
+                  <a:srgbClr val="FFFFFF"/>
                 </a:solidFill>
               </a:uFill>
               <a:latin typeface="Candara"/>
@@ -3069,11 +3313,14 @@
       </p:sp>
     </p:spTree>
   </p:cSld>
+  <p:clrMapOvr>
+    <a:masterClrMapping/>
+  </p:clrMapOvr>
 </p:sldLayout>
 </file>
 
 <file path=ppt/slideLayouts/slideLayout33.xml><?xml version="1.0" encoding="utf-8"?>
-<p:sldLayout xmlns:a="http://schemas.openxmlformats.org/drawingml/2006/main" xmlns:p="http://schemas.openxmlformats.org/presentationml/2006/main" xmlns:r="http://schemas.openxmlformats.org/officeDocument/2006/relationships" xmlns:p14="http://schemas.microsoft.com/office/powerpoint/2010/main" xmlns:p15="http://schemas.microsoft.com/office/powerpoint/2012/main" xmlns:mc="http://schemas.openxmlformats.org/markup-compatibility/2006" type="twoObjOverTx" preserve="1">
+<p:sldLayout xmlns:a="http://schemas.openxmlformats.org/drawingml/2006/main" xmlns:r="http://schemas.openxmlformats.org/officeDocument/2006/relationships" xmlns:p="http://schemas.openxmlformats.org/presentationml/2006/main" type="twoObjOverTx" preserve="1">
   <p:cSld name="Title, 2 Content over Content">
     <p:spTree>
       <p:nvGrpSpPr>
@@ -3109,15 +3356,16 @@
           </a:prstGeom>
         </p:spPr>
         <p:txBody>
-          <a:bodyPr lIns="0" rIns="0" tIns="0" bIns="0" anchor="ctr"/>
-          <a:p>
-            <a:endParaRPr b="0" lang="en-US" sz="1800" spc="-1" strike="noStrike">
-              <a:solidFill>
-                <a:srgbClr val="ffffff"/>
-              </a:solidFill>
-              <a:uFill>
-                <a:solidFill>
-                  <a:srgbClr val="ffffff"/>
+          <a:bodyPr lIns="0" tIns="0" rIns="0" bIns="0" anchor="ctr"/>
+          <a:lstStyle/>
+          <a:p>
+            <a:endParaRPr lang="en-US" sz="1800" b="0" strike="noStrike" spc="-1">
+              <a:solidFill>
+                <a:srgbClr val="FFFFFF"/>
+              </a:solidFill>
+              <a:uFill>
+                <a:solidFill>
+                  <a:srgbClr val="FFFFFF"/>
                 </a:solidFill>
               </a:uFill>
               <a:latin typeface="Candara"/>
@@ -3145,17 +3393,18 @@
           </a:prstGeom>
         </p:spPr>
         <p:txBody>
-          <a:bodyPr lIns="0" rIns="0" tIns="0" bIns="0">
+          <a:bodyPr lIns="0" tIns="0" rIns="0" bIns="0">
             <a:normAutofit/>
           </a:bodyPr>
-          <a:p>
-            <a:endParaRPr b="0" lang="en-US" sz="2000" spc="-1" strike="noStrike">
-              <a:solidFill>
-                <a:srgbClr val="d9d9d9"/>
-              </a:solidFill>
-              <a:uFill>
-                <a:solidFill>
-                  <a:srgbClr val="ffffff"/>
+          <a:lstStyle/>
+          <a:p>
+            <a:endParaRPr lang="en-US" sz="2000" b="0" strike="noStrike" spc="-1">
+              <a:solidFill>
+                <a:srgbClr val="D9D9D9"/>
+              </a:solidFill>
+              <a:uFill>
+                <a:solidFill>
+                  <a:srgbClr val="FFFFFF"/>
                 </a:solidFill>
               </a:uFill>
               <a:latin typeface="Candara"/>
@@ -3183,17 +3432,18 @@
           </a:prstGeom>
         </p:spPr>
         <p:txBody>
-          <a:bodyPr lIns="0" rIns="0" tIns="0" bIns="0">
+          <a:bodyPr lIns="0" tIns="0" rIns="0" bIns="0">
             <a:normAutofit/>
           </a:bodyPr>
-          <a:p>
-            <a:endParaRPr b="0" lang="en-US" sz="2000" spc="-1" strike="noStrike">
-              <a:solidFill>
-                <a:srgbClr val="d9d9d9"/>
-              </a:solidFill>
-              <a:uFill>
-                <a:solidFill>
-                  <a:srgbClr val="ffffff"/>
+          <a:lstStyle/>
+          <a:p>
+            <a:endParaRPr lang="en-US" sz="2000" b="0" strike="noStrike" spc="-1">
+              <a:solidFill>
+                <a:srgbClr val="D9D9D9"/>
+              </a:solidFill>
+              <a:uFill>
+                <a:solidFill>
+                  <a:srgbClr val="FFFFFF"/>
                 </a:solidFill>
               </a:uFill>
               <a:latin typeface="Candara"/>
@@ -3221,17 +3471,18 @@
           </a:prstGeom>
         </p:spPr>
         <p:txBody>
-          <a:bodyPr lIns="0" rIns="0" tIns="0" bIns="0">
+          <a:bodyPr lIns="0" tIns="0" rIns="0" bIns="0">
             <a:normAutofit/>
           </a:bodyPr>
-          <a:p>
-            <a:endParaRPr b="0" lang="en-US" sz="2000" spc="-1" strike="noStrike">
-              <a:solidFill>
-                <a:srgbClr val="d9d9d9"/>
-              </a:solidFill>
-              <a:uFill>
-                <a:solidFill>
-                  <a:srgbClr val="ffffff"/>
+          <a:lstStyle/>
+          <a:p>
+            <a:endParaRPr lang="en-US" sz="2000" b="0" strike="noStrike" spc="-1">
+              <a:solidFill>
+                <a:srgbClr val="D9D9D9"/>
+              </a:solidFill>
+              <a:uFill>
+                <a:solidFill>
+                  <a:srgbClr val="FFFFFF"/>
                 </a:solidFill>
               </a:uFill>
               <a:latin typeface="Candara"/>
@@ -3241,11 +3492,14 @@
       </p:sp>
     </p:spTree>
   </p:cSld>
+  <p:clrMapOvr>
+    <a:masterClrMapping/>
+  </p:clrMapOvr>
 </p:sldLayout>
 </file>
 
 <file path=ppt/slideLayouts/slideLayout34.xml><?xml version="1.0" encoding="utf-8"?>
-<p:sldLayout xmlns:a="http://schemas.openxmlformats.org/drawingml/2006/main" xmlns:p="http://schemas.openxmlformats.org/presentationml/2006/main" xmlns:r="http://schemas.openxmlformats.org/officeDocument/2006/relationships" xmlns:p14="http://schemas.microsoft.com/office/powerpoint/2010/main" xmlns:p15="http://schemas.microsoft.com/office/powerpoint/2012/main" xmlns:mc="http://schemas.openxmlformats.org/markup-compatibility/2006" type="objOverTx" preserve="1">
+<p:sldLayout xmlns:a="http://schemas.openxmlformats.org/drawingml/2006/main" xmlns:r="http://schemas.openxmlformats.org/officeDocument/2006/relationships" xmlns:p="http://schemas.openxmlformats.org/presentationml/2006/main" type="objOverTx" preserve="1">
   <p:cSld name="Title, Content over Content">
     <p:spTree>
       <p:nvGrpSpPr>
@@ -3281,15 +3535,16 @@
           </a:prstGeom>
         </p:spPr>
         <p:txBody>
-          <a:bodyPr lIns="0" rIns="0" tIns="0" bIns="0" anchor="ctr"/>
-          <a:p>
-            <a:endParaRPr b="0" lang="en-US" sz="1800" spc="-1" strike="noStrike">
-              <a:solidFill>
-                <a:srgbClr val="ffffff"/>
-              </a:solidFill>
-              <a:uFill>
-                <a:solidFill>
-                  <a:srgbClr val="ffffff"/>
+          <a:bodyPr lIns="0" tIns="0" rIns="0" bIns="0" anchor="ctr"/>
+          <a:lstStyle/>
+          <a:p>
+            <a:endParaRPr lang="en-US" sz="1800" b="0" strike="noStrike" spc="-1">
+              <a:solidFill>
+                <a:srgbClr val="FFFFFF"/>
+              </a:solidFill>
+              <a:uFill>
+                <a:solidFill>
+                  <a:srgbClr val="FFFFFF"/>
                 </a:solidFill>
               </a:uFill>
               <a:latin typeface="Candara"/>
@@ -3317,17 +3572,18 @@
           </a:prstGeom>
         </p:spPr>
         <p:txBody>
-          <a:bodyPr lIns="0" rIns="0" tIns="0" bIns="0">
+          <a:bodyPr lIns="0" tIns="0" rIns="0" bIns="0">
             <a:normAutofit/>
           </a:bodyPr>
-          <a:p>
-            <a:endParaRPr b="0" lang="en-US" sz="2000" spc="-1" strike="noStrike">
-              <a:solidFill>
-                <a:srgbClr val="d9d9d9"/>
-              </a:solidFill>
-              <a:uFill>
-                <a:solidFill>
-                  <a:srgbClr val="ffffff"/>
+          <a:lstStyle/>
+          <a:p>
+            <a:endParaRPr lang="en-US" sz="2000" b="0" strike="noStrike" spc="-1">
+              <a:solidFill>
+                <a:srgbClr val="D9D9D9"/>
+              </a:solidFill>
+              <a:uFill>
+                <a:solidFill>
+                  <a:srgbClr val="FFFFFF"/>
                 </a:solidFill>
               </a:uFill>
               <a:latin typeface="Candara"/>
@@ -3355,17 +3611,18 @@
           </a:prstGeom>
         </p:spPr>
         <p:txBody>
-          <a:bodyPr lIns="0" rIns="0" tIns="0" bIns="0">
+          <a:bodyPr lIns="0" tIns="0" rIns="0" bIns="0">
             <a:normAutofit/>
           </a:bodyPr>
-          <a:p>
-            <a:endParaRPr b="0" lang="en-US" sz="2000" spc="-1" strike="noStrike">
-              <a:solidFill>
-                <a:srgbClr val="d9d9d9"/>
-              </a:solidFill>
-              <a:uFill>
-                <a:solidFill>
-                  <a:srgbClr val="ffffff"/>
+          <a:lstStyle/>
+          <a:p>
+            <a:endParaRPr lang="en-US" sz="2000" b="0" strike="noStrike" spc="-1">
+              <a:solidFill>
+                <a:srgbClr val="D9D9D9"/>
+              </a:solidFill>
+              <a:uFill>
+                <a:solidFill>
+                  <a:srgbClr val="FFFFFF"/>
                 </a:solidFill>
               </a:uFill>
               <a:latin typeface="Candara"/>
@@ -3375,11 +3632,14 @@
       </p:sp>
     </p:spTree>
   </p:cSld>
+  <p:clrMapOvr>
+    <a:masterClrMapping/>
+  </p:clrMapOvr>
 </p:sldLayout>
 </file>
 
 <file path=ppt/slideLayouts/slideLayout35.xml><?xml version="1.0" encoding="utf-8"?>
-<p:sldLayout xmlns:a="http://schemas.openxmlformats.org/drawingml/2006/main" xmlns:p="http://schemas.openxmlformats.org/presentationml/2006/main" xmlns:r="http://schemas.openxmlformats.org/officeDocument/2006/relationships" xmlns:p14="http://schemas.microsoft.com/office/powerpoint/2010/main" xmlns:p15="http://schemas.microsoft.com/office/powerpoint/2012/main" xmlns:mc="http://schemas.openxmlformats.org/markup-compatibility/2006" type="fourObj" preserve="1">
+<p:sldLayout xmlns:a="http://schemas.openxmlformats.org/drawingml/2006/main" xmlns:r="http://schemas.openxmlformats.org/officeDocument/2006/relationships" xmlns:p="http://schemas.openxmlformats.org/presentationml/2006/main" type="fourObj" preserve="1">
   <p:cSld name="Title, 4 Content">
     <p:spTree>
       <p:nvGrpSpPr>
@@ -3415,15 +3675,16 @@
           </a:prstGeom>
         </p:spPr>
         <p:txBody>
-          <a:bodyPr lIns="0" rIns="0" tIns="0" bIns="0" anchor="ctr"/>
-          <a:p>
-            <a:endParaRPr b="0" lang="en-US" sz="1800" spc="-1" strike="noStrike">
-              <a:solidFill>
-                <a:srgbClr val="ffffff"/>
-              </a:solidFill>
-              <a:uFill>
-                <a:solidFill>
-                  <a:srgbClr val="ffffff"/>
+          <a:bodyPr lIns="0" tIns="0" rIns="0" bIns="0" anchor="ctr"/>
+          <a:lstStyle/>
+          <a:p>
+            <a:endParaRPr lang="en-US" sz="1800" b="0" strike="noStrike" spc="-1">
+              <a:solidFill>
+                <a:srgbClr val="FFFFFF"/>
+              </a:solidFill>
+              <a:uFill>
+                <a:solidFill>
+                  <a:srgbClr val="FFFFFF"/>
                 </a:solidFill>
               </a:uFill>
               <a:latin typeface="Candara"/>
@@ -3451,17 +3712,18 @@
           </a:prstGeom>
         </p:spPr>
         <p:txBody>
-          <a:bodyPr lIns="0" rIns="0" tIns="0" bIns="0">
+          <a:bodyPr lIns="0" tIns="0" rIns="0" bIns="0">
             <a:normAutofit/>
           </a:bodyPr>
-          <a:p>
-            <a:endParaRPr b="0" lang="en-US" sz="2000" spc="-1" strike="noStrike">
-              <a:solidFill>
-                <a:srgbClr val="d9d9d9"/>
-              </a:solidFill>
-              <a:uFill>
-                <a:solidFill>
-                  <a:srgbClr val="ffffff"/>
+          <a:lstStyle/>
+          <a:p>
+            <a:endParaRPr lang="en-US" sz="2000" b="0" strike="noStrike" spc="-1">
+              <a:solidFill>
+                <a:srgbClr val="D9D9D9"/>
+              </a:solidFill>
+              <a:uFill>
+                <a:solidFill>
+                  <a:srgbClr val="FFFFFF"/>
                 </a:solidFill>
               </a:uFill>
               <a:latin typeface="Candara"/>
@@ -3489,17 +3751,18 @@
           </a:prstGeom>
         </p:spPr>
         <p:txBody>
-          <a:bodyPr lIns="0" rIns="0" tIns="0" bIns="0">
+          <a:bodyPr lIns="0" tIns="0" rIns="0" bIns="0">
             <a:normAutofit/>
           </a:bodyPr>
-          <a:p>
-            <a:endParaRPr b="0" lang="en-US" sz="2000" spc="-1" strike="noStrike">
-              <a:solidFill>
-                <a:srgbClr val="d9d9d9"/>
-              </a:solidFill>
-              <a:uFill>
-                <a:solidFill>
-                  <a:srgbClr val="ffffff"/>
+          <a:lstStyle/>
+          <a:p>
+            <a:endParaRPr lang="en-US" sz="2000" b="0" strike="noStrike" spc="-1">
+              <a:solidFill>
+                <a:srgbClr val="D9D9D9"/>
+              </a:solidFill>
+              <a:uFill>
+                <a:solidFill>
+                  <a:srgbClr val="FFFFFF"/>
                 </a:solidFill>
               </a:uFill>
               <a:latin typeface="Candara"/>
@@ -3527,17 +3790,18 @@
           </a:prstGeom>
         </p:spPr>
         <p:txBody>
-          <a:bodyPr lIns="0" rIns="0" tIns="0" bIns="0">
+          <a:bodyPr lIns="0" tIns="0" rIns="0" bIns="0">
             <a:normAutofit/>
           </a:bodyPr>
-          <a:p>
-            <a:endParaRPr b="0" lang="en-US" sz="2000" spc="-1" strike="noStrike">
-              <a:solidFill>
-                <a:srgbClr val="d9d9d9"/>
-              </a:solidFill>
-              <a:uFill>
-                <a:solidFill>
-                  <a:srgbClr val="ffffff"/>
+          <a:lstStyle/>
+          <a:p>
+            <a:endParaRPr lang="en-US" sz="2000" b="0" strike="noStrike" spc="-1">
+              <a:solidFill>
+                <a:srgbClr val="D9D9D9"/>
+              </a:solidFill>
+              <a:uFill>
+                <a:solidFill>
+                  <a:srgbClr val="FFFFFF"/>
                 </a:solidFill>
               </a:uFill>
               <a:latin typeface="Candara"/>
@@ -3565,17 +3829,18 @@
           </a:prstGeom>
         </p:spPr>
         <p:txBody>
-          <a:bodyPr lIns="0" rIns="0" tIns="0" bIns="0">
+          <a:bodyPr lIns="0" tIns="0" rIns="0" bIns="0">
             <a:normAutofit/>
           </a:bodyPr>
-          <a:p>
-            <a:endParaRPr b="0" lang="en-US" sz="2000" spc="-1" strike="noStrike">
-              <a:solidFill>
-                <a:srgbClr val="d9d9d9"/>
-              </a:solidFill>
-              <a:uFill>
-                <a:solidFill>
-                  <a:srgbClr val="ffffff"/>
+          <a:lstStyle/>
+          <a:p>
+            <a:endParaRPr lang="en-US" sz="2000" b="0" strike="noStrike" spc="-1">
+              <a:solidFill>
+                <a:srgbClr val="D9D9D9"/>
+              </a:solidFill>
+              <a:uFill>
+                <a:solidFill>
+                  <a:srgbClr val="FFFFFF"/>
                 </a:solidFill>
               </a:uFill>
               <a:latin typeface="Candara"/>
@@ -3585,11 +3850,14 @@
       </p:sp>
     </p:spTree>
   </p:cSld>
+  <p:clrMapOvr>
+    <a:masterClrMapping/>
+  </p:clrMapOvr>
 </p:sldLayout>
 </file>
 
 <file path=ppt/slideLayouts/slideLayout36.xml><?xml version="1.0" encoding="utf-8"?>
-<p:sldLayout xmlns:a="http://schemas.openxmlformats.org/drawingml/2006/main" xmlns:p="http://schemas.openxmlformats.org/presentationml/2006/main" xmlns:r="http://schemas.openxmlformats.org/officeDocument/2006/relationships" xmlns:p14="http://schemas.microsoft.com/office/powerpoint/2010/main" xmlns:p15="http://schemas.microsoft.com/office/powerpoint/2012/main" xmlns:mc="http://schemas.openxmlformats.org/markup-compatibility/2006" type="blank" preserve="1">
+<p:sldLayout xmlns:a="http://schemas.openxmlformats.org/drawingml/2006/main" xmlns:r="http://schemas.openxmlformats.org/officeDocument/2006/relationships" xmlns:p="http://schemas.openxmlformats.org/presentationml/2006/main" type="blank" preserve="1">
   <p:cSld name="Title, 6 Content">
     <p:spTree>
       <p:nvGrpSpPr>
@@ -3625,15 +3893,16 @@
           </a:prstGeom>
         </p:spPr>
         <p:txBody>
-          <a:bodyPr lIns="0" rIns="0" tIns="0" bIns="0" anchor="ctr"/>
-          <a:p>
-            <a:endParaRPr b="0" lang="en-US" sz="1800" spc="-1" strike="noStrike">
-              <a:solidFill>
-                <a:srgbClr val="ffffff"/>
-              </a:solidFill>
-              <a:uFill>
-                <a:solidFill>
-                  <a:srgbClr val="ffffff"/>
+          <a:bodyPr lIns="0" tIns="0" rIns="0" bIns="0" anchor="ctr"/>
+          <a:lstStyle/>
+          <a:p>
+            <a:endParaRPr lang="en-US" sz="1800" b="0" strike="noStrike" spc="-1">
+              <a:solidFill>
+                <a:srgbClr val="FFFFFF"/>
+              </a:solidFill>
+              <a:uFill>
+                <a:solidFill>
+                  <a:srgbClr val="FFFFFF"/>
                 </a:solidFill>
               </a:uFill>
               <a:latin typeface="Candara"/>
@@ -3661,17 +3930,18 @@
           </a:prstGeom>
         </p:spPr>
         <p:txBody>
-          <a:bodyPr lIns="0" rIns="0" tIns="0" bIns="0">
+          <a:bodyPr lIns="0" tIns="0" rIns="0" bIns="0">
             <a:normAutofit/>
           </a:bodyPr>
-          <a:p>
-            <a:endParaRPr b="0" lang="en-US" sz="2000" spc="-1" strike="noStrike">
-              <a:solidFill>
-                <a:srgbClr val="d9d9d9"/>
-              </a:solidFill>
-              <a:uFill>
-                <a:solidFill>
-                  <a:srgbClr val="ffffff"/>
+          <a:lstStyle/>
+          <a:p>
+            <a:endParaRPr lang="en-US" sz="2000" b="0" strike="noStrike" spc="-1">
+              <a:solidFill>
+                <a:srgbClr val="D9D9D9"/>
+              </a:solidFill>
+              <a:uFill>
+                <a:solidFill>
+                  <a:srgbClr val="FFFFFF"/>
                 </a:solidFill>
               </a:uFill>
               <a:latin typeface="Candara"/>
@@ -3699,17 +3969,18 @@
           </a:prstGeom>
         </p:spPr>
         <p:txBody>
-          <a:bodyPr lIns="0" rIns="0" tIns="0" bIns="0">
+          <a:bodyPr lIns="0" tIns="0" rIns="0" bIns="0">
             <a:normAutofit/>
           </a:bodyPr>
-          <a:p>
-            <a:endParaRPr b="0" lang="en-US" sz="2000" spc="-1" strike="noStrike">
-              <a:solidFill>
-                <a:srgbClr val="d9d9d9"/>
-              </a:solidFill>
-              <a:uFill>
-                <a:solidFill>
-                  <a:srgbClr val="ffffff"/>
+          <a:lstStyle/>
+          <a:p>
+            <a:endParaRPr lang="en-US" sz="2000" b="0" strike="noStrike" spc="-1">
+              <a:solidFill>
+                <a:srgbClr val="D9D9D9"/>
+              </a:solidFill>
+              <a:uFill>
+                <a:solidFill>
+                  <a:srgbClr val="FFFFFF"/>
                 </a:solidFill>
               </a:uFill>
               <a:latin typeface="Candara"/>
@@ -3719,7 +3990,7 @@
       </p:sp>
       <p:pic>
         <p:nvPicPr>
-          <p:cNvPr id="115" name="" descr=""/>
+          <p:cNvPr id="115" name="Picture 114"/>
           <p:cNvPicPr/>
           <p:nvPr/>
         </p:nvPicPr>
@@ -3742,12 +4013,12 @@
       </p:pic>
       <p:pic>
         <p:nvPicPr>
-          <p:cNvPr id="116" name="" descr=""/>
+          <p:cNvPr id="116" name="Picture 115"/>
           <p:cNvPicPr/>
           <p:nvPr/>
         </p:nvPicPr>
         <p:blipFill>
-          <a:blip r:embed="rId3"/>
+          <a:blip r:embed="rId2"/>
           <a:stretch/>
         </p:blipFill>
         <p:spPr>
@@ -3765,11 +4036,14 @@
       </p:pic>
     </p:spTree>
   </p:cSld>
+  <p:clrMapOvr>
+    <a:masterClrMapping/>
+  </p:clrMapOvr>
 </p:sldLayout>
 </file>
 
 <file path=ppt/slideLayouts/slideLayout4.xml><?xml version="1.0" encoding="utf-8"?>
-<p:sldLayout xmlns:a="http://schemas.openxmlformats.org/drawingml/2006/main" xmlns:p="http://schemas.openxmlformats.org/presentationml/2006/main" xmlns:r="http://schemas.openxmlformats.org/officeDocument/2006/relationships" xmlns:p14="http://schemas.microsoft.com/office/powerpoint/2010/main" xmlns:p15="http://schemas.microsoft.com/office/powerpoint/2012/main" xmlns:mc="http://schemas.openxmlformats.org/markup-compatibility/2006" type="twoObj" preserve="1">
+<p:sldLayout xmlns:a="http://schemas.openxmlformats.org/drawingml/2006/main" xmlns:r="http://schemas.openxmlformats.org/officeDocument/2006/relationships" xmlns:p="http://schemas.openxmlformats.org/presentationml/2006/main" type="twoObj" preserve="1">
   <p:cSld name="Title, 2 Content">
     <p:spTree>
       <p:nvGrpSpPr>
@@ -3805,15 +4079,16 @@
           </a:prstGeom>
         </p:spPr>
         <p:txBody>
-          <a:bodyPr lIns="0" rIns="0" tIns="0" bIns="0" anchor="ctr"/>
-          <a:p>
-            <a:endParaRPr b="0" lang="en-US" sz="1800" spc="-1" strike="noStrike">
-              <a:solidFill>
-                <a:srgbClr val="ffffff"/>
-              </a:solidFill>
-              <a:uFill>
-                <a:solidFill>
-                  <a:srgbClr val="ffffff"/>
+          <a:bodyPr lIns="0" tIns="0" rIns="0" bIns="0" anchor="ctr"/>
+          <a:lstStyle/>
+          <a:p>
+            <a:endParaRPr lang="en-US" sz="1800" b="0" strike="noStrike" spc="-1">
+              <a:solidFill>
+                <a:srgbClr val="FFFFFF"/>
+              </a:solidFill>
+              <a:uFill>
+                <a:solidFill>
+                  <a:srgbClr val="FFFFFF"/>
                 </a:solidFill>
               </a:uFill>
               <a:latin typeface="Candara"/>
@@ -3841,17 +4116,18 @@
           </a:prstGeom>
         </p:spPr>
         <p:txBody>
-          <a:bodyPr lIns="0" rIns="0" tIns="0" bIns="0">
+          <a:bodyPr lIns="0" tIns="0" rIns="0" bIns="0">
             <a:normAutofit/>
           </a:bodyPr>
-          <a:p>
-            <a:endParaRPr b="0" lang="en-US" sz="2000" spc="-1" strike="noStrike">
-              <a:solidFill>
-                <a:srgbClr val="d9d9d9"/>
-              </a:solidFill>
-              <a:uFill>
-                <a:solidFill>
-                  <a:srgbClr val="ffffff"/>
+          <a:lstStyle/>
+          <a:p>
+            <a:endParaRPr lang="en-US" sz="2000" b="0" strike="noStrike" spc="-1">
+              <a:solidFill>
+                <a:srgbClr val="D9D9D9"/>
+              </a:solidFill>
+              <a:uFill>
+                <a:solidFill>
+                  <a:srgbClr val="FFFFFF"/>
                 </a:solidFill>
               </a:uFill>
               <a:latin typeface="Candara"/>
@@ -3879,17 +4155,18 @@
           </a:prstGeom>
         </p:spPr>
         <p:txBody>
-          <a:bodyPr lIns="0" rIns="0" tIns="0" bIns="0">
+          <a:bodyPr lIns="0" tIns="0" rIns="0" bIns="0">
             <a:normAutofit/>
           </a:bodyPr>
-          <a:p>
-            <a:endParaRPr b="0" lang="en-US" sz="2000" spc="-1" strike="noStrike">
-              <a:solidFill>
-                <a:srgbClr val="d9d9d9"/>
-              </a:solidFill>
-              <a:uFill>
-                <a:solidFill>
-                  <a:srgbClr val="ffffff"/>
+          <a:lstStyle/>
+          <a:p>
+            <a:endParaRPr lang="en-US" sz="2000" b="0" strike="noStrike" spc="-1">
+              <a:solidFill>
+                <a:srgbClr val="D9D9D9"/>
+              </a:solidFill>
+              <a:uFill>
+                <a:solidFill>
+                  <a:srgbClr val="FFFFFF"/>
                 </a:solidFill>
               </a:uFill>
               <a:latin typeface="Candara"/>
@@ -3899,11 +4176,14 @@
       </p:sp>
     </p:spTree>
   </p:cSld>
+  <p:clrMapOvr>
+    <a:masterClrMapping/>
+  </p:clrMapOvr>
 </p:sldLayout>
 </file>
 
 <file path=ppt/slideLayouts/slideLayout5.xml><?xml version="1.0" encoding="utf-8"?>
-<p:sldLayout xmlns:a="http://schemas.openxmlformats.org/drawingml/2006/main" xmlns:p="http://schemas.openxmlformats.org/presentationml/2006/main" xmlns:r="http://schemas.openxmlformats.org/officeDocument/2006/relationships" xmlns:p14="http://schemas.microsoft.com/office/powerpoint/2010/main" xmlns:p15="http://schemas.microsoft.com/office/powerpoint/2012/main" xmlns:mc="http://schemas.openxmlformats.org/markup-compatibility/2006" type="titleOnly" preserve="1">
+<p:sldLayout xmlns:a="http://schemas.openxmlformats.org/drawingml/2006/main" xmlns:r="http://schemas.openxmlformats.org/officeDocument/2006/relationships" xmlns:p="http://schemas.openxmlformats.org/presentationml/2006/main" type="titleOnly" preserve="1">
   <p:cSld name="Title Only">
     <p:spTree>
       <p:nvGrpSpPr>
@@ -3939,15 +4219,16 @@
           </a:prstGeom>
         </p:spPr>
         <p:txBody>
-          <a:bodyPr lIns="0" rIns="0" tIns="0" bIns="0" anchor="ctr"/>
-          <a:p>
-            <a:endParaRPr b="0" lang="en-US" sz="1800" spc="-1" strike="noStrike">
-              <a:solidFill>
-                <a:srgbClr val="ffffff"/>
-              </a:solidFill>
-              <a:uFill>
-                <a:solidFill>
-                  <a:srgbClr val="ffffff"/>
+          <a:bodyPr lIns="0" tIns="0" rIns="0" bIns="0" anchor="ctr"/>
+          <a:lstStyle/>
+          <a:p>
+            <a:endParaRPr lang="en-US" sz="1800" b="0" strike="noStrike" spc="-1">
+              <a:solidFill>
+                <a:srgbClr val="FFFFFF"/>
+              </a:solidFill>
+              <a:uFill>
+                <a:solidFill>
+                  <a:srgbClr val="FFFFFF"/>
                 </a:solidFill>
               </a:uFill>
               <a:latin typeface="Candara"/>
@@ -3957,11 +4238,14 @@
       </p:sp>
     </p:spTree>
   </p:cSld>
+  <p:clrMapOvr>
+    <a:masterClrMapping/>
+  </p:clrMapOvr>
 </p:sldLayout>
 </file>
 
 <file path=ppt/slideLayouts/slideLayout6.xml><?xml version="1.0" encoding="utf-8"?>
-<p:sldLayout xmlns:a="http://schemas.openxmlformats.org/drawingml/2006/main" xmlns:p="http://schemas.openxmlformats.org/presentationml/2006/main" xmlns:r="http://schemas.openxmlformats.org/officeDocument/2006/relationships" xmlns:p14="http://schemas.microsoft.com/office/powerpoint/2010/main" xmlns:p15="http://schemas.microsoft.com/office/powerpoint/2012/main" xmlns:mc="http://schemas.openxmlformats.org/markup-compatibility/2006" type="objOnly" preserve="1">
+<p:sldLayout xmlns:a="http://schemas.openxmlformats.org/drawingml/2006/main" xmlns:r="http://schemas.openxmlformats.org/officeDocument/2006/relationships" xmlns:p="http://schemas.openxmlformats.org/presentationml/2006/main" type="objOnly" preserve="1">
   <p:cSld name="Centered Text">
     <p:spTree>
       <p:nvGrpSpPr>
@@ -3997,16 +4281,17 @@
           </a:prstGeom>
         </p:spPr>
         <p:txBody>
-          <a:bodyPr lIns="0" rIns="0" tIns="0" bIns="0" anchor="ctr"/>
+          <a:bodyPr lIns="0" tIns="0" rIns="0" bIns="0" anchor="ctr"/>
+          <a:lstStyle/>
           <a:p>
             <a:pPr algn="ctr"/>
-            <a:endParaRPr b="0" lang="en-US" sz="3200" spc="-1" strike="noStrike">
+            <a:endParaRPr lang="en-US" sz="3200" b="0" strike="noStrike" spc="-1">
               <a:solidFill>
                 <a:srgbClr val="000000"/>
               </a:solidFill>
               <a:uFill>
                 <a:solidFill>
-                  <a:srgbClr val="ffffff"/>
+                  <a:srgbClr val="FFFFFF"/>
                 </a:solidFill>
               </a:uFill>
               <a:latin typeface="Arial"/>
@@ -4016,11 +4301,14 @@
       </p:sp>
     </p:spTree>
   </p:cSld>
+  <p:clrMapOvr>
+    <a:masterClrMapping/>
+  </p:clrMapOvr>
 </p:sldLayout>
 </file>
 
 <file path=ppt/slideLayouts/slideLayout7.xml><?xml version="1.0" encoding="utf-8"?>
-<p:sldLayout xmlns:a="http://schemas.openxmlformats.org/drawingml/2006/main" xmlns:p="http://schemas.openxmlformats.org/presentationml/2006/main" xmlns:r="http://schemas.openxmlformats.org/officeDocument/2006/relationships" xmlns:p14="http://schemas.microsoft.com/office/powerpoint/2010/main" xmlns:p15="http://schemas.microsoft.com/office/powerpoint/2012/main" xmlns:mc="http://schemas.openxmlformats.org/markup-compatibility/2006" type="twoObjAndObj" preserve="1">
+<p:sldLayout xmlns:a="http://schemas.openxmlformats.org/drawingml/2006/main" xmlns:r="http://schemas.openxmlformats.org/officeDocument/2006/relationships" xmlns:p="http://schemas.openxmlformats.org/presentationml/2006/main" type="twoObjAndObj" preserve="1">
   <p:cSld name="Title, 2 Content and Content">
     <p:spTree>
       <p:nvGrpSpPr>
@@ -4056,15 +4344,16 @@
           </a:prstGeom>
         </p:spPr>
         <p:txBody>
-          <a:bodyPr lIns="0" rIns="0" tIns="0" bIns="0" anchor="ctr"/>
-          <a:p>
-            <a:endParaRPr b="0" lang="en-US" sz="1800" spc="-1" strike="noStrike">
-              <a:solidFill>
-                <a:srgbClr val="ffffff"/>
-              </a:solidFill>
-              <a:uFill>
-                <a:solidFill>
-                  <a:srgbClr val="ffffff"/>
+          <a:bodyPr lIns="0" tIns="0" rIns="0" bIns="0" anchor="ctr"/>
+          <a:lstStyle/>
+          <a:p>
+            <a:endParaRPr lang="en-US" sz="1800" b="0" strike="noStrike" spc="-1">
+              <a:solidFill>
+                <a:srgbClr val="FFFFFF"/>
+              </a:solidFill>
+              <a:uFill>
+                <a:solidFill>
+                  <a:srgbClr val="FFFFFF"/>
                 </a:solidFill>
               </a:uFill>
               <a:latin typeface="Candara"/>
@@ -4092,17 +4381,18 @@
           </a:prstGeom>
         </p:spPr>
         <p:txBody>
-          <a:bodyPr lIns="0" rIns="0" tIns="0" bIns="0">
+          <a:bodyPr lIns="0" tIns="0" rIns="0" bIns="0">
             <a:normAutofit/>
           </a:bodyPr>
-          <a:p>
-            <a:endParaRPr b="0" lang="en-US" sz="2000" spc="-1" strike="noStrike">
-              <a:solidFill>
-                <a:srgbClr val="d9d9d9"/>
-              </a:solidFill>
-              <a:uFill>
-                <a:solidFill>
-                  <a:srgbClr val="ffffff"/>
+          <a:lstStyle/>
+          <a:p>
+            <a:endParaRPr lang="en-US" sz="2000" b="0" strike="noStrike" spc="-1">
+              <a:solidFill>
+                <a:srgbClr val="D9D9D9"/>
+              </a:solidFill>
+              <a:uFill>
+                <a:solidFill>
+                  <a:srgbClr val="FFFFFF"/>
                 </a:solidFill>
               </a:uFill>
               <a:latin typeface="Candara"/>
@@ -4130,17 +4420,18 @@
           </a:prstGeom>
         </p:spPr>
         <p:txBody>
-          <a:bodyPr lIns="0" rIns="0" tIns="0" bIns="0">
+          <a:bodyPr lIns="0" tIns="0" rIns="0" bIns="0">
             <a:normAutofit/>
           </a:bodyPr>
-          <a:p>
-            <a:endParaRPr b="0" lang="en-US" sz="2000" spc="-1" strike="noStrike">
-              <a:solidFill>
-                <a:srgbClr val="d9d9d9"/>
-              </a:solidFill>
-              <a:uFill>
-                <a:solidFill>
-                  <a:srgbClr val="ffffff"/>
+          <a:lstStyle/>
+          <a:p>
+            <a:endParaRPr lang="en-US" sz="2000" b="0" strike="noStrike" spc="-1">
+              <a:solidFill>
+                <a:srgbClr val="D9D9D9"/>
+              </a:solidFill>
+              <a:uFill>
+                <a:solidFill>
+                  <a:srgbClr val="FFFFFF"/>
                 </a:solidFill>
               </a:uFill>
               <a:latin typeface="Candara"/>
@@ -4168,17 +4459,18 @@
           </a:prstGeom>
         </p:spPr>
         <p:txBody>
-          <a:bodyPr lIns="0" rIns="0" tIns="0" bIns="0">
+          <a:bodyPr lIns="0" tIns="0" rIns="0" bIns="0">
             <a:normAutofit/>
           </a:bodyPr>
-          <a:p>
-            <a:endParaRPr b="0" lang="en-US" sz="2000" spc="-1" strike="noStrike">
-              <a:solidFill>
-                <a:srgbClr val="d9d9d9"/>
-              </a:solidFill>
-              <a:uFill>
-                <a:solidFill>
-                  <a:srgbClr val="ffffff"/>
+          <a:lstStyle/>
+          <a:p>
+            <a:endParaRPr lang="en-US" sz="2000" b="0" strike="noStrike" spc="-1">
+              <a:solidFill>
+                <a:srgbClr val="D9D9D9"/>
+              </a:solidFill>
+              <a:uFill>
+                <a:solidFill>
+                  <a:srgbClr val="FFFFFF"/>
                 </a:solidFill>
               </a:uFill>
               <a:latin typeface="Candara"/>
@@ -4188,11 +4480,14 @@
       </p:sp>
     </p:spTree>
   </p:cSld>
+  <p:clrMapOvr>
+    <a:masterClrMapping/>
+  </p:clrMapOvr>
 </p:sldLayout>
 </file>
 
 <file path=ppt/slideLayouts/slideLayout8.xml><?xml version="1.0" encoding="utf-8"?>
-<p:sldLayout xmlns:a="http://schemas.openxmlformats.org/drawingml/2006/main" xmlns:p="http://schemas.openxmlformats.org/presentationml/2006/main" xmlns:r="http://schemas.openxmlformats.org/officeDocument/2006/relationships" xmlns:p14="http://schemas.microsoft.com/office/powerpoint/2010/main" xmlns:p15="http://schemas.microsoft.com/office/powerpoint/2012/main" xmlns:mc="http://schemas.openxmlformats.org/markup-compatibility/2006" type="objAndTwoObj" preserve="1">
+<p:sldLayout xmlns:a="http://schemas.openxmlformats.org/drawingml/2006/main" xmlns:r="http://schemas.openxmlformats.org/officeDocument/2006/relationships" xmlns:p="http://schemas.openxmlformats.org/presentationml/2006/main" type="objAndTwoObj" preserve="1">
   <p:cSld name="Title Content and 2 Content">
     <p:spTree>
       <p:nvGrpSpPr>
@@ -4228,15 +4523,16 @@
           </a:prstGeom>
         </p:spPr>
         <p:txBody>
-          <a:bodyPr lIns="0" rIns="0" tIns="0" bIns="0" anchor="ctr"/>
-          <a:p>
-            <a:endParaRPr b="0" lang="en-US" sz="1800" spc="-1" strike="noStrike">
-              <a:solidFill>
-                <a:srgbClr val="ffffff"/>
-              </a:solidFill>
-              <a:uFill>
-                <a:solidFill>
-                  <a:srgbClr val="ffffff"/>
+          <a:bodyPr lIns="0" tIns="0" rIns="0" bIns="0" anchor="ctr"/>
+          <a:lstStyle/>
+          <a:p>
+            <a:endParaRPr lang="en-US" sz="1800" b="0" strike="noStrike" spc="-1">
+              <a:solidFill>
+                <a:srgbClr val="FFFFFF"/>
+              </a:solidFill>
+              <a:uFill>
+                <a:solidFill>
+                  <a:srgbClr val="FFFFFF"/>
                 </a:solidFill>
               </a:uFill>
               <a:latin typeface="Candara"/>
@@ -4264,17 +4560,18 @@
           </a:prstGeom>
         </p:spPr>
         <p:txBody>
-          <a:bodyPr lIns="0" rIns="0" tIns="0" bIns="0">
+          <a:bodyPr lIns="0" tIns="0" rIns="0" bIns="0">
             <a:normAutofit/>
           </a:bodyPr>
-          <a:p>
-            <a:endParaRPr b="0" lang="en-US" sz="2000" spc="-1" strike="noStrike">
-              <a:solidFill>
-                <a:srgbClr val="d9d9d9"/>
-              </a:solidFill>
-              <a:uFill>
-                <a:solidFill>
-                  <a:srgbClr val="ffffff"/>
+          <a:lstStyle/>
+          <a:p>
+            <a:endParaRPr lang="en-US" sz="2000" b="0" strike="noStrike" spc="-1">
+              <a:solidFill>
+                <a:srgbClr val="D9D9D9"/>
+              </a:solidFill>
+              <a:uFill>
+                <a:solidFill>
+                  <a:srgbClr val="FFFFFF"/>
                 </a:solidFill>
               </a:uFill>
               <a:latin typeface="Candara"/>
@@ -4302,17 +4599,18 @@
           </a:prstGeom>
         </p:spPr>
         <p:txBody>
-          <a:bodyPr lIns="0" rIns="0" tIns="0" bIns="0">
+          <a:bodyPr lIns="0" tIns="0" rIns="0" bIns="0">
             <a:normAutofit/>
           </a:bodyPr>
-          <a:p>
-            <a:endParaRPr b="0" lang="en-US" sz="2000" spc="-1" strike="noStrike">
-              <a:solidFill>
-                <a:srgbClr val="d9d9d9"/>
-              </a:solidFill>
-              <a:uFill>
-                <a:solidFill>
-                  <a:srgbClr val="ffffff"/>
+          <a:lstStyle/>
+          <a:p>
+            <a:endParaRPr lang="en-US" sz="2000" b="0" strike="noStrike" spc="-1">
+              <a:solidFill>
+                <a:srgbClr val="D9D9D9"/>
+              </a:solidFill>
+              <a:uFill>
+                <a:solidFill>
+                  <a:srgbClr val="FFFFFF"/>
                 </a:solidFill>
               </a:uFill>
               <a:latin typeface="Candara"/>
@@ -4340,17 +4638,18 @@
           </a:prstGeom>
         </p:spPr>
         <p:txBody>
-          <a:bodyPr lIns="0" rIns="0" tIns="0" bIns="0">
+          <a:bodyPr lIns="0" tIns="0" rIns="0" bIns="0">
             <a:normAutofit/>
           </a:bodyPr>
-          <a:p>
-            <a:endParaRPr b="0" lang="en-US" sz="2000" spc="-1" strike="noStrike">
-              <a:solidFill>
-                <a:srgbClr val="d9d9d9"/>
-              </a:solidFill>
-              <a:uFill>
-                <a:solidFill>
-                  <a:srgbClr val="ffffff"/>
+          <a:lstStyle/>
+          <a:p>
+            <a:endParaRPr lang="en-US" sz="2000" b="0" strike="noStrike" spc="-1">
+              <a:solidFill>
+                <a:srgbClr val="D9D9D9"/>
+              </a:solidFill>
+              <a:uFill>
+                <a:solidFill>
+                  <a:srgbClr val="FFFFFF"/>
                 </a:solidFill>
               </a:uFill>
               <a:latin typeface="Candara"/>
@@ -4360,11 +4659,14 @@
       </p:sp>
     </p:spTree>
   </p:cSld>
+  <p:clrMapOvr>
+    <a:masterClrMapping/>
+  </p:clrMapOvr>
 </p:sldLayout>
 </file>
 
 <file path=ppt/slideLayouts/slideLayout9.xml><?xml version="1.0" encoding="utf-8"?>
-<p:sldLayout xmlns:a="http://schemas.openxmlformats.org/drawingml/2006/main" xmlns:p="http://schemas.openxmlformats.org/presentationml/2006/main" xmlns:r="http://schemas.openxmlformats.org/officeDocument/2006/relationships" xmlns:p14="http://schemas.microsoft.com/office/powerpoint/2010/main" xmlns:p15="http://schemas.microsoft.com/office/powerpoint/2012/main" xmlns:mc="http://schemas.openxmlformats.org/markup-compatibility/2006" type="twoObjOverTx" preserve="1">
+<p:sldLayout xmlns:a="http://schemas.openxmlformats.org/drawingml/2006/main" xmlns:r="http://schemas.openxmlformats.org/officeDocument/2006/relationships" xmlns:p="http://schemas.openxmlformats.org/presentationml/2006/main" type="twoObjOverTx" preserve="1">
   <p:cSld name="Title, 2 Content over Content">
     <p:spTree>
       <p:nvGrpSpPr>
@@ -4400,15 +4702,16 @@
           </a:prstGeom>
         </p:spPr>
         <p:txBody>
-          <a:bodyPr lIns="0" rIns="0" tIns="0" bIns="0" anchor="ctr"/>
-          <a:p>
-            <a:endParaRPr b="0" lang="en-US" sz="1800" spc="-1" strike="noStrike">
-              <a:solidFill>
-                <a:srgbClr val="ffffff"/>
-              </a:solidFill>
-              <a:uFill>
-                <a:solidFill>
-                  <a:srgbClr val="ffffff"/>
+          <a:bodyPr lIns="0" tIns="0" rIns="0" bIns="0" anchor="ctr"/>
+          <a:lstStyle/>
+          <a:p>
+            <a:endParaRPr lang="en-US" sz="1800" b="0" strike="noStrike" spc="-1">
+              <a:solidFill>
+                <a:srgbClr val="FFFFFF"/>
+              </a:solidFill>
+              <a:uFill>
+                <a:solidFill>
+                  <a:srgbClr val="FFFFFF"/>
                 </a:solidFill>
               </a:uFill>
               <a:latin typeface="Candara"/>
@@ -4436,17 +4739,18 @@
           </a:prstGeom>
         </p:spPr>
         <p:txBody>
-          <a:bodyPr lIns="0" rIns="0" tIns="0" bIns="0">
+          <a:bodyPr lIns="0" tIns="0" rIns="0" bIns="0">
             <a:normAutofit/>
           </a:bodyPr>
-          <a:p>
-            <a:endParaRPr b="0" lang="en-US" sz="2000" spc="-1" strike="noStrike">
-              <a:solidFill>
-                <a:srgbClr val="d9d9d9"/>
-              </a:solidFill>
-              <a:uFill>
-                <a:solidFill>
-                  <a:srgbClr val="ffffff"/>
+          <a:lstStyle/>
+          <a:p>
+            <a:endParaRPr lang="en-US" sz="2000" b="0" strike="noStrike" spc="-1">
+              <a:solidFill>
+                <a:srgbClr val="D9D9D9"/>
+              </a:solidFill>
+              <a:uFill>
+                <a:solidFill>
+                  <a:srgbClr val="FFFFFF"/>
                 </a:solidFill>
               </a:uFill>
               <a:latin typeface="Candara"/>
@@ -4474,17 +4778,18 @@
           </a:prstGeom>
         </p:spPr>
         <p:txBody>
-          <a:bodyPr lIns="0" rIns="0" tIns="0" bIns="0">
+          <a:bodyPr lIns="0" tIns="0" rIns="0" bIns="0">
             <a:normAutofit/>
           </a:bodyPr>
-          <a:p>
-            <a:endParaRPr b="0" lang="en-US" sz="2000" spc="-1" strike="noStrike">
-              <a:solidFill>
-                <a:srgbClr val="d9d9d9"/>
-              </a:solidFill>
-              <a:uFill>
-                <a:solidFill>
-                  <a:srgbClr val="ffffff"/>
+          <a:lstStyle/>
+          <a:p>
+            <a:endParaRPr lang="en-US" sz="2000" b="0" strike="noStrike" spc="-1">
+              <a:solidFill>
+                <a:srgbClr val="D9D9D9"/>
+              </a:solidFill>
+              <a:uFill>
+                <a:solidFill>
+                  <a:srgbClr val="FFFFFF"/>
                 </a:solidFill>
               </a:uFill>
               <a:latin typeface="Candara"/>
@@ -4512,17 +4817,18 @@
           </a:prstGeom>
         </p:spPr>
         <p:txBody>
-          <a:bodyPr lIns="0" rIns="0" tIns="0" bIns="0">
+          <a:bodyPr lIns="0" tIns="0" rIns="0" bIns="0">
             <a:normAutofit/>
           </a:bodyPr>
-          <a:p>
-            <a:endParaRPr b="0" lang="en-US" sz="2000" spc="-1" strike="noStrike">
-              <a:solidFill>
-                <a:srgbClr val="d9d9d9"/>
-              </a:solidFill>
-              <a:uFill>
-                <a:solidFill>
-                  <a:srgbClr val="ffffff"/>
+          <a:lstStyle/>
+          <a:p>
+            <a:endParaRPr lang="en-US" sz="2000" b="0" strike="noStrike" spc="-1">
+              <a:solidFill>
+                <a:srgbClr val="D9D9D9"/>
+              </a:solidFill>
+              <a:uFill>
+                <a:solidFill>
+                  <a:srgbClr val="FFFFFF"/>
                 </a:solidFill>
               </a:uFill>
               <a:latin typeface="Candara"/>
@@ -4532,20 +4838,24 @@
       </p:sp>
     </p:spTree>
   </p:cSld>
+  <p:clrMapOvr>
+    <a:masterClrMapping/>
+  </p:clrMapOvr>
 </p:sldLayout>
 </file>
 
 <file path=ppt/slideMasters/slideMaster1.xml><?xml version="1.0" encoding="utf-8"?>
-<p:sldMaster xmlns:a="http://schemas.openxmlformats.org/drawingml/2006/main" xmlns:p="http://schemas.openxmlformats.org/presentationml/2006/main" xmlns:r="http://schemas.openxmlformats.org/officeDocument/2006/relationships" xmlns:p14="http://schemas.microsoft.com/office/powerpoint/2010/main" xmlns:p15="http://schemas.microsoft.com/office/powerpoint/2012/main" xmlns:mc="http://schemas.openxmlformats.org/markup-compatibility/2006">
+<p:sldMaster xmlns:a="http://schemas.openxmlformats.org/drawingml/2006/main" xmlns:r="http://schemas.openxmlformats.org/officeDocument/2006/relationships" xmlns:p="http://schemas.openxmlformats.org/presentationml/2006/main">
   <p:cSld>
     <p:bg>
       <p:bgPr>
         <a:blipFill>
-          <a:blip r:embed="rId2"/>
+          <a:blip r:embed="rId14"/>
           <a:stretch>
             <a:fillRect/>
           </a:stretch>
         </a:blipFill>
+        <a:effectLst/>
       </p:bgPr>
     </p:bg>
     <p:spTree>
@@ -4564,7 +4874,7 @@
       </p:grpSpPr>
       <p:sp>
         <p:nvSpPr>
-          <p:cNvPr id="0" name="CustomShape 1"/>
+          <p:cNvPr id="4" name="CustomShape 1"/>
           <p:cNvSpPr/>
           <p:nvPr/>
         </p:nvSpPr>
@@ -4604,7 +4914,7 @@
       </p:sp>
       <p:sp>
         <p:nvSpPr>
-          <p:cNvPr id="1" name="CustomShape 2"/>
+          <p:cNvPr id="5" name="CustomShape 2"/>
           <p:cNvSpPr/>
           <p:nvPr/>
         </p:nvSpPr>
@@ -4661,6 +4971,7 @@
           <a:bodyPr anchor="b">
             <a:normAutofit/>
           </a:bodyPr>
+          <a:lstStyle/>
           <a:p>
             <a:pPr>
               <a:lnSpc>
@@ -4668,26 +4979,26 @@
               </a:lnSpc>
             </a:pPr>
             <a:r>
-              <a:rPr b="0" lang="en-US" sz="5400" spc="-1" strike="noStrike">
-                <a:solidFill>
-                  <a:srgbClr val="ffffff"/>
+              <a:rPr lang="en-US" sz="5400" b="0" strike="noStrike" spc="-1">
+                <a:solidFill>
+                  <a:srgbClr val="FFFFFF"/>
                 </a:solidFill>
                 <a:uFill>
                   <a:solidFill>
-                    <a:srgbClr val="ffffff"/>
+                    <a:srgbClr val="FFFFFF"/>
                   </a:solidFill>
                 </a:uFill>
                 <a:latin typeface="Consolas"/>
               </a:rPr>
               <a:t>Click to edit Master title style</a:t>
             </a:r>
-            <a:endParaRPr b="0" lang="en-US" sz="5400" spc="-1" strike="noStrike">
-              <a:solidFill>
-                <a:srgbClr val="ffffff"/>
-              </a:solidFill>
-              <a:uFill>
-                <a:solidFill>
-                  <a:srgbClr val="ffffff"/>
+            <a:endParaRPr lang="en-US" sz="5400" b="0" strike="noStrike" spc="-1">
+              <a:solidFill>
+                <a:srgbClr val="FFFFFF"/>
+              </a:solidFill>
+              <a:uFill>
+                <a:solidFill>
+                  <a:srgbClr val="FFFFFF"/>
                 </a:solidFill>
               </a:uFill>
               <a:latin typeface="Candara"/>
@@ -4715,9 +5026,10 @@
           </a:prstGeom>
         </p:spPr>
         <p:txBody>
-          <a:bodyPr lIns="0" rIns="0" tIns="0" bIns="0">
+          <a:bodyPr lIns="0" tIns="0" rIns="0" bIns="0">
             <a:normAutofit/>
           </a:bodyPr>
+          <a:lstStyle/>
           <a:p>
             <a:pPr marL="432000" indent="-324000">
               <a:spcBef>
@@ -4731,33 +5043,22 @@
               <a:buChar char=""/>
             </a:pPr>
             <a:r>
-              <a:rPr b="0" lang="en-US" sz="2000" spc="-1" strike="noStrike">
-                <a:solidFill>
-                  <a:srgbClr val="d9d9d9"/>
+              <a:rPr lang="en-US" sz="2000" b="0" strike="noStrike" spc="-1">
+                <a:solidFill>
+                  <a:srgbClr val="D9D9D9"/>
                 </a:solidFill>
                 <a:uFill>
                   <a:solidFill>
-                    <a:srgbClr val="ffffff"/>
+                    <a:srgbClr val="FFFFFF"/>
                   </a:solidFill>
                 </a:uFill>
                 <a:latin typeface="Candara"/>
               </a:rPr>
               <a:t>Click to edit the outline text format</a:t>
             </a:r>
-            <a:endParaRPr b="0" lang="en-US" sz="2000" spc="-1" strike="noStrike">
-              <a:solidFill>
-                <a:srgbClr val="d9d9d9"/>
-              </a:solidFill>
-              <a:uFill>
-                <a:solidFill>
-                  <a:srgbClr val="ffffff"/>
-                </a:solidFill>
-              </a:uFill>
-              <a:latin typeface="Candara"/>
-            </a:endParaRPr>
-          </a:p>
-          <a:p>
-            <a:pPr lvl="1" marL="864000" indent="-324000">
+          </a:p>
+          <a:p>
+            <a:pPr marL="864000" lvl="1" indent="-324000">
               <a:spcBef>
                 <a:spcPts val="1134"/>
               </a:spcBef>
@@ -4769,33 +5070,22 @@
               <a:buChar char=""/>
             </a:pPr>
             <a:r>
-              <a:rPr b="0" lang="en-US" sz="1600" spc="-1" strike="noStrike">
-                <a:solidFill>
-                  <a:srgbClr val="d9d9d9"/>
+              <a:rPr lang="en-US" sz="1600" b="0" strike="noStrike" spc="-1">
+                <a:solidFill>
+                  <a:srgbClr val="D9D9D9"/>
                 </a:solidFill>
                 <a:uFill>
                   <a:solidFill>
-                    <a:srgbClr val="ffffff"/>
+                    <a:srgbClr val="FFFFFF"/>
                   </a:solidFill>
                 </a:uFill>
                 <a:latin typeface="Candara"/>
               </a:rPr>
               <a:t>Second Outline Level</a:t>
             </a:r>
-            <a:endParaRPr b="0" lang="en-US" sz="1600" spc="-1" strike="noStrike">
-              <a:solidFill>
-                <a:srgbClr val="d9d9d9"/>
-              </a:solidFill>
-              <a:uFill>
-                <a:solidFill>
-                  <a:srgbClr val="ffffff"/>
-                </a:solidFill>
-              </a:uFill>
-              <a:latin typeface="Candara"/>
-            </a:endParaRPr>
-          </a:p>
-          <a:p>
-            <a:pPr lvl="2" marL="1296000" indent="-288000">
+          </a:p>
+          <a:p>
+            <a:pPr marL="1296000" lvl="2" indent="-288000">
               <a:spcBef>
                 <a:spcPts val="850"/>
               </a:spcBef>
@@ -4807,33 +5097,22 @@
               <a:buChar char=""/>
             </a:pPr>
             <a:r>
-              <a:rPr b="0" lang="en-US" sz="1400" spc="-1" strike="noStrike">
-                <a:solidFill>
-                  <a:srgbClr val="d9d9d9"/>
+              <a:rPr lang="en-US" sz="1400" b="0" strike="noStrike" spc="-1">
+                <a:solidFill>
+                  <a:srgbClr val="D9D9D9"/>
                 </a:solidFill>
                 <a:uFill>
                   <a:solidFill>
-                    <a:srgbClr val="ffffff"/>
+                    <a:srgbClr val="FFFFFF"/>
                   </a:solidFill>
                 </a:uFill>
                 <a:latin typeface="Candara"/>
               </a:rPr>
               <a:t>Third Outline Level</a:t>
             </a:r>
-            <a:endParaRPr b="0" lang="en-US" sz="1400" spc="-1" strike="noStrike">
-              <a:solidFill>
-                <a:srgbClr val="d9d9d9"/>
-              </a:solidFill>
-              <a:uFill>
-                <a:solidFill>
-                  <a:srgbClr val="ffffff"/>
-                </a:solidFill>
-              </a:uFill>
-              <a:latin typeface="Candara"/>
-            </a:endParaRPr>
-          </a:p>
-          <a:p>
-            <a:pPr lvl="3" marL="1728000" indent="-216000">
+          </a:p>
+          <a:p>
+            <a:pPr marL="1728000" lvl="3" indent="-216000">
               <a:spcBef>
                 <a:spcPts val="567"/>
               </a:spcBef>
@@ -4845,33 +5124,22 @@
               <a:buChar char=""/>
             </a:pPr>
             <a:r>
-              <a:rPr b="0" lang="en-US" sz="1400" spc="-1" strike="noStrike">
-                <a:solidFill>
-                  <a:srgbClr val="d9d9d9"/>
+              <a:rPr lang="en-US" sz="1400" b="0" strike="noStrike" spc="-1">
+                <a:solidFill>
+                  <a:srgbClr val="D9D9D9"/>
                 </a:solidFill>
                 <a:uFill>
                   <a:solidFill>
-                    <a:srgbClr val="ffffff"/>
+                    <a:srgbClr val="FFFFFF"/>
                   </a:solidFill>
                 </a:uFill>
                 <a:latin typeface="Candara"/>
               </a:rPr>
               <a:t>Fourth Outline Level</a:t>
             </a:r>
-            <a:endParaRPr b="0" lang="en-US" sz="1400" spc="-1" strike="noStrike">
-              <a:solidFill>
-                <a:srgbClr val="d9d9d9"/>
-              </a:solidFill>
-              <a:uFill>
-                <a:solidFill>
-                  <a:srgbClr val="ffffff"/>
-                </a:solidFill>
-              </a:uFill>
-              <a:latin typeface="Candara"/>
-            </a:endParaRPr>
-          </a:p>
-          <a:p>
-            <a:pPr lvl="4" marL="2160000" indent="-216000">
+          </a:p>
+          <a:p>
+            <a:pPr marL="2160000" lvl="4" indent="-216000">
               <a:spcBef>
                 <a:spcPts val="283"/>
               </a:spcBef>
@@ -4883,33 +5151,22 @@
               <a:buChar char=""/>
             </a:pPr>
             <a:r>
-              <a:rPr b="0" lang="en-US" sz="2000" spc="-1" strike="noStrike">
-                <a:solidFill>
-                  <a:srgbClr val="d9d9d9"/>
+              <a:rPr lang="en-US" sz="2000" b="0" strike="noStrike" spc="-1">
+                <a:solidFill>
+                  <a:srgbClr val="D9D9D9"/>
                 </a:solidFill>
                 <a:uFill>
                   <a:solidFill>
-                    <a:srgbClr val="ffffff"/>
+                    <a:srgbClr val="FFFFFF"/>
                   </a:solidFill>
                 </a:uFill>
                 <a:latin typeface="Candara"/>
               </a:rPr>
               <a:t>Fifth Outline Level</a:t>
             </a:r>
-            <a:endParaRPr b="0" lang="en-US" sz="2000" spc="-1" strike="noStrike">
-              <a:solidFill>
-                <a:srgbClr val="d9d9d9"/>
-              </a:solidFill>
-              <a:uFill>
-                <a:solidFill>
-                  <a:srgbClr val="ffffff"/>
-                </a:solidFill>
-              </a:uFill>
-              <a:latin typeface="Candara"/>
-            </a:endParaRPr>
-          </a:p>
-          <a:p>
-            <a:pPr lvl="5" marL="2592000" indent="-216000">
+          </a:p>
+          <a:p>
+            <a:pPr marL="2592000" lvl="5" indent="-216000">
               <a:spcBef>
                 <a:spcPts val="283"/>
               </a:spcBef>
@@ -4921,33 +5178,22 @@
               <a:buChar char=""/>
             </a:pPr>
             <a:r>
-              <a:rPr b="0" lang="en-US" sz="2000" spc="-1" strike="noStrike">
-                <a:solidFill>
-                  <a:srgbClr val="d9d9d9"/>
+              <a:rPr lang="en-US" sz="2000" b="0" strike="noStrike" spc="-1">
+                <a:solidFill>
+                  <a:srgbClr val="D9D9D9"/>
                 </a:solidFill>
                 <a:uFill>
                   <a:solidFill>
-                    <a:srgbClr val="ffffff"/>
+                    <a:srgbClr val="FFFFFF"/>
                   </a:solidFill>
                 </a:uFill>
                 <a:latin typeface="Candara"/>
               </a:rPr>
               <a:t>Sixth Outline Level</a:t>
             </a:r>
-            <a:endParaRPr b="0" lang="en-US" sz="2000" spc="-1" strike="noStrike">
-              <a:solidFill>
-                <a:srgbClr val="d9d9d9"/>
-              </a:solidFill>
-              <a:uFill>
-                <a:solidFill>
-                  <a:srgbClr val="ffffff"/>
-                </a:solidFill>
-              </a:uFill>
-              <a:latin typeface="Candara"/>
-            </a:endParaRPr>
-          </a:p>
-          <a:p>
-            <a:pPr lvl="6" marL="3024000" indent="-216000">
+          </a:p>
+          <a:p>
+            <a:pPr marL="3024000" lvl="6" indent="-216000">
               <a:spcBef>
                 <a:spcPts val="283"/>
               </a:spcBef>
@@ -4959,61 +5205,331 @@
               <a:buChar char=""/>
             </a:pPr>
             <a:r>
-              <a:rPr b="0" lang="en-US" sz="2000" spc="-1" strike="noStrike">
-                <a:solidFill>
-                  <a:srgbClr val="d9d9d9"/>
+              <a:rPr lang="en-US" sz="2000" b="0" strike="noStrike" spc="-1">
+                <a:solidFill>
+                  <a:srgbClr val="D9D9D9"/>
                 </a:solidFill>
                 <a:uFill>
                   <a:solidFill>
-                    <a:srgbClr val="ffffff"/>
+                    <a:srgbClr val="FFFFFF"/>
                   </a:solidFill>
                 </a:uFill>
                 <a:latin typeface="Candara"/>
               </a:rPr>
               <a:t>Seventh Outline Level</a:t>
             </a:r>
-            <a:endParaRPr b="0" lang="en-US" sz="2000" spc="-1" strike="noStrike">
-              <a:solidFill>
-                <a:srgbClr val="d9d9d9"/>
-              </a:solidFill>
-              <a:uFill>
-                <a:solidFill>
-                  <a:srgbClr val="ffffff"/>
-                </a:solidFill>
-              </a:uFill>
-              <a:latin typeface="Candara"/>
-            </a:endParaRPr>
           </a:p>
         </p:txBody>
       </p:sp>
     </p:spTree>
   </p:cSld>
-  <p:clrMap bg1="lt1" bg2="lt2" tx1="dk1" tx2="dk2" accent1="accent1" accent2="accent2" accent3="accent3" accent4="accent4" accent5="accent5" accent6="accent6" hlink="hlink" folHlink="folHlink"/>
+  <p:clrMap bg1="lt1" tx1="dk1" bg2="lt2" tx2="dk2" accent1="accent1" accent2="accent2" accent3="accent3" accent4="accent4" accent5="accent5" accent6="accent6" hlink="hlink" folHlink="folHlink"/>
   <p:sldLayoutIdLst>
-    <p:sldLayoutId id="2147483649" r:id="rId3"/>
-    <p:sldLayoutId id="2147483650" r:id="rId4"/>
-    <p:sldLayoutId id="2147483651" r:id="rId5"/>
-    <p:sldLayoutId id="2147483652" r:id="rId6"/>
-    <p:sldLayoutId id="2147483653" r:id="rId7"/>
-    <p:sldLayoutId id="2147483654" r:id="rId8"/>
-    <p:sldLayoutId id="2147483655" r:id="rId9"/>
-    <p:sldLayoutId id="2147483656" r:id="rId10"/>
-    <p:sldLayoutId id="2147483657" r:id="rId11"/>
-    <p:sldLayoutId id="2147483658" r:id="rId12"/>
-    <p:sldLayoutId id="2147483659" r:id="rId13"/>
-    <p:sldLayoutId id="2147483660" r:id="rId14"/>
+    <p:sldLayoutId id="2147483649" r:id="rId1"/>
+    <p:sldLayoutId id="2147483650" r:id="rId2"/>
+    <p:sldLayoutId id="2147483651" r:id="rId3"/>
+    <p:sldLayoutId id="2147483652" r:id="rId4"/>
+    <p:sldLayoutId id="2147483653" r:id="rId5"/>
+    <p:sldLayoutId id="2147483654" r:id="rId6"/>
+    <p:sldLayoutId id="2147483655" r:id="rId7"/>
+    <p:sldLayoutId id="2147483656" r:id="rId8"/>
+    <p:sldLayoutId id="2147483657" r:id="rId9"/>
+    <p:sldLayoutId id="2147483658" r:id="rId10"/>
+    <p:sldLayoutId id="2147483659" r:id="rId11"/>
+    <p:sldLayoutId id="2147483660" r:id="rId12"/>
   </p:sldLayoutIdLst>
+  <p:txStyles>
+    <p:titleStyle>
+      <a:lvl1pPr algn="l" defTabSz="914400" rtl="0" eaLnBrk="1" latinLnBrk="0" hangingPunct="1">
+        <a:lnSpc>
+          <a:spcPct val="90000"/>
+        </a:lnSpc>
+        <a:spcBef>
+          <a:spcPct val="0"/>
+        </a:spcBef>
+        <a:buNone/>
+        <a:defRPr sz="4400" kern="1200">
+          <a:solidFill>
+            <a:schemeClr val="tx1"/>
+          </a:solidFill>
+          <a:latin typeface="+mj-lt"/>
+          <a:ea typeface="+mj-ea"/>
+          <a:cs typeface="+mj-cs"/>
+        </a:defRPr>
+      </a:lvl1pPr>
+    </p:titleStyle>
+    <p:bodyStyle>
+      <a:lvl1pPr marL="228600" indent="-228600" algn="l" defTabSz="914400" rtl="0" eaLnBrk="1" latinLnBrk="0" hangingPunct="1">
+        <a:lnSpc>
+          <a:spcPct val="90000"/>
+        </a:lnSpc>
+        <a:spcBef>
+          <a:spcPts val="1000"/>
+        </a:spcBef>
+        <a:buFont typeface="Arial" panose="020B0604020202020204" pitchFamily="34" charset="0"/>
+        <a:buChar char="•"/>
+        <a:defRPr sz="2800" kern="1200">
+          <a:solidFill>
+            <a:schemeClr val="tx1"/>
+          </a:solidFill>
+          <a:latin typeface="+mn-lt"/>
+          <a:ea typeface="+mn-ea"/>
+          <a:cs typeface="+mn-cs"/>
+        </a:defRPr>
+      </a:lvl1pPr>
+      <a:lvl2pPr marL="685800" indent="-228600" algn="l" defTabSz="914400" rtl="0" eaLnBrk="1" latinLnBrk="0" hangingPunct="1">
+        <a:lnSpc>
+          <a:spcPct val="90000"/>
+        </a:lnSpc>
+        <a:spcBef>
+          <a:spcPts val="500"/>
+        </a:spcBef>
+        <a:buFont typeface="Arial" panose="020B0604020202020204" pitchFamily="34" charset="0"/>
+        <a:buChar char="•"/>
+        <a:defRPr sz="2400" kern="1200">
+          <a:solidFill>
+            <a:schemeClr val="tx1"/>
+          </a:solidFill>
+          <a:latin typeface="+mn-lt"/>
+          <a:ea typeface="+mn-ea"/>
+          <a:cs typeface="+mn-cs"/>
+        </a:defRPr>
+      </a:lvl2pPr>
+      <a:lvl3pPr marL="1143000" indent="-228600" algn="l" defTabSz="914400" rtl="0" eaLnBrk="1" latinLnBrk="0" hangingPunct="1">
+        <a:lnSpc>
+          <a:spcPct val="90000"/>
+        </a:lnSpc>
+        <a:spcBef>
+          <a:spcPts val="500"/>
+        </a:spcBef>
+        <a:buFont typeface="Arial" panose="020B0604020202020204" pitchFamily="34" charset="0"/>
+        <a:buChar char="•"/>
+        <a:defRPr sz="2000" kern="1200">
+          <a:solidFill>
+            <a:schemeClr val="tx1"/>
+          </a:solidFill>
+          <a:latin typeface="+mn-lt"/>
+          <a:ea typeface="+mn-ea"/>
+          <a:cs typeface="+mn-cs"/>
+        </a:defRPr>
+      </a:lvl3pPr>
+      <a:lvl4pPr marL="1600200" indent="-228600" algn="l" defTabSz="914400" rtl="0" eaLnBrk="1" latinLnBrk="0" hangingPunct="1">
+        <a:lnSpc>
+          <a:spcPct val="90000"/>
+        </a:lnSpc>
+        <a:spcBef>
+          <a:spcPts val="500"/>
+        </a:spcBef>
+        <a:buFont typeface="Arial" panose="020B0604020202020204" pitchFamily="34" charset="0"/>
+        <a:buChar char="•"/>
+        <a:defRPr sz="1800" kern="1200">
+          <a:solidFill>
+            <a:schemeClr val="tx1"/>
+          </a:solidFill>
+          <a:latin typeface="+mn-lt"/>
+          <a:ea typeface="+mn-ea"/>
+          <a:cs typeface="+mn-cs"/>
+        </a:defRPr>
+      </a:lvl4pPr>
+      <a:lvl5pPr marL="2057400" indent="-228600" algn="l" defTabSz="914400" rtl="0" eaLnBrk="1" latinLnBrk="0" hangingPunct="1">
+        <a:lnSpc>
+          <a:spcPct val="90000"/>
+        </a:lnSpc>
+        <a:spcBef>
+          <a:spcPts val="500"/>
+        </a:spcBef>
+        <a:buFont typeface="Arial" panose="020B0604020202020204" pitchFamily="34" charset="0"/>
+        <a:buChar char="•"/>
+        <a:defRPr sz="1800" kern="1200">
+          <a:solidFill>
+            <a:schemeClr val="tx1"/>
+          </a:solidFill>
+          <a:latin typeface="+mn-lt"/>
+          <a:ea typeface="+mn-ea"/>
+          <a:cs typeface="+mn-cs"/>
+        </a:defRPr>
+      </a:lvl5pPr>
+      <a:lvl6pPr marL="2514600" indent="-228600" algn="l" defTabSz="914400" rtl="0" eaLnBrk="1" latinLnBrk="0" hangingPunct="1">
+        <a:lnSpc>
+          <a:spcPct val="90000"/>
+        </a:lnSpc>
+        <a:spcBef>
+          <a:spcPts val="500"/>
+        </a:spcBef>
+        <a:buFont typeface="Arial" panose="020B0604020202020204" pitchFamily="34" charset="0"/>
+        <a:buChar char="•"/>
+        <a:defRPr sz="1800" kern="1200">
+          <a:solidFill>
+            <a:schemeClr val="tx1"/>
+          </a:solidFill>
+          <a:latin typeface="+mn-lt"/>
+          <a:ea typeface="+mn-ea"/>
+          <a:cs typeface="+mn-cs"/>
+        </a:defRPr>
+      </a:lvl6pPr>
+      <a:lvl7pPr marL="2971800" indent="-228600" algn="l" defTabSz="914400" rtl="0" eaLnBrk="1" latinLnBrk="0" hangingPunct="1">
+        <a:lnSpc>
+          <a:spcPct val="90000"/>
+        </a:lnSpc>
+        <a:spcBef>
+          <a:spcPts val="500"/>
+        </a:spcBef>
+        <a:buFont typeface="Arial" panose="020B0604020202020204" pitchFamily="34" charset="0"/>
+        <a:buChar char="•"/>
+        <a:defRPr sz="1800" kern="1200">
+          <a:solidFill>
+            <a:schemeClr val="tx1"/>
+          </a:solidFill>
+          <a:latin typeface="+mn-lt"/>
+          <a:ea typeface="+mn-ea"/>
+          <a:cs typeface="+mn-cs"/>
+        </a:defRPr>
+      </a:lvl7pPr>
+      <a:lvl8pPr marL="3429000" indent="-228600" algn="l" defTabSz="914400" rtl="0" eaLnBrk="1" latinLnBrk="0" hangingPunct="1">
+        <a:lnSpc>
+          <a:spcPct val="90000"/>
+        </a:lnSpc>
+        <a:spcBef>
+          <a:spcPts val="500"/>
+        </a:spcBef>
+        <a:buFont typeface="Arial" panose="020B0604020202020204" pitchFamily="34" charset="0"/>
+        <a:buChar char="•"/>
+        <a:defRPr sz="1800" kern="1200">
+          <a:solidFill>
+            <a:schemeClr val="tx1"/>
+          </a:solidFill>
+          <a:latin typeface="+mn-lt"/>
+          <a:ea typeface="+mn-ea"/>
+          <a:cs typeface="+mn-cs"/>
+        </a:defRPr>
+      </a:lvl8pPr>
+      <a:lvl9pPr marL="3886200" indent="-228600" algn="l" defTabSz="914400" rtl="0" eaLnBrk="1" latinLnBrk="0" hangingPunct="1">
+        <a:lnSpc>
+          <a:spcPct val="90000"/>
+        </a:lnSpc>
+        <a:spcBef>
+          <a:spcPts val="500"/>
+        </a:spcBef>
+        <a:buFont typeface="Arial" panose="020B0604020202020204" pitchFamily="34" charset="0"/>
+        <a:buChar char="•"/>
+        <a:defRPr sz="1800" kern="1200">
+          <a:solidFill>
+            <a:schemeClr val="tx1"/>
+          </a:solidFill>
+          <a:latin typeface="+mn-lt"/>
+          <a:ea typeface="+mn-ea"/>
+          <a:cs typeface="+mn-cs"/>
+        </a:defRPr>
+      </a:lvl9pPr>
+    </p:bodyStyle>
+    <p:otherStyle>
+      <a:defPPr>
+        <a:defRPr lang="en-US"/>
+      </a:defPPr>
+      <a:lvl1pPr marL="0" algn="l" defTabSz="914400" rtl="0" eaLnBrk="1" latinLnBrk="0" hangingPunct="1">
+        <a:defRPr sz="1800" kern="1200">
+          <a:solidFill>
+            <a:schemeClr val="tx1"/>
+          </a:solidFill>
+          <a:latin typeface="+mn-lt"/>
+          <a:ea typeface="+mn-ea"/>
+          <a:cs typeface="+mn-cs"/>
+        </a:defRPr>
+      </a:lvl1pPr>
+      <a:lvl2pPr marL="457200" algn="l" defTabSz="914400" rtl="0" eaLnBrk="1" latinLnBrk="0" hangingPunct="1">
+        <a:defRPr sz="1800" kern="1200">
+          <a:solidFill>
+            <a:schemeClr val="tx1"/>
+          </a:solidFill>
+          <a:latin typeface="+mn-lt"/>
+          <a:ea typeface="+mn-ea"/>
+          <a:cs typeface="+mn-cs"/>
+        </a:defRPr>
+      </a:lvl2pPr>
+      <a:lvl3pPr marL="914400" algn="l" defTabSz="914400" rtl="0" eaLnBrk="1" latinLnBrk="0" hangingPunct="1">
+        <a:defRPr sz="1800" kern="1200">
+          <a:solidFill>
+            <a:schemeClr val="tx1"/>
+          </a:solidFill>
+          <a:latin typeface="+mn-lt"/>
+          <a:ea typeface="+mn-ea"/>
+          <a:cs typeface="+mn-cs"/>
+        </a:defRPr>
+      </a:lvl3pPr>
+      <a:lvl4pPr marL="1371600" algn="l" defTabSz="914400" rtl="0" eaLnBrk="1" latinLnBrk="0" hangingPunct="1">
+        <a:defRPr sz="1800" kern="1200">
+          <a:solidFill>
+            <a:schemeClr val="tx1"/>
+          </a:solidFill>
+          <a:latin typeface="+mn-lt"/>
+          <a:ea typeface="+mn-ea"/>
+          <a:cs typeface="+mn-cs"/>
+        </a:defRPr>
+      </a:lvl4pPr>
+      <a:lvl5pPr marL="1828800" algn="l" defTabSz="914400" rtl="0" eaLnBrk="1" latinLnBrk="0" hangingPunct="1">
+        <a:defRPr sz="1800" kern="1200">
+          <a:solidFill>
+            <a:schemeClr val="tx1"/>
+          </a:solidFill>
+          <a:latin typeface="+mn-lt"/>
+          <a:ea typeface="+mn-ea"/>
+          <a:cs typeface="+mn-cs"/>
+        </a:defRPr>
+      </a:lvl5pPr>
+      <a:lvl6pPr marL="2286000" algn="l" defTabSz="914400" rtl="0" eaLnBrk="1" latinLnBrk="0" hangingPunct="1">
+        <a:defRPr sz="1800" kern="1200">
+          <a:solidFill>
+            <a:schemeClr val="tx1"/>
+          </a:solidFill>
+          <a:latin typeface="+mn-lt"/>
+          <a:ea typeface="+mn-ea"/>
+          <a:cs typeface="+mn-cs"/>
+        </a:defRPr>
+      </a:lvl6pPr>
+      <a:lvl7pPr marL="2743200" algn="l" defTabSz="914400" rtl="0" eaLnBrk="1" latinLnBrk="0" hangingPunct="1">
+        <a:defRPr sz="1800" kern="1200">
+          <a:solidFill>
+            <a:schemeClr val="tx1"/>
+          </a:solidFill>
+          <a:latin typeface="+mn-lt"/>
+          <a:ea typeface="+mn-ea"/>
+          <a:cs typeface="+mn-cs"/>
+        </a:defRPr>
+      </a:lvl7pPr>
+      <a:lvl8pPr marL="3200400" algn="l" defTabSz="914400" rtl="0" eaLnBrk="1" latinLnBrk="0" hangingPunct="1">
+        <a:defRPr sz="1800" kern="1200">
+          <a:solidFill>
+            <a:schemeClr val="tx1"/>
+          </a:solidFill>
+          <a:latin typeface="+mn-lt"/>
+          <a:ea typeface="+mn-ea"/>
+          <a:cs typeface="+mn-cs"/>
+        </a:defRPr>
+      </a:lvl8pPr>
+      <a:lvl9pPr marL="3657600" algn="l" defTabSz="914400" rtl="0" eaLnBrk="1" latinLnBrk="0" hangingPunct="1">
+        <a:defRPr sz="1800" kern="1200">
+          <a:solidFill>
+            <a:schemeClr val="tx1"/>
+          </a:solidFill>
+          <a:latin typeface="+mn-lt"/>
+          <a:ea typeface="+mn-ea"/>
+          <a:cs typeface="+mn-cs"/>
+        </a:defRPr>
+      </a:lvl9pPr>
+    </p:otherStyle>
+  </p:txStyles>
 </p:sldMaster>
 </file>
 
 <file path=ppt/slideMasters/slideMaster2.xml><?xml version="1.0" encoding="utf-8"?>
-<p:sldMaster xmlns:a="http://schemas.openxmlformats.org/drawingml/2006/main" xmlns:p="http://schemas.openxmlformats.org/presentationml/2006/main" xmlns:r="http://schemas.openxmlformats.org/officeDocument/2006/relationships" xmlns:p14="http://schemas.microsoft.com/office/powerpoint/2010/main" xmlns:p15="http://schemas.microsoft.com/office/powerpoint/2012/main" xmlns:mc="http://schemas.openxmlformats.org/markup-compatibility/2006">
+<p:sldMaster xmlns:a="http://schemas.openxmlformats.org/drawingml/2006/main" xmlns:r="http://schemas.openxmlformats.org/officeDocument/2006/relationships" xmlns:p="http://schemas.openxmlformats.org/presentationml/2006/main">
   <p:cSld>
     <p:bg>
       <p:bgPr>
         <a:solidFill>
           <a:srgbClr val="000000"/>
         </a:solidFill>
+        <a:effectLst/>
       </p:bgPr>
     </p:bg>
     <p:spTree>
@@ -5051,6 +5567,7 @@
         </p:spPr>
         <p:txBody>
           <a:bodyPr anchor="b"/>
+          <a:lstStyle/>
           <a:p>
             <a:pPr>
               <a:lnSpc>
@@ -5058,26 +5575,26 @@
               </a:lnSpc>
             </a:pPr>
             <a:r>
-              <a:rPr b="0" lang="en-US" sz="3400" spc="-1" strike="noStrike">
-                <a:solidFill>
-                  <a:srgbClr val="92d050"/>
+              <a:rPr lang="en-US" sz="3400" b="0" strike="noStrike" spc="-1">
+                <a:solidFill>
+                  <a:srgbClr val="92D050"/>
                 </a:solidFill>
                 <a:uFill>
                   <a:solidFill>
-                    <a:srgbClr val="ffffff"/>
+                    <a:srgbClr val="FFFFFF"/>
                   </a:solidFill>
                 </a:uFill>
                 <a:latin typeface="Consolas"/>
               </a:rPr>
               <a:t>Click to edit Master title style</a:t>
             </a:r>
-            <a:endParaRPr b="0" lang="en-US" sz="3400" spc="-1" strike="noStrike">
-              <a:solidFill>
-                <a:srgbClr val="ffffff"/>
-              </a:solidFill>
-              <a:uFill>
-                <a:solidFill>
-                  <a:srgbClr val="ffffff"/>
+            <a:endParaRPr lang="en-US" sz="3400" b="0" strike="noStrike" spc="-1">
+              <a:solidFill>
+                <a:srgbClr val="FFFFFF"/>
+              </a:solidFill>
+              <a:uFill>
+                <a:solidFill>
+                  <a:srgbClr val="FFFFFF"/>
                 </a:solidFill>
               </a:uFill>
               <a:latin typeface="Candara"/>
@@ -5106,6 +5623,7 @@
         </p:spPr>
         <p:txBody>
           <a:bodyPr/>
+          <a:lstStyle/>
           <a:p>
             <a:pPr marL="228600" indent="-228240">
               <a:lnSpc>
@@ -5115,39 +5633,28 @@
                 <a:spcPts val="1800"/>
               </a:spcBef>
               <a:buClr>
-                <a:srgbClr val="92d050"/>
+                <a:srgbClr val="92D050"/>
               </a:buClr>
               <a:buFont typeface="Arial"/>
               <a:buChar char="•"/>
             </a:pPr>
             <a:r>
-              <a:rPr b="0" lang="en-US" sz="2000" spc="-1" strike="noStrike">
-                <a:solidFill>
-                  <a:srgbClr val="d9d9d9"/>
+              <a:rPr lang="en-US" sz="2000" b="0" strike="noStrike" spc="-1">
+                <a:solidFill>
+                  <a:srgbClr val="D9D9D9"/>
                 </a:solidFill>
                 <a:uFill>
                   <a:solidFill>
-                    <a:srgbClr val="ffffff"/>
+                    <a:srgbClr val="FFFFFF"/>
                   </a:solidFill>
                 </a:uFill>
                 <a:latin typeface="Candara"/>
               </a:rPr>
               <a:t>Edit Master text styles</a:t>
             </a:r>
-            <a:endParaRPr b="0" lang="en-US" sz="2000" spc="-1" strike="noStrike">
-              <a:solidFill>
-                <a:srgbClr val="d9d9d9"/>
-              </a:solidFill>
-              <a:uFill>
-                <a:solidFill>
-                  <a:srgbClr val="ffffff"/>
-                </a:solidFill>
-              </a:uFill>
-              <a:latin typeface="Candara"/>
-            </a:endParaRPr>
-          </a:p>
-          <a:p>
-            <a:pPr lvl="1" marL="594360" indent="-228240">
+          </a:p>
+          <a:p>
+            <a:pPr marL="594360" lvl="1" indent="-228240">
               <a:lnSpc>
                 <a:spcPct val="100000"/>
               </a:lnSpc>
@@ -5155,39 +5662,28 @@
                 <a:spcPts val="1001"/>
               </a:spcBef>
               <a:buClr>
-                <a:srgbClr val="92d050"/>
+                <a:srgbClr val="92D050"/>
               </a:buClr>
               <a:buFont typeface="Arial"/>
               <a:buChar char="•"/>
             </a:pPr>
             <a:r>
-              <a:rPr b="0" lang="en-US" sz="1800" spc="-1" strike="noStrike">
-                <a:solidFill>
-                  <a:srgbClr val="d9d9d9"/>
+              <a:rPr lang="en-US" sz="1800" b="0" strike="noStrike" spc="-1">
+                <a:solidFill>
+                  <a:srgbClr val="D9D9D9"/>
                 </a:solidFill>
                 <a:uFill>
                   <a:solidFill>
-                    <a:srgbClr val="ffffff"/>
+                    <a:srgbClr val="FFFFFF"/>
                   </a:solidFill>
                 </a:uFill>
                 <a:latin typeface="Candara"/>
               </a:rPr>
               <a:t>Second level</a:t>
             </a:r>
-            <a:endParaRPr b="0" lang="en-US" sz="1800" spc="-1" strike="noStrike">
-              <a:solidFill>
-                <a:srgbClr val="d9d9d9"/>
-              </a:solidFill>
-              <a:uFill>
-                <a:solidFill>
-                  <a:srgbClr val="ffffff"/>
-                </a:solidFill>
-              </a:uFill>
-              <a:latin typeface="Candara"/>
-            </a:endParaRPr>
-          </a:p>
-          <a:p>
-            <a:pPr lvl="2" marL="914400" indent="-228240">
+          </a:p>
+          <a:p>
+            <a:pPr marL="914400" lvl="2" indent="-228240">
               <a:lnSpc>
                 <a:spcPct val="100000"/>
               </a:lnSpc>
@@ -5195,39 +5691,28 @@
                 <a:spcPts val="799"/>
               </a:spcBef>
               <a:buClr>
-                <a:srgbClr val="92d050"/>
+                <a:srgbClr val="92D050"/>
               </a:buClr>
               <a:buFont typeface="Arial"/>
               <a:buChar char="•"/>
             </a:pPr>
             <a:r>
-              <a:rPr b="0" lang="en-US" sz="1600" spc="-1" strike="noStrike">
-                <a:solidFill>
-                  <a:srgbClr val="d9d9d9"/>
+              <a:rPr lang="en-US" sz="1600" b="0" strike="noStrike" spc="-1">
+                <a:solidFill>
+                  <a:srgbClr val="D9D9D9"/>
                 </a:solidFill>
                 <a:uFill>
                   <a:solidFill>
-                    <a:srgbClr val="ffffff"/>
+                    <a:srgbClr val="FFFFFF"/>
                   </a:solidFill>
                 </a:uFill>
                 <a:latin typeface="Candara"/>
               </a:rPr>
               <a:t>Third level</a:t>
             </a:r>
-            <a:endParaRPr b="0" lang="en-US" sz="1600" spc="-1" strike="noStrike">
-              <a:solidFill>
-                <a:srgbClr val="d9d9d9"/>
-              </a:solidFill>
-              <a:uFill>
-                <a:solidFill>
-                  <a:srgbClr val="ffffff"/>
-                </a:solidFill>
-              </a:uFill>
-              <a:latin typeface="Candara"/>
-            </a:endParaRPr>
-          </a:p>
-          <a:p>
-            <a:pPr lvl="3" marL="1234440" indent="-228240">
+          </a:p>
+          <a:p>
+            <a:pPr marL="1234440" lvl="3" indent="-228240">
               <a:lnSpc>
                 <a:spcPct val="100000"/>
               </a:lnSpc>
@@ -5235,39 +5720,28 @@
                 <a:spcPts val="799"/>
               </a:spcBef>
               <a:buClr>
-                <a:srgbClr val="92d050"/>
+                <a:srgbClr val="92D050"/>
               </a:buClr>
               <a:buFont typeface="Arial"/>
               <a:buChar char="•"/>
             </a:pPr>
             <a:r>
-              <a:rPr b="0" lang="en-US" sz="1400" spc="-1" strike="noStrike">
-                <a:solidFill>
-                  <a:srgbClr val="d9d9d9"/>
+              <a:rPr lang="en-US" sz="1400" b="0" strike="noStrike" spc="-1">
+                <a:solidFill>
+                  <a:srgbClr val="D9D9D9"/>
                 </a:solidFill>
                 <a:uFill>
                   <a:solidFill>
-                    <a:srgbClr val="ffffff"/>
+                    <a:srgbClr val="FFFFFF"/>
                   </a:solidFill>
                 </a:uFill>
                 <a:latin typeface="Candara"/>
               </a:rPr>
               <a:t>Fourth level</a:t>
             </a:r>
-            <a:endParaRPr b="0" lang="en-US" sz="1400" spc="-1" strike="noStrike">
-              <a:solidFill>
-                <a:srgbClr val="d9d9d9"/>
-              </a:solidFill>
-              <a:uFill>
-                <a:solidFill>
-                  <a:srgbClr val="ffffff"/>
-                </a:solidFill>
-              </a:uFill>
-              <a:latin typeface="Candara"/>
-            </a:endParaRPr>
-          </a:p>
-          <a:p>
-            <a:pPr lvl="4" marL="1508760" indent="-228240">
+          </a:p>
+          <a:p>
+            <a:pPr marL="1508760" lvl="4" indent="-228240">
               <a:lnSpc>
                 <a:spcPct val="100000"/>
               </a:lnSpc>
@@ -5275,36 +5749,25 @@
                 <a:spcPts val="799"/>
               </a:spcBef>
               <a:buClr>
-                <a:srgbClr val="92d050"/>
+                <a:srgbClr val="92D050"/>
               </a:buClr>
               <a:buFont typeface="Arial"/>
               <a:buChar char="•"/>
             </a:pPr>
             <a:r>
-              <a:rPr b="0" lang="en-US" sz="1400" spc="-1" strike="noStrike">
-                <a:solidFill>
-                  <a:srgbClr val="d9d9d9"/>
+              <a:rPr lang="en-US" sz="1400" b="0" strike="noStrike" spc="-1">
+                <a:solidFill>
+                  <a:srgbClr val="D9D9D9"/>
                 </a:solidFill>
                 <a:uFill>
                   <a:solidFill>
-                    <a:srgbClr val="ffffff"/>
+                    <a:srgbClr val="FFFFFF"/>
                   </a:solidFill>
                 </a:uFill>
                 <a:latin typeface="Candara"/>
               </a:rPr>
               <a:t>Fifth level</a:t>
             </a:r>
-            <a:endParaRPr b="0" lang="en-US" sz="1400" spc="-1" strike="noStrike">
-              <a:solidFill>
-                <a:srgbClr val="d9d9d9"/>
-              </a:solidFill>
-              <a:uFill>
-                <a:solidFill>
-                  <a:srgbClr val="ffffff"/>
-                </a:solidFill>
-              </a:uFill>
-              <a:latin typeface="Candara"/>
-            </a:endParaRPr>
           </a:p>
         </p:txBody>
       </p:sp>
@@ -5329,14 +5792,15 @@
         </p:spPr>
         <p:txBody>
           <a:bodyPr anchor="ctr"/>
-          <a:p>
-            <a:endParaRPr b="0" lang="en-US" sz="2400" spc="-1" strike="noStrike">
-              <a:solidFill>
-                <a:srgbClr val="ffffff"/>
-              </a:solidFill>
-              <a:uFill>
-                <a:solidFill>
-                  <a:srgbClr val="ffffff"/>
+          <a:lstStyle/>
+          <a:p>
+            <a:endParaRPr lang="en-US" sz="2400" b="0" strike="noStrike" spc="-1">
+              <a:solidFill>
+                <a:srgbClr val="FFFFFF"/>
+              </a:solidFill>
+              <a:uFill>
+                <a:solidFill>
+                  <a:srgbClr val="FFFFFF"/>
                 </a:solidFill>
               </a:uFill>
               <a:latin typeface="Times New Roman"/>
@@ -5365,6 +5829,7 @@
         </p:spPr>
         <p:txBody>
           <a:bodyPr anchor="ctr"/>
+          <a:lstStyle/>
           <a:p>
             <a:pPr algn="r">
               <a:lnSpc>
@@ -5372,26 +5837,26 @@
               </a:lnSpc>
             </a:pPr>
             <a:fld id="{795A5149-E4F3-4A68-BC39-36DBB5CEEED6}" type="datetime">
-              <a:rPr b="0" lang="en-US" sz="1100" spc="-1" strike="noStrike">
-                <a:solidFill>
-                  <a:srgbClr val="d9d9d9"/>
+              <a:rPr lang="en-US" sz="1100" b="0" strike="noStrike" spc="-1">
+                <a:solidFill>
+                  <a:srgbClr val="D9D9D9"/>
                 </a:solidFill>
                 <a:uFill>
                   <a:solidFill>
-                    <a:srgbClr val="ffffff"/>
+                    <a:srgbClr val="FFFFFF"/>
                   </a:solidFill>
                 </a:uFill>
                 <a:latin typeface="Candara"/>
               </a:rPr>
-              <a:t>10/29/17</a:t>
+              <a:t>10/30/2017</a:t>
             </a:fld>
-            <a:endParaRPr b="0" lang="en-US" sz="1100" spc="-1" strike="noStrike">
-              <a:solidFill>
-                <a:srgbClr val="ffffff"/>
-              </a:solidFill>
-              <a:uFill>
-                <a:solidFill>
-                  <a:srgbClr val="ffffff"/>
+            <a:endParaRPr lang="en-US" sz="1100" b="0" strike="noStrike" spc="-1">
+              <a:solidFill>
+                <a:srgbClr val="FFFFFF"/>
+              </a:solidFill>
+              <a:uFill>
+                <a:solidFill>
+                  <a:srgbClr val="FFFFFF"/>
                 </a:solidFill>
               </a:uFill>
               <a:latin typeface="Times New Roman"/>
@@ -5420,6 +5885,7 @@
         </p:spPr>
         <p:txBody>
           <a:bodyPr anchor="ctr"/>
+          <a:lstStyle/>
           <a:p>
             <a:pPr algn="r">
               <a:lnSpc>
@@ -5427,26 +5893,26 @@
               </a:lnSpc>
             </a:pPr>
             <a:fld id="{FC4F583A-FD3A-41B8-A89D-DB78552B5181}" type="slidenum">
-              <a:rPr b="0" lang="en-US" sz="1100" spc="-1" strike="noStrike">
-                <a:solidFill>
-                  <a:srgbClr val="d9d9d9"/>
+              <a:rPr lang="en-US" sz="1100" b="0" strike="noStrike" spc="-1">
+                <a:solidFill>
+                  <a:srgbClr val="D9D9D9"/>
                 </a:solidFill>
                 <a:uFill>
                   <a:solidFill>
-                    <a:srgbClr val="ffffff"/>
+                    <a:srgbClr val="FFFFFF"/>
                   </a:solidFill>
                 </a:uFill>
                 <a:latin typeface="Candara"/>
               </a:rPr>
-              <a:t>&lt;number&gt;</a:t>
+              <a:t>‹#›</a:t>
             </a:fld>
-            <a:endParaRPr b="0" lang="en-US" sz="1100" spc="-1" strike="noStrike">
-              <a:solidFill>
-                <a:srgbClr val="ffffff"/>
-              </a:solidFill>
-              <a:uFill>
-                <a:solidFill>
-                  <a:srgbClr val="ffffff"/>
+            <a:endParaRPr lang="en-US" sz="1100" b="0" strike="noStrike" spc="-1">
+              <a:solidFill>
+                <a:srgbClr val="FFFFFF"/>
+              </a:solidFill>
+              <a:uFill>
+                <a:solidFill>
+                  <a:srgbClr val="FFFFFF"/>
                 </a:solidFill>
               </a:uFill>
               <a:latin typeface="Times New Roman"/>
@@ -5456,32 +5922,313 @@
       </p:sp>
     </p:spTree>
   </p:cSld>
-  <p:clrMap bg1="lt1" bg2="lt2" tx1="dk1" tx2="dk2" accent1="accent1" accent2="accent2" accent3="accent3" accent4="accent4" accent5="accent5" accent6="accent6" hlink="hlink" folHlink="folHlink"/>
+  <p:clrMap bg1="lt1" tx1="dk1" bg2="lt2" tx2="dk2" accent1="accent1" accent2="accent2" accent3="accent3" accent4="accent4" accent5="accent5" accent6="accent6" hlink="hlink" folHlink="folHlink"/>
   <p:sldLayoutIdLst>
-    <p:sldLayoutId id="2147483662" r:id="rId2"/>
-    <p:sldLayoutId id="2147483663" r:id="rId3"/>
-    <p:sldLayoutId id="2147483664" r:id="rId4"/>
-    <p:sldLayoutId id="2147483665" r:id="rId5"/>
-    <p:sldLayoutId id="2147483666" r:id="rId6"/>
-    <p:sldLayoutId id="2147483667" r:id="rId7"/>
-    <p:sldLayoutId id="2147483668" r:id="rId8"/>
-    <p:sldLayoutId id="2147483669" r:id="rId9"/>
-    <p:sldLayoutId id="2147483670" r:id="rId10"/>
-    <p:sldLayoutId id="2147483671" r:id="rId11"/>
-    <p:sldLayoutId id="2147483672" r:id="rId12"/>
-    <p:sldLayoutId id="2147483673" r:id="rId13"/>
+    <p:sldLayoutId id="2147483662" r:id="rId1"/>
+    <p:sldLayoutId id="2147483663" r:id="rId2"/>
+    <p:sldLayoutId id="2147483664" r:id="rId3"/>
+    <p:sldLayoutId id="2147483665" r:id="rId4"/>
+    <p:sldLayoutId id="2147483666" r:id="rId5"/>
+    <p:sldLayoutId id="2147483667" r:id="rId6"/>
+    <p:sldLayoutId id="2147483668" r:id="rId7"/>
+    <p:sldLayoutId id="2147483669" r:id="rId8"/>
+    <p:sldLayoutId id="2147483670" r:id="rId9"/>
+    <p:sldLayoutId id="2147483671" r:id="rId10"/>
+    <p:sldLayoutId id="2147483672" r:id="rId11"/>
+    <p:sldLayoutId id="2147483673" r:id="rId12"/>
   </p:sldLayoutIdLst>
+  <p:txStyles>
+    <p:titleStyle>
+      <a:lvl1pPr algn="l" defTabSz="914400" rtl="0" eaLnBrk="1" latinLnBrk="0" hangingPunct="1">
+        <a:lnSpc>
+          <a:spcPct val="90000"/>
+        </a:lnSpc>
+        <a:spcBef>
+          <a:spcPct val="0"/>
+        </a:spcBef>
+        <a:buNone/>
+        <a:defRPr sz="4400" kern="1200">
+          <a:solidFill>
+            <a:schemeClr val="tx1"/>
+          </a:solidFill>
+          <a:latin typeface="+mj-lt"/>
+          <a:ea typeface="+mj-ea"/>
+          <a:cs typeface="+mj-cs"/>
+        </a:defRPr>
+      </a:lvl1pPr>
+    </p:titleStyle>
+    <p:bodyStyle>
+      <a:lvl1pPr marL="228600" indent="-228600" algn="l" defTabSz="914400" rtl="0" eaLnBrk="1" latinLnBrk="0" hangingPunct="1">
+        <a:lnSpc>
+          <a:spcPct val="90000"/>
+        </a:lnSpc>
+        <a:spcBef>
+          <a:spcPts val="1000"/>
+        </a:spcBef>
+        <a:buFont typeface="Arial" panose="020B0604020202020204" pitchFamily="34" charset="0"/>
+        <a:buChar char="•"/>
+        <a:defRPr sz="2800" kern="1200">
+          <a:solidFill>
+            <a:schemeClr val="tx1"/>
+          </a:solidFill>
+          <a:latin typeface="+mn-lt"/>
+          <a:ea typeface="+mn-ea"/>
+          <a:cs typeface="+mn-cs"/>
+        </a:defRPr>
+      </a:lvl1pPr>
+      <a:lvl2pPr marL="685800" indent="-228600" algn="l" defTabSz="914400" rtl="0" eaLnBrk="1" latinLnBrk="0" hangingPunct="1">
+        <a:lnSpc>
+          <a:spcPct val="90000"/>
+        </a:lnSpc>
+        <a:spcBef>
+          <a:spcPts val="500"/>
+        </a:spcBef>
+        <a:buFont typeface="Arial" panose="020B0604020202020204" pitchFamily="34" charset="0"/>
+        <a:buChar char="•"/>
+        <a:defRPr sz="2400" kern="1200">
+          <a:solidFill>
+            <a:schemeClr val="tx1"/>
+          </a:solidFill>
+          <a:latin typeface="+mn-lt"/>
+          <a:ea typeface="+mn-ea"/>
+          <a:cs typeface="+mn-cs"/>
+        </a:defRPr>
+      </a:lvl2pPr>
+      <a:lvl3pPr marL="1143000" indent="-228600" algn="l" defTabSz="914400" rtl="0" eaLnBrk="1" latinLnBrk="0" hangingPunct="1">
+        <a:lnSpc>
+          <a:spcPct val="90000"/>
+        </a:lnSpc>
+        <a:spcBef>
+          <a:spcPts val="500"/>
+        </a:spcBef>
+        <a:buFont typeface="Arial" panose="020B0604020202020204" pitchFamily="34" charset="0"/>
+        <a:buChar char="•"/>
+        <a:defRPr sz="2000" kern="1200">
+          <a:solidFill>
+            <a:schemeClr val="tx1"/>
+          </a:solidFill>
+          <a:latin typeface="+mn-lt"/>
+          <a:ea typeface="+mn-ea"/>
+          <a:cs typeface="+mn-cs"/>
+        </a:defRPr>
+      </a:lvl3pPr>
+      <a:lvl4pPr marL="1600200" indent="-228600" algn="l" defTabSz="914400" rtl="0" eaLnBrk="1" latinLnBrk="0" hangingPunct="1">
+        <a:lnSpc>
+          <a:spcPct val="90000"/>
+        </a:lnSpc>
+        <a:spcBef>
+          <a:spcPts val="500"/>
+        </a:spcBef>
+        <a:buFont typeface="Arial" panose="020B0604020202020204" pitchFamily="34" charset="0"/>
+        <a:buChar char="•"/>
+        <a:defRPr sz="1800" kern="1200">
+          <a:solidFill>
+            <a:schemeClr val="tx1"/>
+          </a:solidFill>
+          <a:latin typeface="+mn-lt"/>
+          <a:ea typeface="+mn-ea"/>
+          <a:cs typeface="+mn-cs"/>
+        </a:defRPr>
+      </a:lvl4pPr>
+      <a:lvl5pPr marL="2057400" indent="-228600" algn="l" defTabSz="914400" rtl="0" eaLnBrk="1" latinLnBrk="0" hangingPunct="1">
+        <a:lnSpc>
+          <a:spcPct val="90000"/>
+        </a:lnSpc>
+        <a:spcBef>
+          <a:spcPts val="500"/>
+        </a:spcBef>
+        <a:buFont typeface="Arial" panose="020B0604020202020204" pitchFamily="34" charset="0"/>
+        <a:buChar char="•"/>
+        <a:defRPr sz="1800" kern="1200">
+          <a:solidFill>
+            <a:schemeClr val="tx1"/>
+          </a:solidFill>
+          <a:latin typeface="+mn-lt"/>
+          <a:ea typeface="+mn-ea"/>
+          <a:cs typeface="+mn-cs"/>
+        </a:defRPr>
+      </a:lvl5pPr>
+      <a:lvl6pPr marL="2514600" indent="-228600" algn="l" defTabSz="914400" rtl="0" eaLnBrk="1" latinLnBrk="0" hangingPunct="1">
+        <a:lnSpc>
+          <a:spcPct val="90000"/>
+        </a:lnSpc>
+        <a:spcBef>
+          <a:spcPts val="500"/>
+        </a:spcBef>
+        <a:buFont typeface="Arial" panose="020B0604020202020204" pitchFamily="34" charset="0"/>
+        <a:buChar char="•"/>
+        <a:defRPr sz="1800" kern="1200">
+          <a:solidFill>
+            <a:schemeClr val="tx1"/>
+          </a:solidFill>
+          <a:latin typeface="+mn-lt"/>
+          <a:ea typeface="+mn-ea"/>
+          <a:cs typeface="+mn-cs"/>
+        </a:defRPr>
+      </a:lvl6pPr>
+      <a:lvl7pPr marL="2971800" indent="-228600" algn="l" defTabSz="914400" rtl="0" eaLnBrk="1" latinLnBrk="0" hangingPunct="1">
+        <a:lnSpc>
+          <a:spcPct val="90000"/>
+        </a:lnSpc>
+        <a:spcBef>
+          <a:spcPts val="500"/>
+        </a:spcBef>
+        <a:buFont typeface="Arial" panose="020B0604020202020204" pitchFamily="34" charset="0"/>
+        <a:buChar char="•"/>
+        <a:defRPr sz="1800" kern="1200">
+          <a:solidFill>
+            <a:schemeClr val="tx1"/>
+          </a:solidFill>
+          <a:latin typeface="+mn-lt"/>
+          <a:ea typeface="+mn-ea"/>
+          <a:cs typeface="+mn-cs"/>
+        </a:defRPr>
+      </a:lvl7pPr>
+      <a:lvl8pPr marL="3429000" indent="-228600" algn="l" defTabSz="914400" rtl="0" eaLnBrk="1" latinLnBrk="0" hangingPunct="1">
+        <a:lnSpc>
+          <a:spcPct val="90000"/>
+        </a:lnSpc>
+        <a:spcBef>
+          <a:spcPts val="500"/>
+        </a:spcBef>
+        <a:buFont typeface="Arial" panose="020B0604020202020204" pitchFamily="34" charset="0"/>
+        <a:buChar char="•"/>
+        <a:defRPr sz="1800" kern="1200">
+          <a:solidFill>
+            <a:schemeClr val="tx1"/>
+          </a:solidFill>
+          <a:latin typeface="+mn-lt"/>
+          <a:ea typeface="+mn-ea"/>
+          <a:cs typeface="+mn-cs"/>
+        </a:defRPr>
+      </a:lvl8pPr>
+      <a:lvl9pPr marL="3886200" indent="-228600" algn="l" defTabSz="914400" rtl="0" eaLnBrk="1" latinLnBrk="0" hangingPunct="1">
+        <a:lnSpc>
+          <a:spcPct val="90000"/>
+        </a:lnSpc>
+        <a:spcBef>
+          <a:spcPts val="500"/>
+        </a:spcBef>
+        <a:buFont typeface="Arial" panose="020B0604020202020204" pitchFamily="34" charset="0"/>
+        <a:buChar char="•"/>
+        <a:defRPr sz="1800" kern="1200">
+          <a:solidFill>
+            <a:schemeClr val="tx1"/>
+          </a:solidFill>
+          <a:latin typeface="+mn-lt"/>
+          <a:ea typeface="+mn-ea"/>
+          <a:cs typeface="+mn-cs"/>
+        </a:defRPr>
+      </a:lvl9pPr>
+    </p:bodyStyle>
+    <p:otherStyle>
+      <a:defPPr>
+        <a:defRPr lang="en-US"/>
+      </a:defPPr>
+      <a:lvl1pPr marL="0" algn="l" defTabSz="914400" rtl="0" eaLnBrk="1" latinLnBrk="0" hangingPunct="1">
+        <a:defRPr sz="1800" kern="1200">
+          <a:solidFill>
+            <a:schemeClr val="tx1"/>
+          </a:solidFill>
+          <a:latin typeface="+mn-lt"/>
+          <a:ea typeface="+mn-ea"/>
+          <a:cs typeface="+mn-cs"/>
+        </a:defRPr>
+      </a:lvl1pPr>
+      <a:lvl2pPr marL="457200" algn="l" defTabSz="914400" rtl="0" eaLnBrk="1" latinLnBrk="0" hangingPunct="1">
+        <a:defRPr sz="1800" kern="1200">
+          <a:solidFill>
+            <a:schemeClr val="tx1"/>
+          </a:solidFill>
+          <a:latin typeface="+mn-lt"/>
+          <a:ea typeface="+mn-ea"/>
+          <a:cs typeface="+mn-cs"/>
+        </a:defRPr>
+      </a:lvl2pPr>
+      <a:lvl3pPr marL="914400" algn="l" defTabSz="914400" rtl="0" eaLnBrk="1" latinLnBrk="0" hangingPunct="1">
+        <a:defRPr sz="1800" kern="1200">
+          <a:solidFill>
+            <a:schemeClr val="tx1"/>
+          </a:solidFill>
+          <a:latin typeface="+mn-lt"/>
+          <a:ea typeface="+mn-ea"/>
+          <a:cs typeface="+mn-cs"/>
+        </a:defRPr>
+      </a:lvl3pPr>
+      <a:lvl4pPr marL="1371600" algn="l" defTabSz="914400" rtl="0" eaLnBrk="1" latinLnBrk="0" hangingPunct="1">
+        <a:defRPr sz="1800" kern="1200">
+          <a:solidFill>
+            <a:schemeClr val="tx1"/>
+          </a:solidFill>
+          <a:latin typeface="+mn-lt"/>
+          <a:ea typeface="+mn-ea"/>
+          <a:cs typeface="+mn-cs"/>
+        </a:defRPr>
+      </a:lvl4pPr>
+      <a:lvl5pPr marL="1828800" algn="l" defTabSz="914400" rtl="0" eaLnBrk="1" latinLnBrk="0" hangingPunct="1">
+        <a:defRPr sz="1800" kern="1200">
+          <a:solidFill>
+            <a:schemeClr val="tx1"/>
+          </a:solidFill>
+          <a:latin typeface="+mn-lt"/>
+          <a:ea typeface="+mn-ea"/>
+          <a:cs typeface="+mn-cs"/>
+        </a:defRPr>
+      </a:lvl5pPr>
+      <a:lvl6pPr marL="2286000" algn="l" defTabSz="914400" rtl="0" eaLnBrk="1" latinLnBrk="0" hangingPunct="1">
+        <a:defRPr sz="1800" kern="1200">
+          <a:solidFill>
+            <a:schemeClr val="tx1"/>
+          </a:solidFill>
+          <a:latin typeface="+mn-lt"/>
+          <a:ea typeface="+mn-ea"/>
+          <a:cs typeface="+mn-cs"/>
+        </a:defRPr>
+      </a:lvl6pPr>
+      <a:lvl7pPr marL="2743200" algn="l" defTabSz="914400" rtl="0" eaLnBrk="1" latinLnBrk="0" hangingPunct="1">
+        <a:defRPr sz="1800" kern="1200">
+          <a:solidFill>
+            <a:schemeClr val="tx1"/>
+          </a:solidFill>
+          <a:latin typeface="+mn-lt"/>
+          <a:ea typeface="+mn-ea"/>
+          <a:cs typeface="+mn-cs"/>
+        </a:defRPr>
+      </a:lvl7pPr>
+      <a:lvl8pPr marL="3200400" algn="l" defTabSz="914400" rtl="0" eaLnBrk="1" latinLnBrk="0" hangingPunct="1">
+        <a:defRPr sz="1800" kern="1200">
+          <a:solidFill>
+            <a:schemeClr val="tx1"/>
+          </a:solidFill>
+          <a:latin typeface="+mn-lt"/>
+          <a:ea typeface="+mn-ea"/>
+          <a:cs typeface="+mn-cs"/>
+        </a:defRPr>
+      </a:lvl8pPr>
+      <a:lvl9pPr marL="3657600" algn="l" defTabSz="914400" rtl="0" eaLnBrk="1" latinLnBrk="0" hangingPunct="1">
+        <a:defRPr sz="1800" kern="1200">
+          <a:solidFill>
+            <a:schemeClr val="tx1"/>
+          </a:solidFill>
+          <a:latin typeface="+mn-lt"/>
+          <a:ea typeface="+mn-ea"/>
+          <a:cs typeface="+mn-cs"/>
+        </a:defRPr>
+      </a:lvl9pPr>
+    </p:otherStyle>
+  </p:txStyles>
 </p:sldMaster>
 </file>
 
 <file path=ppt/slideMasters/slideMaster3.xml><?xml version="1.0" encoding="utf-8"?>
-<p:sldMaster xmlns:a="http://schemas.openxmlformats.org/drawingml/2006/main" xmlns:p="http://schemas.openxmlformats.org/presentationml/2006/main" xmlns:r="http://schemas.openxmlformats.org/officeDocument/2006/relationships" xmlns:p14="http://schemas.microsoft.com/office/powerpoint/2010/main" xmlns:p15="http://schemas.microsoft.com/office/powerpoint/2012/main" xmlns:mc="http://schemas.openxmlformats.org/markup-compatibility/2006">
+<p:sldMaster xmlns:a="http://schemas.openxmlformats.org/drawingml/2006/main" xmlns:r="http://schemas.openxmlformats.org/officeDocument/2006/relationships" xmlns:p="http://schemas.openxmlformats.org/presentationml/2006/main">
   <p:cSld>
     <p:bg>
       <p:bgPr>
         <a:solidFill>
           <a:srgbClr val="000000"/>
         </a:solidFill>
+        <a:effectLst/>
       </p:bgPr>
     </p:bg>
     <p:spTree>
@@ -5519,6 +6266,7 @@
         </p:spPr>
         <p:txBody>
           <a:bodyPr anchor="b"/>
+          <a:lstStyle/>
           <a:p>
             <a:pPr>
               <a:lnSpc>
@@ -5526,26 +6274,26 @@
               </a:lnSpc>
             </a:pPr>
             <a:r>
-              <a:rPr b="0" lang="en-US" sz="3400" spc="-1" strike="noStrike">
-                <a:solidFill>
-                  <a:srgbClr val="92d050"/>
+              <a:rPr lang="en-US" sz="3400" b="0" strike="noStrike" spc="-1">
+                <a:solidFill>
+                  <a:srgbClr val="92D050"/>
                 </a:solidFill>
                 <a:uFill>
                   <a:solidFill>
-                    <a:srgbClr val="ffffff"/>
+                    <a:srgbClr val="FFFFFF"/>
                   </a:solidFill>
                 </a:uFill>
                 <a:latin typeface="Consolas"/>
               </a:rPr>
               <a:t>Click to edit Master title style</a:t>
             </a:r>
-            <a:endParaRPr b="0" lang="en-US" sz="3400" spc="-1" strike="noStrike">
-              <a:solidFill>
-                <a:srgbClr val="ffffff"/>
-              </a:solidFill>
-              <a:uFill>
-                <a:solidFill>
-                  <a:srgbClr val="ffffff"/>
+            <a:endParaRPr lang="en-US" sz="3400" b="0" strike="noStrike" spc="-1">
+              <a:solidFill>
+                <a:srgbClr val="FFFFFF"/>
+              </a:solidFill>
+              <a:uFill>
+                <a:solidFill>
+                  <a:srgbClr val="FFFFFF"/>
                 </a:solidFill>
               </a:uFill>
               <a:latin typeface="Candara"/>
@@ -5576,6 +6324,7 @@
           <a:bodyPr>
             <a:normAutofit/>
           </a:bodyPr>
+          <a:lstStyle/>
           <a:p>
             <a:pPr marL="228600" indent="-228240">
               <a:lnSpc>
@@ -5585,39 +6334,28 @@
                 <a:spcPts val="1800"/>
               </a:spcBef>
               <a:buClr>
-                <a:srgbClr val="92d050"/>
+                <a:srgbClr val="92D050"/>
               </a:buClr>
               <a:buFont typeface="Arial"/>
               <a:buChar char="•"/>
             </a:pPr>
             <a:r>
-              <a:rPr b="0" lang="en-US" sz="2000" spc="-1" strike="noStrike">
-                <a:solidFill>
-                  <a:srgbClr val="d9d9d9"/>
+              <a:rPr lang="en-US" sz="2000" b="0" strike="noStrike" spc="-1">
+                <a:solidFill>
+                  <a:srgbClr val="D9D9D9"/>
                 </a:solidFill>
                 <a:uFill>
                   <a:solidFill>
-                    <a:srgbClr val="ffffff"/>
+                    <a:srgbClr val="FFFFFF"/>
                   </a:solidFill>
                 </a:uFill>
                 <a:latin typeface="Candara"/>
               </a:rPr>
               <a:t>Edit Master text styles</a:t>
             </a:r>
-            <a:endParaRPr b="0" lang="en-US" sz="2000" spc="-1" strike="noStrike">
-              <a:solidFill>
-                <a:srgbClr val="d9d9d9"/>
-              </a:solidFill>
-              <a:uFill>
-                <a:solidFill>
-                  <a:srgbClr val="ffffff"/>
-                </a:solidFill>
-              </a:uFill>
-              <a:latin typeface="Candara"/>
-            </a:endParaRPr>
-          </a:p>
-          <a:p>
-            <a:pPr lvl="1" marL="594360" indent="-228240">
+          </a:p>
+          <a:p>
+            <a:pPr marL="594360" lvl="1" indent="-228240">
               <a:lnSpc>
                 <a:spcPct val="100000"/>
               </a:lnSpc>
@@ -5625,39 +6363,28 @@
                 <a:spcPts val="1001"/>
               </a:spcBef>
               <a:buClr>
-                <a:srgbClr val="92d050"/>
+                <a:srgbClr val="92D050"/>
               </a:buClr>
               <a:buFont typeface="Arial"/>
               <a:buChar char="•"/>
             </a:pPr>
             <a:r>
-              <a:rPr b="0" lang="en-US" sz="1800" spc="-1" strike="noStrike">
-                <a:solidFill>
-                  <a:srgbClr val="d9d9d9"/>
+              <a:rPr lang="en-US" sz="1800" b="0" strike="noStrike" spc="-1">
+                <a:solidFill>
+                  <a:srgbClr val="D9D9D9"/>
                 </a:solidFill>
                 <a:uFill>
                   <a:solidFill>
-                    <a:srgbClr val="ffffff"/>
+                    <a:srgbClr val="FFFFFF"/>
                   </a:solidFill>
                 </a:uFill>
                 <a:latin typeface="Candara"/>
               </a:rPr>
               <a:t>Second level</a:t>
             </a:r>
-            <a:endParaRPr b="0" lang="en-US" sz="1800" spc="-1" strike="noStrike">
-              <a:solidFill>
-                <a:srgbClr val="d9d9d9"/>
-              </a:solidFill>
-              <a:uFill>
-                <a:solidFill>
-                  <a:srgbClr val="ffffff"/>
-                </a:solidFill>
-              </a:uFill>
-              <a:latin typeface="Candara"/>
-            </a:endParaRPr>
-          </a:p>
-          <a:p>
-            <a:pPr lvl="2" marL="914400" indent="-228240">
+          </a:p>
+          <a:p>
+            <a:pPr marL="914400" lvl="2" indent="-228240">
               <a:lnSpc>
                 <a:spcPct val="100000"/>
               </a:lnSpc>
@@ -5665,39 +6392,28 @@
                 <a:spcPts val="799"/>
               </a:spcBef>
               <a:buClr>
-                <a:srgbClr val="92d050"/>
+                <a:srgbClr val="92D050"/>
               </a:buClr>
               <a:buFont typeface="Arial"/>
               <a:buChar char="•"/>
             </a:pPr>
             <a:r>
-              <a:rPr b="0" lang="en-US" sz="1600" spc="-1" strike="noStrike">
-                <a:solidFill>
-                  <a:srgbClr val="d9d9d9"/>
+              <a:rPr lang="en-US" sz="1600" b="0" strike="noStrike" spc="-1">
+                <a:solidFill>
+                  <a:srgbClr val="D9D9D9"/>
                 </a:solidFill>
                 <a:uFill>
                   <a:solidFill>
-                    <a:srgbClr val="ffffff"/>
+                    <a:srgbClr val="FFFFFF"/>
                   </a:solidFill>
                 </a:uFill>
                 <a:latin typeface="Candara"/>
               </a:rPr>
               <a:t>Third level</a:t>
             </a:r>
-            <a:endParaRPr b="0" lang="en-US" sz="1600" spc="-1" strike="noStrike">
-              <a:solidFill>
-                <a:srgbClr val="d9d9d9"/>
-              </a:solidFill>
-              <a:uFill>
-                <a:solidFill>
-                  <a:srgbClr val="ffffff"/>
-                </a:solidFill>
-              </a:uFill>
-              <a:latin typeface="Candara"/>
-            </a:endParaRPr>
-          </a:p>
-          <a:p>
-            <a:pPr lvl="3" marL="1234440" indent="-228240">
+          </a:p>
+          <a:p>
+            <a:pPr marL="1234440" lvl="3" indent="-228240">
               <a:lnSpc>
                 <a:spcPct val="100000"/>
               </a:lnSpc>
@@ -5705,39 +6421,28 @@
                 <a:spcPts val="799"/>
               </a:spcBef>
               <a:buClr>
-                <a:srgbClr val="92d050"/>
+                <a:srgbClr val="92D050"/>
               </a:buClr>
               <a:buFont typeface="Arial"/>
               <a:buChar char="•"/>
             </a:pPr>
             <a:r>
-              <a:rPr b="0" lang="en-US" sz="1400" spc="-1" strike="noStrike">
-                <a:solidFill>
-                  <a:srgbClr val="d9d9d9"/>
+              <a:rPr lang="en-US" sz="1400" b="0" strike="noStrike" spc="-1">
+                <a:solidFill>
+                  <a:srgbClr val="D9D9D9"/>
                 </a:solidFill>
                 <a:uFill>
                   <a:solidFill>
-                    <a:srgbClr val="ffffff"/>
+                    <a:srgbClr val="FFFFFF"/>
                   </a:solidFill>
                 </a:uFill>
                 <a:latin typeface="Candara"/>
               </a:rPr>
               <a:t>Fourth level</a:t>
             </a:r>
-            <a:endParaRPr b="0" lang="en-US" sz="1400" spc="-1" strike="noStrike">
-              <a:solidFill>
-                <a:srgbClr val="d9d9d9"/>
-              </a:solidFill>
-              <a:uFill>
-                <a:solidFill>
-                  <a:srgbClr val="ffffff"/>
-                </a:solidFill>
-              </a:uFill>
-              <a:latin typeface="Candara"/>
-            </a:endParaRPr>
-          </a:p>
-          <a:p>
-            <a:pPr lvl="4" marL="1508760" indent="-228240">
+          </a:p>
+          <a:p>
+            <a:pPr marL="1508760" lvl="4" indent="-228240">
               <a:lnSpc>
                 <a:spcPct val="100000"/>
               </a:lnSpc>
@@ -5745,36 +6450,25 @@
                 <a:spcPts val="799"/>
               </a:spcBef>
               <a:buClr>
-                <a:srgbClr val="92d050"/>
+                <a:srgbClr val="92D050"/>
               </a:buClr>
               <a:buFont typeface="Arial"/>
               <a:buChar char="•"/>
             </a:pPr>
             <a:r>
-              <a:rPr b="0" lang="en-US" sz="1400" spc="-1" strike="noStrike">
-                <a:solidFill>
-                  <a:srgbClr val="d9d9d9"/>
+              <a:rPr lang="en-US" sz="1400" b="0" strike="noStrike" spc="-1">
+                <a:solidFill>
+                  <a:srgbClr val="D9D9D9"/>
                 </a:solidFill>
                 <a:uFill>
                   <a:solidFill>
-                    <a:srgbClr val="ffffff"/>
+                    <a:srgbClr val="FFFFFF"/>
                   </a:solidFill>
                 </a:uFill>
                 <a:latin typeface="Candara"/>
               </a:rPr>
               <a:t>Fifth level</a:t>
             </a:r>
-            <a:endParaRPr b="0" lang="en-US" sz="1400" spc="-1" strike="noStrike">
-              <a:solidFill>
-                <a:srgbClr val="d9d9d9"/>
-              </a:solidFill>
-              <a:uFill>
-                <a:solidFill>
-                  <a:srgbClr val="ffffff"/>
-                </a:solidFill>
-              </a:uFill>
-              <a:latin typeface="Candara"/>
-            </a:endParaRPr>
           </a:p>
         </p:txBody>
       </p:sp>
@@ -5801,6 +6495,7 @@
           <a:bodyPr>
             <a:normAutofit/>
           </a:bodyPr>
+          <a:lstStyle/>
           <a:p>
             <a:pPr marL="228600" indent="-228240">
               <a:lnSpc>
@@ -5810,39 +6505,28 @@
                 <a:spcPts val="1800"/>
               </a:spcBef>
               <a:buClr>
-                <a:srgbClr val="92d050"/>
+                <a:srgbClr val="92D050"/>
               </a:buClr>
               <a:buFont typeface="Arial"/>
               <a:buChar char="•"/>
             </a:pPr>
             <a:r>
-              <a:rPr b="0" lang="en-US" sz="2000" spc="-1" strike="noStrike">
-                <a:solidFill>
-                  <a:srgbClr val="d9d9d9"/>
+              <a:rPr lang="en-US" sz="2000" b="0" strike="noStrike" spc="-1">
+                <a:solidFill>
+                  <a:srgbClr val="D9D9D9"/>
                 </a:solidFill>
                 <a:uFill>
                   <a:solidFill>
-                    <a:srgbClr val="ffffff"/>
+                    <a:srgbClr val="FFFFFF"/>
                   </a:solidFill>
                 </a:uFill>
                 <a:latin typeface="Candara"/>
               </a:rPr>
               <a:t>Edit Master text styles</a:t>
             </a:r>
-            <a:endParaRPr b="0" lang="en-US" sz="2000" spc="-1" strike="noStrike">
-              <a:solidFill>
-                <a:srgbClr val="d9d9d9"/>
-              </a:solidFill>
-              <a:uFill>
-                <a:solidFill>
-                  <a:srgbClr val="ffffff"/>
-                </a:solidFill>
-              </a:uFill>
-              <a:latin typeface="Candara"/>
-            </a:endParaRPr>
-          </a:p>
-          <a:p>
-            <a:pPr lvl="1" marL="594360" indent="-228240">
+          </a:p>
+          <a:p>
+            <a:pPr marL="594360" lvl="1" indent="-228240">
               <a:lnSpc>
                 <a:spcPct val="100000"/>
               </a:lnSpc>
@@ -5850,39 +6534,28 @@
                 <a:spcPts val="1001"/>
               </a:spcBef>
               <a:buClr>
-                <a:srgbClr val="92d050"/>
+                <a:srgbClr val="92D050"/>
               </a:buClr>
               <a:buFont typeface="Arial"/>
               <a:buChar char="•"/>
             </a:pPr>
             <a:r>
-              <a:rPr b="0" lang="en-US" sz="1800" spc="-1" strike="noStrike">
-                <a:solidFill>
-                  <a:srgbClr val="d9d9d9"/>
+              <a:rPr lang="en-US" sz="1800" b="0" strike="noStrike" spc="-1">
+                <a:solidFill>
+                  <a:srgbClr val="D9D9D9"/>
                 </a:solidFill>
                 <a:uFill>
                   <a:solidFill>
-                    <a:srgbClr val="ffffff"/>
+                    <a:srgbClr val="FFFFFF"/>
                   </a:solidFill>
                 </a:uFill>
                 <a:latin typeface="Candara"/>
               </a:rPr>
               <a:t>Second level</a:t>
             </a:r>
-            <a:endParaRPr b="0" lang="en-US" sz="1800" spc="-1" strike="noStrike">
-              <a:solidFill>
-                <a:srgbClr val="d9d9d9"/>
-              </a:solidFill>
-              <a:uFill>
-                <a:solidFill>
-                  <a:srgbClr val="ffffff"/>
-                </a:solidFill>
-              </a:uFill>
-              <a:latin typeface="Candara"/>
-            </a:endParaRPr>
-          </a:p>
-          <a:p>
-            <a:pPr lvl="2" marL="914400" indent="-228240">
+          </a:p>
+          <a:p>
+            <a:pPr marL="914400" lvl="2" indent="-228240">
               <a:lnSpc>
                 <a:spcPct val="100000"/>
               </a:lnSpc>
@@ -5890,39 +6563,28 @@
                 <a:spcPts val="799"/>
               </a:spcBef>
               <a:buClr>
-                <a:srgbClr val="92d050"/>
+                <a:srgbClr val="92D050"/>
               </a:buClr>
               <a:buFont typeface="Arial"/>
               <a:buChar char="•"/>
             </a:pPr>
             <a:r>
-              <a:rPr b="0" lang="en-US" sz="1600" spc="-1" strike="noStrike">
-                <a:solidFill>
-                  <a:srgbClr val="d9d9d9"/>
+              <a:rPr lang="en-US" sz="1600" b="0" strike="noStrike" spc="-1">
+                <a:solidFill>
+                  <a:srgbClr val="D9D9D9"/>
                 </a:solidFill>
                 <a:uFill>
                   <a:solidFill>
-                    <a:srgbClr val="ffffff"/>
+                    <a:srgbClr val="FFFFFF"/>
                   </a:solidFill>
                 </a:uFill>
                 <a:latin typeface="Candara"/>
               </a:rPr>
               <a:t>Third level</a:t>
             </a:r>
-            <a:endParaRPr b="0" lang="en-US" sz="1600" spc="-1" strike="noStrike">
-              <a:solidFill>
-                <a:srgbClr val="d9d9d9"/>
-              </a:solidFill>
-              <a:uFill>
-                <a:solidFill>
-                  <a:srgbClr val="ffffff"/>
-                </a:solidFill>
-              </a:uFill>
-              <a:latin typeface="Candara"/>
-            </a:endParaRPr>
-          </a:p>
-          <a:p>
-            <a:pPr lvl="3" marL="1234440" indent="-228240">
+          </a:p>
+          <a:p>
+            <a:pPr marL="1234440" lvl="3" indent="-228240">
               <a:lnSpc>
                 <a:spcPct val="100000"/>
               </a:lnSpc>
@@ -5930,39 +6592,28 @@
                 <a:spcPts val="799"/>
               </a:spcBef>
               <a:buClr>
-                <a:srgbClr val="92d050"/>
+                <a:srgbClr val="92D050"/>
               </a:buClr>
               <a:buFont typeface="Arial"/>
               <a:buChar char="•"/>
             </a:pPr>
             <a:r>
-              <a:rPr b="0" lang="en-US" sz="1400" spc="-1" strike="noStrike">
-                <a:solidFill>
-                  <a:srgbClr val="d9d9d9"/>
+              <a:rPr lang="en-US" sz="1400" b="0" strike="noStrike" spc="-1">
+                <a:solidFill>
+                  <a:srgbClr val="D9D9D9"/>
                 </a:solidFill>
                 <a:uFill>
                   <a:solidFill>
-                    <a:srgbClr val="ffffff"/>
+                    <a:srgbClr val="FFFFFF"/>
                   </a:solidFill>
                 </a:uFill>
                 <a:latin typeface="Candara"/>
               </a:rPr>
               <a:t>Fourth level</a:t>
             </a:r>
-            <a:endParaRPr b="0" lang="en-US" sz="1400" spc="-1" strike="noStrike">
-              <a:solidFill>
-                <a:srgbClr val="d9d9d9"/>
-              </a:solidFill>
-              <a:uFill>
-                <a:solidFill>
-                  <a:srgbClr val="ffffff"/>
-                </a:solidFill>
-              </a:uFill>
-              <a:latin typeface="Candara"/>
-            </a:endParaRPr>
-          </a:p>
-          <a:p>
-            <a:pPr lvl="4" marL="1508760" indent="-228240">
+          </a:p>
+          <a:p>
+            <a:pPr marL="1508760" lvl="4" indent="-228240">
               <a:lnSpc>
                 <a:spcPct val="100000"/>
               </a:lnSpc>
@@ -5970,36 +6621,25 @@
                 <a:spcPts val="799"/>
               </a:spcBef>
               <a:buClr>
-                <a:srgbClr val="92d050"/>
+                <a:srgbClr val="92D050"/>
               </a:buClr>
               <a:buFont typeface="Arial"/>
               <a:buChar char="•"/>
             </a:pPr>
             <a:r>
-              <a:rPr b="0" lang="en-US" sz="1400" spc="-1" strike="noStrike">
-                <a:solidFill>
-                  <a:srgbClr val="d9d9d9"/>
+              <a:rPr lang="en-US" sz="1400" b="0" strike="noStrike" spc="-1">
+                <a:solidFill>
+                  <a:srgbClr val="D9D9D9"/>
                 </a:solidFill>
                 <a:uFill>
                   <a:solidFill>
-                    <a:srgbClr val="ffffff"/>
+                    <a:srgbClr val="FFFFFF"/>
                   </a:solidFill>
                 </a:uFill>
                 <a:latin typeface="Candara"/>
               </a:rPr>
               <a:t>Fifth level</a:t>
             </a:r>
-            <a:endParaRPr b="0" lang="en-US" sz="1400" spc="-1" strike="noStrike">
-              <a:solidFill>
-                <a:srgbClr val="d9d9d9"/>
-              </a:solidFill>
-              <a:uFill>
-                <a:solidFill>
-                  <a:srgbClr val="ffffff"/>
-                </a:solidFill>
-              </a:uFill>
-              <a:latin typeface="Candara"/>
-            </a:endParaRPr>
           </a:p>
         </p:txBody>
       </p:sp>
@@ -6024,14 +6664,15 @@
         </p:spPr>
         <p:txBody>
           <a:bodyPr anchor="ctr"/>
-          <a:p>
-            <a:endParaRPr b="0" lang="en-US" sz="2400" spc="-1" strike="noStrike">
-              <a:solidFill>
-                <a:srgbClr val="ffffff"/>
-              </a:solidFill>
-              <a:uFill>
-                <a:solidFill>
-                  <a:srgbClr val="ffffff"/>
+          <a:lstStyle/>
+          <a:p>
+            <a:endParaRPr lang="en-US" sz="2400" b="0" strike="noStrike" spc="-1">
+              <a:solidFill>
+                <a:srgbClr val="FFFFFF"/>
+              </a:solidFill>
+              <a:uFill>
+                <a:solidFill>
+                  <a:srgbClr val="FFFFFF"/>
                 </a:solidFill>
               </a:uFill>
               <a:latin typeface="Times New Roman"/>
@@ -6060,6 +6701,7 @@
         </p:spPr>
         <p:txBody>
           <a:bodyPr anchor="ctr"/>
+          <a:lstStyle/>
           <a:p>
             <a:pPr algn="r">
               <a:lnSpc>
@@ -6067,26 +6709,26 @@
               </a:lnSpc>
             </a:pPr>
             <a:fld id="{3BC35E72-84EB-47D3-812A-70C45151C26D}" type="datetime">
-              <a:rPr b="0" lang="en-US" sz="1100" spc="-1" strike="noStrike">
-                <a:solidFill>
-                  <a:srgbClr val="d9d9d9"/>
+              <a:rPr lang="en-US" sz="1100" b="0" strike="noStrike" spc="-1">
+                <a:solidFill>
+                  <a:srgbClr val="D9D9D9"/>
                 </a:solidFill>
                 <a:uFill>
                   <a:solidFill>
-                    <a:srgbClr val="ffffff"/>
+                    <a:srgbClr val="FFFFFF"/>
                   </a:solidFill>
                 </a:uFill>
                 <a:latin typeface="Candara"/>
               </a:rPr>
-              <a:t>10/29/17</a:t>
+              <a:t>10/30/2017</a:t>
             </a:fld>
-            <a:endParaRPr b="0" lang="en-US" sz="1100" spc="-1" strike="noStrike">
-              <a:solidFill>
-                <a:srgbClr val="ffffff"/>
-              </a:solidFill>
-              <a:uFill>
-                <a:solidFill>
-                  <a:srgbClr val="ffffff"/>
+            <a:endParaRPr lang="en-US" sz="1100" b="0" strike="noStrike" spc="-1">
+              <a:solidFill>
+                <a:srgbClr val="FFFFFF"/>
+              </a:solidFill>
+              <a:uFill>
+                <a:solidFill>
+                  <a:srgbClr val="FFFFFF"/>
                 </a:solidFill>
               </a:uFill>
               <a:latin typeface="Times New Roman"/>
@@ -6115,6 +6757,7 @@
         </p:spPr>
         <p:txBody>
           <a:bodyPr anchor="ctr"/>
+          <a:lstStyle/>
           <a:p>
             <a:pPr algn="r">
               <a:lnSpc>
@@ -6122,26 +6765,26 @@
               </a:lnSpc>
             </a:pPr>
             <a:fld id="{C28EDD45-195D-4915-A42B-0EA4ADD4142D}" type="slidenum">
-              <a:rPr b="0" lang="en-US" sz="1100" spc="-1" strike="noStrike">
-                <a:solidFill>
-                  <a:srgbClr val="d9d9d9"/>
+              <a:rPr lang="en-US" sz="1100" b="0" strike="noStrike" spc="-1">
+                <a:solidFill>
+                  <a:srgbClr val="D9D9D9"/>
                 </a:solidFill>
                 <a:uFill>
                   <a:solidFill>
-                    <a:srgbClr val="ffffff"/>
+                    <a:srgbClr val="FFFFFF"/>
                   </a:solidFill>
                 </a:uFill>
                 <a:latin typeface="Candara"/>
               </a:rPr>
-              <a:t>&lt;number&gt;</a:t>
+              <a:t>‹#›</a:t>
             </a:fld>
-            <a:endParaRPr b="0" lang="en-US" sz="1100" spc="-1" strike="noStrike">
-              <a:solidFill>
-                <a:srgbClr val="ffffff"/>
-              </a:solidFill>
-              <a:uFill>
-                <a:solidFill>
-                  <a:srgbClr val="ffffff"/>
+            <a:endParaRPr lang="en-US" sz="1100" b="0" strike="noStrike" spc="-1">
+              <a:solidFill>
+                <a:srgbClr val="FFFFFF"/>
+              </a:solidFill>
+              <a:uFill>
+                <a:solidFill>
+                  <a:srgbClr val="FFFFFF"/>
                 </a:solidFill>
               </a:uFill>
               <a:latin typeface="Times New Roman"/>
@@ -6151,26 +6794,306 @@
       </p:sp>
     </p:spTree>
   </p:cSld>
-  <p:clrMap bg1="lt1" bg2="lt2" tx1="dk1" tx2="dk2" accent1="accent1" accent2="accent2" accent3="accent3" accent4="accent4" accent5="accent5" accent6="accent6" hlink="hlink" folHlink="folHlink"/>
+  <p:clrMap bg1="lt1" tx1="dk1" bg2="lt2" tx2="dk2" accent1="accent1" accent2="accent2" accent3="accent3" accent4="accent4" accent5="accent5" accent6="accent6" hlink="hlink" folHlink="folHlink"/>
   <p:sldLayoutIdLst>
-    <p:sldLayoutId id="2147483675" r:id="rId2"/>
-    <p:sldLayoutId id="2147483676" r:id="rId3"/>
-    <p:sldLayoutId id="2147483677" r:id="rId4"/>
-    <p:sldLayoutId id="2147483678" r:id="rId5"/>
-    <p:sldLayoutId id="2147483679" r:id="rId6"/>
-    <p:sldLayoutId id="2147483680" r:id="rId7"/>
-    <p:sldLayoutId id="2147483681" r:id="rId8"/>
-    <p:sldLayoutId id="2147483682" r:id="rId9"/>
-    <p:sldLayoutId id="2147483683" r:id="rId10"/>
-    <p:sldLayoutId id="2147483684" r:id="rId11"/>
-    <p:sldLayoutId id="2147483685" r:id="rId12"/>
-    <p:sldLayoutId id="2147483686" r:id="rId13"/>
+    <p:sldLayoutId id="2147483675" r:id="rId1"/>
+    <p:sldLayoutId id="2147483676" r:id="rId2"/>
+    <p:sldLayoutId id="2147483677" r:id="rId3"/>
+    <p:sldLayoutId id="2147483678" r:id="rId4"/>
+    <p:sldLayoutId id="2147483679" r:id="rId5"/>
+    <p:sldLayoutId id="2147483680" r:id="rId6"/>
+    <p:sldLayoutId id="2147483681" r:id="rId7"/>
+    <p:sldLayoutId id="2147483682" r:id="rId8"/>
+    <p:sldLayoutId id="2147483683" r:id="rId9"/>
+    <p:sldLayoutId id="2147483684" r:id="rId10"/>
+    <p:sldLayoutId id="2147483685" r:id="rId11"/>
+    <p:sldLayoutId id="2147483686" r:id="rId12"/>
   </p:sldLayoutIdLst>
+  <p:txStyles>
+    <p:titleStyle>
+      <a:lvl1pPr algn="l" defTabSz="914400" rtl="0" eaLnBrk="1" latinLnBrk="0" hangingPunct="1">
+        <a:lnSpc>
+          <a:spcPct val="90000"/>
+        </a:lnSpc>
+        <a:spcBef>
+          <a:spcPct val="0"/>
+        </a:spcBef>
+        <a:buNone/>
+        <a:defRPr sz="4400" kern="1200">
+          <a:solidFill>
+            <a:schemeClr val="tx1"/>
+          </a:solidFill>
+          <a:latin typeface="+mj-lt"/>
+          <a:ea typeface="+mj-ea"/>
+          <a:cs typeface="+mj-cs"/>
+        </a:defRPr>
+      </a:lvl1pPr>
+    </p:titleStyle>
+    <p:bodyStyle>
+      <a:lvl1pPr marL="228600" indent="-228600" algn="l" defTabSz="914400" rtl="0" eaLnBrk="1" latinLnBrk="0" hangingPunct="1">
+        <a:lnSpc>
+          <a:spcPct val="90000"/>
+        </a:lnSpc>
+        <a:spcBef>
+          <a:spcPts val="1000"/>
+        </a:spcBef>
+        <a:buFont typeface="Arial" panose="020B0604020202020204" pitchFamily="34" charset="0"/>
+        <a:buChar char="•"/>
+        <a:defRPr sz="2800" kern="1200">
+          <a:solidFill>
+            <a:schemeClr val="tx1"/>
+          </a:solidFill>
+          <a:latin typeface="+mn-lt"/>
+          <a:ea typeface="+mn-ea"/>
+          <a:cs typeface="+mn-cs"/>
+        </a:defRPr>
+      </a:lvl1pPr>
+      <a:lvl2pPr marL="685800" indent="-228600" algn="l" defTabSz="914400" rtl="0" eaLnBrk="1" latinLnBrk="0" hangingPunct="1">
+        <a:lnSpc>
+          <a:spcPct val="90000"/>
+        </a:lnSpc>
+        <a:spcBef>
+          <a:spcPts val="500"/>
+        </a:spcBef>
+        <a:buFont typeface="Arial" panose="020B0604020202020204" pitchFamily="34" charset="0"/>
+        <a:buChar char="•"/>
+        <a:defRPr sz="2400" kern="1200">
+          <a:solidFill>
+            <a:schemeClr val="tx1"/>
+          </a:solidFill>
+          <a:latin typeface="+mn-lt"/>
+          <a:ea typeface="+mn-ea"/>
+          <a:cs typeface="+mn-cs"/>
+        </a:defRPr>
+      </a:lvl2pPr>
+      <a:lvl3pPr marL="1143000" indent="-228600" algn="l" defTabSz="914400" rtl="0" eaLnBrk="1" latinLnBrk="0" hangingPunct="1">
+        <a:lnSpc>
+          <a:spcPct val="90000"/>
+        </a:lnSpc>
+        <a:spcBef>
+          <a:spcPts val="500"/>
+        </a:spcBef>
+        <a:buFont typeface="Arial" panose="020B0604020202020204" pitchFamily="34" charset="0"/>
+        <a:buChar char="•"/>
+        <a:defRPr sz="2000" kern="1200">
+          <a:solidFill>
+            <a:schemeClr val="tx1"/>
+          </a:solidFill>
+          <a:latin typeface="+mn-lt"/>
+          <a:ea typeface="+mn-ea"/>
+          <a:cs typeface="+mn-cs"/>
+        </a:defRPr>
+      </a:lvl3pPr>
+      <a:lvl4pPr marL="1600200" indent="-228600" algn="l" defTabSz="914400" rtl="0" eaLnBrk="1" latinLnBrk="0" hangingPunct="1">
+        <a:lnSpc>
+          <a:spcPct val="90000"/>
+        </a:lnSpc>
+        <a:spcBef>
+          <a:spcPts val="500"/>
+        </a:spcBef>
+        <a:buFont typeface="Arial" panose="020B0604020202020204" pitchFamily="34" charset="0"/>
+        <a:buChar char="•"/>
+        <a:defRPr sz="1800" kern="1200">
+          <a:solidFill>
+            <a:schemeClr val="tx1"/>
+          </a:solidFill>
+          <a:latin typeface="+mn-lt"/>
+          <a:ea typeface="+mn-ea"/>
+          <a:cs typeface="+mn-cs"/>
+        </a:defRPr>
+      </a:lvl4pPr>
+      <a:lvl5pPr marL="2057400" indent="-228600" algn="l" defTabSz="914400" rtl="0" eaLnBrk="1" latinLnBrk="0" hangingPunct="1">
+        <a:lnSpc>
+          <a:spcPct val="90000"/>
+        </a:lnSpc>
+        <a:spcBef>
+          <a:spcPts val="500"/>
+        </a:spcBef>
+        <a:buFont typeface="Arial" panose="020B0604020202020204" pitchFamily="34" charset="0"/>
+        <a:buChar char="•"/>
+        <a:defRPr sz="1800" kern="1200">
+          <a:solidFill>
+            <a:schemeClr val="tx1"/>
+          </a:solidFill>
+          <a:latin typeface="+mn-lt"/>
+          <a:ea typeface="+mn-ea"/>
+          <a:cs typeface="+mn-cs"/>
+        </a:defRPr>
+      </a:lvl5pPr>
+      <a:lvl6pPr marL="2514600" indent="-228600" algn="l" defTabSz="914400" rtl="0" eaLnBrk="1" latinLnBrk="0" hangingPunct="1">
+        <a:lnSpc>
+          <a:spcPct val="90000"/>
+        </a:lnSpc>
+        <a:spcBef>
+          <a:spcPts val="500"/>
+        </a:spcBef>
+        <a:buFont typeface="Arial" panose="020B0604020202020204" pitchFamily="34" charset="0"/>
+        <a:buChar char="•"/>
+        <a:defRPr sz="1800" kern="1200">
+          <a:solidFill>
+            <a:schemeClr val="tx1"/>
+          </a:solidFill>
+          <a:latin typeface="+mn-lt"/>
+          <a:ea typeface="+mn-ea"/>
+          <a:cs typeface="+mn-cs"/>
+        </a:defRPr>
+      </a:lvl6pPr>
+      <a:lvl7pPr marL="2971800" indent="-228600" algn="l" defTabSz="914400" rtl="0" eaLnBrk="1" latinLnBrk="0" hangingPunct="1">
+        <a:lnSpc>
+          <a:spcPct val="90000"/>
+        </a:lnSpc>
+        <a:spcBef>
+          <a:spcPts val="500"/>
+        </a:spcBef>
+        <a:buFont typeface="Arial" panose="020B0604020202020204" pitchFamily="34" charset="0"/>
+        <a:buChar char="•"/>
+        <a:defRPr sz="1800" kern="1200">
+          <a:solidFill>
+            <a:schemeClr val="tx1"/>
+          </a:solidFill>
+          <a:latin typeface="+mn-lt"/>
+          <a:ea typeface="+mn-ea"/>
+          <a:cs typeface="+mn-cs"/>
+        </a:defRPr>
+      </a:lvl7pPr>
+      <a:lvl8pPr marL="3429000" indent="-228600" algn="l" defTabSz="914400" rtl="0" eaLnBrk="1" latinLnBrk="0" hangingPunct="1">
+        <a:lnSpc>
+          <a:spcPct val="90000"/>
+        </a:lnSpc>
+        <a:spcBef>
+          <a:spcPts val="500"/>
+        </a:spcBef>
+        <a:buFont typeface="Arial" panose="020B0604020202020204" pitchFamily="34" charset="0"/>
+        <a:buChar char="•"/>
+        <a:defRPr sz="1800" kern="1200">
+          <a:solidFill>
+            <a:schemeClr val="tx1"/>
+          </a:solidFill>
+          <a:latin typeface="+mn-lt"/>
+          <a:ea typeface="+mn-ea"/>
+          <a:cs typeface="+mn-cs"/>
+        </a:defRPr>
+      </a:lvl8pPr>
+      <a:lvl9pPr marL="3886200" indent="-228600" algn="l" defTabSz="914400" rtl="0" eaLnBrk="1" latinLnBrk="0" hangingPunct="1">
+        <a:lnSpc>
+          <a:spcPct val="90000"/>
+        </a:lnSpc>
+        <a:spcBef>
+          <a:spcPts val="500"/>
+        </a:spcBef>
+        <a:buFont typeface="Arial" panose="020B0604020202020204" pitchFamily="34" charset="0"/>
+        <a:buChar char="•"/>
+        <a:defRPr sz="1800" kern="1200">
+          <a:solidFill>
+            <a:schemeClr val="tx1"/>
+          </a:solidFill>
+          <a:latin typeface="+mn-lt"/>
+          <a:ea typeface="+mn-ea"/>
+          <a:cs typeface="+mn-cs"/>
+        </a:defRPr>
+      </a:lvl9pPr>
+    </p:bodyStyle>
+    <p:otherStyle>
+      <a:defPPr>
+        <a:defRPr lang="en-US"/>
+      </a:defPPr>
+      <a:lvl1pPr marL="0" algn="l" defTabSz="914400" rtl="0" eaLnBrk="1" latinLnBrk="0" hangingPunct="1">
+        <a:defRPr sz="1800" kern="1200">
+          <a:solidFill>
+            <a:schemeClr val="tx1"/>
+          </a:solidFill>
+          <a:latin typeface="+mn-lt"/>
+          <a:ea typeface="+mn-ea"/>
+          <a:cs typeface="+mn-cs"/>
+        </a:defRPr>
+      </a:lvl1pPr>
+      <a:lvl2pPr marL="457200" algn="l" defTabSz="914400" rtl="0" eaLnBrk="1" latinLnBrk="0" hangingPunct="1">
+        <a:defRPr sz="1800" kern="1200">
+          <a:solidFill>
+            <a:schemeClr val="tx1"/>
+          </a:solidFill>
+          <a:latin typeface="+mn-lt"/>
+          <a:ea typeface="+mn-ea"/>
+          <a:cs typeface="+mn-cs"/>
+        </a:defRPr>
+      </a:lvl2pPr>
+      <a:lvl3pPr marL="914400" algn="l" defTabSz="914400" rtl="0" eaLnBrk="1" latinLnBrk="0" hangingPunct="1">
+        <a:defRPr sz="1800" kern="1200">
+          <a:solidFill>
+            <a:schemeClr val="tx1"/>
+          </a:solidFill>
+          <a:latin typeface="+mn-lt"/>
+          <a:ea typeface="+mn-ea"/>
+          <a:cs typeface="+mn-cs"/>
+        </a:defRPr>
+      </a:lvl3pPr>
+      <a:lvl4pPr marL="1371600" algn="l" defTabSz="914400" rtl="0" eaLnBrk="1" latinLnBrk="0" hangingPunct="1">
+        <a:defRPr sz="1800" kern="1200">
+          <a:solidFill>
+            <a:schemeClr val="tx1"/>
+          </a:solidFill>
+          <a:latin typeface="+mn-lt"/>
+          <a:ea typeface="+mn-ea"/>
+          <a:cs typeface="+mn-cs"/>
+        </a:defRPr>
+      </a:lvl4pPr>
+      <a:lvl5pPr marL="1828800" algn="l" defTabSz="914400" rtl="0" eaLnBrk="1" latinLnBrk="0" hangingPunct="1">
+        <a:defRPr sz="1800" kern="1200">
+          <a:solidFill>
+            <a:schemeClr val="tx1"/>
+          </a:solidFill>
+          <a:latin typeface="+mn-lt"/>
+          <a:ea typeface="+mn-ea"/>
+          <a:cs typeface="+mn-cs"/>
+        </a:defRPr>
+      </a:lvl5pPr>
+      <a:lvl6pPr marL="2286000" algn="l" defTabSz="914400" rtl="0" eaLnBrk="1" latinLnBrk="0" hangingPunct="1">
+        <a:defRPr sz="1800" kern="1200">
+          <a:solidFill>
+            <a:schemeClr val="tx1"/>
+          </a:solidFill>
+          <a:latin typeface="+mn-lt"/>
+          <a:ea typeface="+mn-ea"/>
+          <a:cs typeface="+mn-cs"/>
+        </a:defRPr>
+      </a:lvl6pPr>
+      <a:lvl7pPr marL="2743200" algn="l" defTabSz="914400" rtl="0" eaLnBrk="1" latinLnBrk="0" hangingPunct="1">
+        <a:defRPr sz="1800" kern="1200">
+          <a:solidFill>
+            <a:schemeClr val="tx1"/>
+          </a:solidFill>
+          <a:latin typeface="+mn-lt"/>
+          <a:ea typeface="+mn-ea"/>
+          <a:cs typeface="+mn-cs"/>
+        </a:defRPr>
+      </a:lvl7pPr>
+      <a:lvl8pPr marL="3200400" algn="l" defTabSz="914400" rtl="0" eaLnBrk="1" latinLnBrk="0" hangingPunct="1">
+        <a:defRPr sz="1800" kern="1200">
+          <a:solidFill>
+            <a:schemeClr val="tx1"/>
+          </a:solidFill>
+          <a:latin typeface="+mn-lt"/>
+          <a:ea typeface="+mn-ea"/>
+          <a:cs typeface="+mn-cs"/>
+        </a:defRPr>
+      </a:lvl8pPr>
+      <a:lvl9pPr marL="3657600" algn="l" defTabSz="914400" rtl="0" eaLnBrk="1" latinLnBrk="0" hangingPunct="1">
+        <a:defRPr sz="1800" kern="1200">
+          <a:solidFill>
+            <a:schemeClr val="tx1"/>
+          </a:solidFill>
+          <a:latin typeface="+mn-lt"/>
+          <a:ea typeface="+mn-ea"/>
+          <a:cs typeface="+mn-cs"/>
+        </a:defRPr>
+      </a:lvl9pPr>
+    </p:otherStyle>
+  </p:txStyles>
 </p:sldMaster>
 </file>
 
 <file path=ppt/slides/slide1.xml><?xml version="1.0" encoding="utf-8"?>
-<p:sld xmlns:a="http://schemas.openxmlformats.org/drawingml/2006/main" xmlns:p="http://schemas.openxmlformats.org/presentationml/2006/main" xmlns:r="http://schemas.openxmlformats.org/officeDocument/2006/relationships" xmlns:p14="http://schemas.microsoft.com/office/powerpoint/2010/main" xmlns:p15="http://schemas.microsoft.com/office/powerpoint/2012/main" xmlns:mc="http://schemas.openxmlformats.org/markup-compatibility/2006">
+<p:sld xmlns:a="http://schemas.openxmlformats.org/drawingml/2006/main" xmlns:r="http://schemas.openxmlformats.org/officeDocument/2006/relationships" xmlns:p="http://schemas.openxmlformats.org/presentationml/2006/main">
   <p:cSld>
     <p:spTree>
       <p:nvGrpSpPr>
@@ -6207,6 +7130,7 @@
         </p:spPr>
         <p:txBody>
           <a:bodyPr anchor="b"/>
+          <a:lstStyle/>
           <a:p>
             <a:pPr>
               <a:lnSpc>
@@ -6214,26 +7138,20 @@
               </a:lnSpc>
             </a:pPr>
             <a:r>
-              <a:rPr b="0" lang="en-US" sz="5400" spc="-1" strike="noStrike">
-                <a:solidFill>
-                  <a:srgbClr val="ffffff"/>
-                </a:solidFill>
+              <a:rPr lang="en-US" sz="5400" b="0" strike="noStrike" spc="-1" dirty="0">
                 <a:uFill>
                   <a:solidFill>
-                    <a:srgbClr val="ffffff"/>
+                    <a:srgbClr val="FFFFFF"/>
                   </a:solidFill>
                 </a:uFill>
                 <a:latin typeface="Consolas"/>
               </a:rPr>
               <a:t>Library-Computer-Usage-Analysis</a:t>
             </a:r>
-            <a:endParaRPr b="0" lang="en-US" sz="5400" spc="-1" strike="noStrike">
-              <a:solidFill>
-                <a:srgbClr val="ffffff"/>
-              </a:solidFill>
-              <a:uFill>
-                <a:solidFill>
-                  <a:srgbClr val="ffffff"/>
+            <a:endParaRPr lang="en-US" sz="5400" b="0" strike="noStrike" spc="-1" dirty="0">
+              <a:uFill>
+                <a:solidFill>
+                  <a:srgbClr val="FFFFFF"/>
                 </a:solidFill>
               </a:uFill>
               <a:latin typeface="Candara"/>
@@ -6262,6 +7180,7 @@
         </p:spPr>
         <p:txBody>
           <a:bodyPr/>
+          <a:lstStyle/>
           <a:p>
             <a:pPr>
               <a:lnSpc>
@@ -6269,13 +7188,13 @@
               </a:lnSpc>
             </a:pPr>
             <a:r>
-              <a:rPr b="0" lang="en-US" sz="2000" spc="-1" strike="noStrike">
-                <a:solidFill>
-                  <a:srgbClr val="92d050"/>
+              <a:rPr lang="en-US" sz="2000" b="0" strike="noStrike" spc="-1">
+                <a:solidFill>
+                  <a:srgbClr val="92D050"/>
                 </a:solidFill>
                 <a:uFill>
                   <a:solidFill>
-                    <a:srgbClr val="ffffff"/>
+                    <a:srgbClr val="FFFFFF"/>
                   </a:solidFill>
                 </a:uFill>
                 <a:latin typeface="Consolas"/>
@@ -6284,26 +7203,26 @@
             </a:r>
             <a:br/>
             <a:r>
-              <a:rPr b="0" lang="en-US" sz="2000" spc="-1" strike="noStrike">
-                <a:solidFill>
-                  <a:srgbClr val="92d050"/>
+              <a:rPr lang="en-US" sz="2000" b="0" strike="noStrike" spc="-1">
+                <a:solidFill>
+                  <a:srgbClr val="92D050"/>
                 </a:solidFill>
                 <a:uFill>
                   <a:solidFill>
-                    <a:srgbClr val="ffffff"/>
+                    <a:srgbClr val="FFFFFF"/>
                   </a:solidFill>
                 </a:uFill>
                 <a:latin typeface="Consolas"/>
               </a:rPr>
               <a:t>Nickolas Lloyd • Patricia Tanzer</a:t>
             </a:r>
-            <a:endParaRPr b="0" lang="en-US" sz="2000" spc="-1" strike="noStrike">
+            <a:endParaRPr lang="en-US" sz="2000" b="0" strike="noStrike" spc="-1">
               <a:solidFill>
                 <a:srgbClr val="000000"/>
               </a:solidFill>
               <a:uFill>
                 <a:solidFill>
-                  <a:srgbClr val="ffffff"/>
+                  <a:srgbClr val="FFFFFF"/>
                 </a:solidFill>
               </a:uFill>
               <a:latin typeface="Arial"/>
@@ -6313,6 +7232,9 @@
       </p:sp>
     </p:spTree>
   </p:cSld>
+  <p:clrMapOvr>
+    <a:masterClrMapping/>
+  </p:clrMapOvr>
   <p:timing>
     <p:tnLst>
       <p:par>
@@ -6321,14 +7243,14 @@
             <p:seq>
               <p:cTn id="2" nodeType="mainSeq"/>
               <p:prevCondLst>
-                <p:cond delay="0" evt="onPrev">
+                <p:cond evt="onPrev" delay="0">
                   <p:tgtEl>
                     <p:sldTgt/>
                   </p:tgtEl>
                 </p:cond>
               </p:prevCondLst>
               <p:nextCondLst>
-                <p:cond delay="0" evt="onNext">
+                <p:cond evt="onNext" delay="0">
                   <p:tgtEl>
                     <p:sldTgt/>
                   </p:tgtEl>
@@ -6344,7 +7266,7 @@
 </file>
 
 <file path=ppt/slides/slide10.xml><?xml version="1.0" encoding="utf-8"?>
-<p:sld xmlns:a="http://schemas.openxmlformats.org/drawingml/2006/main" xmlns:p="http://schemas.openxmlformats.org/presentationml/2006/main" xmlns:r="http://schemas.openxmlformats.org/officeDocument/2006/relationships" xmlns:p14="http://schemas.microsoft.com/office/powerpoint/2010/main" xmlns:p15="http://schemas.microsoft.com/office/powerpoint/2012/main" xmlns:mc="http://schemas.openxmlformats.org/markup-compatibility/2006">
+<p:sld xmlns:a="http://schemas.openxmlformats.org/drawingml/2006/main" xmlns:r="http://schemas.openxmlformats.org/officeDocument/2006/relationships" xmlns:p="http://schemas.openxmlformats.org/presentationml/2006/main">
   <p:cSld>
     <p:spTree>
       <p:nvGrpSpPr>
@@ -6362,6 +7284,131 @@
       </p:grpSpPr>
       <p:sp>
         <p:nvSpPr>
+          <p:cNvPr id="2" name="Title 1"/>
+          <p:cNvSpPr>
+            <a:spLocks noGrp="1"/>
+          </p:cNvSpPr>
+          <p:nvPr>
+            <p:ph type="title"/>
+          </p:nvPr>
+        </p:nvSpPr>
+        <p:spPr>
+          <a:xfrm>
+            <a:off x="1143000" y="294362"/>
+            <a:ext cx="6857640" cy="1142640"/>
+          </a:xfrm>
+        </p:spPr>
+        <p:txBody>
+          <a:bodyPr/>
+          <a:lstStyle/>
+          <a:p>
+            <a:pPr algn="ctr"/>
+            <a:br>
+              <a:rPr lang="en-US" sz="3200" spc="-1" dirty="0">
+                <a:solidFill>
+                  <a:srgbClr val="92D050"/>
+                </a:solidFill>
+                <a:uFill>
+                  <a:solidFill>
+                    <a:srgbClr val="FFFFFF"/>
+                  </a:solidFill>
+                </a:uFill>
+                <a:latin typeface="Consolas"/>
+              </a:rPr>
+            </a:br>
+            <a:r>
+              <a:rPr lang="en-US" sz="3600" spc="-1" dirty="0">
+                <a:solidFill>
+                  <a:srgbClr val="92D050"/>
+                </a:solidFill>
+                <a:uFill>
+                  <a:solidFill>
+                    <a:srgbClr val="FFFFFF"/>
+                  </a:solidFill>
+                </a:uFill>
+                <a:latin typeface="Consolas"/>
+              </a:rPr>
+              <a:t>Average Usage per Hour</a:t>
+            </a:r>
+            <a:br>
+              <a:rPr lang="en-US" sz="3600" spc="-1" dirty="0">
+                <a:solidFill>
+                  <a:srgbClr val="FFFFFF"/>
+                </a:solidFill>
+                <a:uFill>
+                  <a:solidFill>
+                    <a:srgbClr val="FFFFFF"/>
+                  </a:solidFill>
+                </a:uFill>
+                <a:latin typeface="Candara"/>
+              </a:rPr>
+            </a:br>
+            <a:endParaRPr lang="en-US" sz="3600" dirty="0"/>
+          </a:p>
+        </p:txBody>
+      </p:sp>
+      <p:pic>
+        <p:nvPicPr>
+          <p:cNvPr id="4" name="Picture 3"/>
+          <p:cNvPicPr>
+            <a:picLocks noChangeAspect="1"/>
+          </p:cNvPicPr>
+          <p:nvPr/>
+        </p:nvPicPr>
+        <p:blipFill>
+          <a:blip r:embed="rId2">
+            <a:extLst>
+              <a:ext uri="{28A0092B-C50C-407E-A947-70E740481C1C}">
+                <a14:useLocalDpi xmlns:a14="http://schemas.microsoft.com/office/drawing/2010/main" val="0"/>
+              </a:ext>
+            </a:extLst>
+          </a:blip>
+          <a:stretch>
+            <a:fillRect/>
+          </a:stretch>
+        </p:blipFill>
+        <p:spPr>
+          <a:xfrm>
+            <a:off x="500681" y="1248067"/>
+            <a:ext cx="8142278" cy="5428186"/>
+          </a:xfrm>
+          <a:prstGeom prst="rect">
+            <a:avLst/>
+          </a:prstGeom>
+        </p:spPr>
+      </p:pic>
+    </p:spTree>
+    <p:extLst>
+      <p:ext uri="{BB962C8B-B14F-4D97-AF65-F5344CB8AC3E}">
+        <p14:creationId xmlns:p14="http://schemas.microsoft.com/office/powerpoint/2010/main" val="1061252847"/>
+      </p:ext>
+    </p:extLst>
+  </p:cSld>
+  <p:clrMapOvr>
+    <a:masterClrMapping/>
+  </p:clrMapOvr>
+</p:sld>
+</file>
+
+<file path=ppt/slides/slide11.xml><?xml version="1.0" encoding="utf-8"?>
+<p:sld xmlns:a="http://schemas.openxmlformats.org/drawingml/2006/main" xmlns:r="http://schemas.openxmlformats.org/officeDocument/2006/relationships" xmlns:p="http://schemas.openxmlformats.org/presentationml/2006/main">
+  <p:cSld>
+    <p:spTree>
+      <p:nvGrpSpPr>
+        <p:cNvPr id="1" name=""/>
+        <p:cNvGrpSpPr/>
+        <p:nvPr/>
+      </p:nvGrpSpPr>
+      <p:grpSpPr>
+        <a:xfrm>
+          <a:off x="0" y="0"/>
+          <a:ext cx="0" cy="0"/>
+          <a:chOff x="0" y="0"/>
+          <a:chExt cx="0" cy="0"/>
+        </a:xfrm>
+      </p:grpSpPr>
+      <p:sp>
+        <p:nvSpPr>
           <p:cNvPr id="139" name="TextShape 1"/>
           <p:cNvSpPr txBox="1"/>
           <p:nvPr/>
@@ -6381,6 +7428,7 @@
         </p:spPr>
         <p:txBody>
           <a:bodyPr anchor="b"/>
+          <a:lstStyle/>
           <a:p>
             <a:pPr>
               <a:lnSpc>
@@ -6388,26 +7436,26 @@
               </a:lnSpc>
             </a:pPr>
             <a:r>
-              <a:rPr b="0" lang="en-US" sz="3400" spc="-1" strike="noStrike">
-                <a:solidFill>
-                  <a:srgbClr val="92d050"/>
+              <a:rPr lang="en-US" sz="3400" b="0" strike="noStrike" spc="-1">
+                <a:solidFill>
+                  <a:srgbClr val="92D050"/>
                 </a:solidFill>
                 <a:uFill>
                   <a:solidFill>
-                    <a:srgbClr val="ffffff"/>
+                    <a:srgbClr val="FFFFFF"/>
                   </a:solidFill>
                 </a:uFill>
                 <a:latin typeface="Consolas"/>
               </a:rPr>
               <a:t>Future Goals</a:t>
             </a:r>
-            <a:endParaRPr b="0" lang="en-US" sz="3400" spc="-1" strike="noStrike">
-              <a:solidFill>
-                <a:srgbClr val="ffffff"/>
-              </a:solidFill>
-              <a:uFill>
-                <a:solidFill>
-                  <a:srgbClr val="ffffff"/>
+            <a:endParaRPr lang="en-US" sz="3400" b="0" strike="noStrike" spc="-1">
+              <a:solidFill>
+                <a:srgbClr val="FFFFFF"/>
+              </a:solidFill>
+              <a:uFill>
+                <a:solidFill>
+                  <a:srgbClr val="FFFFFF"/>
                 </a:solidFill>
               </a:uFill>
               <a:latin typeface="Candara"/>
@@ -6436,6 +7484,7 @@
         </p:spPr>
         <p:txBody>
           <a:bodyPr/>
+          <a:lstStyle/>
           <a:p>
             <a:pPr marL="228600" indent="-228240">
               <a:lnSpc>
@@ -6445,36 +7494,25 @@
                 <a:spcPts val="1800"/>
               </a:spcBef>
               <a:buClr>
-                <a:srgbClr val="92d050"/>
+                <a:srgbClr val="92D050"/>
               </a:buClr>
               <a:buFont typeface="Arial"/>
               <a:buChar char="•"/>
             </a:pPr>
             <a:r>
-              <a:rPr b="0" lang="en-US" sz="2000" spc="-1" strike="noStrike">
-                <a:solidFill>
-                  <a:srgbClr val="d9d9d9"/>
+              <a:rPr lang="en-US" sz="2000" b="0" strike="noStrike" spc="-1" dirty="0">
+                <a:solidFill>
+                  <a:srgbClr val="D9D9D9"/>
                 </a:solidFill>
                 <a:uFill>
                   <a:solidFill>
-                    <a:srgbClr val="ffffff"/>
+                    <a:srgbClr val="FFFFFF"/>
                   </a:solidFill>
                 </a:uFill>
                 <a:latin typeface="Candara"/>
               </a:rPr>
               <a:t>Nick: Hypothesis testing </a:t>
             </a:r>
-            <a:endParaRPr b="0" lang="en-US" sz="2000" spc="-1" strike="noStrike">
-              <a:solidFill>
-                <a:srgbClr val="d9d9d9"/>
-              </a:solidFill>
-              <a:uFill>
-                <a:solidFill>
-                  <a:srgbClr val="ffffff"/>
-                </a:solidFill>
-              </a:uFill>
-              <a:latin typeface="Candara"/>
-            </a:endParaRPr>
           </a:p>
           <a:p>
             <a:pPr marL="228600" indent="-228240">
@@ -6485,36 +7523,53 @@
                 <a:spcPts val="1800"/>
               </a:spcBef>
               <a:buClr>
-                <a:srgbClr val="92d050"/>
+                <a:srgbClr val="92D050"/>
               </a:buClr>
               <a:buFont typeface="Arial"/>
               <a:buChar char="•"/>
             </a:pPr>
             <a:r>
-              <a:rPr b="0" lang="en-US" sz="2000" spc="-1" strike="noStrike">
-                <a:solidFill>
-                  <a:srgbClr val="d9d9d9"/>
+              <a:rPr lang="en-US" sz="2000" b="0" strike="noStrike" spc="-1" dirty="0">
+                <a:solidFill>
+                  <a:srgbClr val="D9D9D9"/>
                 </a:solidFill>
                 <a:uFill>
                   <a:solidFill>
-                    <a:srgbClr val="ffffff"/>
+                    <a:srgbClr val="FFFFFF"/>
                   </a:solidFill>
                 </a:uFill>
                 <a:latin typeface="Candara"/>
               </a:rPr>
-              <a:t>Brown: Bookeh interactive graphs</a:t>
+              <a:t>Brown: </a:t>
             </a:r>
-            <a:endParaRPr b="0" lang="en-US" sz="2000" spc="-1" strike="noStrike">
-              <a:solidFill>
-                <a:srgbClr val="d9d9d9"/>
-              </a:solidFill>
-              <a:uFill>
-                <a:solidFill>
-                  <a:srgbClr val="ffffff"/>
-                </a:solidFill>
-              </a:uFill>
-              <a:latin typeface="Candara"/>
-            </a:endParaRPr>
+            <a:r>
+              <a:rPr lang="en-US" sz="2000" b="0" strike="noStrike" spc="-1" dirty="0" err="1">
+                <a:solidFill>
+                  <a:srgbClr val="D9D9D9"/>
+                </a:solidFill>
+                <a:uFill>
+                  <a:solidFill>
+                    <a:srgbClr val="FFFFFF"/>
+                  </a:solidFill>
+                </a:uFill>
+                <a:latin typeface="Candara"/>
+              </a:rPr>
+              <a:t>Bokeh</a:t>
+            </a:r>
+            <a:r>
+              <a:rPr lang="en-US" sz="2000" b="0" strike="noStrike" spc="-1" dirty="0">
+                <a:solidFill>
+                  <a:srgbClr val="D9D9D9"/>
+                </a:solidFill>
+                <a:uFill>
+                  <a:solidFill>
+                    <a:srgbClr val="FFFFFF"/>
+                  </a:solidFill>
+                </a:uFill>
+                <a:latin typeface="Candara"/>
+              </a:rPr>
+              <a:t> interactive graphs</a:t>
+            </a:r>
           </a:p>
           <a:p>
             <a:pPr marL="228600" indent="-228240">
@@ -6525,36 +7580,53 @@
                 <a:spcPts val="1800"/>
               </a:spcBef>
               <a:buClr>
-                <a:srgbClr val="92d050"/>
+                <a:srgbClr val="92D050"/>
               </a:buClr>
               <a:buFont typeface="Arial"/>
               <a:buChar char="•"/>
             </a:pPr>
             <a:r>
-              <a:rPr b="0" lang="en-US" sz="2000" spc="-1" strike="noStrike">
-                <a:solidFill>
-                  <a:srgbClr val="d9d9d9"/>
+              <a:rPr lang="en-US" sz="2000" b="0" strike="noStrike" spc="-1" dirty="0">
+                <a:solidFill>
+                  <a:srgbClr val="D9D9D9"/>
                 </a:solidFill>
                 <a:uFill>
                   <a:solidFill>
-                    <a:srgbClr val="ffffff"/>
+                    <a:srgbClr val="FFFFFF"/>
                   </a:solidFill>
                 </a:uFill>
                 <a:latin typeface="Candara"/>
               </a:rPr>
-              <a:t>Patti: Finish Presentation docx, powerpoint</a:t>
+              <a:t>Patti: Presentation.docx </a:t>
             </a:r>
-            <a:endParaRPr b="0" lang="en-US" sz="2000" spc="-1" strike="noStrike">
-              <a:solidFill>
-                <a:srgbClr val="d9d9d9"/>
-              </a:solidFill>
-              <a:uFill>
-                <a:solidFill>
-                  <a:srgbClr val="ffffff"/>
-                </a:solidFill>
-              </a:uFill>
-              <a:latin typeface="Candara"/>
-            </a:endParaRPr>
+            <a:r>
+              <a:rPr lang="en-US" sz="2000" spc="-1" dirty="0">
+                <a:solidFill>
+                  <a:srgbClr val="D9D9D9"/>
+                </a:solidFill>
+                <a:uFill>
+                  <a:solidFill>
+                    <a:srgbClr val="FFFFFF"/>
+                  </a:solidFill>
+                </a:uFill>
+                <a:latin typeface="Candara"/>
+              </a:rPr>
+              <a:t>-</a:t>
+            </a:r>
+            <a:r>
+              <a:rPr lang="en-US" sz="2000" b="0" strike="noStrike" spc="-1" dirty="0">
+                <a:solidFill>
+                  <a:srgbClr val="D9D9D9"/>
+                </a:solidFill>
+                <a:uFill>
+                  <a:solidFill>
+                    <a:srgbClr val="FFFFFF"/>
+                  </a:solidFill>
+                </a:uFill>
+                <a:latin typeface="Candara"/>
+              </a:rPr>
+              <a:t>explanation of each process</a:t>
+            </a:r>
           </a:p>
           <a:p>
             <a:pPr marL="228600" indent="-228240">
@@ -6565,57 +7637,49 @@
                 <a:spcPts val="1800"/>
               </a:spcBef>
               <a:buClr>
-                <a:srgbClr val="92d050"/>
+                <a:srgbClr val="92D050"/>
               </a:buClr>
               <a:buFont typeface="Arial"/>
               <a:buChar char="•"/>
             </a:pPr>
             <a:r>
-              <a:rPr b="0" lang="en-US" sz="2000" spc="-1" strike="noStrike">
-                <a:solidFill>
-                  <a:srgbClr val="d9d9d9"/>
+              <a:rPr lang="en-US" sz="2000" b="0" strike="noStrike" spc="-1" dirty="0">
+                <a:solidFill>
+                  <a:srgbClr val="D9D9D9"/>
                 </a:solidFill>
                 <a:uFill>
                   <a:solidFill>
-                    <a:srgbClr val="ffffff"/>
+                    <a:srgbClr val="FFFFFF"/>
                   </a:solidFill>
                 </a:uFill>
                 <a:latin typeface="Candara"/>
               </a:rPr>
               <a:t>Michael: Visualization of Weather codes</a:t>
             </a:r>
-            <a:endParaRPr b="0" lang="en-US" sz="2000" spc="-1" strike="noStrike">
-              <a:solidFill>
-                <a:srgbClr val="d9d9d9"/>
-              </a:solidFill>
-              <a:uFill>
-                <a:solidFill>
-                  <a:srgbClr val="ffffff"/>
-                </a:solidFill>
-              </a:uFill>
-              <a:latin typeface="Candara"/>
-            </a:endParaRPr>
           </a:p>
         </p:txBody>
       </p:sp>
     </p:spTree>
   </p:cSld>
+  <p:clrMapOvr>
+    <a:masterClrMapping/>
+  </p:clrMapOvr>
   <p:timing>
     <p:tnLst>
       <p:par>
-        <p:cTn id="19" dur="indefinite" restart="never" nodeType="tmRoot">
+        <p:cTn id="1" dur="indefinite" restart="never" nodeType="tmRoot">
           <p:childTnLst>
             <p:seq>
-              <p:cTn id="20" nodeType="mainSeq"/>
+              <p:cTn id="2" nodeType="mainSeq"/>
               <p:prevCondLst>
-                <p:cond delay="0" evt="onPrev">
+                <p:cond evt="onPrev" delay="0">
                   <p:tgtEl>
                     <p:sldTgt/>
                   </p:tgtEl>
                 </p:cond>
               </p:prevCondLst>
               <p:nextCondLst>
-                <p:cond delay="0" evt="onNext">
+                <p:cond evt="onNext" delay="0">
                   <p:tgtEl>
                     <p:sldTgt/>
                   </p:tgtEl>
@@ -6631,7 +7695,7 @@
 </file>
 
 <file path=ppt/slides/slide2.xml><?xml version="1.0" encoding="utf-8"?>
-<p:sld xmlns:a="http://schemas.openxmlformats.org/drawingml/2006/main" xmlns:p="http://schemas.openxmlformats.org/presentationml/2006/main" xmlns:r="http://schemas.openxmlformats.org/officeDocument/2006/relationships" xmlns:p14="http://schemas.microsoft.com/office/powerpoint/2010/main" xmlns:p15="http://schemas.microsoft.com/office/powerpoint/2012/main" xmlns:mc="http://schemas.openxmlformats.org/markup-compatibility/2006">
+<p:sld xmlns:a="http://schemas.openxmlformats.org/drawingml/2006/main" xmlns:r="http://schemas.openxmlformats.org/officeDocument/2006/relationships" xmlns:p="http://schemas.openxmlformats.org/presentationml/2006/main">
   <p:cSld>
     <p:spTree>
       <p:nvGrpSpPr>
@@ -6668,6 +7732,7 @@
         </p:spPr>
         <p:txBody>
           <a:bodyPr anchor="b"/>
+          <a:lstStyle/>
           <a:p>
             <a:pPr>
               <a:lnSpc>
@@ -6675,26 +7740,26 @@
               </a:lnSpc>
             </a:pPr>
             <a:r>
-              <a:rPr b="0" lang="en-US" sz="3400" spc="-1" strike="noStrike">
-                <a:solidFill>
-                  <a:srgbClr val="92d050"/>
+              <a:rPr lang="en-US" sz="3400" b="0" strike="noStrike" spc="-1">
+                <a:solidFill>
+                  <a:srgbClr val="92D050"/>
                 </a:solidFill>
                 <a:uFill>
                   <a:solidFill>
-                    <a:srgbClr val="ffffff"/>
+                    <a:srgbClr val="FFFFFF"/>
                   </a:solidFill>
                 </a:uFill>
                 <a:latin typeface="Consolas"/>
               </a:rPr>
               <a:t>Overall goals:</a:t>
             </a:r>
-            <a:endParaRPr b="0" lang="en-US" sz="3400" spc="-1" strike="noStrike">
-              <a:solidFill>
-                <a:srgbClr val="ffffff"/>
-              </a:solidFill>
-              <a:uFill>
-                <a:solidFill>
-                  <a:srgbClr val="ffffff"/>
+            <a:endParaRPr lang="en-US" sz="3400" b="0" strike="noStrike" spc="-1">
+              <a:solidFill>
+                <a:srgbClr val="FFFFFF"/>
+              </a:solidFill>
+              <a:uFill>
+                <a:solidFill>
+                  <a:srgbClr val="FFFFFF"/>
                 </a:solidFill>
               </a:uFill>
               <a:latin typeface="Candara"/>
@@ -6723,6 +7788,7 @@
         </p:spPr>
         <p:txBody>
           <a:bodyPr/>
+          <a:lstStyle/>
           <a:p>
             <a:pPr marL="228600" indent="-228240">
               <a:lnSpc>
@@ -6732,36 +7798,25 @@
                 <a:spcPts val="1800"/>
               </a:spcBef>
               <a:buClr>
-                <a:srgbClr val="92d050"/>
+                <a:srgbClr val="92D050"/>
               </a:buClr>
               <a:buFont typeface="Arial"/>
               <a:buChar char="•"/>
             </a:pPr>
             <a:r>
-              <a:rPr b="0" lang="en-US" sz="2000" spc="-1" strike="noStrike">
-                <a:solidFill>
-                  <a:srgbClr val="d9d9d9"/>
+              <a:rPr lang="en-US" sz="2000" b="0" strike="noStrike" spc="-1">
+                <a:solidFill>
+                  <a:srgbClr val="D9D9D9"/>
                 </a:solidFill>
                 <a:uFill>
                   <a:solidFill>
-                    <a:srgbClr val="ffffff"/>
+                    <a:srgbClr val="FFFFFF"/>
                   </a:solidFill>
                 </a:uFill>
                 <a:latin typeface="Candara"/>
               </a:rPr>
               <a:t>What criteria lead to the best placement of public access machines in the library?</a:t>
             </a:r>
-            <a:endParaRPr b="0" lang="en-US" sz="2000" spc="-1" strike="noStrike">
-              <a:solidFill>
-                <a:srgbClr val="d9d9d9"/>
-              </a:solidFill>
-              <a:uFill>
-                <a:solidFill>
-                  <a:srgbClr val="ffffff"/>
-                </a:solidFill>
-              </a:uFill>
-              <a:latin typeface="Candara"/>
-            </a:endParaRPr>
           </a:p>
           <a:p>
             <a:pPr marL="228600" indent="-228240">
@@ -6772,36 +7827,25 @@
                 <a:spcPts val="1800"/>
               </a:spcBef>
               <a:buClr>
-                <a:srgbClr val="92d050"/>
+                <a:srgbClr val="92D050"/>
               </a:buClr>
               <a:buFont typeface="Arial"/>
               <a:buChar char="•"/>
             </a:pPr>
             <a:r>
-              <a:rPr b="0" lang="en-US" sz="2000" spc="-1" strike="noStrike">
-                <a:solidFill>
-                  <a:srgbClr val="d9d9d9"/>
+              <a:rPr lang="en-US" sz="2000" b="0" strike="noStrike" spc="-1">
+                <a:solidFill>
+                  <a:srgbClr val="D9D9D9"/>
                 </a:solidFill>
                 <a:uFill>
                   <a:solidFill>
-                    <a:srgbClr val="ffffff"/>
+                    <a:srgbClr val="FFFFFF"/>
                   </a:solidFill>
                 </a:uFill>
                 <a:latin typeface="Candara"/>
               </a:rPr>
               <a:t>What effect, if any, do changes in configuration, location, and outside elements have on usage?</a:t>
             </a:r>
-            <a:endParaRPr b="0" lang="en-US" sz="2000" spc="-1" strike="noStrike">
-              <a:solidFill>
-                <a:srgbClr val="d9d9d9"/>
-              </a:solidFill>
-              <a:uFill>
-                <a:solidFill>
-                  <a:srgbClr val="ffffff"/>
-                </a:solidFill>
-              </a:uFill>
-              <a:latin typeface="Candara"/>
-            </a:endParaRPr>
           </a:p>
           <a:p>
             <a:pPr marL="228600" indent="-228240">
@@ -6812,57 +7856,49 @@
                 <a:spcPts val="1800"/>
               </a:spcBef>
               <a:buClr>
-                <a:srgbClr val="92d050"/>
+                <a:srgbClr val="92D050"/>
               </a:buClr>
               <a:buFont typeface="Arial"/>
               <a:buChar char="•"/>
             </a:pPr>
             <a:r>
-              <a:rPr b="0" lang="en-US" sz="2000" spc="-1" strike="noStrike">
-                <a:solidFill>
-                  <a:srgbClr val="d9d9d9"/>
+              <a:rPr lang="en-US" sz="2000" b="0" strike="noStrike" spc="-1">
+                <a:solidFill>
+                  <a:srgbClr val="D9D9D9"/>
                 </a:solidFill>
                 <a:uFill>
                   <a:solidFill>
-                    <a:srgbClr val="ffffff"/>
+                    <a:srgbClr val="FFFFFF"/>
                   </a:solidFill>
                 </a:uFill>
                 <a:latin typeface="Candara"/>
               </a:rPr>
               <a:t>Can a better solution be derived from analysis of data and machine learning?</a:t>
             </a:r>
-            <a:endParaRPr b="0" lang="en-US" sz="2000" spc="-1" strike="noStrike">
-              <a:solidFill>
-                <a:srgbClr val="d9d9d9"/>
-              </a:solidFill>
-              <a:uFill>
-                <a:solidFill>
-                  <a:srgbClr val="ffffff"/>
-                </a:solidFill>
-              </a:uFill>
-              <a:latin typeface="Candara"/>
-            </a:endParaRPr>
           </a:p>
         </p:txBody>
       </p:sp>
     </p:spTree>
   </p:cSld>
+  <p:clrMapOvr>
+    <a:masterClrMapping/>
+  </p:clrMapOvr>
   <p:timing>
     <p:tnLst>
       <p:par>
-        <p:cTn id="3" dur="indefinite" restart="never" nodeType="tmRoot">
+        <p:cTn id="1" dur="indefinite" restart="never" nodeType="tmRoot">
           <p:childTnLst>
             <p:seq>
-              <p:cTn id="4" nodeType="mainSeq"/>
+              <p:cTn id="2" nodeType="mainSeq"/>
               <p:prevCondLst>
-                <p:cond delay="0" evt="onPrev">
+                <p:cond evt="onPrev" delay="0">
                   <p:tgtEl>
                     <p:sldTgt/>
                   </p:tgtEl>
                 </p:cond>
               </p:prevCondLst>
               <p:nextCondLst>
-                <p:cond delay="0" evt="onNext">
+                <p:cond evt="onNext" delay="0">
                   <p:tgtEl>
                     <p:sldTgt/>
                   </p:tgtEl>
@@ -6878,7 +7914,7 @@
 </file>
 
 <file path=ppt/slides/slide3.xml><?xml version="1.0" encoding="utf-8"?>
-<p:sld xmlns:a="http://schemas.openxmlformats.org/drawingml/2006/main" xmlns:p="http://schemas.openxmlformats.org/presentationml/2006/main" xmlns:r="http://schemas.openxmlformats.org/officeDocument/2006/relationships" xmlns:p14="http://schemas.microsoft.com/office/powerpoint/2010/main" xmlns:p15="http://schemas.microsoft.com/office/powerpoint/2012/main" xmlns:mc="http://schemas.openxmlformats.org/markup-compatibility/2006">
+<p:sld xmlns:a="http://schemas.openxmlformats.org/drawingml/2006/main" xmlns:r="http://schemas.openxmlformats.org/officeDocument/2006/relationships" xmlns:p="http://schemas.openxmlformats.org/presentationml/2006/main">
   <p:cSld>
     <p:spTree>
       <p:nvGrpSpPr>
@@ -6915,6 +7951,7 @@
         </p:spPr>
         <p:txBody>
           <a:bodyPr anchor="b"/>
+          <a:lstStyle/>
           <a:p>
             <a:pPr>
               <a:lnSpc>
@@ -6922,26 +7959,26 @@
               </a:lnSpc>
             </a:pPr>
             <a:r>
-              <a:rPr b="0" lang="en-US" sz="3400" spc="-1" strike="noStrike">
-                <a:solidFill>
-                  <a:srgbClr val="92d050"/>
+              <a:rPr lang="en-US" sz="3400" b="0" strike="noStrike" spc="-1">
+                <a:solidFill>
+                  <a:srgbClr val="92D050"/>
                 </a:solidFill>
                 <a:uFill>
                   <a:solidFill>
-                    <a:srgbClr val="ffffff"/>
+                    <a:srgbClr val="FFFFFF"/>
                   </a:solidFill>
                 </a:uFill>
                 <a:latin typeface="Consolas"/>
               </a:rPr>
               <a:t>Gate Counts with Semester Schedule</a:t>
             </a:r>
-            <a:endParaRPr b="0" lang="en-US" sz="3400" spc="-1" strike="noStrike">
-              <a:solidFill>
-                <a:srgbClr val="ffffff"/>
-              </a:solidFill>
-              <a:uFill>
-                <a:solidFill>
-                  <a:srgbClr val="ffffff"/>
+            <a:endParaRPr lang="en-US" sz="3400" b="0" strike="noStrike" spc="-1">
+              <a:solidFill>
+                <a:srgbClr val="FFFFFF"/>
+              </a:solidFill>
+              <a:uFill>
+                <a:solidFill>
+                  <a:srgbClr val="FFFFFF"/>
                 </a:solidFill>
               </a:uFill>
               <a:latin typeface="Candara"/>
@@ -6951,12 +7988,12 @@
       </p:sp>
       <p:pic>
         <p:nvPicPr>
-          <p:cNvPr id="122" name="Content Placeholder 10" descr=""/>
+          <p:cNvPr id="122" name="Content Placeholder 10"/>
           <p:cNvPicPr/>
           <p:nvPr/>
         </p:nvPicPr>
         <p:blipFill>
-          <a:blip r:embed="rId1"/>
+          <a:blip r:embed="rId2"/>
           <a:stretch/>
         </p:blipFill>
         <p:spPr>
@@ -6992,9 +8029,10 @@
           </a:ln>
         </p:spPr>
         <p:txBody>
-          <a:bodyPr>
-            <a:normAutofit/>
+          <a:bodyPr numCol="2">
+            <a:normAutofit fontScale="55000" lnSpcReduction="20000"/>
           </a:bodyPr>
+          <a:lstStyle/>
           <a:p>
             <a:pPr marL="228600" indent="-228240">
               <a:lnSpc>
@@ -7004,36 +8042,25 @@
                 <a:spcPts val="1800"/>
               </a:spcBef>
               <a:buClr>
-                <a:srgbClr val="92d050"/>
+                <a:srgbClr val="92D050"/>
               </a:buClr>
               <a:buFont typeface="Arial"/>
               <a:buChar char="•"/>
             </a:pPr>
             <a:r>
-              <a:rPr b="0" lang="en-US" sz="2000" spc="-1" strike="noStrike">
-                <a:solidFill>
-                  <a:srgbClr val="d9d9d9"/>
+              <a:rPr lang="en-US" sz="2000" b="0" strike="noStrike" spc="-1" dirty="0">
+                <a:solidFill>
+                  <a:srgbClr val="D9D9D9"/>
                 </a:solidFill>
                 <a:uFill>
                   <a:solidFill>
-                    <a:srgbClr val="ffffff"/>
+                    <a:srgbClr val="FFFFFF"/>
                   </a:solidFill>
                 </a:uFill>
                 <a:latin typeface="Candara"/>
               </a:rPr>
               <a:t>01/17/17, Tues:  Classes begin</a:t>
             </a:r>
-            <a:endParaRPr b="0" lang="en-US" sz="2000" spc="-1" strike="noStrike">
-              <a:solidFill>
-                <a:srgbClr val="d9d9d9"/>
-              </a:solidFill>
-              <a:uFill>
-                <a:solidFill>
-                  <a:srgbClr val="ffffff"/>
-                </a:solidFill>
-              </a:uFill>
-              <a:latin typeface="Candara"/>
-            </a:endParaRPr>
           </a:p>
           <a:p>
             <a:pPr marL="228600" indent="-228240">
@@ -7044,36 +8071,25 @@
                 <a:spcPts val="1800"/>
               </a:spcBef>
               <a:buClr>
-                <a:srgbClr val="92d050"/>
+                <a:srgbClr val="92D050"/>
               </a:buClr>
               <a:buFont typeface="Arial"/>
               <a:buChar char="•"/>
             </a:pPr>
             <a:r>
-              <a:rPr b="0" lang="en-US" sz="2000" spc="-1" strike="noStrike">
-                <a:solidFill>
-                  <a:srgbClr val="d9d9d9"/>
+              <a:rPr lang="en-US" sz="2000" b="0" strike="noStrike" spc="-1" dirty="0">
+                <a:solidFill>
+                  <a:srgbClr val="D9D9D9"/>
                 </a:solidFill>
                 <a:uFill>
                   <a:solidFill>
-                    <a:srgbClr val="ffffff"/>
+                    <a:srgbClr val="FFFFFF"/>
                   </a:solidFill>
                 </a:uFill>
                 <a:latin typeface="Candara"/>
               </a:rPr>
               <a:t>03/11/17, Sat: Spring Break begins</a:t>
             </a:r>
-            <a:endParaRPr b="0" lang="en-US" sz="2000" spc="-1" strike="noStrike">
-              <a:solidFill>
-                <a:srgbClr val="d9d9d9"/>
-              </a:solidFill>
-              <a:uFill>
-                <a:solidFill>
-                  <a:srgbClr val="ffffff"/>
-                </a:solidFill>
-              </a:uFill>
-              <a:latin typeface="Candara"/>
-            </a:endParaRPr>
           </a:p>
           <a:p>
             <a:pPr marL="228600" indent="-228240">
@@ -7084,36 +8100,25 @@
                 <a:spcPts val="1800"/>
               </a:spcBef>
               <a:buClr>
-                <a:srgbClr val="92d050"/>
+                <a:srgbClr val="92D050"/>
               </a:buClr>
               <a:buFont typeface="Arial"/>
               <a:buChar char="•"/>
             </a:pPr>
             <a:r>
-              <a:rPr b="0" lang="en-US" sz="2000" spc="-1" strike="noStrike">
-                <a:solidFill>
-                  <a:srgbClr val="d9d9d9"/>
+              <a:rPr lang="en-US" sz="2000" b="0" strike="noStrike" spc="-1" dirty="0">
+                <a:solidFill>
+                  <a:srgbClr val="D9D9D9"/>
                 </a:solidFill>
                 <a:uFill>
                   <a:solidFill>
-                    <a:srgbClr val="ffffff"/>
+                    <a:srgbClr val="FFFFFF"/>
                   </a:solidFill>
                 </a:uFill>
                 <a:latin typeface="Candara"/>
               </a:rPr>
               <a:t>03/20/17, Mon: Spring Break ends</a:t>
             </a:r>
-            <a:endParaRPr b="0" lang="en-US" sz="2000" spc="-1" strike="noStrike">
-              <a:solidFill>
-                <a:srgbClr val="d9d9d9"/>
-              </a:solidFill>
-              <a:uFill>
-                <a:solidFill>
-                  <a:srgbClr val="ffffff"/>
-                </a:solidFill>
-              </a:uFill>
-              <a:latin typeface="Candara"/>
-            </a:endParaRPr>
           </a:p>
           <a:p>
             <a:pPr marL="228600" indent="-228240">
@@ -7124,36 +8129,25 @@
                 <a:spcPts val="1800"/>
               </a:spcBef>
               <a:buClr>
-                <a:srgbClr val="92d050"/>
+                <a:srgbClr val="92D050"/>
               </a:buClr>
               <a:buFont typeface="Arial"/>
               <a:buChar char="•"/>
             </a:pPr>
             <a:r>
-              <a:rPr b="0" lang="en-US" sz="2000" spc="-1" strike="noStrike">
-                <a:solidFill>
-                  <a:srgbClr val="d9d9d9"/>
+              <a:rPr lang="en-US" sz="2000" b="0" strike="noStrike" spc="-1" dirty="0">
+                <a:solidFill>
+                  <a:srgbClr val="D9D9D9"/>
                 </a:solidFill>
                 <a:uFill>
                   <a:solidFill>
-                    <a:srgbClr val="ffffff"/>
+                    <a:srgbClr val="FFFFFF"/>
                   </a:solidFill>
                 </a:uFill>
                 <a:latin typeface="Candara"/>
               </a:rPr>
               <a:t>04/14/2017, Fri: Holiday</a:t>
             </a:r>
-            <a:endParaRPr b="0" lang="en-US" sz="2000" spc="-1" strike="noStrike">
-              <a:solidFill>
-                <a:srgbClr val="d9d9d9"/>
-              </a:solidFill>
-              <a:uFill>
-                <a:solidFill>
-                  <a:srgbClr val="ffffff"/>
-                </a:solidFill>
-              </a:uFill>
-              <a:latin typeface="Candara"/>
-            </a:endParaRPr>
           </a:p>
           <a:p>
             <a:pPr marL="228600" indent="-228240">
@@ -7164,36 +8158,25 @@
                 <a:spcPts val="1800"/>
               </a:spcBef>
               <a:buClr>
-                <a:srgbClr val="92d050"/>
+                <a:srgbClr val="92D050"/>
               </a:buClr>
               <a:buFont typeface="Arial"/>
               <a:buChar char="•"/>
             </a:pPr>
             <a:r>
-              <a:rPr b="0" lang="en-US" sz="2000" spc="-1" strike="noStrike">
-                <a:solidFill>
-                  <a:srgbClr val="d9d9d9"/>
+              <a:rPr lang="en-US" sz="2000" b="0" strike="noStrike" spc="-1" dirty="0">
+                <a:solidFill>
+                  <a:srgbClr val="D9D9D9"/>
                 </a:solidFill>
                 <a:uFill>
                   <a:solidFill>
-                    <a:srgbClr val="ffffff"/>
+                    <a:srgbClr val="FFFFFF"/>
                   </a:solidFill>
                 </a:uFill>
                 <a:latin typeface="Candara"/>
               </a:rPr>
               <a:t>05/03/17, Wed: Reading Day</a:t>
             </a:r>
-            <a:endParaRPr b="0" lang="en-US" sz="2000" spc="-1" strike="noStrike">
-              <a:solidFill>
-                <a:srgbClr val="d9d9d9"/>
-              </a:solidFill>
-              <a:uFill>
-                <a:solidFill>
-                  <a:srgbClr val="ffffff"/>
-                </a:solidFill>
-              </a:uFill>
-              <a:latin typeface="Candara"/>
-            </a:endParaRPr>
           </a:p>
           <a:p>
             <a:pPr marL="228600" indent="-228240">
@@ -7204,36 +8187,25 @@
                 <a:spcPts val="1800"/>
               </a:spcBef>
               <a:buClr>
-                <a:srgbClr val="92d050"/>
+                <a:srgbClr val="92D050"/>
               </a:buClr>
               <a:buFont typeface="Arial"/>
               <a:buChar char="•"/>
             </a:pPr>
             <a:r>
-              <a:rPr b="0" lang="en-US" sz="2000" spc="-1" strike="noStrike">
-                <a:solidFill>
-                  <a:srgbClr val="d9d9d9"/>
+              <a:rPr lang="en-US" sz="2000" b="0" strike="noStrike" spc="-1" dirty="0">
+                <a:solidFill>
+                  <a:srgbClr val="D9D9D9"/>
                 </a:solidFill>
                 <a:uFill>
                   <a:solidFill>
-                    <a:srgbClr val="ffffff"/>
+                    <a:srgbClr val="FFFFFF"/>
                   </a:solidFill>
                 </a:uFill>
                 <a:latin typeface="Candara"/>
               </a:rPr>
               <a:t>05/04/17, Thurs: Finals start</a:t>
             </a:r>
-            <a:endParaRPr b="0" lang="en-US" sz="2000" spc="-1" strike="noStrike">
-              <a:solidFill>
-                <a:srgbClr val="d9d9d9"/>
-              </a:solidFill>
-              <a:uFill>
-                <a:solidFill>
-                  <a:srgbClr val="ffffff"/>
-                </a:solidFill>
-              </a:uFill>
-              <a:latin typeface="Candara"/>
-            </a:endParaRPr>
           </a:p>
           <a:p>
             <a:pPr marL="228600" indent="-228240">
@@ -7244,36 +8216,25 @@
                 <a:spcPts val="1800"/>
               </a:spcBef>
               <a:buClr>
-                <a:srgbClr val="92d050"/>
+                <a:srgbClr val="92D050"/>
               </a:buClr>
               <a:buFont typeface="Arial"/>
               <a:buChar char="•"/>
             </a:pPr>
             <a:r>
-              <a:rPr b="0" lang="en-US" sz="2000" spc="-1" strike="noStrike">
-                <a:solidFill>
-                  <a:srgbClr val="d9d9d9"/>
+              <a:rPr lang="en-US" sz="2000" b="0" strike="noStrike" spc="-1" dirty="0">
+                <a:solidFill>
+                  <a:srgbClr val="D9D9D9"/>
                 </a:solidFill>
                 <a:uFill>
                   <a:solidFill>
-                    <a:srgbClr val="ffffff"/>
+                    <a:srgbClr val="FFFFFF"/>
                   </a:solidFill>
                 </a:uFill>
                 <a:latin typeface="Candara"/>
               </a:rPr>
               <a:t>05/12/17, Fri: Commencement</a:t>
             </a:r>
-            <a:endParaRPr b="0" lang="en-US" sz="2000" spc="-1" strike="noStrike">
-              <a:solidFill>
-                <a:srgbClr val="d9d9d9"/>
-              </a:solidFill>
-              <a:uFill>
-                <a:solidFill>
-                  <a:srgbClr val="ffffff"/>
-                </a:solidFill>
-              </a:uFill>
-              <a:latin typeface="Candara"/>
-            </a:endParaRPr>
           </a:p>
           <a:p>
             <a:pPr>
@@ -7284,13 +8245,13 @@
                 <a:spcPts val="1800"/>
               </a:spcBef>
             </a:pPr>
-            <a:endParaRPr b="0" lang="en-US" sz="2000" spc="-1" strike="noStrike">
-              <a:solidFill>
-                <a:srgbClr val="d9d9d9"/>
-              </a:solidFill>
-              <a:uFill>
-                <a:solidFill>
-                  <a:srgbClr val="ffffff"/>
+            <a:endParaRPr lang="en-US" sz="2000" b="0" strike="noStrike" spc="-1" dirty="0">
+              <a:solidFill>
+                <a:srgbClr val="D9D9D9"/>
+              </a:solidFill>
+              <a:uFill>
+                <a:solidFill>
+                  <a:srgbClr val="FFFFFF"/>
                 </a:solidFill>
               </a:uFill>
               <a:latin typeface="Candara"/>
@@ -7300,22 +8261,25 @@
       </p:sp>
     </p:spTree>
   </p:cSld>
+  <p:clrMapOvr>
+    <a:masterClrMapping/>
+  </p:clrMapOvr>
   <p:timing>
     <p:tnLst>
       <p:par>
-        <p:cTn id="5" dur="indefinite" restart="never" nodeType="tmRoot">
+        <p:cTn id="1" dur="indefinite" restart="never" nodeType="tmRoot">
           <p:childTnLst>
             <p:seq>
-              <p:cTn id="6" nodeType="mainSeq"/>
+              <p:cTn id="2" nodeType="mainSeq"/>
               <p:prevCondLst>
-                <p:cond delay="0" evt="onPrev">
+                <p:cond evt="onPrev" delay="0">
                   <p:tgtEl>
                     <p:sldTgt/>
                   </p:tgtEl>
                 </p:cond>
               </p:prevCondLst>
               <p:nextCondLst>
-                <p:cond delay="0" evt="onNext">
+                <p:cond evt="onNext" delay="0">
                   <p:tgtEl>
                     <p:sldTgt/>
                   </p:tgtEl>
@@ -7331,7 +8295,7 @@
 </file>
 
 <file path=ppt/slides/slide4.xml><?xml version="1.0" encoding="utf-8"?>
-<p:sld xmlns:a="http://schemas.openxmlformats.org/drawingml/2006/main" xmlns:p="http://schemas.openxmlformats.org/presentationml/2006/main" xmlns:r="http://schemas.openxmlformats.org/officeDocument/2006/relationships" xmlns:p14="http://schemas.microsoft.com/office/powerpoint/2010/main" xmlns:p15="http://schemas.microsoft.com/office/powerpoint/2012/main" xmlns:mc="http://schemas.openxmlformats.org/markup-compatibility/2006">
+<p:sld xmlns:a="http://schemas.openxmlformats.org/drawingml/2006/main" xmlns:r="http://schemas.openxmlformats.org/officeDocument/2006/relationships" xmlns:p="http://schemas.openxmlformats.org/presentationml/2006/main">
   <p:cSld>
     <p:spTree>
       <p:nvGrpSpPr>
@@ -7368,6 +8332,7 @@
         </p:spPr>
         <p:txBody>
           <a:bodyPr anchor="b"/>
+          <a:lstStyle/>
           <a:p>
             <a:pPr>
               <a:lnSpc>
@@ -7375,26 +8340,26 @@
               </a:lnSpc>
             </a:pPr>
             <a:r>
-              <a:rPr b="0" lang="en-US" sz="3400" spc="-1" strike="noStrike">
-                <a:solidFill>
-                  <a:srgbClr val="92d050"/>
+              <a:rPr lang="en-US" sz="3400" b="0" strike="noStrike" spc="-1">
+                <a:solidFill>
+                  <a:srgbClr val="92D050"/>
                 </a:solidFill>
                 <a:uFill>
                   <a:solidFill>
-                    <a:srgbClr val="ffffff"/>
+                    <a:srgbClr val="FFFFFF"/>
                   </a:solidFill>
                 </a:uFill>
                 <a:latin typeface="Consolas"/>
               </a:rPr>
               <a:t>Decoding the weather</a:t>
             </a:r>
-            <a:endParaRPr b="0" lang="en-US" sz="3400" spc="-1" strike="noStrike">
-              <a:solidFill>
-                <a:srgbClr val="ffffff"/>
-              </a:solidFill>
-              <a:uFill>
-                <a:solidFill>
-                  <a:srgbClr val="ffffff"/>
+            <a:endParaRPr lang="en-US" sz="3400" b="0" strike="noStrike" spc="-1">
+              <a:solidFill>
+                <a:srgbClr val="FFFFFF"/>
+              </a:solidFill>
+              <a:uFill>
+                <a:solidFill>
+                  <a:srgbClr val="FFFFFF"/>
                 </a:solidFill>
               </a:uFill>
               <a:latin typeface="Candara"/>
@@ -7423,6 +8388,7 @@
         </p:spPr>
         <p:txBody>
           <a:bodyPr anchor="ctr"/>
+          <a:lstStyle/>
           <a:p>
             <a:pPr>
               <a:lnSpc>
@@ -7430,26 +8396,26 @@
               </a:lnSpc>
             </a:pPr>
             <a:r>
-              <a:rPr b="0" lang="en-US" sz="1400" spc="-1" strike="noStrike">
-                <a:solidFill>
-                  <a:srgbClr val="ffffff"/>
+              <a:rPr lang="en-US" sz="1400" b="0" strike="noStrike" spc="-1" dirty="0">
+                <a:solidFill>
+                  <a:srgbClr val="FFFFFF"/>
                 </a:solidFill>
                 <a:uFill>
                   <a:solidFill>
-                    <a:srgbClr val="ffffff"/>
+                    <a:srgbClr val="FFFFFF"/>
                   </a:solidFill>
                 </a:uFill>
                 <a:latin typeface="Arial Unicode MS"/>
               </a:rPr>
               <a:t>('METAR: ', 'METAR KEWR 111851Z VRB03G19KT 2SM R04R/3000VP6000FT TSRA BR </a:t>
             </a:r>
-            <a:endParaRPr b="0" lang="en-US" sz="1400" spc="-1" strike="noStrike">
-              <a:solidFill>
-                <a:srgbClr val="d9d9d9"/>
-              </a:solidFill>
-              <a:uFill>
-                <a:solidFill>
-                  <a:srgbClr val="ffffff"/>
+            <a:endParaRPr lang="en-US" sz="1400" b="0" strike="noStrike" spc="-1" dirty="0">
+              <a:solidFill>
+                <a:srgbClr val="D9D9D9"/>
+              </a:solidFill>
+              <a:uFill>
+                <a:solidFill>
+                  <a:srgbClr val="FFFFFF"/>
                 </a:solidFill>
               </a:uFill>
               <a:latin typeface="Candara"/>
@@ -7462,26 +8428,26 @@
               </a:lnSpc>
             </a:pPr>
             <a:r>
-              <a:rPr b="0" lang="en-US" sz="1400" spc="-1" strike="noStrike">
-                <a:solidFill>
-                  <a:srgbClr val="ffffff"/>
+              <a:rPr lang="en-US" sz="1400" b="0" strike="noStrike" spc="-1" dirty="0">
+                <a:solidFill>
+                  <a:srgbClr val="FFFFFF"/>
                 </a:solidFill>
                 <a:uFill>
                   <a:solidFill>
-                    <a:srgbClr val="ffffff"/>
+                    <a:srgbClr val="FFFFFF"/>
                   </a:solidFill>
                 </a:uFill>
                 <a:latin typeface="Arial Unicode MS"/>
               </a:rPr>
               <a:t>FEW015 BKN040CB BKN065 OVC200 22/22 A2987 RMK AO2 PK WND 29028/1817 WSHFT </a:t>
             </a:r>
-            <a:endParaRPr b="0" lang="en-US" sz="1400" spc="-1" strike="noStrike">
-              <a:solidFill>
-                <a:srgbClr val="d9d9d9"/>
-              </a:solidFill>
-              <a:uFill>
-                <a:solidFill>
-                  <a:srgbClr val="ffffff"/>
+            <a:endParaRPr lang="en-US" sz="1400" b="0" strike="noStrike" spc="-1" dirty="0">
+              <a:solidFill>
+                <a:srgbClr val="D9D9D9"/>
+              </a:solidFill>
+              <a:uFill>
+                <a:solidFill>
+                  <a:srgbClr val="FFFFFF"/>
                 </a:solidFill>
               </a:uFill>
               <a:latin typeface="Candara"/>
@@ -7494,26 +8460,26 @@
               </a:lnSpc>
             </a:pPr>
             <a:r>
-              <a:rPr b="0" lang="en-US" sz="1400" spc="-1" strike="noStrike">
-                <a:solidFill>
-                  <a:srgbClr val="ffffff"/>
+              <a:rPr lang="en-US" sz="1400" b="0" strike="noStrike" spc="-1" dirty="0">
+                <a:solidFill>
+                  <a:srgbClr val="FFFFFF"/>
                 </a:solidFill>
                 <a:uFill>
                   <a:solidFill>
-                    <a:srgbClr val="ffffff"/>
+                    <a:srgbClr val="FFFFFF"/>
                   </a:solidFill>
                 </a:uFill>
                 <a:latin typeface="Arial Unicode MS"/>
               </a:rPr>
               <a:t>1812 TSB05RAB22 SLP114 FRQ LTGICCCCG TS OHD AND NW-N-E MOV NE P0013 T02270215’) </a:t>
             </a:r>
-            <a:endParaRPr b="0" lang="en-US" sz="1400" spc="-1" strike="noStrike">
-              <a:solidFill>
-                <a:srgbClr val="d9d9d9"/>
-              </a:solidFill>
-              <a:uFill>
-                <a:solidFill>
-                  <a:srgbClr val="ffffff"/>
+            <a:endParaRPr lang="en-US" sz="1400" b="0" strike="noStrike" spc="-1" dirty="0">
+              <a:solidFill>
+                <a:srgbClr val="D9D9D9"/>
+              </a:solidFill>
+              <a:uFill>
+                <a:solidFill>
+                  <a:srgbClr val="FFFFFF"/>
                 </a:solidFill>
               </a:uFill>
               <a:latin typeface="Candara"/>
@@ -7526,26 +8492,26 @@
               </a:lnSpc>
             </a:pPr>
             <a:r>
-              <a:rPr b="0" lang="en-US" sz="1400" spc="-1" strike="noStrike">
-                <a:solidFill>
-                  <a:srgbClr val="ffffff"/>
+              <a:rPr lang="en-US" sz="1400" b="0" strike="noStrike" spc="-1" dirty="0">
+                <a:solidFill>
+                  <a:srgbClr val="FFFFFF"/>
                 </a:solidFill>
                 <a:uFill>
                   <a:solidFill>
-                    <a:srgbClr val="ffffff"/>
+                    <a:srgbClr val="FFFFFF"/>
                   </a:solidFill>
                 </a:uFill>
                 <a:latin typeface="Arial Unicode MS"/>
               </a:rPr>
               <a:t>-----------------------------------------------------------------------</a:t>
             </a:r>
-            <a:endParaRPr b="0" lang="en-US" sz="1400" spc="-1" strike="noStrike">
-              <a:solidFill>
-                <a:srgbClr val="d9d9d9"/>
-              </a:solidFill>
-              <a:uFill>
-                <a:solidFill>
-                  <a:srgbClr val="ffffff"/>
+            <a:endParaRPr lang="en-US" sz="1400" b="0" strike="noStrike" spc="-1" dirty="0">
+              <a:solidFill>
+                <a:srgbClr val="D9D9D9"/>
+              </a:solidFill>
+              <a:uFill>
+                <a:solidFill>
+                  <a:srgbClr val="FFFFFF"/>
                 </a:solidFill>
               </a:uFill>
               <a:latin typeface="Candara"/>
@@ -7558,26 +8524,26 @@
               </a:lnSpc>
             </a:pPr>
             <a:r>
-              <a:rPr b="0" lang="en-US" sz="1400" spc="-1" strike="noStrike">
-                <a:solidFill>
-                  <a:srgbClr val="ffffff"/>
+              <a:rPr lang="en-US" sz="1400" b="0" strike="noStrike" spc="-1" dirty="0">
+                <a:solidFill>
+                  <a:srgbClr val="FFFFFF"/>
                 </a:solidFill>
                 <a:uFill>
                   <a:solidFill>
-                    <a:srgbClr val="ffffff"/>
+                    <a:srgbClr val="FFFFFF"/>
                   </a:solidFill>
                 </a:uFill>
                 <a:latin typeface="Arial Unicode MS"/>
               </a:rPr>
               <a:t>station: KEWR </a:t>
             </a:r>
-            <a:endParaRPr b="0" lang="en-US" sz="1400" spc="-1" strike="noStrike">
-              <a:solidFill>
-                <a:srgbClr val="d9d9d9"/>
-              </a:solidFill>
-              <a:uFill>
-                <a:solidFill>
-                  <a:srgbClr val="ffffff"/>
+            <a:endParaRPr lang="en-US" sz="1400" b="0" strike="noStrike" spc="-1" dirty="0">
+              <a:solidFill>
+                <a:srgbClr val="D9D9D9"/>
+              </a:solidFill>
+              <a:uFill>
+                <a:solidFill>
+                  <a:srgbClr val="FFFFFF"/>
                 </a:solidFill>
               </a:uFill>
               <a:latin typeface="Candara"/>
@@ -7590,26 +8556,26 @@
               </a:lnSpc>
             </a:pPr>
             <a:r>
-              <a:rPr b="0" lang="en-US" sz="1400" spc="-1" strike="noStrike">
-                <a:solidFill>
-                  <a:srgbClr val="ffffff"/>
+              <a:rPr lang="en-US" sz="1400" b="0" strike="noStrike" spc="-1" dirty="0">
+                <a:solidFill>
+                  <a:srgbClr val="FFFFFF"/>
                 </a:solidFill>
                 <a:uFill>
                   <a:solidFill>
-                    <a:srgbClr val="ffffff"/>
+                    <a:srgbClr val="FFFFFF"/>
                   </a:solidFill>
                 </a:uFill>
                 <a:latin typeface="Arial Unicode MS"/>
               </a:rPr>
               <a:t>type: routine report, cycle 19 (automatic report)</a:t>
             </a:r>
-            <a:endParaRPr b="0" lang="en-US" sz="1400" spc="-1" strike="noStrike">
-              <a:solidFill>
-                <a:srgbClr val="d9d9d9"/>
-              </a:solidFill>
-              <a:uFill>
-                <a:solidFill>
-                  <a:srgbClr val="ffffff"/>
+            <a:endParaRPr lang="en-US" sz="1400" b="0" strike="noStrike" spc="-1" dirty="0">
+              <a:solidFill>
+                <a:srgbClr val="D9D9D9"/>
+              </a:solidFill>
+              <a:uFill>
+                <a:solidFill>
+                  <a:srgbClr val="FFFFFF"/>
                 </a:solidFill>
               </a:uFill>
               <a:latin typeface="Candara"/>
@@ -7622,26 +8588,26 @@
               </a:lnSpc>
             </a:pPr>
             <a:r>
-              <a:rPr b="0" lang="en-US" sz="1400" spc="-1" strike="noStrike">
-                <a:solidFill>
-                  <a:srgbClr val="ffffff"/>
+              <a:rPr lang="en-US" sz="1400" b="0" strike="noStrike" spc="-1" dirty="0">
+                <a:solidFill>
+                  <a:srgbClr val="FFFFFF"/>
                 </a:solidFill>
                 <a:uFill>
                   <a:solidFill>
-                    <a:srgbClr val="ffffff"/>
+                    <a:srgbClr val="FFFFFF"/>
                   </a:solidFill>
                 </a:uFill>
                 <a:latin typeface="Arial Unicode MS"/>
               </a:rPr>
               <a:t>time: Wed Oct 11 18:51:00 2017 </a:t>
             </a:r>
-            <a:endParaRPr b="0" lang="en-US" sz="1400" spc="-1" strike="noStrike">
-              <a:solidFill>
-                <a:srgbClr val="d9d9d9"/>
-              </a:solidFill>
-              <a:uFill>
-                <a:solidFill>
-                  <a:srgbClr val="ffffff"/>
+            <a:endParaRPr lang="en-US" sz="1400" b="0" strike="noStrike" spc="-1" dirty="0">
+              <a:solidFill>
+                <a:srgbClr val="D9D9D9"/>
+              </a:solidFill>
+              <a:uFill>
+                <a:solidFill>
+                  <a:srgbClr val="FFFFFF"/>
                 </a:solidFill>
               </a:uFill>
               <a:latin typeface="Candara"/>
@@ -7654,26 +8620,26 @@
               </a:lnSpc>
             </a:pPr>
             <a:r>
-              <a:rPr b="0" lang="en-US" sz="1400" spc="-1" strike="noStrike">
-                <a:solidFill>
-                  <a:srgbClr val="ffffff"/>
+              <a:rPr lang="en-US" sz="1400" b="0" strike="noStrike" spc="-1" dirty="0">
+                <a:solidFill>
+                  <a:srgbClr val="FFFFFF"/>
                 </a:solidFill>
                 <a:uFill>
                   <a:solidFill>
-                    <a:srgbClr val="ffffff"/>
+                    <a:srgbClr val="FFFFFF"/>
                   </a:solidFill>
                 </a:uFill>
                 <a:latin typeface="Arial Unicode MS"/>
               </a:rPr>
               <a:t>temperature: 22.7 C dew point: 21.5 C </a:t>
             </a:r>
-            <a:endParaRPr b="0" lang="en-US" sz="1400" spc="-1" strike="noStrike">
-              <a:solidFill>
-                <a:srgbClr val="d9d9d9"/>
-              </a:solidFill>
-              <a:uFill>
-                <a:solidFill>
-                  <a:srgbClr val="ffffff"/>
+            <a:endParaRPr lang="en-US" sz="1400" b="0" strike="noStrike" spc="-1" dirty="0">
+              <a:solidFill>
+                <a:srgbClr val="D9D9D9"/>
+              </a:solidFill>
+              <a:uFill>
+                <a:solidFill>
+                  <a:srgbClr val="FFFFFF"/>
                 </a:solidFill>
               </a:uFill>
               <a:latin typeface="Candara"/>
@@ -7686,26 +8652,26 @@
               </a:lnSpc>
             </a:pPr>
             <a:r>
-              <a:rPr b="0" lang="en-US" sz="1400" spc="-1" strike="noStrike">
-                <a:solidFill>
-                  <a:srgbClr val="ffffff"/>
+              <a:rPr lang="en-US" sz="1400" b="0" strike="noStrike" spc="-1" dirty="0">
+                <a:solidFill>
+                  <a:srgbClr val="FFFFFF"/>
                 </a:solidFill>
                 <a:uFill>
                   <a:solidFill>
-                    <a:srgbClr val="ffffff"/>
+                    <a:srgbClr val="FFFFFF"/>
                   </a:solidFill>
                 </a:uFill>
                 <a:latin typeface="Arial Unicode MS"/>
               </a:rPr>
               <a:t>wind: variable at 3 knots, gusting to 19 knots </a:t>
             </a:r>
-            <a:endParaRPr b="0" lang="en-US" sz="1400" spc="-1" strike="noStrike">
-              <a:solidFill>
-                <a:srgbClr val="d9d9d9"/>
-              </a:solidFill>
-              <a:uFill>
-                <a:solidFill>
-                  <a:srgbClr val="ffffff"/>
+            <a:endParaRPr lang="en-US" sz="1400" b="0" strike="noStrike" spc="-1" dirty="0">
+              <a:solidFill>
+                <a:srgbClr val="D9D9D9"/>
+              </a:solidFill>
+              <a:uFill>
+                <a:solidFill>
+                  <a:srgbClr val="FFFFFF"/>
                 </a:solidFill>
               </a:uFill>
               <a:latin typeface="Candara"/>
@@ -7718,26 +8684,26 @@
               </a:lnSpc>
             </a:pPr>
             <a:r>
-              <a:rPr b="0" lang="en-US" sz="1400" spc="-1" strike="noStrike">
-                <a:solidFill>
-                  <a:srgbClr val="ffffff"/>
+              <a:rPr lang="en-US" sz="1400" b="0" strike="noStrike" spc="-1" dirty="0">
+                <a:solidFill>
+                  <a:srgbClr val="FFFFFF"/>
                 </a:solidFill>
                 <a:uFill>
                   <a:solidFill>
-                    <a:srgbClr val="ffffff"/>
+                    <a:srgbClr val="FFFFFF"/>
                   </a:solidFill>
                 </a:uFill>
                 <a:latin typeface="Arial Unicode MS"/>
               </a:rPr>
               <a:t>wind: WNW at 28 knots at 18:17</a:t>
             </a:r>
-            <a:endParaRPr b="0" lang="en-US" sz="1400" spc="-1" strike="noStrike">
-              <a:solidFill>
-                <a:srgbClr val="d9d9d9"/>
-              </a:solidFill>
-              <a:uFill>
-                <a:solidFill>
-                  <a:srgbClr val="ffffff"/>
+            <a:endParaRPr lang="en-US" sz="1400" b="0" strike="noStrike" spc="-1" dirty="0">
+              <a:solidFill>
+                <a:srgbClr val="D9D9D9"/>
+              </a:solidFill>
+              <a:uFill>
+                <a:solidFill>
+                  <a:srgbClr val="FFFFFF"/>
                 </a:solidFill>
               </a:uFill>
               <a:latin typeface="Candara"/>
@@ -7750,26 +8716,26 @@
               </a:lnSpc>
             </a:pPr>
             <a:r>
-              <a:rPr b="0" lang="en-US" sz="1400" spc="-1" strike="noStrike">
-                <a:solidFill>
-                  <a:srgbClr val="ffffff"/>
+              <a:rPr lang="en-US" sz="1400" b="0" strike="noStrike" spc="-1" dirty="0">
+                <a:solidFill>
+                  <a:srgbClr val="FFFFFF"/>
                 </a:solidFill>
                 <a:uFill>
                   <a:solidFill>
-                    <a:srgbClr val="ffffff"/>
+                    <a:srgbClr val="FFFFFF"/>
                   </a:solidFill>
                 </a:uFill>
                 <a:latin typeface="Arial Unicode MS"/>
               </a:rPr>
               <a:t>visibility: 2 miles </a:t>
             </a:r>
-            <a:endParaRPr b="0" lang="en-US" sz="1400" spc="-1" strike="noStrike">
-              <a:solidFill>
-                <a:srgbClr val="d9d9d9"/>
-              </a:solidFill>
-              <a:uFill>
-                <a:solidFill>
-                  <a:srgbClr val="ffffff"/>
+            <a:endParaRPr lang="en-US" sz="1400" b="0" strike="noStrike" spc="-1" dirty="0">
+              <a:solidFill>
+                <a:srgbClr val="D9D9D9"/>
+              </a:solidFill>
+              <a:uFill>
+                <a:solidFill>
+                  <a:srgbClr val="FFFFFF"/>
                 </a:solidFill>
               </a:uFill>
               <a:latin typeface="Candara"/>
@@ -7782,26 +8748,26 @@
               </a:lnSpc>
             </a:pPr>
             <a:r>
-              <a:rPr b="0" lang="en-US" sz="1400" spc="-1" strike="noStrike">
-                <a:solidFill>
-                  <a:srgbClr val="ffffff"/>
+              <a:rPr lang="en-US" sz="1400" b="0" strike="noStrike" spc="-1" dirty="0">
+                <a:solidFill>
+                  <a:srgbClr val="FFFFFF"/>
                 </a:solidFill>
                 <a:uFill>
                   <a:solidFill>
-                    <a:srgbClr val="ffffff"/>
+                    <a:srgbClr val="FFFFFF"/>
                   </a:solidFill>
                 </a:uFill>
                 <a:latin typeface="Arial Unicode MS"/>
               </a:rPr>
               <a:t>visual range: on runway 04R, from 3000 to greater than 6000 meters </a:t>
             </a:r>
-            <a:endParaRPr b="0" lang="en-US" sz="1400" spc="-1" strike="noStrike">
-              <a:solidFill>
-                <a:srgbClr val="d9d9d9"/>
-              </a:solidFill>
-              <a:uFill>
-                <a:solidFill>
-                  <a:srgbClr val="ffffff"/>
+            <a:endParaRPr lang="en-US" sz="1400" b="0" strike="noStrike" spc="-1" dirty="0">
+              <a:solidFill>
+                <a:srgbClr val="D9D9D9"/>
+              </a:solidFill>
+              <a:uFill>
+                <a:solidFill>
+                  <a:srgbClr val="FFFFFF"/>
                 </a:solidFill>
               </a:uFill>
               <a:latin typeface="Candara"/>
@@ -7814,26 +8780,54 @@
               </a:lnSpc>
             </a:pPr>
             <a:r>
-              <a:rPr b="0" lang="en-US" sz="1400" spc="-1" strike="noStrike">
-                <a:solidFill>
-                  <a:srgbClr val="ffffff"/>
+              <a:rPr lang="en-US" sz="1400" b="0" strike="noStrike" spc="-1" dirty="0">
+                <a:solidFill>
+                  <a:srgbClr val="FFFFFF"/>
                 </a:solidFill>
                 <a:uFill>
                   <a:solidFill>
-                    <a:srgbClr val="ffffff"/>
+                    <a:srgbClr val="FFFFFF"/>
                   </a:solidFill>
                 </a:uFill>
                 <a:latin typeface="Arial Unicode MS"/>
               </a:rPr>
-              <a:t>pressure: 1011.5 mb </a:t>
+              <a:t>pressure: 1011.5 </a:t>
             </a:r>
-            <a:endParaRPr b="0" lang="en-US" sz="1400" spc="-1" strike="noStrike">
-              <a:solidFill>
-                <a:srgbClr val="d9d9d9"/>
-              </a:solidFill>
-              <a:uFill>
-                <a:solidFill>
-                  <a:srgbClr val="ffffff"/>
+            <a:r>
+              <a:rPr lang="en-US" sz="1400" b="0" strike="noStrike" spc="-1" dirty="0" err="1">
+                <a:solidFill>
+                  <a:srgbClr val="FFFFFF"/>
+                </a:solidFill>
+                <a:uFill>
+                  <a:solidFill>
+                    <a:srgbClr val="FFFFFF"/>
+                  </a:solidFill>
+                </a:uFill>
+                <a:latin typeface="Arial Unicode MS"/>
+              </a:rPr>
+              <a:t>mb</a:t>
+            </a:r>
+            <a:r>
+              <a:rPr lang="en-US" sz="1400" b="0" strike="noStrike" spc="-1" dirty="0">
+                <a:solidFill>
+                  <a:srgbClr val="FFFFFF"/>
+                </a:solidFill>
+                <a:uFill>
+                  <a:solidFill>
+                    <a:srgbClr val="FFFFFF"/>
+                  </a:solidFill>
+                </a:uFill>
+                <a:latin typeface="Arial Unicode MS"/>
+              </a:rPr>
+              <a:t> </a:t>
+            </a:r>
+            <a:endParaRPr lang="en-US" sz="1400" b="0" strike="noStrike" spc="-1" dirty="0">
+              <a:solidFill>
+                <a:srgbClr val="D9D9D9"/>
+              </a:solidFill>
+              <a:uFill>
+                <a:solidFill>
+                  <a:srgbClr val="FFFFFF"/>
                 </a:solidFill>
               </a:uFill>
               <a:latin typeface="Candara"/>
@@ -7846,26 +8840,26 @@
               </a:lnSpc>
             </a:pPr>
             <a:r>
-              <a:rPr b="0" lang="en-US" sz="1400" spc="-1" strike="noStrike">
-                <a:solidFill>
-                  <a:srgbClr val="ffffff"/>
+              <a:rPr lang="en-US" sz="1400" b="0" strike="noStrike" spc="-1" dirty="0">
+                <a:solidFill>
+                  <a:srgbClr val="FFFFFF"/>
                 </a:solidFill>
                 <a:uFill>
                   <a:solidFill>
-                    <a:srgbClr val="ffffff"/>
+                    <a:srgbClr val="FFFFFF"/>
                   </a:solidFill>
                 </a:uFill>
                 <a:latin typeface="Arial Unicode MS"/>
               </a:rPr>
               <a:t>precipitation: 0.13in </a:t>
             </a:r>
-            <a:endParaRPr b="0" lang="en-US" sz="1400" spc="-1" strike="noStrike">
-              <a:solidFill>
-                <a:srgbClr val="d9d9d9"/>
-              </a:solidFill>
-              <a:uFill>
-                <a:solidFill>
-                  <a:srgbClr val="ffffff"/>
+            <a:endParaRPr lang="en-US" sz="1400" b="0" strike="noStrike" spc="-1" dirty="0">
+              <a:solidFill>
+                <a:srgbClr val="D9D9D9"/>
+              </a:solidFill>
+              <a:uFill>
+                <a:solidFill>
+                  <a:srgbClr val="FFFFFF"/>
                 </a:solidFill>
               </a:uFill>
               <a:latin typeface="Candara"/>
@@ -7878,26 +8872,26 @@
               </a:lnSpc>
             </a:pPr>
             <a:r>
-              <a:rPr b="0" lang="en-US" sz="1400" spc="-1" strike="noStrike">
-                <a:solidFill>
-                  <a:srgbClr val="ffffff"/>
+              <a:rPr lang="en-US" sz="1400" b="0" strike="noStrike" spc="-1" dirty="0">
+                <a:solidFill>
+                  <a:srgbClr val="FFFFFF"/>
                 </a:solidFill>
                 <a:uFill>
                   <a:solidFill>
-                    <a:srgbClr val="ffffff"/>
+                    <a:srgbClr val="FFFFFF"/>
                   </a:solidFill>
                 </a:uFill>
                 <a:latin typeface="Arial Unicode MS"/>
               </a:rPr>
               <a:t>weather: thunderstorm with rain; mist </a:t>
             </a:r>
-            <a:endParaRPr b="0" lang="en-US" sz="1400" spc="-1" strike="noStrike">
-              <a:solidFill>
-                <a:srgbClr val="d9d9d9"/>
-              </a:solidFill>
-              <a:uFill>
-                <a:solidFill>
-                  <a:srgbClr val="ffffff"/>
+            <a:endParaRPr lang="en-US" sz="1400" b="0" strike="noStrike" spc="-1" dirty="0">
+              <a:solidFill>
+                <a:srgbClr val="D9D9D9"/>
+              </a:solidFill>
+              <a:uFill>
+                <a:solidFill>
+                  <a:srgbClr val="FFFFFF"/>
                 </a:solidFill>
               </a:uFill>
               <a:latin typeface="Candara"/>
@@ -7910,54 +8904,26 @@
               </a:lnSpc>
             </a:pPr>
             <a:r>
-              <a:rPr b="0" lang="en-US" sz="1400" spc="-1" strike="noStrike">
-                <a:solidFill>
-                  <a:srgbClr val="ffffff"/>
+              <a:rPr lang="en-US" sz="1400" b="0" strike="noStrike" spc="-1" dirty="0">
+                <a:solidFill>
+                  <a:srgbClr val="FFFFFF"/>
                 </a:solidFill>
                 <a:uFill>
                   <a:solidFill>
-                    <a:srgbClr val="ffffff"/>
+                    <a:srgbClr val="FFFFFF"/>
                   </a:solidFill>
                 </a:uFill>
                 <a:latin typeface="Arial Unicode MS"/>
               </a:rPr>
-              <a:t>sky: </a:t>
+              <a:t>sky: 	-a few clouds at 1500 feet </a:t>
             </a:r>
-            <a:r>
-              <a:rPr b="0" lang="en-US" sz="1400" spc="-1" strike="noStrike">
-                <a:solidFill>
-                  <a:srgbClr val="ffffff"/>
-                </a:solidFill>
-                <a:uFill>
-                  <a:solidFill>
-                    <a:srgbClr val="ffffff"/>
-                  </a:solidFill>
-                </a:uFill>
-                <a:latin typeface="Arial Unicode MS"/>
-              </a:rPr>
-              <a:t>	</a:t>
-            </a:r>
-            <a:r>
-              <a:rPr b="0" lang="en-US" sz="1400" spc="-1" strike="noStrike">
-                <a:solidFill>
-                  <a:srgbClr val="ffffff"/>
-                </a:solidFill>
-                <a:uFill>
-                  <a:solidFill>
-                    <a:srgbClr val="ffffff"/>
-                  </a:solidFill>
-                </a:uFill>
-                <a:latin typeface="Arial Unicode MS"/>
-              </a:rPr>
-              <a:t>-a few clouds at 1500 feet </a:t>
-            </a:r>
-            <a:endParaRPr b="0" lang="en-US" sz="1400" spc="-1" strike="noStrike">
-              <a:solidFill>
-                <a:srgbClr val="d9d9d9"/>
-              </a:solidFill>
-              <a:uFill>
-                <a:solidFill>
-                  <a:srgbClr val="ffffff"/>
+            <a:endParaRPr lang="en-US" sz="1400" b="0" strike="noStrike" spc="-1" dirty="0">
+              <a:solidFill>
+                <a:srgbClr val="D9D9D9"/>
+              </a:solidFill>
+              <a:uFill>
+                <a:solidFill>
+                  <a:srgbClr val="FFFFFF"/>
                 </a:solidFill>
               </a:uFill>
               <a:latin typeface="Candara"/>
@@ -7970,40 +8936,26 @@
               </a:lnSpc>
             </a:pPr>
             <a:r>
-              <a:rPr b="0" lang="en-US" sz="1400" spc="-1" strike="noStrike">
-                <a:solidFill>
-                  <a:srgbClr val="ffffff"/>
+              <a:rPr lang="en-US" sz="1400" b="0" strike="noStrike" spc="-1" dirty="0">
+                <a:solidFill>
+                  <a:srgbClr val="FFFFFF"/>
                 </a:solidFill>
                 <a:uFill>
                   <a:solidFill>
-                    <a:srgbClr val="ffffff"/>
+                    <a:srgbClr val="FFFFFF"/>
                   </a:solidFill>
                 </a:uFill>
                 <a:latin typeface="Arial Unicode MS"/>
               </a:rPr>
-              <a:t>	</a:t>
+              <a:t>	-broken cumulonimbus at 4000 feet </a:t>
             </a:r>
-            <a:r>
-              <a:rPr b="0" lang="en-US" sz="1400" spc="-1" strike="noStrike">
-                <a:solidFill>
-                  <a:srgbClr val="ffffff"/>
-                </a:solidFill>
-                <a:uFill>
-                  <a:solidFill>
-                    <a:srgbClr val="ffffff"/>
-                  </a:solidFill>
-                </a:uFill>
-                <a:latin typeface="Arial Unicode MS"/>
-              </a:rPr>
-              <a:t>-broken cumulonimbus at 4000 feet </a:t>
-            </a:r>
-            <a:endParaRPr b="0" lang="en-US" sz="1400" spc="-1" strike="noStrike">
-              <a:solidFill>
-                <a:srgbClr val="d9d9d9"/>
-              </a:solidFill>
-              <a:uFill>
-                <a:solidFill>
-                  <a:srgbClr val="ffffff"/>
+            <a:endParaRPr lang="en-US" sz="1400" b="0" strike="noStrike" spc="-1" dirty="0">
+              <a:solidFill>
+                <a:srgbClr val="D9D9D9"/>
+              </a:solidFill>
+              <a:uFill>
+                <a:solidFill>
+                  <a:srgbClr val="FFFFFF"/>
                 </a:solidFill>
               </a:uFill>
               <a:latin typeface="Candara"/>
@@ -8016,40 +8968,26 @@
               </a:lnSpc>
             </a:pPr>
             <a:r>
-              <a:rPr b="0" lang="en-US" sz="1400" spc="-1" strike="noStrike">
-                <a:solidFill>
-                  <a:srgbClr val="ffffff"/>
+              <a:rPr lang="en-US" sz="1400" b="0" strike="noStrike" spc="-1" dirty="0">
+                <a:solidFill>
+                  <a:srgbClr val="FFFFFF"/>
                 </a:solidFill>
                 <a:uFill>
                   <a:solidFill>
-                    <a:srgbClr val="ffffff"/>
+                    <a:srgbClr val="FFFFFF"/>
                   </a:solidFill>
                 </a:uFill>
                 <a:latin typeface="Arial Unicode MS"/>
               </a:rPr>
-              <a:t>	</a:t>
+              <a:t>	-broken clouds at 6500 feet </a:t>
             </a:r>
-            <a:r>
-              <a:rPr b="0" lang="en-US" sz="1400" spc="-1" strike="noStrike">
-                <a:solidFill>
-                  <a:srgbClr val="ffffff"/>
-                </a:solidFill>
-                <a:uFill>
-                  <a:solidFill>
-                    <a:srgbClr val="ffffff"/>
-                  </a:solidFill>
-                </a:uFill>
-                <a:latin typeface="Arial Unicode MS"/>
-              </a:rPr>
-              <a:t>-broken clouds at 6500 feet </a:t>
-            </a:r>
-            <a:endParaRPr b="0" lang="en-US" sz="1400" spc="-1" strike="noStrike">
-              <a:solidFill>
-                <a:srgbClr val="d9d9d9"/>
-              </a:solidFill>
-              <a:uFill>
-                <a:solidFill>
-                  <a:srgbClr val="ffffff"/>
+            <a:endParaRPr lang="en-US" sz="1400" b="0" strike="noStrike" spc="-1" dirty="0">
+              <a:solidFill>
+                <a:srgbClr val="D9D9D9"/>
+              </a:solidFill>
+              <a:uFill>
+                <a:solidFill>
+                  <a:srgbClr val="FFFFFF"/>
                 </a:solidFill>
               </a:uFill>
               <a:latin typeface="Candara"/>
@@ -8062,40 +9000,26 @@
               </a:lnSpc>
             </a:pPr>
             <a:r>
-              <a:rPr b="0" lang="en-US" sz="1400" spc="-1" strike="noStrike">
-                <a:solidFill>
-                  <a:srgbClr val="ffffff"/>
+              <a:rPr lang="en-US" sz="1400" b="0" strike="noStrike" spc="-1" dirty="0">
+                <a:solidFill>
+                  <a:srgbClr val="FFFFFF"/>
                 </a:solidFill>
                 <a:uFill>
                   <a:solidFill>
-                    <a:srgbClr val="ffffff"/>
+                    <a:srgbClr val="FFFFFF"/>
                   </a:solidFill>
                 </a:uFill>
                 <a:latin typeface="Arial Unicode MS"/>
               </a:rPr>
-              <a:t>	</a:t>
+              <a:t>	-overcast at 20000 feet </a:t>
             </a:r>
-            <a:r>
-              <a:rPr b="0" lang="en-US" sz="1400" spc="-1" strike="noStrike">
-                <a:solidFill>
-                  <a:srgbClr val="ffffff"/>
-                </a:solidFill>
-                <a:uFill>
-                  <a:solidFill>
-                    <a:srgbClr val="ffffff"/>
-                  </a:solidFill>
-                </a:uFill>
-                <a:latin typeface="Arial Unicode MS"/>
-              </a:rPr>
-              <a:t>-overcast at 20000 feet </a:t>
-            </a:r>
-            <a:endParaRPr b="0" lang="en-US" sz="1400" spc="-1" strike="noStrike">
-              <a:solidFill>
-                <a:srgbClr val="d9d9d9"/>
-              </a:solidFill>
-              <a:uFill>
-                <a:solidFill>
-                  <a:srgbClr val="ffffff"/>
+            <a:endParaRPr lang="en-US" sz="1400" b="0" strike="noStrike" spc="-1" dirty="0">
+              <a:solidFill>
+                <a:srgbClr val="D9D9D9"/>
+              </a:solidFill>
+              <a:uFill>
+                <a:solidFill>
+                  <a:srgbClr val="FFFFFF"/>
                 </a:solidFill>
               </a:uFill>
               <a:latin typeface="Candara"/>
@@ -8108,54 +9032,26 @@
               </a:lnSpc>
             </a:pPr>
             <a:r>
-              <a:rPr b="0" lang="en-US" sz="1400" spc="-1" strike="noStrike">
-                <a:solidFill>
-                  <a:srgbClr val="ffffff"/>
+              <a:rPr lang="en-US" sz="1400" b="0" strike="noStrike" spc="-1" dirty="0">
+                <a:solidFill>
+                  <a:srgbClr val="FFFFFF"/>
                 </a:solidFill>
                 <a:uFill>
                   <a:solidFill>
-                    <a:srgbClr val="ffffff"/>
+                    <a:srgbClr val="FFFFFF"/>
                   </a:solidFill>
                 </a:uFill>
                 <a:latin typeface="Arial Unicode MS"/>
               </a:rPr>
-              <a:t>remarks: </a:t>
+              <a:t>remarks: 	- Automated station (type 2) </a:t>
             </a:r>
-            <a:r>
-              <a:rPr b="0" lang="en-US" sz="1400" spc="-1" strike="noStrike">
-                <a:solidFill>
-                  <a:srgbClr val="ffffff"/>
-                </a:solidFill>
-                <a:uFill>
-                  <a:solidFill>
-                    <a:srgbClr val="ffffff"/>
-                  </a:solidFill>
-                </a:uFill>
-                <a:latin typeface="Arial Unicode MS"/>
-              </a:rPr>
-              <a:t>	</a:t>
-            </a:r>
-            <a:r>
-              <a:rPr b="0" lang="en-US" sz="1400" spc="-1" strike="noStrike">
-                <a:solidFill>
-                  <a:srgbClr val="ffffff"/>
-                </a:solidFill>
-                <a:uFill>
-                  <a:solidFill>
-                    <a:srgbClr val="ffffff"/>
-                  </a:solidFill>
-                </a:uFill>
-                <a:latin typeface="Arial Unicode MS"/>
-              </a:rPr>
-              <a:t>- Automated station (type 2) </a:t>
-            </a:r>
-            <a:endParaRPr b="0" lang="en-US" sz="1400" spc="-1" strike="noStrike">
-              <a:solidFill>
-                <a:srgbClr val="d9d9d9"/>
-              </a:solidFill>
-              <a:uFill>
-                <a:solidFill>
-                  <a:srgbClr val="ffffff"/>
+            <a:endParaRPr lang="en-US" sz="1400" b="0" strike="noStrike" spc="-1" dirty="0">
+              <a:solidFill>
+                <a:srgbClr val="D9D9D9"/>
+              </a:solidFill>
+              <a:uFill>
+                <a:solidFill>
+                  <a:srgbClr val="FFFFFF"/>
                 </a:solidFill>
               </a:uFill>
               <a:latin typeface="Candara"/>
@@ -8168,40 +9064,26 @@
               </a:lnSpc>
             </a:pPr>
             <a:r>
-              <a:rPr b="0" lang="en-US" sz="1400" spc="-1" strike="noStrike">
-                <a:solidFill>
-                  <a:srgbClr val="ffffff"/>
+              <a:rPr lang="en-US" sz="1400" b="0" strike="noStrike" spc="-1" dirty="0">
+                <a:solidFill>
+                  <a:srgbClr val="FFFFFF"/>
                 </a:solidFill>
                 <a:uFill>
                   <a:solidFill>
-                    <a:srgbClr val="ffffff"/>
+                    <a:srgbClr val="FFFFFF"/>
                   </a:solidFill>
                 </a:uFill>
                 <a:latin typeface="Arial Unicode MS"/>
               </a:rPr>
-              <a:t>	</a:t>
+              <a:t>	- peak wind 28kt from 290 degrees at 18:17</a:t>
             </a:r>
-            <a:r>
-              <a:rPr b="0" lang="en-US" sz="1400" spc="-1" strike="noStrike">
-                <a:solidFill>
-                  <a:srgbClr val="ffffff"/>
-                </a:solidFill>
-                <a:uFill>
-                  <a:solidFill>
-                    <a:srgbClr val="ffffff"/>
-                  </a:solidFill>
-                </a:uFill>
-                <a:latin typeface="Arial Unicode MS"/>
-              </a:rPr>
-              <a:t>- peak wind 28kt from 290 degrees at 18:17</a:t>
-            </a:r>
-            <a:endParaRPr b="0" lang="en-US" sz="1400" spc="-1" strike="noStrike">
-              <a:solidFill>
-                <a:srgbClr val="d9d9d9"/>
-              </a:solidFill>
-              <a:uFill>
-                <a:solidFill>
-                  <a:srgbClr val="ffffff"/>
+            <a:endParaRPr lang="en-US" sz="1400" b="0" strike="noStrike" spc="-1" dirty="0">
+              <a:solidFill>
+                <a:srgbClr val="D9D9D9"/>
+              </a:solidFill>
+              <a:uFill>
+                <a:solidFill>
+                  <a:srgbClr val="FFFFFF"/>
                 </a:solidFill>
               </a:uFill>
               <a:latin typeface="Candara"/>
@@ -8214,40 +9096,26 @@
               </a:lnSpc>
             </a:pPr>
             <a:r>
-              <a:rPr b="0" lang="en-US" sz="1400" spc="-1" strike="noStrike">
-                <a:solidFill>
-                  <a:srgbClr val="ffffff"/>
+              <a:rPr lang="en-US" sz="1400" b="0" strike="noStrike" spc="-1" dirty="0">
+                <a:solidFill>
+                  <a:srgbClr val="FFFFFF"/>
                 </a:solidFill>
                 <a:uFill>
                   <a:solidFill>
-                    <a:srgbClr val="ffffff"/>
+                    <a:srgbClr val="FFFFFF"/>
                   </a:solidFill>
                 </a:uFill>
                 <a:latin typeface="Arial Unicode MS"/>
               </a:rPr>
-              <a:t>	</a:t>
+              <a:t>	- wind shift at 18:12 </a:t>
             </a:r>
-            <a:r>
-              <a:rPr b="0" lang="en-US" sz="1400" spc="-1" strike="noStrike">
-                <a:solidFill>
-                  <a:srgbClr val="ffffff"/>
-                </a:solidFill>
-                <a:uFill>
-                  <a:solidFill>
-                    <a:srgbClr val="ffffff"/>
-                  </a:solidFill>
-                </a:uFill>
-                <a:latin typeface="Arial Unicode MS"/>
-              </a:rPr>
-              <a:t>- wind shift at 18:12 </a:t>
-            </a:r>
-            <a:endParaRPr b="0" lang="en-US" sz="1400" spc="-1" strike="noStrike">
-              <a:solidFill>
-                <a:srgbClr val="d9d9d9"/>
-              </a:solidFill>
-              <a:uFill>
-                <a:solidFill>
-                  <a:srgbClr val="ffffff"/>
+            <a:endParaRPr lang="en-US" sz="1400" b="0" strike="noStrike" spc="-1" dirty="0">
+              <a:solidFill>
+                <a:srgbClr val="D9D9D9"/>
+              </a:solidFill>
+              <a:uFill>
+                <a:solidFill>
+                  <a:srgbClr val="FFFFFF"/>
                 </a:solidFill>
               </a:uFill>
               <a:latin typeface="Candara"/>
@@ -8260,40 +9128,82 @@
               </a:lnSpc>
             </a:pPr>
             <a:r>
-              <a:rPr b="0" lang="en-US" sz="1400" spc="-1" strike="noStrike">
-                <a:solidFill>
-                  <a:srgbClr val="ffffff"/>
+              <a:rPr lang="en-US" sz="1400" b="0" strike="noStrike" spc="-1" dirty="0">
+                <a:solidFill>
+                  <a:srgbClr val="FFFFFF"/>
                 </a:solidFill>
                 <a:uFill>
                   <a:solidFill>
-                    <a:srgbClr val="ffffff"/>
+                    <a:srgbClr val="FFFFFF"/>
                   </a:solidFill>
                 </a:uFill>
                 <a:latin typeface="Arial Unicode MS"/>
               </a:rPr>
-              <a:t>	</a:t>
+              <a:t>	- frequent lightning (</a:t>
             </a:r>
             <a:r>
-              <a:rPr b="0" lang="en-US" sz="1400" spc="-1" strike="noStrike">
-                <a:solidFill>
-                  <a:srgbClr val="ffffff"/>
+              <a:rPr lang="en-US" sz="1400" b="0" strike="noStrike" spc="-1" dirty="0" err="1">
+                <a:solidFill>
+                  <a:srgbClr val="FFFFFF"/>
                 </a:solidFill>
                 <a:uFill>
                   <a:solidFill>
-                    <a:srgbClr val="ffffff"/>
+                    <a:srgbClr val="FFFFFF"/>
                   </a:solidFill>
                 </a:uFill>
                 <a:latin typeface="Arial Unicode MS"/>
               </a:rPr>
-              <a:t>- frequent lightning (intracloud,cloud-to-cloud,cloud-to-ground) </a:t>
+              <a:t>intracloud,cloud</a:t>
             </a:r>
-            <a:endParaRPr b="0" lang="en-US" sz="1400" spc="-1" strike="noStrike">
-              <a:solidFill>
-                <a:srgbClr val="d9d9d9"/>
-              </a:solidFill>
-              <a:uFill>
-                <a:solidFill>
-                  <a:srgbClr val="ffffff"/>
+            <a:r>
+              <a:rPr lang="en-US" sz="1400" b="0" strike="noStrike" spc="-1" dirty="0">
+                <a:solidFill>
+                  <a:srgbClr val="FFFFFF"/>
+                </a:solidFill>
+                <a:uFill>
+                  <a:solidFill>
+                    <a:srgbClr val="FFFFFF"/>
+                  </a:solidFill>
+                </a:uFill>
+                <a:latin typeface="Arial Unicode MS"/>
+              </a:rPr>
+              <a:t>-to-</a:t>
+            </a:r>
+            <a:r>
+              <a:rPr lang="en-US" sz="1400" b="0" strike="noStrike" spc="-1" dirty="0" err="1">
+                <a:solidFill>
+                  <a:srgbClr val="FFFFFF"/>
+                </a:solidFill>
+                <a:uFill>
+                  <a:solidFill>
+                    <a:srgbClr val="FFFFFF"/>
+                  </a:solidFill>
+                </a:uFill>
+                <a:latin typeface="Arial Unicode MS"/>
+              </a:rPr>
+              <a:t>cloud,cloud</a:t>
+            </a:r>
+            <a:r>
+              <a:rPr lang="en-US" sz="1400" b="0" strike="noStrike" spc="-1" dirty="0">
+                <a:solidFill>
+                  <a:srgbClr val="FFFFFF"/>
+                </a:solidFill>
+                <a:uFill>
+                  <a:solidFill>
+                    <a:srgbClr val="FFFFFF"/>
+                  </a:solidFill>
+                </a:uFill>
+                <a:latin typeface="Arial Unicode MS"/>
+              </a:rPr>
+              <a:t>-to-ground) </a:t>
+            </a:r>
+            <a:endParaRPr lang="en-US" sz="1400" b="0" strike="noStrike" spc="-1" dirty="0">
+              <a:solidFill>
+                <a:srgbClr val="D9D9D9"/>
+              </a:solidFill>
+              <a:uFill>
+                <a:solidFill>
+                  <a:srgbClr val="FFFFFF"/>
                 </a:solidFill>
               </a:uFill>
               <a:latin typeface="Candara"/>
@@ -8306,40 +9216,26 @@
               </a:lnSpc>
             </a:pPr>
             <a:r>
-              <a:rPr b="0" lang="en-US" sz="1400" spc="-1" strike="noStrike">
-                <a:solidFill>
-                  <a:srgbClr val="ffffff"/>
+              <a:rPr lang="en-US" sz="1400" b="0" strike="noStrike" spc="-1" dirty="0">
+                <a:solidFill>
+                  <a:srgbClr val="FFFFFF"/>
                 </a:solidFill>
                 <a:uFill>
                   <a:solidFill>
-                    <a:srgbClr val="ffffff"/>
+                    <a:srgbClr val="FFFFFF"/>
                   </a:solidFill>
                 </a:uFill>
                 <a:latin typeface="Arial Unicode MS"/>
               </a:rPr>
-              <a:t>	</a:t>
+              <a:t>	- thunderstorm overhead and NW-N-E moving NE</a:t>
             </a:r>
-            <a:r>
-              <a:rPr b="0" lang="en-US" sz="1400" spc="-1" strike="noStrike">
-                <a:solidFill>
-                  <a:srgbClr val="ffffff"/>
-                </a:solidFill>
-                <a:uFill>
-                  <a:solidFill>
-                    <a:srgbClr val="ffffff"/>
-                  </a:solidFill>
-                </a:uFill>
-                <a:latin typeface="Arial Unicode MS"/>
-              </a:rPr>
-              <a:t>- thunderstorm overhead and NW-N-E moving NE</a:t>
-            </a:r>
-            <a:endParaRPr b="0" lang="en-US" sz="1400" spc="-1" strike="noStrike">
-              <a:solidFill>
-                <a:srgbClr val="d9d9d9"/>
-              </a:solidFill>
-              <a:uFill>
-                <a:solidFill>
-                  <a:srgbClr val="ffffff"/>
+            <a:endParaRPr lang="en-US" sz="1400" b="0" strike="noStrike" spc="-1" dirty="0">
+              <a:solidFill>
+                <a:srgbClr val="D9D9D9"/>
+              </a:solidFill>
+              <a:uFill>
+                <a:solidFill>
+                  <a:srgbClr val="FFFFFF"/>
                 </a:solidFill>
               </a:uFill>
               <a:latin typeface="Candara"/>
@@ -8349,22 +9245,25 @@
       </p:sp>
     </p:spTree>
   </p:cSld>
+  <p:clrMapOvr>
+    <a:masterClrMapping/>
+  </p:clrMapOvr>
   <p:timing>
     <p:tnLst>
       <p:par>
-        <p:cTn id="7" dur="indefinite" restart="never" nodeType="tmRoot">
+        <p:cTn id="1" dur="indefinite" restart="never" nodeType="tmRoot">
           <p:childTnLst>
             <p:seq>
-              <p:cTn id="8" nodeType="mainSeq"/>
+              <p:cTn id="2" nodeType="mainSeq"/>
               <p:prevCondLst>
-                <p:cond delay="0" evt="onPrev">
+                <p:cond evt="onPrev" delay="0">
                   <p:tgtEl>
                     <p:sldTgt/>
                   </p:tgtEl>
                 </p:cond>
               </p:prevCondLst>
               <p:nextCondLst>
-                <p:cond delay="0" evt="onNext">
+                <p:cond evt="onNext" delay="0">
                   <p:tgtEl>
                     <p:sldTgt/>
                   </p:tgtEl>
@@ -8380,7 +9279,7 @@
 </file>
 
 <file path=ppt/slides/slide5.xml><?xml version="1.0" encoding="utf-8"?>
-<p:sld xmlns:a="http://schemas.openxmlformats.org/drawingml/2006/main" xmlns:p="http://schemas.openxmlformats.org/presentationml/2006/main" xmlns:r="http://schemas.openxmlformats.org/officeDocument/2006/relationships" xmlns:p14="http://schemas.microsoft.com/office/powerpoint/2010/main" xmlns:p15="http://schemas.microsoft.com/office/powerpoint/2012/main" xmlns:mc="http://schemas.openxmlformats.org/markup-compatibility/2006">
+<p:sld xmlns:a="http://schemas.openxmlformats.org/drawingml/2006/main" xmlns:r="http://schemas.openxmlformats.org/officeDocument/2006/relationships" xmlns:p="http://schemas.openxmlformats.org/presentationml/2006/main">
   <p:cSld>
     <p:spTree>
       <p:nvGrpSpPr>
@@ -8417,6 +9316,7 @@
         </p:spPr>
         <p:txBody>
           <a:bodyPr anchor="b"/>
+          <a:lstStyle/>
           <a:p>
             <a:pPr>
               <a:lnSpc>
@@ -8424,13 +9324,13 @@
               </a:lnSpc>
             </a:pPr>
             <a:r>
-              <a:rPr b="0" lang="en-US" sz="3400" spc="-1" strike="noStrike">
-                <a:solidFill>
-                  <a:srgbClr val="92d050"/>
+              <a:rPr lang="en-US" sz="3400" b="0" strike="noStrike" spc="-1">
+                <a:solidFill>
+                  <a:srgbClr val="92D050"/>
                 </a:solidFill>
                 <a:uFill>
                   <a:solidFill>
-                    <a:srgbClr val="ffffff"/>
+                    <a:srgbClr val="FFFFFF"/>
                   </a:solidFill>
                 </a:uFill>
                 <a:latin typeface="Consolas"/>
@@ -8439,26 +9339,26 @@
             </a:r>
             <a:br/>
             <a:r>
-              <a:rPr b="0" lang="en-US" sz="3400" spc="-1" strike="noStrike">
-                <a:solidFill>
-                  <a:srgbClr val="92d050"/>
+              <a:rPr lang="en-US" sz="3400" b="0" strike="noStrike" spc="-1">
+                <a:solidFill>
+                  <a:srgbClr val="92D050"/>
                 </a:solidFill>
                 <a:uFill>
                   <a:solidFill>
-                    <a:srgbClr val="ffffff"/>
+                    <a:srgbClr val="FFFFFF"/>
                   </a:solidFill>
                 </a:uFill>
                 <a:latin typeface="Consolas"/>
               </a:rPr>
               <a:t>One semester of data</a:t>
             </a:r>
-            <a:endParaRPr b="0" lang="en-US" sz="3400" spc="-1" strike="noStrike">
-              <a:solidFill>
-                <a:srgbClr val="ffffff"/>
-              </a:solidFill>
-              <a:uFill>
-                <a:solidFill>
-                  <a:srgbClr val="ffffff"/>
+            <a:endParaRPr lang="en-US" sz="3400" b="0" strike="noStrike" spc="-1">
+              <a:solidFill>
+                <a:srgbClr val="FFFFFF"/>
+              </a:solidFill>
+              <a:uFill>
+                <a:solidFill>
+                  <a:srgbClr val="FFFFFF"/>
                 </a:solidFill>
               </a:uFill>
               <a:latin typeface="Candara"/>
@@ -8468,12 +9368,12 @@
       </p:sp>
       <p:pic>
         <p:nvPicPr>
-          <p:cNvPr id="127" name="Content Placeholder 7" descr=""/>
+          <p:cNvPr id="127" name="Content Placeholder 7"/>
           <p:cNvPicPr/>
           <p:nvPr/>
         </p:nvPicPr>
         <p:blipFill>
-          <a:blip r:embed="rId1"/>
+          <a:blip r:embed="rId2"/>
           <a:stretch/>
         </p:blipFill>
         <p:spPr>
@@ -8491,22 +9391,25 @@
       </p:pic>
     </p:spTree>
   </p:cSld>
+  <p:clrMapOvr>
+    <a:masterClrMapping/>
+  </p:clrMapOvr>
   <p:timing>
     <p:tnLst>
       <p:par>
-        <p:cTn id="9" dur="indefinite" restart="never" nodeType="tmRoot">
+        <p:cTn id="1" dur="indefinite" restart="never" nodeType="tmRoot">
           <p:childTnLst>
             <p:seq>
-              <p:cTn id="10" nodeType="mainSeq"/>
+              <p:cTn id="2" nodeType="mainSeq"/>
               <p:prevCondLst>
-                <p:cond delay="0" evt="onPrev">
+                <p:cond evt="onPrev" delay="0">
                   <p:tgtEl>
                     <p:sldTgt/>
                   </p:tgtEl>
                 </p:cond>
               </p:prevCondLst>
               <p:nextCondLst>
-                <p:cond delay="0" evt="onNext">
+                <p:cond evt="onNext" delay="0">
                   <p:tgtEl>
                     <p:sldTgt/>
                   </p:tgtEl>
@@ -8522,7 +9425,7 @@
 </file>
 
 <file path=ppt/slides/slide6.xml><?xml version="1.0" encoding="utf-8"?>
-<p:sld xmlns:a="http://schemas.openxmlformats.org/drawingml/2006/main" xmlns:p="http://schemas.openxmlformats.org/presentationml/2006/main" xmlns:r="http://schemas.openxmlformats.org/officeDocument/2006/relationships" xmlns:p14="http://schemas.microsoft.com/office/powerpoint/2010/main" xmlns:p15="http://schemas.microsoft.com/office/powerpoint/2012/main" xmlns:mc="http://schemas.openxmlformats.org/markup-compatibility/2006">
+<p:sld xmlns:a="http://schemas.openxmlformats.org/drawingml/2006/main" xmlns:r="http://schemas.openxmlformats.org/officeDocument/2006/relationships" xmlns:p="http://schemas.openxmlformats.org/presentationml/2006/main">
   <p:cSld>
     <p:spTree>
       <p:nvGrpSpPr>
@@ -8559,6 +9462,7 @@
         </p:spPr>
         <p:txBody>
           <a:bodyPr anchor="b"/>
+          <a:lstStyle/>
           <a:p>
             <a:pPr>
               <a:lnSpc>
@@ -8566,13 +9470,13 @@
               </a:lnSpc>
             </a:pPr>
             <a:r>
-              <a:rPr b="0" lang="en-US" sz="3400" spc="-1" strike="noStrike">
-                <a:solidFill>
-                  <a:srgbClr val="92d050"/>
+              <a:rPr lang="en-US" sz="3400" b="0" strike="noStrike" spc="-1">
+                <a:solidFill>
+                  <a:srgbClr val="92D050"/>
                 </a:solidFill>
                 <a:uFill>
                   <a:solidFill>
-                    <a:srgbClr val="ffffff"/>
+                    <a:srgbClr val="FFFFFF"/>
                   </a:solidFill>
                 </a:uFill>
                 <a:latin typeface="Consolas"/>
@@ -8581,26 +9485,26 @@
             </a:r>
             <a:br/>
             <a:r>
-              <a:rPr b="0" lang="en-US" sz="3400" spc="-1" strike="noStrike">
-                <a:solidFill>
-                  <a:srgbClr val="92d050"/>
+              <a:rPr lang="en-US" sz="3400" b="0" strike="noStrike" spc="-1">
+                <a:solidFill>
+                  <a:srgbClr val="92D050"/>
                 </a:solidFill>
                 <a:uFill>
                   <a:solidFill>
-                    <a:srgbClr val="ffffff"/>
+                    <a:srgbClr val="FFFFFF"/>
                   </a:solidFill>
                 </a:uFill>
                 <a:latin typeface="Consolas"/>
               </a:rPr>
               <a:t>One semester of data</a:t>
             </a:r>
-            <a:endParaRPr b="0" lang="en-US" sz="3400" spc="-1" strike="noStrike">
-              <a:solidFill>
-                <a:srgbClr val="ffffff"/>
-              </a:solidFill>
-              <a:uFill>
-                <a:solidFill>
-                  <a:srgbClr val="ffffff"/>
+            <a:endParaRPr lang="en-US" sz="3400" b="0" strike="noStrike" spc="-1">
+              <a:solidFill>
+                <a:srgbClr val="FFFFFF"/>
+              </a:solidFill>
+              <a:uFill>
+                <a:solidFill>
+                  <a:srgbClr val="FFFFFF"/>
                 </a:solidFill>
               </a:uFill>
               <a:latin typeface="Candara"/>
@@ -8610,12 +9514,12 @@
       </p:sp>
       <p:pic>
         <p:nvPicPr>
-          <p:cNvPr id="129" name="Content Placeholder 4" descr=""/>
+          <p:cNvPr id="129" name="Content Placeholder 4"/>
           <p:cNvPicPr/>
           <p:nvPr/>
         </p:nvPicPr>
         <p:blipFill>
-          <a:blip r:embed="rId1"/>
+          <a:blip r:embed="rId2"/>
           <a:stretch/>
         </p:blipFill>
         <p:spPr>
@@ -8633,22 +9537,25 @@
       </p:pic>
     </p:spTree>
   </p:cSld>
+  <p:clrMapOvr>
+    <a:masterClrMapping/>
+  </p:clrMapOvr>
   <p:timing>
     <p:tnLst>
       <p:par>
-        <p:cTn id="11" dur="indefinite" restart="never" nodeType="tmRoot">
+        <p:cTn id="1" dur="indefinite" restart="never" nodeType="tmRoot">
           <p:childTnLst>
             <p:seq>
-              <p:cTn id="12" nodeType="mainSeq"/>
+              <p:cTn id="2" nodeType="mainSeq"/>
               <p:prevCondLst>
-                <p:cond delay="0" evt="onPrev">
+                <p:cond evt="onPrev" delay="0">
                   <p:tgtEl>
                     <p:sldTgt/>
                   </p:tgtEl>
                 </p:cond>
               </p:prevCondLst>
               <p:nextCondLst>
-                <p:cond delay="0" evt="onNext">
+                <p:cond evt="onNext" delay="0">
                   <p:tgtEl>
                     <p:sldTgt/>
                   </p:tgtEl>
@@ -8664,7 +9571,7 @@
 </file>
 
 <file path=ppt/slides/slide7.xml><?xml version="1.0" encoding="utf-8"?>
-<p:sld xmlns:a="http://schemas.openxmlformats.org/drawingml/2006/main" xmlns:p="http://schemas.openxmlformats.org/presentationml/2006/main" xmlns:r="http://schemas.openxmlformats.org/officeDocument/2006/relationships" xmlns:p14="http://schemas.microsoft.com/office/powerpoint/2010/main" xmlns:p15="http://schemas.microsoft.com/office/powerpoint/2012/main" xmlns:mc="http://schemas.openxmlformats.org/markup-compatibility/2006">
+<p:sld xmlns:a="http://schemas.openxmlformats.org/drawingml/2006/main" xmlns:r="http://schemas.openxmlformats.org/officeDocument/2006/relationships" xmlns:p="http://schemas.openxmlformats.org/presentationml/2006/main">
   <p:cSld>
     <p:spTree>
       <p:nvGrpSpPr>
@@ -8701,6 +9608,7 @@
         </p:spPr>
         <p:txBody>
           <a:bodyPr anchor="b"/>
+          <a:lstStyle/>
           <a:p>
             <a:pPr>
               <a:lnSpc>
@@ -8708,13 +9616,13 @@
               </a:lnSpc>
             </a:pPr>
             <a:r>
-              <a:rPr b="0" lang="en-US" sz="3400" spc="-1" strike="noStrike">
-                <a:solidFill>
-                  <a:srgbClr val="92d050"/>
+              <a:rPr lang="en-US" sz="3400" b="0" strike="noStrike" spc="-1">
+                <a:solidFill>
+                  <a:srgbClr val="92D050"/>
                 </a:solidFill>
                 <a:uFill>
                   <a:solidFill>
-                    <a:srgbClr val="ffffff"/>
+                    <a:srgbClr val="FFFFFF"/>
                   </a:solidFill>
                 </a:uFill>
                 <a:latin typeface="Consolas"/>
@@ -8723,26 +9631,26 @@
             </a:r>
             <a:br/>
             <a:r>
-              <a:rPr b="0" lang="en-US" sz="3400" spc="-1" strike="noStrike">
-                <a:solidFill>
-                  <a:srgbClr val="92d050"/>
+              <a:rPr lang="en-US" sz="3400" b="0" strike="noStrike" spc="-1">
+                <a:solidFill>
+                  <a:srgbClr val="92D050"/>
                 </a:solidFill>
                 <a:uFill>
                   <a:solidFill>
-                    <a:srgbClr val="ffffff"/>
+                    <a:srgbClr val="FFFFFF"/>
                   </a:solidFill>
                 </a:uFill>
                 <a:latin typeface="Consolas"/>
               </a:rPr>
               <a:t>Seven years of data</a:t>
             </a:r>
-            <a:endParaRPr b="0" lang="en-US" sz="3400" spc="-1" strike="noStrike">
-              <a:solidFill>
-                <a:srgbClr val="ffffff"/>
-              </a:solidFill>
-              <a:uFill>
-                <a:solidFill>
-                  <a:srgbClr val="ffffff"/>
+            <a:endParaRPr lang="en-US" sz="3400" b="0" strike="noStrike" spc="-1">
+              <a:solidFill>
+                <a:srgbClr val="FFFFFF"/>
+              </a:solidFill>
+              <a:uFill>
+                <a:solidFill>
+                  <a:srgbClr val="FFFFFF"/>
                 </a:solidFill>
               </a:uFill>
               <a:latin typeface="Candara"/>
@@ -8752,12 +9660,12 @@
       </p:sp>
       <p:pic>
         <p:nvPicPr>
-          <p:cNvPr id="131" name="" descr=""/>
+          <p:cNvPr id="131" name="Picture 130"/>
           <p:cNvPicPr/>
           <p:nvPr/>
         </p:nvPicPr>
         <p:blipFill>
-          <a:blip r:embed="rId1"/>
+          <a:blip r:embed="rId2"/>
           <a:stretch/>
         </p:blipFill>
         <p:spPr>
@@ -8775,22 +9683,25 @@
       </p:pic>
     </p:spTree>
   </p:cSld>
+  <p:clrMapOvr>
+    <a:masterClrMapping/>
+  </p:clrMapOvr>
   <p:timing>
     <p:tnLst>
       <p:par>
-        <p:cTn id="13" dur="indefinite" restart="never" nodeType="tmRoot">
+        <p:cTn id="1" dur="indefinite" restart="never" nodeType="tmRoot">
           <p:childTnLst>
             <p:seq>
-              <p:cTn id="14" nodeType="mainSeq"/>
+              <p:cTn id="2" nodeType="mainSeq"/>
               <p:prevCondLst>
-                <p:cond delay="0" evt="onPrev">
+                <p:cond evt="onPrev" delay="0">
                   <p:tgtEl>
                     <p:sldTgt/>
                   </p:tgtEl>
                 </p:cond>
               </p:prevCondLst>
               <p:nextCondLst>
-                <p:cond delay="0" evt="onNext">
+                <p:cond evt="onNext" delay="0">
                   <p:tgtEl>
                     <p:sldTgt/>
                   </p:tgtEl>
@@ -8806,7 +9717,7 @@
 </file>
 
 <file path=ppt/slides/slide8.xml><?xml version="1.0" encoding="utf-8"?>
-<p:sld xmlns:a="http://schemas.openxmlformats.org/drawingml/2006/main" xmlns:p="http://schemas.openxmlformats.org/presentationml/2006/main" xmlns:r="http://schemas.openxmlformats.org/officeDocument/2006/relationships" xmlns:p14="http://schemas.microsoft.com/office/powerpoint/2010/main" xmlns:p15="http://schemas.microsoft.com/office/powerpoint/2012/main" xmlns:mc="http://schemas.openxmlformats.org/markup-compatibility/2006">
+<p:sld xmlns:a="http://schemas.openxmlformats.org/drawingml/2006/main" xmlns:r="http://schemas.openxmlformats.org/officeDocument/2006/relationships" xmlns:p="http://schemas.openxmlformats.org/presentationml/2006/main">
   <p:cSld>
     <p:spTree>
       <p:nvGrpSpPr>
@@ -8843,6 +9754,7 @@
         </p:spPr>
         <p:txBody>
           <a:bodyPr anchor="b"/>
+          <a:lstStyle/>
           <a:p>
             <a:pPr>
               <a:lnSpc>
@@ -8850,13 +9762,13 @@
               </a:lnSpc>
             </a:pPr>
             <a:r>
-              <a:rPr b="0" lang="en-US" sz="3400" spc="-1" strike="noStrike">
-                <a:solidFill>
-                  <a:srgbClr val="92d050"/>
+              <a:rPr lang="en-US" sz="3400" b="0" strike="noStrike" spc="-1">
+                <a:solidFill>
+                  <a:srgbClr val="92D050"/>
                 </a:solidFill>
                 <a:uFill>
                   <a:solidFill>
-                    <a:srgbClr val="ffffff"/>
+                    <a:srgbClr val="FFFFFF"/>
                   </a:solidFill>
                 </a:uFill>
                 <a:latin typeface="Consolas"/>
@@ -8865,26 +9777,26 @@
             </a:r>
             <a:br/>
             <a:r>
-              <a:rPr b="0" lang="en-US" sz="3400" spc="-1" strike="noStrike">
-                <a:solidFill>
-                  <a:srgbClr val="92d050"/>
+              <a:rPr lang="en-US" sz="3400" b="0" strike="noStrike" spc="-1">
+                <a:solidFill>
+                  <a:srgbClr val="92D050"/>
                 </a:solidFill>
                 <a:uFill>
                   <a:solidFill>
-                    <a:srgbClr val="ffffff"/>
+                    <a:srgbClr val="FFFFFF"/>
                   </a:solidFill>
                 </a:uFill>
                 <a:latin typeface="Consolas"/>
               </a:rPr>
               <a:t>Seven years of data</a:t>
             </a:r>
-            <a:endParaRPr b="0" lang="en-US" sz="3400" spc="-1" strike="noStrike">
-              <a:solidFill>
-                <a:srgbClr val="ffffff"/>
-              </a:solidFill>
-              <a:uFill>
-                <a:solidFill>
-                  <a:srgbClr val="ffffff"/>
+            <a:endParaRPr lang="en-US" sz="3400" b="0" strike="noStrike" spc="-1">
+              <a:solidFill>
+                <a:srgbClr val="FFFFFF"/>
+              </a:solidFill>
+              <a:uFill>
+                <a:solidFill>
+                  <a:srgbClr val="FFFFFF"/>
                 </a:solidFill>
               </a:uFill>
               <a:latin typeface="Candara"/>
@@ -8894,12 +9806,12 @@
       </p:sp>
       <p:pic>
         <p:nvPicPr>
-          <p:cNvPr id="133" name="" descr=""/>
+          <p:cNvPr id="133" name="Picture 132"/>
           <p:cNvPicPr/>
           <p:nvPr/>
         </p:nvPicPr>
         <p:blipFill>
-          <a:blip r:embed="rId1"/>
+          <a:blip r:embed="rId2"/>
           <a:stretch/>
         </p:blipFill>
         <p:spPr>
@@ -8917,22 +9829,25 @@
       </p:pic>
     </p:spTree>
   </p:cSld>
+  <p:clrMapOvr>
+    <a:masterClrMapping/>
+  </p:clrMapOvr>
   <p:timing>
     <p:tnLst>
       <p:par>
-        <p:cTn id="15" dur="indefinite" restart="never" nodeType="tmRoot">
+        <p:cTn id="1" dur="indefinite" restart="never" nodeType="tmRoot">
           <p:childTnLst>
             <p:seq>
-              <p:cTn id="16" nodeType="mainSeq"/>
+              <p:cTn id="2" nodeType="mainSeq"/>
               <p:prevCondLst>
-                <p:cond delay="0" evt="onPrev">
+                <p:cond evt="onPrev" delay="0">
                   <p:tgtEl>
                     <p:sldTgt/>
                   </p:tgtEl>
                 </p:cond>
               </p:prevCondLst>
               <p:nextCondLst>
-                <p:cond delay="0" evt="onNext">
+                <p:cond evt="onNext" delay="0">
                   <p:tgtEl>
                     <p:sldTgt/>
                   </p:tgtEl>
@@ -8948,7 +9863,7 @@
 </file>
 
 <file path=ppt/slides/slide9.xml><?xml version="1.0" encoding="utf-8"?>
-<p:sld xmlns:a="http://schemas.openxmlformats.org/drawingml/2006/main" xmlns:p="http://schemas.openxmlformats.org/presentationml/2006/main" xmlns:r="http://schemas.openxmlformats.org/officeDocument/2006/relationships" xmlns:p14="http://schemas.microsoft.com/office/powerpoint/2010/main" xmlns:p15="http://schemas.microsoft.com/office/powerpoint/2012/main" xmlns:mc="http://schemas.openxmlformats.org/markup-compatibility/2006">
+<p:sld xmlns:a="http://schemas.openxmlformats.org/drawingml/2006/main" xmlns:r="http://schemas.openxmlformats.org/officeDocument/2006/relationships" xmlns:p="http://schemas.openxmlformats.org/presentationml/2006/main">
   <p:cSld>
     <p:spTree>
       <p:nvGrpSpPr>
@@ -8985,6 +9900,7 @@
         </p:spPr>
         <p:txBody>
           <a:bodyPr anchor="b"/>
+          <a:lstStyle/>
           <a:p>
             <a:pPr>
               <a:lnSpc>
@@ -8992,26 +9908,26 @@
               </a:lnSpc>
             </a:pPr>
             <a:r>
-              <a:rPr b="0" lang="en-US" sz="3400" spc="-1" strike="noStrike">
-                <a:solidFill>
-                  <a:srgbClr val="92d050"/>
+              <a:rPr lang="en-US" sz="3400" b="0" strike="noStrike" spc="-1" dirty="0">
+                <a:solidFill>
+                  <a:srgbClr val="92D050"/>
                 </a:solidFill>
                 <a:uFill>
                   <a:solidFill>
-                    <a:srgbClr val="ffffff"/>
+                    <a:srgbClr val="FFFFFF"/>
                   </a:solidFill>
                 </a:uFill>
                 <a:latin typeface="Consolas"/>
               </a:rPr>
               <a:t>More on Utilization vs Temp</a:t>
             </a:r>
-            <a:endParaRPr b="0" lang="en-US" sz="3400" spc="-1" strike="noStrike">
-              <a:solidFill>
-                <a:srgbClr val="ffffff"/>
-              </a:solidFill>
-              <a:uFill>
-                <a:solidFill>
-                  <a:srgbClr val="ffffff"/>
+            <a:endParaRPr lang="en-US" sz="3400" b="0" strike="noStrike" spc="-1" dirty="0">
+              <a:solidFill>
+                <a:srgbClr val="FFFFFF"/>
+              </a:solidFill>
+              <a:uFill>
+                <a:solidFill>
+                  <a:srgbClr val="FFFFFF"/>
                 </a:solidFill>
               </a:uFill>
               <a:latin typeface="Candara"/>
@@ -9021,80 +9937,7 @@
       </p:sp>
       <p:pic>
         <p:nvPicPr>
-          <p:cNvPr id="135" name="Content Placeholder 4" descr=""/>
-          <p:cNvPicPr/>
-          <p:nvPr/>
-        </p:nvPicPr>
-        <p:blipFill>
-          <a:blip r:embed="rId1"/>
-          <a:stretch/>
-        </p:blipFill>
-        <p:spPr>
-          <a:xfrm>
-            <a:off x="756720" y="1828800"/>
-            <a:ext cx="7655400" cy="2898000"/>
-          </a:xfrm>
-          <a:prstGeom prst="rect">
-            <a:avLst/>
-          </a:prstGeom>
-          <a:ln>
-            <a:noFill/>
-          </a:ln>
-        </p:spPr>
-      </p:pic>
-      <p:sp>
-        <p:nvSpPr>
-          <p:cNvPr id="136" name="TextShape 2"/>
-          <p:cNvSpPr txBox="1"/>
-          <p:nvPr/>
-        </p:nvSpPr>
-        <p:spPr>
-          <a:xfrm>
-            <a:off x="5120640" y="4206240"/>
-            <a:ext cx="2834640" cy="346320"/>
-          </a:xfrm>
-          <a:prstGeom prst="rect">
-            <a:avLst/>
-          </a:prstGeom>
-          <a:noFill/>
-          <a:ln>
-            <a:noFill/>
-          </a:ln>
-        </p:spPr>
-        <p:txBody>
-          <a:bodyPr lIns="90000" rIns="90000" tIns="45000" bIns="45000"/>
-          <a:p>
-            <a:r>
-              <a:rPr b="0" lang="en-US" sz="1800" spc="-1" strike="noStrike">
-                <a:solidFill>
-                  <a:srgbClr val="000000"/>
-                </a:solidFill>
-                <a:uFill>
-                  <a:solidFill>
-                    <a:srgbClr val="ffffff"/>
-                  </a:solidFill>
-                </a:uFill>
-                <a:latin typeface="Arial"/>
-              </a:rPr>
-              <a:t>Six months of data</a:t>
-            </a:r>
-            <a:endParaRPr b="0" lang="en-US" sz="1800" spc="-1" strike="noStrike">
-              <a:solidFill>
-                <a:srgbClr val="000000"/>
-              </a:solidFill>
-              <a:uFill>
-                <a:solidFill>
-                  <a:srgbClr val="ffffff"/>
-                </a:solidFill>
-              </a:uFill>
-              <a:latin typeface="Arial"/>
-            </a:endParaRPr>
-          </a:p>
-        </p:txBody>
-      </p:sp>
-      <p:pic>
-        <p:nvPicPr>
-          <p:cNvPr id="137" name="" descr=""/>
+          <p:cNvPr id="135" name="Content Placeholder 4"/>
           <p:cNvPicPr/>
           <p:nvPr/>
         </p:nvPicPr>
@@ -9104,8 +9947,8 @@
         </p:blipFill>
         <p:spPr>
           <a:xfrm>
-            <a:off x="756720" y="4714920"/>
-            <a:ext cx="7655400" cy="862920"/>
+            <a:off x="756720" y="1828800"/>
+            <a:ext cx="7655400" cy="2898000"/>
           </a:xfrm>
           <a:prstGeom prst="rect">
             <a:avLst/>
@@ -9117,14 +9960,14 @@
       </p:pic>
       <p:sp>
         <p:nvSpPr>
-          <p:cNvPr id="138" name="TextShape 3"/>
+          <p:cNvPr id="136" name="TextShape 2"/>
           <p:cNvSpPr txBox="1"/>
           <p:nvPr/>
         </p:nvSpPr>
         <p:spPr>
           <a:xfrm>
-            <a:off x="5120640" y="4937760"/>
-            <a:ext cx="2743200" cy="365760"/>
+            <a:off x="5120640" y="4206240"/>
+            <a:ext cx="2834640" cy="346320"/>
           </a:xfrm>
           <a:prstGeom prst="rect">
             <a:avLst/>
@@ -9135,54 +9978,110 @@
           </a:ln>
         </p:spPr>
         <p:txBody>
-          <a:bodyPr lIns="90000" rIns="90000" tIns="45000" bIns="45000"/>
+          <a:bodyPr lIns="90000" tIns="45000" rIns="90000" bIns="45000"/>
+          <a:lstStyle/>
           <a:p>
             <a:r>
-              <a:rPr b="0" lang="en-US" sz="1800" spc="-1" strike="noStrike">
+              <a:rPr lang="en-US" sz="1800" b="0" strike="noStrike" spc="-1">
                 <a:solidFill>
                   <a:srgbClr val="000000"/>
                 </a:solidFill>
                 <a:uFill>
                   <a:solidFill>
-                    <a:srgbClr val="ffffff"/>
+                    <a:srgbClr val="FFFFFF"/>
+                  </a:solidFill>
+                </a:uFill>
+                <a:latin typeface="Arial"/>
+              </a:rPr>
+              <a:t>Six months of data</a:t>
+            </a:r>
+          </a:p>
+        </p:txBody>
+      </p:sp>
+      <p:pic>
+        <p:nvPicPr>
+          <p:cNvPr id="137" name="Picture 136"/>
+          <p:cNvPicPr/>
+          <p:nvPr/>
+        </p:nvPicPr>
+        <p:blipFill>
+          <a:blip r:embed="rId3"/>
+          <a:stretch/>
+        </p:blipFill>
+        <p:spPr>
+          <a:xfrm>
+            <a:off x="756720" y="4714920"/>
+            <a:ext cx="7655400" cy="862920"/>
+          </a:xfrm>
+          <a:prstGeom prst="rect">
+            <a:avLst/>
+          </a:prstGeom>
+          <a:ln>
+            <a:noFill/>
+          </a:ln>
+        </p:spPr>
+      </p:pic>
+      <p:sp>
+        <p:nvSpPr>
+          <p:cNvPr id="138" name="TextShape 3"/>
+          <p:cNvSpPr txBox="1"/>
+          <p:nvPr/>
+        </p:nvSpPr>
+        <p:spPr>
+          <a:xfrm>
+            <a:off x="5120640" y="4937760"/>
+            <a:ext cx="2743200" cy="365760"/>
+          </a:xfrm>
+          <a:prstGeom prst="rect">
+            <a:avLst/>
+          </a:prstGeom>
+          <a:noFill/>
+          <a:ln>
+            <a:noFill/>
+          </a:ln>
+        </p:spPr>
+        <p:txBody>
+          <a:bodyPr lIns="90000" tIns="45000" rIns="90000" bIns="45000"/>
+          <a:lstStyle/>
+          <a:p>
+            <a:r>
+              <a:rPr lang="en-US" sz="1800" b="0" strike="noStrike" spc="-1">
+                <a:solidFill>
+                  <a:srgbClr val="000000"/>
+                </a:solidFill>
+                <a:uFill>
+                  <a:solidFill>
+                    <a:srgbClr val="FFFFFF"/>
                   </a:solidFill>
                 </a:uFill>
                 <a:latin typeface="Arial"/>
               </a:rPr>
               <a:t>Seven year’s of data</a:t>
             </a:r>
-            <a:endParaRPr b="0" lang="en-US" sz="1800" spc="-1" strike="noStrike">
-              <a:solidFill>
-                <a:srgbClr val="000000"/>
-              </a:solidFill>
-              <a:uFill>
-                <a:solidFill>
-                  <a:srgbClr val="ffffff"/>
-                </a:solidFill>
-              </a:uFill>
-              <a:latin typeface="Arial"/>
-            </a:endParaRPr>
           </a:p>
         </p:txBody>
       </p:sp>
     </p:spTree>
   </p:cSld>
+  <p:clrMapOvr>
+    <a:masterClrMapping/>
+  </p:clrMapOvr>
   <p:timing>
     <p:tnLst>
       <p:par>
-        <p:cTn id="17" dur="indefinite" restart="never" nodeType="tmRoot">
+        <p:cTn id="1" dur="indefinite" restart="never" nodeType="tmRoot">
           <p:childTnLst>
             <p:seq>
-              <p:cTn id="18" nodeType="mainSeq"/>
+              <p:cTn id="2" nodeType="mainSeq"/>
               <p:prevCondLst>
-                <p:cond delay="0" evt="onPrev">
+                <p:cond evt="onPrev" delay="0">
                   <p:tgtEl>
                     <p:sldTgt/>
                   </p:tgtEl>
                 </p:cond>
               </p:prevCondLst>
               <p:nextCondLst>
-                <p:cond delay="0" evt="onNext">
+                <p:cond evt="onNext" delay="0">
                   <p:tgtEl>
                     <p:sldTgt/>
                   </p:tgtEl>
@@ -9417,6 +10316,8 @@
       </a:bgFillStyleLst>
     </a:fmtScheme>
   </a:themeElements>
+  <a:objectDefaults/>
+  <a:extraClrSchemeLst/>
 </a:theme>
 </file>
 
@@ -9640,6 +10541,8 @@
       </a:bgFillStyleLst>
     </a:fmtScheme>
   </a:themeElements>
+  <a:objectDefaults/>
+  <a:extraClrSchemeLst/>
 </a:theme>
 </file>
 
@@ -9863,5 +10766,7 @@
       </a:bgFillStyleLst>
     </a:fmtScheme>
   </a:themeElements>
+  <a:objectDefaults/>
+  <a:extraClrSchemeLst/>
 </a:theme>
 </file>